--- a/DataCW3M/CW3MdigitalHandbook/McKenzieGages.pptx
+++ b/DataCW3M/CW3MdigitalHandbook/McKenzieGages.pptx
@@ -7,6 +7,7 @@
   <p:sldIdLst>
     <p:sldId id="256" r:id="rId2"/>
     <p:sldId id="257" r:id="rId3"/>
+    <p:sldId id="258" r:id="rId4"/>
   </p:sldIdLst>
   <p:sldSz cx="12192000" cy="6858000"/>
   <p:notesSz cx="7099300" cy="9385300"/>
@@ -105,6 +106,11 @@
       </a:defRPr>
     </a:lvl9pPr>
   </p:defaultTextStyle>
+  <p:extLst>
+    <p:ext uri="{EFAFB233-063F-42B5-8137-9DF3F51BA10A}">
+      <p15:sldGuideLst xmlns:p15="http://schemas.microsoft.com/office/powerpoint/2012/main"/>
+    </p:ext>
+  </p:extLst>
 </p:presentation>
 </file>
 
@@ -255,7 +261,7 @@
           <a:p>
             <a:fld id="{A1271B54-4FE3-4F00-A9A1-C0715B607BDA}" type="datetimeFigureOut">
               <a:rPr lang="en-US" smtClean="0"/>
-              <a:t>10/30/2020</a:t>
+              <a:t>11/13/2020</a:t>
             </a:fld>
             <a:endParaRPr lang="en-US"/>
           </a:p>
@@ -453,7 +459,7 @@
           <a:p>
             <a:fld id="{A1271B54-4FE3-4F00-A9A1-C0715B607BDA}" type="datetimeFigureOut">
               <a:rPr lang="en-US" smtClean="0"/>
-              <a:t>10/30/2020</a:t>
+              <a:t>11/13/2020</a:t>
             </a:fld>
             <a:endParaRPr lang="en-US"/>
           </a:p>
@@ -661,7 +667,7 @@
           <a:p>
             <a:fld id="{A1271B54-4FE3-4F00-A9A1-C0715B607BDA}" type="datetimeFigureOut">
               <a:rPr lang="en-US" smtClean="0"/>
-              <a:t>10/30/2020</a:t>
+              <a:t>11/13/2020</a:t>
             </a:fld>
             <a:endParaRPr lang="en-US"/>
           </a:p>
@@ -859,7 +865,7 @@
           <a:p>
             <a:fld id="{A1271B54-4FE3-4F00-A9A1-C0715B607BDA}" type="datetimeFigureOut">
               <a:rPr lang="en-US" smtClean="0"/>
-              <a:t>10/30/2020</a:t>
+              <a:t>11/13/2020</a:t>
             </a:fld>
             <a:endParaRPr lang="en-US"/>
           </a:p>
@@ -1134,7 +1140,7 @@
           <a:p>
             <a:fld id="{A1271B54-4FE3-4F00-A9A1-C0715B607BDA}" type="datetimeFigureOut">
               <a:rPr lang="en-US" smtClean="0"/>
-              <a:t>10/30/2020</a:t>
+              <a:t>11/13/2020</a:t>
             </a:fld>
             <a:endParaRPr lang="en-US"/>
           </a:p>
@@ -1399,7 +1405,7 @@
           <a:p>
             <a:fld id="{A1271B54-4FE3-4F00-A9A1-C0715B607BDA}" type="datetimeFigureOut">
               <a:rPr lang="en-US" smtClean="0"/>
-              <a:t>10/30/2020</a:t>
+              <a:t>11/13/2020</a:t>
             </a:fld>
             <a:endParaRPr lang="en-US"/>
           </a:p>
@@ -1811,7 +1817,7 @@
           <a:p>
             <a:fld id="{A1271B54-4FE3-4F00-A9A1-C0715B607BDA}" type="datetimeFigureOut">
               <a:rPr lang="en-US" smtClean="0"/>
-              <a:t>10/30/2020</a:t>
+              <a:t>11/13/2020</a:t>
             </a:fld>
             <a:endParaRPr lang="en-US"/>
           </a:p>
@@ -1952,7 +1958,7 @@
           <a:p>
             <a:fld id="{A1271B54-4FE3-4F00-A9A1-C0715B607BDA}" type="datetimeFigureOut">
               <a:rPr lang="en-US" smtClean="0"/>
-              <a:t>10/30/2020</a:t>
+              <a:t>11/13/2020</a:t>
             </a:fld>
             <a:endParaRPr lang="en-US"/>
           </a:p>
@@ -2065,7 +2071,7 @@
           <a:p>
             <a:fld id="{A1271B54-4FE3-4F00-A9A1-C0715B607BDA}" type="datetimeFigureOut">
               <a:rPr lang="en-US" smtClean="0"/>
-              <a:t>10/30/2020</a:t>
+              <a:t>11/13/2020</a:t>
             </a:fld>
             <a:endParaRPr lang="en-US"/>
           </a:p>
@@ -2376,7 +2382,7 @@
           <a:p>
             <a:fld id="{A1271B54-4FE3-4F00-A9A1-C0715B607BDA}" type="datetimeFigureOut">
               <a:rPr lang="en-US" smtClean="0"/>
-              <a:t>10/30/2020</a:t>
+              <a:t>11/13/2020</a:t>
             </a:fld>
             <a:endParaRPr lang="en-US"/>
           </a:p>
@@ -2664,7 +2670,7 @@
           <a:p>
             <a:fld id="{A1271B54-4FE3-4F00-A9A1-C0715B607BDA}" type="datetimeFigureOut">
               <a:rPr lang="en-US" smtClean="0"/>
-              <a:t>10/30/2020</a:t>
+              <a:t>11/13/2020</a:t>
             </a:fld>
             <a:endParaRPr lang="en-US"/>
           </a:p>
@@ -2905,7 +2911,7 @@
           <a:p>
             <a:fld id="{A1271B54-4FE3-4F00-A9A1-C0715B607BDA}" type="datetimeFigureOut">
               <a:rPr lang="en-US" smtClean="0"/>
-              <a:t>10/30/2020</a:t>
+              <a:t>11/13/2020</a:t>
             </a:fld>
             <a:endParaRPr lang="en-US"/>
           </a:p>
@@ -4572,6 +4578,226 @@
 </p:sld>
 </file>
 
+<file path=ppt/slides/slide3.xml><?xml version="1.0" encoding="utf-8"?>
+<p:sld xmlns:a="http://schemas.openxmlformats.org/drawingml/2006/main" xmlns:r="http://schemas.openxmlformats.org/officeDocument/2006/relationships" xmlns:p="http://schemas.openxmlformats.org/presentationml/2006/main">
+  <p:cSld>
+    <p:spTree>
+      <p:nvGrpSpPr>
+        <p:cNvPr id="1" name=""/>
+        <p:cNvGrpSpPr/>
+        <p:nvPr/>
+      </p:nvGrpSpPr>
+      <p:grpSpPr>
+        <a:xfrm>
+          <a:off x="0" y="0"/>
+          <a:ext cx="0" cy="0"/>
+          <a:chOff x="0" y="0"/>
+          <a:chExt cx="0" cy="0"/>
+        </a:xfrm>
+      </p:grpSpPr>
+      <p:pic>
+        <p:nvPicPr>
+          <p:cNvPr id="2" name="Picture 1">
+            <a:extLst>
+              <a:ext uri="{FF2B5EF4-FFF2-40B4-BE49-F238E27FC236}">
+                <a16:creationId xmlns:a16="http://schemas.microsoft.com/office/drawing/2014/main" id="{2BE6F3D0-5238-4505-83C8-1A8296A35489}"/>
+              </a:ext>
+            </a:extLst>
+          </p:cNvPr>
+          <p:cNvPicPr>
+            <a:picLocks noChangeAspect="1"/>
+          </p:cNvPicPr>
+          <p:nvPr/>
+        </p:nvPicPr>
+        <p:blipFill>
+          <a:blip r:embed="rId2"/>
+          <a:stretch>
+            <a:fillRect/>
+          </a:stretch>
+        </p:blipFill>
+        <p:spPr>
+          <a:xfrm>
+            <a:off x="82643" y="217114"/>
+            <a:ext cx="6578133" cy="3564097"/>
+          </a:xfrm>
+          <a:prstGeom prst="rect">
+            <a:avLst/>
+          </a:prstGeom>
+        </p:spPr>
+      </p:pic>
+      <p:pic>
+        <p:nvPicPr>
+          <p:cNvPr id="3" name="Picture 2">
+            <a:extLst>
+              <a:ext uri="{FF2B5EF4-FFF2-40B4-BE49-F238E27FC236}">
+                <a16:creationId xmlns:a16="http://schemas.microsoft.com/office/drawing/2014/main" id="{B323E1AB-EACA-4171-9702-EEE7F1CC9D0E}"/>
+              </a:ext>
+            </a:extLst>
+          </p:cNvPr>
+          <p:cNvPicPr>
+            <a:picLocks noChangeAspect="1"/>
+          </p:cNvPicPr>
+          <p:nvPr/>
+        </p:nvPicPr>
+        <p:blipFill>
+          <a:blip r:embed="rId3"/>
+          <a:stretch>
+            <a:fillRect/>
+          </a:stretch>
+        </p:blipFill>
+        <p:spPr>
+          <a:xfrm>
+            <a:off x="5526612" y="3293903"/>
+            <a:ext cx="6582745" cy="3564097"/>
+          </a:xfrm>
+          <a:prstGeom prst="rect">
+            <a:avLst/>
+          </a:prstGeom>
+        </p:spPr>
+      </p:pic>
+      <p:sp>
+        <p:nvSpPr>
+          <p:cNvPr id="4" name="TextBox 3">
+            <a:extLst>
+              <a:ext uri="{FF2B5EF4-FFF2-40B4-BE49-F238E27FC236}">
+                <a16:creationId xmlns:a16="http://schemas.microsoft.com/office/drawing/2014/main" id="{79A8368A-22DC-4B66-9E03-52F336FEEB6A}"/>
+              </a:ext>
+            </a:extLst>
+          </p:cNvPr>
+          <p:cNvSpPr txBox="1"/>
+          <p:nvPr/>
+        </p:nvSpPr>
+        <p:spPr>
+          <a:xfrm>
+            <a:off x="0" y="3781211"/>
+            <a:ext cx="2247410" cy="1754326"/>
+          </a:xfrm>
+          <a:prstGeom prst="rect">
+            <a:avLst/>
+          </a:prstGeom>
+          <a:noFill/>
+        </p:spPr>
+        <p:txBody>
+          <a:bodyPr wrap="none" rtlCol="0">
+            <a:spAutoFit/>
+          </a:bodyPr>
+          <a:lstStyle/>
+          <a:p>
+            <a:r>
+              <a:rPr lang="en-US" dirty="0"/>
+              <a:t>Lookout Cr. gage with </a:t>
+            </a:r>
+          </a:p>
+          <a:p>
+            <a:r>
+              <a:rPr lang="en-US" dirty="0"/>
+              <a:t>0.36 cms spring water</a:t>
+            </a:r>
+          </a:p>
+          <a:p>
+            <a:r>
+              <a:rPr lang="en-US" dirty="0"/>
+              <a:t>NSE 0.84 VG</a:t>
+            </a:r>
+          </a:p>
+          <a:p>
+            <a:r>
+              <a:rPr lang="en-US" dirty="0"/>
+              <a:t>%BIAS -1.7% VG</a:t>
+            </a:r>
+          </a:p>
+          <a:p>
+            <a:r>
+              <a:rPr lang="en-US" dirty="0"/>
+              <a:t>RSR 0.40 VG</a:t>
+            </a:r>
+          </a:p>
+          <a:p>
+            <a:r>
+              <a:rPr lang="en-US" dirty="0"/>
+              <a:t>R2 0.84 G</a:t>
+            </a:r>
+          </a:p>
+        </p:txBody>
+      </p:sp>
+      <p:sp>
+        <p:nvSpPr>
+          <p:cNvPr id="6" name="TextBox 5">
+            <a:extLst>
+              <a:ext uri="{FF2B5EF4-FFF2-40B4-BE49-F238E27FC236}">
+                <a16:creationId xmlns:a16="http://schemas.microsoft.com/office/drawing/2014/main" id="{7732A5CA-C51B-42DB-A0E7-712644A5BA6F}"/>
+              </a:ext>
+            </a:extLst>
+          </p:cNvPr>
+          <p:cNvSpPr txBox="1"/>
+          <p:nvPr/>
+        </p:nvSpPr>
+        <p:spPr>
+          <a:xfrm>
+            <a:off x="9884960" y="1539577"/>
+            <a:ext cx="2240550" cy="1754326"/>
+          </a:xfrm>
+          <a:prstGeom prst="rect">
+            <a:avLst/>
+          </a:prstGeom>
+          <a:noFill/>
+        </p:spPr>
+        <p:txBody>
+          <a:bodyPr wrap="none" rtlCol="0">
+            <a:spAutoFit/>
+          </a:bodyPr>
+          <a:lstStyle/>
+          <a:p>
+            <a:r>
+              <a:rPr lang="en-US" dirty="0"/>
+              <a:t>Clear Lake gage with </a:t>
+            </a:r>
+          </a:p>
+          <a:p>
+            <a:r>
+              <a:rPr lang="en-US" dirty="0"/>
+              <a:t>8.52 cms spring water</a:t>
+            </a:r>
+          </a:p>
+          <a:p>
+            <a:r>
+              <a:rPr lang="en-US" dirty="0"/>
+              <a:t>NSE 0.43 NS</a:t>
+            </a:r>
+          </a:p>
+          <a:p>
+            <a:r>
+              <a:rPr lang="en-US" dirty="0"/>
+              <a:t>%BIAS 0.0% VG</a:t>
+            </a:r>
+          </a:p>
+          <a:p>
+            <a:r>
+              <a:rPr lang="en-US" dirty="0"/>
+              <a:t>RSR 0.76 NS</a:t>
+            </a:r>
+          </a:p>
+          <a:p>
+            <a:r>
+              <a:rPr lang="en-US" dirty="0"/>
+              <a:t>R2 0.43 NS</a:t>
+            </a:r>
+          </a:p>
+        </p:txBody>
+      </p:sp>
+    </p:spTree>
+    <p:extLst>
+      <p:ext uri="{BB962C8B-B14F-4D97-AF65-F5344CB8AC3E}">
+        <p14:creationId xmlns:p14="http://schemas.microsoft.com/office/powerpoint/2010/main" val="2976461848"/>
+      </p:ext>
+    </p:extLst>
+  </p:cSld>
+  <p:clrMapOvr>
+    <a:masterClrMapping/>
+  </p:clrMapOvr>
+</p:sld>
+</file>
+
 <file path=ppt/theme/theme1.xml><?xml version="1.0" encoding="utf-8"?>
 <a:theme xmlns:a="http://schemas.openxmlformats.org/drawingml/2006/main" name="Office Theme">
   <a:themeElements>

--- a/DataCW3M/CW3MdigitalHandbook/McKenzieGages.pptx
+++ b/DataCW3M/CW3MdigitalHandbook/McKenzieGages.pptx
@@ -8,6 +8,7 @@
     <p:sldId id="256" r:id="rId2"/>
     <p:sldId id="257" r:id="rId3"/>
     <p:sldId id="258" r:id="rId4"/>
+    <p:sldId id="259" r:id="rId5"/>
   </p:sldIdLst>
   <p:sldSz cx="12192000" cy="6858000"/>
   <p:notesSz cx="7099300" cy="9385300"/>
@@ -261,7 +262,7 @@
           <a:p>
             <a:fld id="{A1271B54-4FE3-4F00-A9A1-C0715B607BDA}" type="datetimeFigureOut">
               <a:rPr lang="en-US" smtClean="0"/>
-              <a:t>11/13/2020</a:t>
+              <a:t>11/17/2020</a:t>
             </a:fld>
             <a:endParaRPr lang="en-US"/>
           </a:p>
@@ -459,7 +460,7 @@
           <a:p>
             <a:fld id="{A1271B54-4FE3-4F00-A9A1-C0715B607BDA}" type="datetimeFigureOut">
               <a:rPr lang="en-US" smtClean="0"/>
-              <a:t>11/13/2020</a:t>
+              <a:t>11/17/2020</a:t>
             </a:fld>
             <a:endParaRPr lang="en-US"/>
           </a:p>
@@ -667,7 +668,7 @@
           <a:p>
             <a:fld id="{A1271B54-4FE3-4F00-A9A1-C0715B607BDA}" type="datetimeFigureOut">
               <a:rPr lang="en-US" smtClean="0"/>
-              <a:t>11/13/2020</a:t>
+              <a:t>11/17/2020</a:t>
             </a:fld>
             <a:endParaRPr lang="en-US"/>
           </a:p>
@@ -865,7 +866,7 @@
           <a:p>
             <a:fld id="{A1271B54-4FE3-4F00-A9A1-C0715B607BDA}" type="datetimeFigureOut">
               <a:rPr lang="en-US" smtClean="0"/>
-              <a:t>11/13/2020</a:t>
+              <a:t>11/17/2020</a:t>
             </a:fld>
             <a:endParaRPr lang="en-US"/>
           </a:p>
@@ -1140,7 +1141,7 @@
           <a:p>
             <a:fld id="{A1271B54-4FE3-4F00-A9A1-C0715B607BDA}" type="datetimeFigureOut">
               <a:rPr lang="en-US" smtClean="0"/>
-              <a:t>11/13/2020</a:t>
+              <a:t>11/17/2020</a:t>
             </a:fld>
             <a:endParaRPr lang="en-US"/>
           </a:p>
@@ -1405,7 +1406,7 @@
           <a:p>
             <a:fld id="{A1271B54-4FE3-4F00-A9A1-C0715B607BDA}" type="datetimeFigureOut">
               <a:rPr lang="en-US" smtClean="0"/>
-              <a:t>11/13/2020</a:t>
+              <a:t>11/17/2020</a:t>
             </a:fld>
             <a:endParaRPr lang="en-US"/>
           </a:p>
@@ -1817,7 +1818,7 @@
           <a:p>
             <a:fld id="{A1271B54-4FE3-4F00-A9A1-C0715B607BDA}" type="datetimeFigureOut">
               <a:rPr lang="en-US" smtClean="0"/>
-              <a:t>11/13/2020</a:t>
+              <a:t>11/17/2020</a:t>
             </a:fld>
             <a:endParaRPr lang="en-US"/>
           </a:p>
@@ -1958,7 +1959,7 @@
           <a:p>
             <a:fld id="{A1271B54-4FE3-4F00-A9A1-C0715B607BDA}" type="datetimeFigureOut">
               <a:rPr lang="en-US" smtClean="0"/>
-              <a:t>11/13/2020</a:t>
+              <a:t>11/17/2020</a:t>
             </a:fld>
             <a:endParaRPr lang="en-US"/>
           </a:p>
@@ -2071,7 +2072,7 @@
           <a:p>
             <a:fld id="{A1271B54-4FE3-4F00-A9A1-C0715B607BDA}" type="datetimeFigureOut">
               <a:rPr lang="en-US" smtClean="0"/>
-              <a:t>11/13/2020</a:t>
+              <a:t>11/17/2020</a:t>
             </a:fld>
             <a:endParaRPr lang="en-US"/>
           </a:p>
@@ -2382,7 +2383,7 @@
           <a:p>
             <a:fld id="{A1271B54-4FE3-4F00-A9A1-C0715B607BDA}" type="datetimeFigureOut">
               <a:rPr lang="en-US" smtClean="0"/>
-              <a:t>11/13/2020</a:t>
+              <a:t>11/17/2020</a:t>
             </a:fld>
             <a:endParaRPr lang="en-US"/>
           </a:p>
@@ -2670,7 +2671,7 @@
           <a:p>
             <a:fld id="{A1271B54-4FE3-4F00-A9A1-C0715B607BDA}" type="datetimeFigureOut">
               <a:rPr lang="en-US" smtClean="0"/>
-              <a:t>11/13/2020</a:t>
+              <a:t>11/17/2020</a:t>
             </a:fld>
             <a:endParaRPr lang="en-US"/>
           </a:p>
@@ -2911,7 +2912,7 @@
           <a:p>
             <a:fld id="{A1271B54-4FE3-4F00-A9A1-C0715B607BDA}" type="datetimeFigureOut">
               <a:rPr lang="en-US" smtClean="0"/>
-              <a:t>11/13/2020</a:t>
+              <a:t>11/17/2020</a:t>
             </a:fld>
             <a:endParaRPr lang="en-US"/>
           </a:p>
@@ -4798,6 +4799,96 @@
 </p:sld>
 </file>
 
+<file path=ppt/slides/slide4.xml><?xml version="1.0" encoding="utf-8"?>
+<p:sld xmlns:a="http://schemas.openxmlformats.org/drawingml/2006/main" xmlns:r="http://schemas.openxmlformats.org/officeDocument/2006/relationships" xmlns:p="http://schemas.openxmlformats.org/presentationml/2006/main">
+  <p:cSld>
+    <p:spTree>
+      <p:nvGrpSpPr>
+        <p:cNvPr id="1" name=""/>
+        <p:cNvGrpSpPr/>
+        <p:nvPr/>
+      </p:nvGrpSpPr>
+      <p:grpSpPr>
+        <a:xfrm>
+          <a:off x="0" y="0"/>
+          <a:ext cx="0" cy="0"/>
+          <a:chOff x="0" y="0"/>
+          <a:chExt cx="0" cy="0"/>
+        </a:xfrm>
+      </p:grpSpPr>
+      <p:pic>
+        <p:nvPicPr>
+          <p:cNvPr id="2" name="Picture 1">
+            <a:extLst>
+              <a:ext uri="{FF2B5EF4-FFF2-40B4-BE49-F238E27FC236}">
+                <a16:creationId xmlns:a16="http://schemas.microsoft.com/office/drawing/2014/main" id="{4F2CCC2A-BFD8-45D2-8A02-EF199D858479}"/>
+              </a:ext>
+            </a:extLst>
+          </p:cNvPr>
+          <p:cNvPicPr>
+            <a:picLocks noChangeAspect="1"/>
+          </p:cNvPicPr>
+          <p:nvPr/>
+        </p:nvPicPr>
+        <p:blipFill>
+          <a:blip r:embed="rId2"/>
+          <a:stretch>
+            <a:fillRect/>
+          </a:stretch>
+        </p:blipFill>
+        <p:spPr>
+          <a:xfrm>
+            <a:off x="2748242" y="0"/>
+            <a:ext cx="6081993" cy="3648635"/>
+          </a:xfrm>
+          <a:prstGeom prst="rect">
+            <a:avLst/>
+          </a:prstGeom>
+        </p:spPr>
+      </p:pic>
+      <p:pic>
+        <p:nvPicPr>
+          <p:cNvPr id="3" name="Picture 2">
+            <a:extLst>
+              <a:ext uri="{FF2B5EF4-FFF2-40B4-BE49-F238E27FC236}">
+                <a16:creationId xmlns:a16="http://schemas.microsoft.com/office/drawing/2014/main" id="{325BB38F-E72F-4874-A384-E08E22BA3619}"/>
+              </a:ext>
+            </a:extLst>
+          </p:cNvPr>
+          <p:cNvPicPr>
+            <a:picLocks noChangeAspect="1"/>
+          </p:cNvPicPr>
+          <p:nvPr/>
+        </p:nvPicPr>
+        <p:blipFill>
+          <a:blip r:embed="rId3"/>
+          <a:stretch>
+            <a:fillRect/>
+          </a:stretch>
+        </p:blipFill>
+        <p:spPr>
+          <a:xfrm>
+            <a:off x="3725395" y="3648635"/>
+            <a:ext cx="5185524" cy="3209365"/>
+          </a:xfrm>
+          <a:prstGeom prst="rect">
+            <a:avLst/>
+          </a:prstGeom>
+        </p:spPr>
+      </p:pic>
+    </p:spTree>
+    <p:extLst>
+      <p:ext uri="{BB962C8B-B14F-4D97-AF65-F5344CB8AC3E}">
+        <p14:creationId xmlns:p14="http://schemas.microsoft.com/office/powerpoint/2010/main" val="3499194597"/>
+      </p:ext>
+    </p:extLst>
+  </p:cSld>
+  <p:clrMapOvr>
+    <a:masterClrMapping/>
+  </p:clrMapOvr>
+</p:sld>
+</file>
+
 <file path=ppt/theme/theme1.xml><?xml version="1.0" encoding="utf-8"?>
 <a:theme xmlns:a="http://schemas.openxmlformats.org/drawingml/2006/main" name="Office Theme">
   <a:themeElements>

--- a/DataCW3M/CW3MdigitalHandbook/McKenzieGages.pptx
+++ b/DataCW3M/CW3MdigitalHandbook/McKenzieGages.pptx
@@ -9,6 +9,7 @@
     <p:sldId id="257" r:id="rId3"/>
     <p:sldId id="258" r:id="rId4"/>
     <p:sldId id="259" r:id="rId5"/>
+    <p:sldId id="260" r:id="rId6"/>
   </p:sldIdLst>
   <p:sldSz cx="12192000" cy="6858000"/>
   <p:notesSz cx="7099300" cy="9385300"/>
@@ -262,7 +263,7 @@
           <a:p>
             <a:fld id="{A1271B54-4FE3-4F00-A9A1-C0715B607BDA}" type="datetimeFigureOut">
               <a:rPr lang="en-US" smtClean="0"/>
-              <a:t>11/17/2020</a:t>
+              <a:t>11/25/2020</a:t>
             </a:fld>
             <a:endParaRPr lang="en-US"/>
           </a:p>
@@ -460,7 +461,7 @@
           <a:p>
             <a:fld id="{A1271B54-4FE3-4F00-A9A1-C0715B607BDA}" type="datetimeFigureOut">
               <a:rPr lang="en-US" smtClean="0"/>
-              <a:t>11/17/2020</a:t>
+              <a:t>11/25/2020</a:t>
             </a:fld>
             <a:endParaRPr lang="en-US"/>
           </a:p>
@@ -668,7 +669,7 @@
           <a:p>
             <a:fld id="{A1271B54-4FE3-4F00-A9A1-C0715B607BDA}" type="datetimeFigureOut">
               <a:rPr lang="en-US" smtClean="0"/>
-              <a:t>11/17/2020</a:t>
+              <a:t>11/25/2020</a:t>
             </a:fld>
             <a:endParaRPr lang="en-US"/>
           </a:p>
@@ -866,7 +867,7 @@
           <a:p>
             <a:fld id="{A1271B54-4FE3-4F00-A9A1-C0715B607BDA}" type="datetimeFigureOut">
               <a:rPr lang="en-US" smtClean="0"/>
-              <a:t>11/17/2020</a:t>
+              <a:t>11/25/2020</a:t>
             </a:fld>
             <a:endParaRPr lang="en-US"/>
           </a:p>
@@ -1141,7 +1142,7 @@
           <a:p>
             <a:fld id="{A1271B54-4FE3-4F00-A9A1-C0715B607BDA}" type="datetimeFigureOut">
               <a:rPr lang="en-US" smtClean="0"/>
-              <a:t>11/17/2020</a:t>
+              <a:t>11/25/2020</a:t>
             </a:fld>
             <a:endParaRPr lang="en-US"/>
           </a:p>
@@ -1406,7 +1407,7 @@
           <a:p>
             <a:fld id="{A1271B54-4FE3-4F00-A9A1-C0715B607BDA}" type="datetimeFigureOut">
               <a:rPr lang="en-US" smtClean="0"/>
-              <a:t>11/17/2020</a:t>
+              <a:t>11/25/2020</a:t>
             </a:fld>
             <a:endParaRPr lang="en-US"/>
           </a:p>
@@ -1818,7 +1819,7 @@
           <a:p>
             <a:fld id="{A1271B54-4FE3-4F00-A9A1-C0715B607BDA}" type="datetimeFigureOut">
               <a:rPr lang="en-US" smtClean="0"/>
-              <a:t>11/17/2020</a:t>
+              <a:t>11/25/2020</a:t>
             </a:fld>
             <a:endParaRPr lang="en-US"/>
           </a:p>
@@ -1959,7 +1960,7 @@
           <a:p>
             <a:fld id="{A1271B54-4FE3-4F00-A9A1-C0715B607BDA}" type="datetimeFigureOut">
               <a:rPr lang="en-US" smtClean="0"/>
-              <a:t>11/17/2020</a:t>
+              <a:t>11/25/2020</a:t>
             </a:fld>
             <a:endParaRPr lang="en-US"/>
           </a:p>
@@ -2072,7 +2073,7 @@
           <a:p>
             <a:fld id="{A1271B54-4FE3-4F00-A9A1-C0715B607BDA}" type="datetimeFigureOut">
               <a:rPr lang="en-US" smtClean="0"/>
-              <a:t>11/17/2020</a:t>
+              <a:t>11/25/2020</a:t>
             </a:fld>
             <a:endParaRPr lang="en-US"/>
           </a:p>
@@ -2383,7 +2384,7 @@
           <a:p>
             <a:fld id="{A1271B54-4FE3-4F00-A9A1-C0715B607BDA}" type="datetimeFigureOut">
               <a:rPr lang="en-US" smtClean="0"/>
-              <a:t>11/17/2020</a:t>
+              <a:t>11/25/2020</a:t>
             </a:fld>
             <a:endParaRPr lang="en-US"/>
           </a:p>
@@ -2671,7 +2672,7 @@
           <a:p>
             <a:fld id="{A1271B54-4FE3-4F00-A9A1-C0715B607BDA}" type="datetimeFigureOut">
               <a:rPr lang="en-US" smtClean="0"/>
-              <a:t>11/17/2020</a:t>
+              <a:t>11/25/2020</a:t>
             </a:fld>
             <a:endParaRPr lang="en-US"/>
           </a:p>
@@ -2912,7 +2913,7 @@
           <a:p>
             <a:fld id="{A1271B54-4FE3-4F00-A9A1-C0715B607BDA}" type="datetimeFigureOut">
               <a:rPr lang="en-US" smtClean="0"/>
-              <a:t>11/17/2020</a:t>
+              <a:t>11/25/2020</a:t>
             </a:fld>
             <a:endParaRPr lang="en-US"/>
           </a:p>
@@ -4889,6 +4890,96 @@
 </p:sld>
 </file>
 
+<file path=ppt/slides/slide5.xml><?xml version="1.0" encoding="utf-8"?>
+<p:sld xmlns:a="http://schemas.openxmlformats.org/drawingml/2006/main" xmlns:r="http://schemas.openxmlformats.org/officeDocument/2006/relationships" xmlns:p="http://schemas.openxmlformats.org/presentationml/2006/main">
+  <p:cSld>
+    <p:spTree>
+      <p:nvGrpSpPr>
+        <p:cNvPr id="1" name=""/>
+        <p:cNvGrpSpPr/>
+        <p:nvPr/>
+      </p:nvGrpSpPr>
+      <p:grpSpPr>
+        <a:xfrm>
+          <a:off x="0" y="0"/>
+          <a:ext cx="0" cy="0"/>
+          <a:chOff x="0" y="0"/>
+          <a:chExt cx="0" cy="0"/>
+        </a:xfrm>
+      </p:grpSpPr>
+      <p:pic>
+        <p:nvPicPr>
+          <p:cNvPr id="2" name="Picture 1">
+            <a:extLst>
+              <a:ext uri="{FF2B5EF4-FFF2-40B4-BE49-F238E27FC236}">
+                <a16:creationId xmlns:a16="http://schemas.microsoft.com/office/drawing/2014/main" id="{2D687401-A1E7-4B49-8420-0AEE1B74E104}"/>
+              </a:ext>
+            </a:extLst>
+          </p:cNvPr>
+          <p:cNvPicPr>
+            <a:picLocks noChangeAspect="1"/>
+          </p:cNvPicPr>
+          <p:nvPr/>
+        </p:nvPicPr>
+        <p:blipFill>
+          <a:blip r:embed="rId2"/>
+          <a:stretch>
+            <a:fillRect/>
+          </a:stretch>
+        </p:blipFill>
+        <p:spPr>
+          <a:xfrm>
+            <a:off x="6015318" y="3067568"/>
+            <a:ext cx="6176682" cy="3790432"/>
+          </a:xfrm>
+          <a:prstGeom prst="rect">
+            <a:avLst/>
+          </a:prstGeom>
+        </p:spPr>
+      </p:pic>
+      <p:pic>
+        <p:nvPicPr>
+          <p:cNvPr id="3" name="Picture 2">
+            <a:extLst>
+              <a:ext uri="{FF2B5EF4-FFF2-40B4-BE49-F238E27FC236}">
+                <a16:creationId xmlns:a16="http://schemas.microsoft.com/office/drawing/2014/main" id="{922C411E-F082-4389-841B-BDD950092346}"/>
+              </a:ext>
+            </a:extLst>
+          </p:cNvPr>
+          <p:cNvPicPr>
+            <a:picLocks noChangeAspect="1"/>
+          </p:cNvPicPr>
+          <p:nvPr/>
+        </p:nvPicPr>
+        <p:blipFill>
+          <a:blip r:embed="rId3"/>
+          <a:stretch>
+            <a:fillRect/>
+          </a:stretch>
+        </p:blipFill>
+        <p:spPr>
+          <a:xfrm>
+            <a:off x="0" y="0"/>
+            <a:ext cx="6176682" cy="3793005"/>
+          </a:xfrm>
+          <a:prstGeom prst="rect">
+            <a:avLst/>
+          </a:prstGeom>
+        </p:spPr>
+      </p:pic>
+    </p:spTree>
+    <p:extLst>
+      <p:ext uri="{BB962C8B-B14F-4D97-AF65-F5344CB8AC3E}">
+        <p14:creationId xmlns:p14="http://schemas.microsoft.com/office/powerpoint/2010/main" val="2050340435"/>
+      </p:ext>
+    </p:extLst>
+  </p:cSld>
+  <p:clrMapOvr>
+    <a:masterClrMapping/>
+  </p:clrMapOvr>
+</p:sld>
+</file>
+
 <file path=ppt/theme/theme1.xml><?xml version="1.0" encoding="utf-8"?>
 <a:theme xmlns:a="http://schemas.openxmlformats.org/drawingml/2006/main" name="Office Theme">
   <a:themeElements>

--- a/DataCW3M/CW3MdigitalHandbook/McKenzieGages.pptx
+++ b/DataCW3M/CW3MdigitalHandbook/McKenzieGages.pptx
@@ -263,7 +263,7 @@
           <a:p>
             <a:fld id="{A1271B54-4FE3-4F00-A9A1-C0715B607BDA}" type="datetimeFigureOut">
               <a:rPr lang="en-US" smtClean="0"/>
-              <a:t>11/25/2020</a:t>
+              <a:t>11/26/2020</a:t>
             </a:fld>
             <a:endParaRPr lang="en-US"/>
           </a:p>
@@ -461,7 +461,7 @@
           <a:p>
             <a:fld id="{A1271B54-4FE3-4F00-A9A1-C0715B607BDA}" type="datetimeFigureOut">
               <a:rPr lang="en-US" smtClean="0"/>
-              <a:t>11/25/2020</a:t>
+              <a:t>11/26/2020</a:t>
             </a:fld>
             <a:endParaRPr lang="en-US"/>
           </a:p>
@@ -669,7 +669,7 @@
           <a:p>
             <a:fld id="{A1271B54-4FE3-4F00-A9A1-C0715B607BDA}" type="datetimeFigureOut">
               <a:rPr lang="en-US" smtClean="0"/>
-              <a:t>11/25/2020</a:t>
+              <a:t>11/26/2020</a:t>
             </a:fld>
             <a:endParaRPr lang="en-US"/>
           </a:p>
@@ -867,7 +867,7 @@
           <a:p>
             <a:fld id="{A1271B54-4FE3-4F00-A9A1-C0715B607BDA}" type="datetimeFigureOut">
               <a:rPr lang="en-US" smtClean="0"/>
-              <a:t>11/25/2020</a:t>
+              <a:t>11/26/2020</a:t>
             </a:fld>
             <a:endParaRPr lang="en-US"/>
           </a:p>
@@ -1142,7 +1142,7 @@
           <a:p>
             <a:fld id="{A1271B54-4FE3-4F00-A9A1-C0715B607BDA}" type="datetimeFigureOut">
               <a:rPr lang="en-US" smtClean="0"/>
-              <a:t>11/25/2020</a:t>
+              <a:t>11/26/2020</a:t>
             </a:fld>
             <a:endParaRPr lang="en-US"/>
           </a:p>
@@ -1407,7 +1407,7 @@
           <a:p>
             <a:fld id="{A1271B54-4FE3-4F00-A9A1-C0715B607BDA}" type="datetimeFigureOut">
               <a:rPr lang="en-US" smtClean="0"/>
-              <a:t>11/25/2020</a:t>
+              <a:t>11/26/2020</a:t>
             </a:fld>
             <a:endParaRPr lang="en-US"/>
           </a:p>
@@ -1819,7 +1819,7 @@
           <a:p>
             <a:fld id="{A1271B54-4FE3-4F00-A9A1-C0715B607BDA}" type="datetimeFigureOut">
               <a:rPr lang="en-US" smtClean="0"/>
-              <a:t>11/25/2020</a:t>
+              <a:t>11/26/2020</a:t>
             </a:fld>
             <a:endParaRPr lang="en-US"/>
           </a:p>
@@ -1960,7 +1960,7 @@
           <a:p>
             <a:fld id="{A1271B54-4FE3-4F00-A9A1-C0715B607BDA}" type="datetimeFigureOut">
               <a:rPr lang="en-US" smtClean="0"/>
-              <a:t>11/25/2020</a:t>
+              <a:t>11/26/2020</a:t>
             </a:fld>
             <a:endParaRPr lang="en-US"/>
           </a:p>
@@ -2073,7 +2073,7 @@
           <a:p>
             <a:fld id="{A1271B54-4FE3-4F00-A9A1-C0715B607BDA}" type="datetimeFigureOut">
               <a:rPr lang="en-US" smtClean="0"/>
-              <a:t>11/25/2020</a:t>
+              <a:t>11/26/2020</a:t>
             </a:fld>
             <a:endParaRPr lang="en-US"/>
           </a:p>
@@ -2384,7 +2384,7 @@
           <a:p>
             <a:fld id="{A1271B54-4FE3-4F00-A9A1-C0715B607BDA}" type="datetimeFigureOut">
               <a:rPr lang="en-US" smtClean="0"/>
-              <a:t>11/25/2020</a:t>
+              <a:t>11/26/2020</a:t>
             </a:fld>
             <a:endParaRPr lang="en-US"/>
           </a:p>
@@ -2672,7 +2672,7 @@
           <a:p>
             <a:fld id="{A1271B54-4FE3-4F00-A9A1-C0715B607BDA}" type="datetimeFigureOut">
               <a:rPr lang="en-US" smtClean="0"/>
-              <a:t>11/25/2020</a:t>
+              <a:t>11/26/2020</a:t>
             </a:fld>
             <a:endParaRPr lang="en-US"/>
           </a:p>
@@ -2913,7 +2913,7 @@
           <a:p>
             <a:fld id="{A1271B54-4FE3-4F00-A9A1-C0715B607BDA}" type="datetimeFigureOut">
               <a:rPr lang="en-US" smtClean="0"/>
-              <a:t>11/25/2020</a:t>
+              <a:t>11/26/2020</a:t>
             </a:fld>
             <a:endParaRPr lang="en-US"/>
           </a:p>
@@ -4909,10 +4909,10 @@
       </p:grpSpPr>
       <p:pic>
         <p:nvPicPr>
-          <p:cNvPr id="2" name="Picture 1">
-            <a:extLst>
-              <a:ext uri="{FF2B5EF4-FFF2-40B4-BE49-F238E27FC236}">
-                <a16:creationId xmlns:a16="http://schemas.microsoft.com/office/drawing/2014/main" id="{2D687401-A1E7-4B49-8420-0AEE1B74E104}"/>
+          <p:cNvPr id="7" name="Picture 6">
+            <a:extLst>
+              <a:ext uri="{FF2B5EF4-FFF2-40B4-BE49-F238E27FC236}">
+                <a16:creationId xmlns:a16="http://schemas.microsoft.com/office/drawing/2014/main" id="{43C73700-7271-4834-A780-06543E65CF03}"/>
               </a:ext>
             </a:extLst>
           </p:cNvPr>
@@ -4929,8 +4929,8 @@
         </p:blipFill>
         <p:spPr>
           <a:xfrm>
-            <a:off x="6015318" y="3067568"/>
-            <a:ext cx="6176682" cy="3790432"/>
+            <a:off x="6096000" y="0"/>
+            <a:ext cx="6095999" cy="3737076"/>
           </a:xfrm>
           <a:prstGeom prst="rect">
             <a:avLst/>
@@ -4939,10 +4939,10 @@
       </p:pic>
       <p:pic>
         <p:nvPicPr>
-          <p:cNvPr id="3" name="Picture 2">
-            <a:extLst>
-              <a:ext uri="{FF2B5EF4-FFF2-40B4-BE49-F238E27FC236}">
-                <a16:creationId xmlns:a16="http://schemas.microsoft.com/office/drawing/2014/main" id="{922C411E-F082-4389-841B-BDD950092346}"/>
+          <p:cNvPr id="6" name="Picture 5">
+            <a:extLst>
+              <a:ext uri="{FF2B5EF4-FFF2-40B4-BE49-F238E27FC236}">
+                <a16:creationId xmlns:a16="http://schemas.microsoft.com/office/drawing/2014/main" id="{9D4DC489-169E-4E67-BD54-45142987EAD6}"/>
               </a:ext>
             </a:extLst>
           </p:cNvPr>
@@ -4959,8 +4959,38 @@
         </p:blipFill>
         <p:spPr>
           <a:xfrm>
-            <a:off x="0" y="0"/>
-            <a:ext cx="6176682" cy="3793005"/>
+            <a:off x="5746376" y="2974046"/>
+            <a:ext cx="6346732" cy="3883953"/>
+          </a:xfrm>
+          <a:prstGeom prst="rect">
+            <a:avLst/>
+          </a:prstGeom>
+        </p:spPr>
+      </p:pic>
+      <p:pic>
+        <p:nvPicPr>
+          <p:cNvPr id="5" name="Picture 4">
+            <a:extLst>
+              <a:ext uri="{FF2B5EF4-FFF2-40B4-BE49-F238E27FC236}">
+                <a16:creationId xmlns:a16="http://schemas.microsoft.com/office/drawing/2014/main" id="{FD4E2427-992F-4DEC-8F3B-CF0B75E95770}"/>
+              </a:ext>
+            </a:extLst>
+          </p:cNvPr>
+          <p:cNvPicPr>
+            <a:picLocks noChangeAspect="1"/>
+          </p:cNvPicPr>
+          <p:nvPr/>
+        </p:nvPicPr>
+        <p:blipFill>
+          <a:blip r:embed="rId4"/>
+          <a:stretch>
+            <a:fillRect/>
+          </a:stretch>
+        </p:blipFill>
+        <p:spPr>
+          <a:xfrm>
+            <a:off x="1" y="0"/>
+            <a:ext cx="5943600" cy="3628985"/>
           </a:xfrm>
           <a:prstGeom prst="rect">
             <a:avLst/>
@@ -4970,7 +5000,7 @@
     </p:spTree>
     <p:extLst>
       <p:ext uri="{BB962C8B-B14F-4D97-AF65-F5344CB8AC3E}">
-        <p14:creationId xmlns:p14="http://schemas.microsoft.com/office/powerpoint/2010/main" val="2050340435"/>
+        <p14:creationId xmlns:p14="http://schemas.microsoft.com/office/powerpoint/2010/main" val="2507746178"/>
       </p:ext>
     </p:extLst>
   </p:cSld>

--- a/DataCW3M/CW3MdigitalHandbook/McKenzieGages.pptx
+++ b/DataCW3M/CW3MdigitalHandbook/McKenzieGages.pptx
@@ -10,6 +10,8 @@
     <p:sldId id="258" r:id="rId4"/>
     <p:sldId id="259" r:id="rId5"/>
     <p:sldId id="260" r:id="rId6"/>
+    <p:sldId id="262" r:id="rId7"/>
+    <p:sldId id="261" r:id="rId8"/>
   </p:sldIdLst>
   <p:sldSz cx="12192000" cy="6858000"/>
   <p:notesSz cx="7099300" cy="9385300"/>
@@ -4939,10 +4941,10 @@
       </p:pic>
       <p:pic>
         <p:nvPicPr>
-          <p:cNvPr id="6" name="Picture 5">
-            <a:extLst>
-              <a:ext uri="{FF2B5EF4-FFF2-40B4-BE49-F238E27FC236}">
-                <a16:creationId xmlns:a16="http://schemas.microsoft.com/office/drawing/2014/main" id="{9D4DC489-169E-4E67-BD54-45142987EAD6}"/>
+          <p:cNvPr id="5" name="Picture 4">
+            <a:extLst>
+              <a:ext uri="{FF2B5EF4-FFF2-40B4-BE49-F238E27FC236}">
+                <a16:creationId xmlns:a16="http://schemas.microsoft.com/office/drawing/2014/main" id="{FD4E2427-992F-4DEC-8F3B-CF0B75E95770}"/>
               </a:ext>
             </a:extLst>
           </p:cNvPr>
@@ -4959,8 +4961,8 @@
         </p:blipFill>
         <p:spPr>
           <a:xfrm>
-            <a:off x="5746376" y="2974046"/>
-            <a:ext cx="6346732" cy="3883953"/>
+            <a:off x="1" y="0"/>
+            <a:ext cx="5943600" cy="3628985"/>
           </a:xfrm>
           <a:prstGeom prst="rect">
             <a:avLst/>
@@ -4969,10 +4971,10 @@
       </p:pic>
       <p:pic>
         <p:nvPicPr>
-          <p:cNvPr id="5" name="Picture 4">
-            <a:extLst>
-              <a:ext uri="{FF2B5EF4-FFF2-40B4-BE49-F238E27FC236}">
-                <a16:creationId xmlns:a16="http://schemas.microsoft.com/office/drawing/2014/main" id="{FD4E2427-992F-4DEC-8F3B-CF0B75E95770}"/>
+          <p:cNvPr id="8" name="Picture 7">
+            <a:extLst>
+              <a:ext uri="{FF2B5EF4-FFF2-40B4-BE49-F238E27FC236}">
+                <a16:creationId xmlns:a16="http://schemas.microsoft.com/office/drawing/2014/main" id="{8EBF6D49-0D76-497A-A754-AF5BD2DA3CC6}"/>
               </a:ext>
             </a:extLst>
           </p:cNvPr>
@@ -4989,8 +4991,8 @@
         </p:blipFill>
         <p:spPr>
           <a:xfrm>
-            <a:off x="1" y="0"/>
-            <a:ext cx="5943600" cy="3628985"/>
+            <a:off x="3289766" y="2647950"/>
+            <a:ext cx="6867525" cy="4210050"/>
           </a:xfrm>
           <a:prstGeom prst="rect">
             <a:avLst/>
@@ -5001,6 +5003,186 @@
     <p:extLst>
       <p:ext uri="{BB962C8B-B14F-4D97-AF65-F5344CB8AC3E}">
         <p14:creationId xmlns:p14="http://schemas.microsoft.com/office/powerpoint/2010/main" val="2507746178"/>
+      </p:ext>
+    </p:extLst>
+  </p:cSld>
+  <p:clrMapOvr>
+    <a:masterClrMapping/>
+  </p:clrMapOvr>
+</p:sld>
+</file>
+
+<file path=ppt/slides/slide6.xml><?xml version="1.0" encoding="utf-8"?>
+<p:sld xmlns:a="http://schemas.openxmlformats.org/drawingml/2006/main" xmlns:r="http://schemas.openxmlformats.org/officeDocument/2006/relationships" xmlns:p="http://schemas.openxmlformats.org/presentationml/2006/main">
+  <p:cSld>
+    <p:spTree>
+      <p:nvGrpSpPr>
+        <p:cNvPr id="1" name=""/>
+        <p:cNvGrpSpPr/>
+        <p:nvPr/>
+      </p:nvGrpSpPr>
+      <p:grpSpPr>
+        <a:xfrm>
+          <a:off x="0" y="0"/>
+          <a:ext cx="0" cy="0"/>
+          <a:chOff x="0" y="0"/>
+          <a:chExt cx="0" cy="0"/>
+        </a:xfrm>
+      </p:grpSpPr>
+      <p:pic>
+        <p:nvPicPr>
+          <p:cNvPr id="2" name="Picture 1">
+            <a:extLst>
+              <a:ext uri="{FF2B5EF4-FFF2-40B4-BE49-F238E27FC236}">
+                <a16:creationId xmlns:a16="http://schemas.microsoft.com/office/drawing/2014/main" id="{AD392DC6-4300-4F18-8972-97B8B39B27A8}"/>
+              </a:ext>
+            </a:extLst>
+          </p:cNvPr>
+          <p:cNvPicPr>
+            <a:picLocks noChangeAspect="1"/>
+          </p:cNvPicPr>
+          <p:nvPr/>
+        </p:nvPicPr>
+        <p:blipFill>
+          <a:blip r:embed="rId2"/>
+          <a:stretch>
+            <a:fillRect/>
+          </a:stretch>
+        </p:blipFill>
+        <p:spPr>
+          <a:xfrm>
+            <a:off x="5324475" y="2546818"/>
+            <a:ext cx="6867525" cy="4210050"/>
+          </a:xfrm>
+          <a:prstGeom prst="rect">
+            <a:avLst/>
+          </a:prstGeom>
+        </p:spPr>
+      </p:pic>
+      <p:pic>
+        <p:nvPicPr>
+          <p:cNvPr id="3" name="Picture 2">
+            <a:extLst>
+              <a:ext uri="{FF2B5EF4-FFF2-40B4-BE49-F238E27FC236}">
+                <a16:creationId xmlns:a16="http://schemas.microsoft.com/office/drawing/2014/main" id="{1B01B9FB-AD51-440D-B048-1B1D5599AE94}"/>
+              </a:ext>
+            </a:extLst>
+          </p:cNvPr>
+          <p:cNvPicPr>
+            <a:picLocks noChangeAspect="1"/>
+          </p:cNvPicPr>
+          <p:nvPr/>
+        </p:nvPicPr>
+        <p:blipFill>
+          <a:blip r:embed="rId3"/>
+          <a:stretch>
+            <a:fillRect/>
+          </a:stretch>
+        </p:blipFill>
+        <p:spPr>
+          <a:xfrm>
+            <a:off x="0" y="101132"/>
+            <a:ext cx="6791325" cy="4181475"/>
+          </a:xfrm>
+          <a:prstGeom prst="rect">
+            <a:avLst/>
+          </a:prstGeom>
+        </p:spPr>
+      </p:pic>
+    </p:spTree>
+    <p:extLst>
+      <p:ext uri="{BB962C8B-B14F-4D97-AF65-F5344CB8AC3E}">
+        <p14:creationId xmlns:p14="http://schemas.microsoft.com/office/powerpoint/2010/main" val="1875313469"/>
+      </p:ext>
+    </p:extLst>
+  </p:cSld>
+  <p:clrMapOvr>
+    <a:masterClrMapping/>
+  </p:clrMapOvr>
+</p:sld>
+</file>
+
+<file path=ppt/slides/slide7.xml><?xml version="1.0" encoding="utf-8"?>
+<p:sld xmlns:a="http://schemas.openxmlformats.org/drawingml/2006/main" xmlns:r="http://schemas.openxmlformats.org/officeDocument/2006/relationships" xmlns:p="http://schemas.openxmlformats.org/presentationml/2006/main">
+  <p:cSld>
+    <p:spTree>
+      <p:nvGrpSpPr>
+        <p:cNvPr id="1" name=""/>
+        <p:cNvGrpSpPr/>
+        <p:nvPr/>
+      </p:nvGrpSpPr>
+      <p:grpSpPr>
+        <a:xfrm>
+          <a:off x="0" y="0"/>
+          <a:ext cx="0" cy="0"/>
+          <a:chOff x="0" y="0"/>
+          <a:chExt cx="0" cy="0"/>
+        </a:xfrm>
+      </p:grpSpPr>
+      <p:pic>
+        <p:nvPicPr>
+          <p:cNvPr id="3" name="Picture 2">
+            <a:extLst>
+              <a:ext uri="{FF2B5EF4-FFF2-40B4-BE49-F238E27FC236}">
+                <a16:creationId xmlns:a16="http://schemas.microsoft.com/office/drawing/2014/main" id="{A9E4E0B9-3431-4472-A4A2-E9081742CED9}"/>
+              </a:ext>
+            </a:extLst>
+          </p:cNvPr>
+          <p:cNvPicPr>
+            <a:picLocks noChangeAspect="1"/>
+          </p:cNvPicPr>
+          <p:nvPr/>
+        </p:nvPicPr>
+        <p:blipFill>
+          <a:blip r:embed="rId2"/>
+          <a:stretch>
+            <a:fillRect/>
+          </a:stretch>
+        </p:blipFill>
+        <p:spPr>
+          <a:xfrm>
+            <a:off x="0" y="3150664"/>
+            <a:ext cx="6221506" cy="3707336"/>
+          </a:xfrm>
+          <a:prstGeom prst="rect">
+            <a:avLst/>
+          </a:prstGeom>
+        </p:spPr>
+      </p:pic>
+      <p:pic>
+        <p:nvPicPr>
+          <p:cNvPr id="2" name="Picture 1">
+            <a:extLst>
+              <a:ext uri="{FF2B5EF4-FFF2-40B4-BE49-F238E27FC236}">
+                <a16:creationId xmlns:a16="http://schemas.microsoft.com/office/drawing/2014/main" id="{A7C5D9AD-5B76-430A-9CCB-E85CEDD04B88}"/>
+              </a:ext>
+            </a:extLst>
+          </p:cNvPr>
+          <p:cNvPicPr>
+            <a:picLocks noChangeAspect="1"/>
+          </p:cNvPicPr>
+          <p:nvPr/>
+        </p:nvPicPr>
+        <p:blipFill>
+          <a:blip r:embed="rId3"/>
+          <a:stretch>
+            <a:fillRect/>
+          </a:stretch>
+        </p:blipFill>
+        <p:spPr>
+          <a:xfrm>
+            <a:off x="1" y="114861"/>
+            <a:ext cx="6221505" cy="3713558"/>
+          </a:xfrm>
+          <a:prstGeom prst="rect">
+            <a:avLst/>
+          </a:prstGeom>
+        </p:spPr>
+      </p:pic>
+    </p:spTree>
+    <p:extLst>
+      <p:ext uri="{BB962C8B-B14F-4D97-AF65-F5344CB8AC3E}">
+        <p14:creationId xmlns:p14="http://schemas.microsoft.com/office/powerpoint/2010/main" val="3077694670"/>
       </p:ext>
     </p:extLst>
   </p:cSld>

--- a/DataCW3M/CW3MdigitalHandbook/McKenzieGages.pptx
+++ b/DataCW3M/CW3MdigitalHandbook/McKenzieGages.pptx
@@ -11,7 +11,8 @@
     <p:sldId id="259" r:id="rId5"/>
     <p:sldId id="260" r:id="rId6"/>
     <p:sldId id="262" r:id="rId7"/>
-    <p:sldId id="261" r:id="rId8"/>
+    <p:sldId id="263" r:id="rId8"/>
+    <p:sldId id="261" r:id="rId9"/>
   </p:sldIdLst>
   <p:sldSz cx="12192000" cy="6858000"/>
   <p:notesSz cx="7099300" cy="9385300"/>
@@ -118,6 +119,1678 @@
 </p:presentation>
 </file>
 
+<file path=ppt/charts/chart1.xml><?xml version="1.0" encoding="utf-8"?>
+<c:chartSpace xmlns:c="http://schemas.openxmlformats.org/drawingml/2006/chart" xmlns:a="http://schemas.openxmlformats.org/drawingml/2006/main" xmlns:r="http://schemas.openxmlformats.org/officeDocument/2006/relationships" xmlns:c16r2="http://schemas.microsoft.com/office/drawing/2015/06/chart">
+  <c:date1904 val="0"/>
+  <c:lang val="en-US"/>
+  <c:roundedCorners val="0"/>
+  <mc:AlternateContent xmlns:mc="http://schemas.openxmlformats.org/markup-compatibility/2006">
+    <mc:Choice xmlns:c14="http://schemas.microsoft.com/office/drawing/2007/8/2/chart" Requires="c14">
+      <c14:style val="102"/>
+    </mc:Choice>
+    <mc:Fallback>
+      <c:style val="2"/>
+    </mc:Fallback>
+  </mc:AlternateContent>
+  <c:chart>
+    <c:title>
+      <c:tx>
+        <c:rich>
+          <a:bodyPr rot="0" spcFirstLastPara="1" vertOverflow="ellipsis" vert="horz" wrap="square" anchor="ctr" anchorCtr="1"/>
+          <a:lstStyle/>
+          <a:p>
+            <a:pPr>
+              <a:defRPr sz="1400" b="0" i="0" u="none" strike="noStrike" kern="1200" spc="0" baseline="0">
+                <a:solidFill>
+                  <a:schemeClr val="tx1">
+                    <a:lumMod val="65000"/>
+                    <a:lumOff val="35000"/>
+                  </a:schemeClr>
+                </a:solidFill>
+                <a:latin typeface="+mn-lt"/>
+                <a:ea typeface="+mn-ea"/>
+                <a:cs typeface="+mn-cs"/>
+              </a:defRPr>
+            </a:pPr>
+            <a:r>
+              <a:rPr lang="en-US"/>
+              <a:t>Simulated v. gaged temperature near</a:t>
+            </a:r>
+            <a:r>
+              <a:rPr lang="en-US" baseline="0"/>
+              <a:t> Hayden Bridge</a:t>
+            </a:r>
+            <a:r>
+              <a:rPr lang="en-US"/>
+              <a:t>, CW3M ver. 138</a:t>
+            </a:r>
+          </a:p>
+        </c:rich>
+      </c:tx>
+      <c:overlay val="0"/>
+      <c:spPr>
+        <a:noFill/>
+        <a:ln>
+          <a:noFill/>
+        </a:ln>
+        <a:effectLst/>
+      </c:spPr>
+      <c:txPr>
+        <a:bodyPr rot="0" spcFirstLastPara="1" vertOverflow="ellipsis" vert="horz" wrap="square" anchor="ctr" anchorCtr="1"/>
+        <a:lstStyle/>
+        <a:p>
+          <a:pPr>
+            <a:defRPr sz="1400" b="0" i="0" u="none" strike="noStrike" kern="1200" spc="0" baseline="0">
+              <a:solidFill>
+                <a:schemeClr val="tx1">
+                  <a:lumMod val="65000"/>
+                  <a:lumOff val="35000"/>
+                </a:schemeClr>
+              </a:solidFill>
+              <a:latin typeface="+mn-lt"/>
+              <a:ea typeface="+mn-ea"/>
+              <a:cs typeface="+mn-cs"/>
+            </a:defRPr>
+          </a:pPr>
+          <a:endParaRPr lang="en-US"/>
+        </a:p>
+      </c:txPr>
+    </c:title>
+    <c:autoTitleDeleted val="0"/>
+    <c:plotArea>
+      <c:layout/>
+      <c:lineChart>
+        <c:grouping val="standard"/>
+        <c:varyColors val="0"/>
+        <c:ser>
+          <c:idx val="0"/>
+          <c:order val="0"/>
+          <c:tx>
+            <c:strRef>
+              <c:f>'Statistics calculator'!$H$3</c:f>
+              <c:strCache>
+                <c:ptCount val="1"/>
+                <c:pt idx="0">
+                  <c:v> USGS_14164900_temp_MCKENZIE RIVER ABV HAYDEN BR  AT SPRINGFIELD  OR_23772751</c:v>
+                </c:pt>
+              </c:strCache>
+            </c:strRef>
+          </c:tx>
+          <c:spPr>
+            <a:ln w="28575" cap="rnd">
+              <a:solidFill>
+                <a:schemeClr val="accent1"/>
+              </a:solidFill>
+              <a:round/>
+            </a:ln>
+            <a:effectLst/>
+          </c:spPr>
+          <c:marker>
+            <c:symbol val="none"/>
+          </c:marker>
+          <c:val>
+            <c:numRef>
+              <c:f>'Statistics calculator'!$H$4:$H$112</c:f>
+              <c:numCache>
+                <c:formatCode>General</c:formatCode>
+                <c:ptCount val="109"/>
+                <c:pt idx="0">
+                  <c:v>5.6125340000000001</c:v>
+                </c:pt>
+                <c:pt idx="1">
+                  <c:v>6.2591970000000003</c:v>
+                </c:pt>
+                <c:pt idx="2">
+                  <c:v>7.754518</c:v>
+                </c:pt>
+                <c:pt idx="3">
+                  <c:v>8.7547270000000008</c:v>
+                </c:pt>
+                <c:pt idx="4">
+                  <c:v>10.624541000000001</c:v>
+                </c:pt>
+                <c:pt idx="5">
+                  <c:v>12.164341</c:v>
+                </c:pt>
+                <c:pt idx="6">
+                  <c:v>16.622938000000001</c:v>
+                </c:pt>
+                <c:pt idx="7">
+                  <c:v>17.00271</c:v>
+                </c:pt>
+                <c:pt idx="8">
+                  <c:v>17.8095</c:v>
+                </c:pt>
+                <c:pt idx="9">
+                  <c:v>15.58464</c:v>
+                </c:pt>
+                <c:pt idx="10">
+                  <c:v>8.4164530000000006</c:v>
+                </c:pt>
+                <c:pt idx="11">
+                  <c:v>5.1908659999999998</c:v>
+                </c:pt>
+                <c:pt idx="12">
+                  <c:v>5.0561069999999999</c:v>
+                </c:pt>
+                <c:pt idx="13">
+                  <c:v>5.558751</c:v>
+                </c:pt>
+                <c:pt idx="14">
+                  <c:v>6.6369410000000002</c:v>
+                </c:pt>
+                <c:pt idx="15">
+                  <c:v>8.1830739999999995</c:v>
+                </c:pt>
+                <c:pt idx="16">
+                  <c:v>10.079229</c:v>
+                </c:pt>
+                <c:pt idx="17">
+                  <c:v>11.804282000000001</c:v>
+                </c:pt>
+                <c:pt idx="18">
+                  <c:v>14.371176</c:v>
+                </c:pt>
+                <c:pt idx="19">
+                  <c:v>16.554711999999999</c:v>
+                </c:pt>
+                <c:pt idx="20">
+                  <c:v>18.410841000000001</c:v>
+                </c:pt>
+                <c:pt idx="21">
+                  <c:v>15.460839</c:v>
+                </c:pt>
+                <c:pt idx="22">
+                  <c:v>10.222044</c:v>
+                </c:pt>
+                <c:pt idx="23">
+                  <c:v>5.857526</c:v>
+                </c:pt>
+                <c:pt idx="24">
+                  <c:v>5.241117</c:v>
+                </c:pt>
+                <c:pt idx="25">
+                  <c:v>5.6672099999999999</c:v>
+                </c:pt>
+                <c:pt idx="26">
+                  <c:v>6.5680360000000002</c:v>
+                </c:pt>
+                <c:pt idx="27">
+                  <c:v>8.847073</c:v>
+                </c:pt>
+                <c:pt idx="28">
+                  <c:v>11.076184</c:v>
+                </c:pt>
+                <c:pt idx="29">
+                  <c:v>11.551807</c:v>
+                </c:pt>
+                <c:pt idx="30">
+                  <c:v>15.548947</c:v>
+                </c:pt>
+                <c:pt idx="31">
+                  <c:v>16.855340999999999</c:v>
+                </c:pt>
+                <c:pt idx="32">
+                  <c:v>18.729351000000001</c:v>
+                </c:pt>
+                <c:pt idx="33">
+                  <c:v>15.443604000000001</c:v>
+                </c:pt>
+                <c:pt idx="34">
+                  <c:v>8.3569209999999998</c:v>
+                </c:pt>
+                <c:pt idx="35">
+                  <c:v>5.1540809999999997</c:v>
+                </c:pt>
+                <c:pt idx="36">
+                  <c:v>4.9516939999999998</c:v>
+                </c:pt>
+                <c:pt idx="37">
+                  <c:v>5.8680349999999999</c:v>
+                </c:pt>
+                <c:pt idx="38">
+                  <c:v>7.4321679999999999</c:v>
+                </c:pt>
+                <c:pt idx="39">
+                  <c:v>9.0482790000000008</c:v>
+                </c:pt>
+                <c:pt idx="40">
+                  <c:v>11.396625</c:v>
+                </c:pt>
+                <c:pt idx="41">
+                  <c:v>14.320817999999999</c:v>
+                </c:pt>
+                <c:pt idx="42">
+                  <c:v>17.016932000000001</c:v>
+                </c:pt>
+                <c:pt idx="43">
+                  <c:v>16.684895999999998</c:v>
+                </c:pt>
+                <c:pt idx="44">
+                  <c:v>17.898012000000001</c:v>
+                </c:pt>
+                <c:pt idx="45">
+                  <c:v>13.979163</c:v>
+                </c:pt>
+                <c:pt idx="46">
+                  <c:v>9.0715249999999994</c:v>
+                </c:pt>
+                <c:pt idx="47">
+                  <c:v>5.3526230000000004</c:v>
+                </c:pt>
+                <c:pt idx="48">
+                  <c:v>5.7922969999999996</c:v>
+                </c:pt>
+                <c:pt idx="49">
+                  <c:v>5.5534929999999996</c:v>
+                </c:pt>
+                <c:pt idx="50">
+                  <c:v>7.5606200000000001</c:v>
+                </c:pt>
+                <c:pt idx="51">
+                  <c:v>9.5545259999999992</c:v>
+                </c:pt>
+                <c:pt idx="52">
+                  <c:v>11.654631999999999</c:v>
+                </c:pt>
+                <c:pt idx="53">
+                  <c:v>14.469351</c:v>
+                </c:pt>
+                <c:pt idx="54">
+                  <c:v>16.89209</c:v>
+                </c:pt>
+                <c:pt idx="55">
+                  <c:v>17.127911000000001</c:v>
+                </c:pt>
+                <c:pt idx="56">
+                  <c:v>18.921122</c:v>
+                </c:pt>
+                <c:pt idx="57">
+                  <c:v>16.247209999999999</c:v>
+                </c:pt>
+                <c:pt idx="58">
+                  <c:v>8.3450159999999993</c:v>
+                </c:pt>
+                <c:pt idx="59">
+                  <c:v>5.58371</c:v>
+                </c:pt>
+                <c:pt idx="60">
+                  <c:v>5.6587769999999997</c:v>
+                </c:pt>
+                <c:pt idx="61">
+                  <c:v>6.7420499999999999</c:v>
+                </c:pt>
+                <c:pt idx="62">
+                  <c:v>8.9501849999999994</c:v>
+                </c:pt>
+                <c:pt idx="63">
+                  <c:v>9.9892000000000003</c:v>
+                </c:pt>
+                <c:pt idx="64">
+                  <c:v>13.287138000000001</c:v>
+                </c:pt>
+                <c:pt idx="65">
+                  <c:v>16.428616000000002</c:v>
+                </c:pt>
+                <c:pt idx="66">
+                  <c:v>17.631253999999998</c:v>
+                </c:pt>
+                <c:pt idx="67">
+                  <c:v>17.754190000000001</c:v>
+                </c:pt>
+                <c:pt idx="68">
+                  <c:v>18.268187999999999</c:v>
+                </c:pt>
+                <c:pt idx="69">
+                  <c:v>17.181332000000001</c:v>
+                </c:pt>
+                <c:pt idx="70">
+                  <c:v>10.364996</c:v>
+                </c:pt>
+                <c:pt idx="71">
+                  <c:v>5.4250939999999996</c:v>
+                </c:pt>
+                <c:pt idx="72">
+                  <c:v>5.1203279999999998</c:v>
+                </c:pt>
+                <c:pt idx="73">
+                  <c:v>6.0267289999999996</c:v>
+                </c:pt>
+                <c:pt idx="74">
+                  <c:v>7.328335</c:v>
+                </c:pt>
+                <c:pt idx="75">
+                  <c:v>10.00975</c:v>
+                </c:pt>
+                <c:pt idx="76">
+                  <c:v>12.383094</c:v>
+                </c:pt>
+                <c:pt idx="77">
+                  <c:v>15.317595000000001</c:v>
+                </c:pt>
+                <c:pt idx="78">
+                  <c:v>16.518360000000001</c:v>
+                </c:pt>
+                <c:pt idx="79">
+                  <c:v>17.485367</c:v>
+                </c:pt>
+                <c:pt idx="80">
+                  <c:v>18.821987</c:v>
+                </c:pt>
+                <c:pt idx="81">
+                  <c:v>12.997336000000001</c:v>
+                </c:pt>
+                <c:pt idx="82">
+                  <c:v>7.9434019999999999</c:v>
+                </c:pt>
+                <c:pt idx="83">
+                  <c:v>4.7955759999999996</c:v>
+                </c:pt>
+                <c:pt idx="84">
+                  <c:v>2.9889250000000001</c:v>
+                </c:pt>
+                <c:pt idx="85">
+                  <c:v>4.3723429999999999</c:v>
+                </c:pt>
+                <c:pt idx="86">
+                  <c:v>6.0114669999999997</c:v>
+                </c:pt>
+                <c:pt idx="87">
+                  <c:v>8.4691130000000001</c:v>
+                </c:pt>
+                <c:pt idx="88">
+                  <c:v>11.492767000000001</c:v>
+                </c:pt>
+                <c:pt idx="89">
+                  <c:v>14.183911</c:v>
+                </c:pt>
+                <c:pt idx="90">
+                  <c:v>16.870294999999999</c:v>
+                </c:pt>
+                <c:pt idx="91">
+                  <c:v>15.494028999999999</c:v>
+                </c:pt>
+                <c:pt idx="92">
+                  <c:v>16.153469000000001</c:v>
+                </c:pt>
+                <c:pt idx="93">
+                  <c:v>12.021566999999999</c:v>
+                </c:pt>
+                <c:pt idx="94">
+                  <c:v>6.5215319999999997</c:v>
+                </c:pt>
+                <c:pt idx="95">
+                  <c:v>3.897367</c:v>
+                </c:pt>
+                <c:pt idx="96">
+                  <c:v>5.1540270000000001</c:v>
+                </c:pt>
+                <c:pt idx="97">
+                  <c:v>5.6925879999999998</c:v>
+                </c:pt>
+                <c:pt idx="98">
+                  <c:v>7.6571600000000002</c:v>
+                </c:pt>
+                <c:pt idx="99">
+                  <c:v>8.8609279999999995</c:v>
+                </c:pt>
+                <c:pt idx="100">
+                  <c:v>13.519973</c:v>
+                </c:pt>
+                <c:pt idx="101">
+                  <c:v>15.385897999999999</c:v>
+                </c:pt>
+                <c:pt idx="102">
+                  <c:v>17.730452</c:v>
+                </c:pt>
+                <c:pt idx="103">
+                  <c:v>17.579066999999998</c:v>
+                </c:pt>
+                <c:pt idx="104">
+                  <c:v>18.510386</c:v>
+                </c:pt>
+                <c:pt idx="105">
+                  <c:v>16.846264000000001</c:v>
+                </c:pt>
+                <c:pt idx="106">
+                  <c:v>11.492265</c:v>
+                </c:pt>
+                <c:pt idx="107">
+                  <c:v>5.8448719999999996</c:v>
+                </c:pt>
+              </c:numCache>
+            </c:numRef>
+          </c:val>
+          <c:smooth val="0"/>
+          <c:extLst>
+            <c:ext xmlns:c16="http://schemas.microsoft.com/office/drawing/2014/chart" uri="{C3380CC4-5D6E-409C-BE32-E72D297353CC}">
+              <c16:uniqueId val="{00000000-9628-4E3E-B75D-CAEF68733348}"/>
+            </c:ext>
+          </c:extLst>
+        </c:ser>
+        <c:ser>
+          <c:idx val="1"/>
+          <c:order val="1"/>
+          <c:tx>
+            <c:strRef>
+              <c:f>'Statistics calculator'!$I$3</c:f>
+              <c:strCache>
+                <c:ptCount val="1"/>
+                <c:pt idx="0">
+                  <c:v> Obs:..\Observations\McKenzie\USGS_14164900_temp_MCKENZIE RIVER ABV HAYDEN BR  AT SPRINGFIELD  OR_23772751.csv</c:v>
+                </c:pt>
+              </c:strCache>
+            </c:strRef>
+          </c:tx>
+          <c:spPr>
+            <a:ln w="28575" cap="rnd">
+              <a:solidFill>
+                <a:schemeClr val="accent2"/>
+              </a:solidFill>
+              <a:round/>
+            </a:ln>
+            <a:effectLst/>
+          </c:spPr>
+          <c:marker>
+            <c:symbol val="none"/>
+          </c:marker>
+          <c:val>
+            <c:numRef>
+              <c:f>'Statistics calculator'!$I$4:$I$112</c:f>
+              <c:numCache>
+                <c:formatCode>General</c:formatCode>
+                <c:ptCount val="109"/>
+                <c:pt idx="0">
+                  <c:v>6.7575260000000004</c:v>
+                </c:pt>
+                <c:pt idx="1">
+                  <c:v>7.0468979999999997</c:v>
+                </c:pt>
+                <c:pt idx="2">
+                  <c:v>7.5625140000000002</c:v>
+                </c:pt>
+                <c:pt idx="3">
+                  <c:v>8.5006950000000003</c:v>
+                </c:pt>
+                <c:pt idx="4">
+                  <c:v>10.083938</c:v>
+                </c:pt>
+                <c:pt idx="5">
+                  <c:v>11.837152</c:v>
+                </c:pt>
+                <c:pt idx="6">
+                  <c:v>16.065334</c:v>
+                </c:pt>
+                <c:pt idx="7">
+                  <c:v>15.599329000000001</c:v>
+                </c:pt>
+                <c:pt idx="8">
+                  <c:v>13.234444999999999</c:v>
+                </c:pt>
+                <c:pt idx="9">
+                  <c:v>11.104032999999999</c:v>
+                </c:pt>
+                <c:pt idx="10">
+                  <c:v>7.7684309999999996</c:v>
+                </c:pt>
+                <c:pt idx="11">
+                  <c:v>6.5254580000000004</c:v>
+                </c:pt>
+                <c:pt idx="12">
+                  <c:v>5.8123259999999997</c:v>
+                </c:pt>
+                <c:pt idx="13">
+                  <c:v>5.5251479999999997</c:v>
+                </c:pt>
+                <c:pt idx="14">
+                  <c:v>6.5961270000000001</c:v>
+                </c:pt>
+                <c:pt idx="15">
+                  <c:v>7.4708329999999998</c:v>
+                </c:pt>
+                <c:pt idx="16">
+                  <c:v>8.912903</c:v>
+                </c:pt>
+                <c:pt idx="17">
+                  <c:v>10.841665000000001</c:v>
+                </c:pt>
+                <c:pt idx="18">
+                  <c:v>13.848522000000001</c:v>
+                </c:pt>
+                <c:pt idx="19">
+                  <c:v>15.150067999999999</c:v>
+                </c:pt>
+                <c:pt idx="20">
+                  <c:v>12.886526999999999</c:v>
+                </c:pt>
+                <c:pt idx="21">
+                  <c:v>10.686559000000001</c:v>
+                </c:pt>
+                <c:pt idx="22">
+                  <c:v>7.3908750000000003</c:v>
+                </c:pt>
+                <c:pt idx="23">
+                  <c:v>4.6762090000000001</c:v>
+                </c:pt>
+                <c:pt idx="24">
+                  <c:v>5.7243950000000003</c:v>
+                </c:pt>
+                <c:pt idx="25">
+                  <c:v>6.0212640000000004</c:v>
+                </c:pt>
+                <c:pt idx="26">
+                  <c:v>6.2946020000000003</c:v>
+                </c:pt>
+                <c:pt idx="27">
+                  <c:v>8.0125010000000003</c:v>
+                </c:pt>
+                <c:pt idx="28">
+                  <c:v>9.9014100000000003</c:v>
+                </c:pt>
+                <c:pt idx="29">
+                  <c:v>11.643750000000001</c:v>
+                </c:pt>
+                <c:pt idx="30">
+                  <c:v>14.857324999999999</c:v>
+                </c:pt>
+                <c:pt idx="31">
+                  <c:v>15.432864</c:v>
+                </c:pt>
+                <c:pt idx="32">
+                  <c:v>12.870347000000001</c:v>
+                </c:pt>
+                <c:pt idx="33">
+                  <c:v>10.587904999999999</c:v>
+                </c:pt>
+                <c:pt idx="34">
+                  <c:v>8.4551409999999994</c:v>
+                </c:pt>
+                <c:pt idx="35">
+                  <c:v>6.7407919999999999</c:v>
+                </c:pt>
+                <c:pt idx="36">
+                  <c:v>4.9180770000000003</c:v>
+                </c:pt>
+                <c:pt idx="37">
+                  <c:v>6.1956850000000001</c:v>
+                </c:pt>
+                <c:pt idx="38">
+                  <c:v>7.492057</c:v>
+                </c:pt>
+                <c:pt idx="39">
+                  <c:v>8.5971530000000005</c:v>
+                </c:pt>
+                <c:pt idx="40">
+                  <c:v>11.077218</c:v>
+                </c:pt>
+                <c:pt idx="41">
+                  <c:v>13.704166000000001</c:v>
+                </c:pt>
+                <c:pt idx="42">
+                  <c:v>16.750347000000001</c:v>
+                </c:pt>
+                <c:pt idx="43">
+                  <c:v>15.772145</c:v>
+                </c:pt>
+                <c:pt idx="44">
+                  <c:v>13.215868</c:v>
+                </c:pt>
+                <c:pt idx="45">
+                  <c:v>9.9914310000000004</c:v>
+                </c:pt>
+                <c:pt idx="46">
+                  <c:v>7.4102540000000001</c:v>
+                </c:pt>
+                <c:pt idx="47">
+                  <c:v>4.2807459999999997</c:v>
+                </c:pt>
+                <c:pt idx="48">
+                  <c:v>5.2900869999999998</c:v>
+                </c:pt>
+                <c:pt idx="49">
+                  <c:v>5.9716139999999998</c:v>
+                </c:pt>
+                <c:pt idx="50">
+                  <c:v>7.3243400000000003</c:v>
+                </c:pt>
+                <c:pt idx="51">
+                  <c:v>8.8320469999999993</c:v>
+                </c:pt>
+                <c:pt idx="52">
+                  <c:v>11.221339</c:v>
+                </c:pt>
+                <c:pt idx="53">
+                  <c:v>13.324306</c:v>
+                </c:pt>
+                <c:pt idx="54">
+                  <c:v>16.180609</c:v>
+                </c:pt>
+                <c:pt idx="55">
+                  <c:v>15.435485</c:v>
+                </c:pt>
+                <c:pt idx="56">
+                  <c:v>13.738193000000001</c:v>
+                </c:pt>
+                <c:pt idx="57">
+                  <c:v>11.838914000000001</c:v>
+                </c:pt>
+                <c:pt idx="58">
+                  <c:v>8.3758119999999998</c:v>
+                </c:pt>
+                <c:pt idx="59">
+                  <c:v>7.792554</c:v>
+                </c:pt>
+                <c:pt idx="60">
+                  <c:v>6.7203629999999999</c:v>
+                </c:pt>
+                <c:pt idx="61">
+                  <c:v>7.6048359999999997</c:v>
+                </c:pt>
+                <c:pt idx="62">
+                  <c:v>8.8436210000000006</c:v>
+                </c:pt>
+                <c:pt idx="63">
+                  <c:v>10.058611000000001</c:v>
+                </c:pt>
+                <c:pt idx="64">
+                  <c:v>13.074730000000001</c:v>
+                </c:pt>
+                <c:pt idx="65">
+                  <c:v>16.857534000000001</c:v>
+                </c:pt>
+                <c:pt idx="66">
+                  <c:v>18.027048000000001</c:v>
+                </c:pt>
+                <c:pt idx="67">
+                  <c:v>17.185048999999999</c:v>
+                </c:pt>
+                <c:pt idx="68">
+                  <c:v>14.390521</c:v>
+                </c:pt>
+                <c:pt idx="69">
+                  <c:v>11.777958</c:v>
+                </c:pt>
+                <c:pt idx="70">
+                  <c:v>8.0507980000000003</c:v>
+                </c:pt>
+                <c:pt idx="71">
+                  <c:v>7.1561149999999998</c:v>
+                </c:pt>
+                <c:pt idx="72">
+                  <c:v>6.2070230000000004</c:v>
+                </c:pt>
+                <c:pt idx="73">
+                  <c:v>7.2024429999999997</c:v>
+                </c:pt>
+                <c:pt idx="74">
+                  <c:v>7.5207629999999996</c:v>
+                </c:pt>
+                <c:pt idx="75">
+                  <c:v>10.099689</c:v>
+                </c:pt>
+                <c:pt idx="76">
+                  <c:v>12.167942999999999</c:v>
+                </c:pt>
+                <c:pt idx="77">
+                  <c:v>14.868748</c:v>
+                </c:pt>
+                <c:pt idx="78">
+                  <c:v>16.696805999999999</c:v>
+                </c:pt>
+                <c:pt idx="79">
+                  <c:v>16.748556000000001</c:v>
+                </c:pt>
+                <c:pt idx="80">
+                  <c:v>14.161457</c:v>
+                </c:pt>
+                <c:pt idx="81">
+                  <c:v>11.1876</c:v>
+                </c:pt>
+                <c:pt idx="82">
+                  <c:v>9.3414070000000002</c:v>
+                </c:pt>
+                <c:pt idx="83">
+                  <c:v>6.1767459999999996</c:v>
+                </c:pt>
+                <c:pt idx="84">
+                  <c:v>4.7506050000000002</c:v>
+                </c:pt>
+                <c:pt idx="85">
+                  <c:v>6.3771940000000003</c:v>
+                </c:pt>
+                <c:pt idx="86">
+                  <c:v>7.0906229999999999</c:v>
+                </c:pt>
+                <c:pt idx="87">
+                  <c:v>8.3418410000000005</c:v>
+                </c:pt>
+                <c:pt idx="88">
+                  <c:v>10.444659</c:v>
+                </c:pt>
+                <c:pt idx="89">
+                  <c:v>13.197846</c:v>
+                </c:pt>
+                <c:pt idx="90">
+                  <c:v>16.418118</c:v>
+                </c:pt>
+                <c:pt idx="91">
+                  <c:v>14.948691</c:v>
+                </c:pt>
+                <c:pt idx="92">
+                  <c:v>12.859022</c:v>
+                </c:pt>
+                <c:pt idx="93">
+                  <c:v>10.140311000000001</c:v>
+                </c:pt>
+                <c:pt idx="94">
+                  <c:v>7.9655129999999996</c:v>
+                </c:pt>
+                <c:pt idx="95">
+                  <c:v>5.5748559999999996</c:v>
+                </c:pt>
+                <c:pt idx="96">
+                  <c:v>6.7227480000000002</c:v>
+                </c:pt>
+                <c:pt idx="97">
+                  <c:v>6.0133390000000002</c:v>
+                </c:pt>
+                <c:pt idx="98">
+                  <c:v>7.0182650000000004</c:v>
+                </c:pt>
+                <c:pt idx="99">
+                  <c:v>8.6028570000000002</c:v>
+                </c:pt>
+                <c:pt idx="100">
+                  <c:v>11.752383999999999</c:v>
+                </c:pt>
+                <c:pt idx="101">
+                  <c:v>13.440951999999999</c:v>
+                </c:pt>
+                <c:pt idx="102">
+                  <c:v>16.549931999999998</c:v>
+                </c:pt>
+                <c:pt idx="103">
+                  <c:v>16.771944000000001</c:v>
+                </c:pt>
+                <c:pt idx="104">
+                  <c:v>13.094060000000001</c:v>
+                </c:pt>
+                <c:pt idx="105">
+                  <c:v>10.210146</c:v>
+                </c:pt>
+                <c:pt idx="106">
+                  <c:v>7.540826</c:v>
+                </c:pt>
+                <c:pt idx="107">
+                  <c:v>6.1656829999999996</c:v>
+                </c:pt>
+              </c:numCache>
+            </c:numRef>
+          </c:val>
+          <c:smooth val="0"/>
+          <c:extLst>
+            <c:ext xmlns:c16="http://schemas.microsoft.com/office/drawing/2014/chart" uri="{C3380CC4-5D6E-409C-BE32-E72D297353CC}">
+              <c16:uniqueId val="{00000001-9628-4E3E-B75D-CAEF68733348}"/>
+            </c:ext>
+          </c:extLst>
+        </c:ser>
+        <c:dLbls>
+          <c:showLegendKey val="0"/>
+          <c:showVal val="0"/>
+          <c:showCatName val="0"/>
+          <c:showSerName val="0"/>
+          <c:showPercent val="0"/>
+          <c:showBubbleSize val="0"/>
+        </c:dLbls>
+        <c:smooth val="0"/>
+        <c:axId val="58066224"/>
+        <c:axId val="156437344"/>
+      </c:lineChart>
+      <c:catAx>
+        <c:axId val="58066224"/>
+        <c:scaling>
+          <c:orientation val="minMax"/>
+        </c:scaling>
+        <c:delete val="0"/>
+        <c:axPos val="b"/>
+        <c:title>
+          <c:tx>
+            <c:rich>
+              <a:bodyPr rot="0" spcFirstLastPara="1" vertOverflow="ellipsis" vert="horz" wrap="square" anchor="ctr" anchorCtr="1"/>
+              <a:lstStyle/>
+              <a:p>
+                <a:pPr>
+                  <a:defRPr sz="1000" b="0" i="0" u="none" strike="noStrike" kern="1200" baseline="0">
+                    <a:solidFill>
+                      <a:schemeClr val="tx1">
+                        <a:lumMod val="65000"/>
+                        <a:lumOff val="35000"/>
+                      </a:schemeClr>
+                    </a:solidFill>
+                    <a:latin typeface="+mn-lt"/>
+                    <a:ea typeface="+mn-ea"/>
+                    <a:cs typeface="+mn-cs"/>
+                  </a:defRPr>
+                </a:pPr>
+                <a:r>
+                  <a:rPr lang="en-US"/>
+                  <a:t>month index in 2010-18</a:t>
+                </a:r>
+              </a:p>
+            </c:rich>
+          </c:tx>
+          <c:overlay val="0"/>
+          <c:spPr>
+            <a:noFill/>
+            <a:ln>
+              <a:noFill/>
+            </a:ln>
+            <a:effectLst/>
+          </c:spPr>
+          <c:txPr>
+            <a:bodyPr rot="0" spcFirstLastPara="1" vertOverflow="ellipsis" vert="horz" wrap="square" anchor="ctr" anchorCtr="1"/>
+            <a:lstStyle/>
+            <a:p>
+              <a:pPr>
+                <a:defRPr sz="1000" b="0" i="0" u="none" strike="noStrike" kern="1200" baseline="0">
+                  <a:solidFill>
+                    <a:schemeClr val="tx1">
+                      <a:lumMod val="65000"/>
+                      <a:lumOff val="35000"/>
+                    </a:schemeClr>
+                  </a:solidFill>
+                  <a:latin typeface="+mn-lt"/>
+                  <a:ea typeface="+mn-ea"/>
+                  <a:cs typeface="+mn-cs"/>
+                </a:defRPr>
+              </a:pPr>
+              <a:endParaRPr lang="en-US"/>
+            </a:p>
+          </c:txPr>
+        </c:title>
+        <c:majorTickMark val="none"/>
+        <c:minorTickMark val="none"/>
+        <c:tickLblPos val="nextTo"/>
+        <c:spPr>
+          <a:noFill/>
+          <a:ln w="9525" cap="flat" cmpd="sng" algn="ctr">
+            <a:solidFill>
+              <a:schemeClr val="tx1">
+                <a:lumMod val="15000"/>
+                <a:lumOff val="85000"/>
+              </a:schemeClr>
+            </a:solidFill>
+            <a:round/>
+          </a:ln>
+          <a:effectLst/>
+        </c:spPr>
+        <c:txPr>
+          <a:bodyPr rot="-60000000" spcFirstLastPara="1" vertOverflow="ellipsis" vert="horz" wrap="square" anchor="ctr" anchorCtr="1"/>
+          <a:lstStyle/>
+          <a:p>
+            <a:pPr>
+              <a:defRPr sz="900" b="0" i="0" u="none" strike="noStrike" kern="1200" baseline="0">
+                <a:solidFill>
+                  <a:schemeClr val="tx1">
+                    <a:lumMod val="65000"/>
+                    <a:lumOff val="35000"/>
+                  </a:schemeClr>
+                </a:solidFill>
+                <a:latin typeface="+mn-lt"/>
+                <a:ea typeface="+mn-ea"/>
+                <a:cs typeface="+mn-cs"/>
+              </a:defRPr>
+            </a:pPr>
+            <a:endParaRPr lang="en-US"/>
+          </a:p>
+        </c:txPr>
+        <c:crossAx val="156437344"/>
+        <c:crosses val="autoZero"/>
+        <c:auto val="1"/>
+        <c:lblAlgn val="ctr"/>
+        <c:lblOffset val="100"/>
+        <c:noMultiLvlLbl val="0"/>
+      </c:catAx>
+      <c:valAx>
+        <c:axId val="156437344"/>
+        <c:scaling>
+          <c:orientation val="minMax"/>
+        </c:scaling>
+        <c:delete val="0"/>
+        <c:axPos val="l"/>
+        <c:majorGridlines>
+          <c:spPr>
+            <a:ln w="9525" cap="flat" cmpd="sng" algn="ctr">
+              <a:solidFill>
+                <a:schemeClr val="tx1">
+                  <a:lumMod val="15000"/>
+                  <a:lumOff val="85000"/>
+                </a:schemeClr>
+              </a:solidFill>
+              <a:round/>
+            </a:ln>
+            <a:effectLst/>
+          </c:spPr>
+        </c:majorGridlines>
+        <c:title>
+          <c:tx>
+            <c:rich>
+              <a:bodyPr rot="-5400000" spcFirstLastPara="1" vertOverflow="ellipsis" vert="horz" wrap="square" anchor="ctr" anchorCtr="1"/>
+              <a:lstStyle/>
+              <a:p>
+                <a:pPr>
+                  <a:defRPr sz="1000" b="0" i="0" u="none" strike="noStrike" kern="1200" baseline="0">
+                    <a:solidFill>
+                      <a:schemeClr val="tx1">
+                        <a:lumMod val="65000"/>
+                        <a:lumOff val="35000"/>
+                      </a:schemeClr>
+                    </a:solidFill>
+                    <a:latin typeface="+mn-lt"/>
+                    <a:ea typeface="+mn-ea"/>
+                    <a:cs typeface="+mn-cs"/>
+                  </a:defRPr>
+                </a:pPr>
+                <a:r>
+                  <a:rPr lang="en-US"/>
+                  <a:t>deg C</a:t>
+                </a:r>
+              </a:p>
+            </c:rich>
+          </c:tx>
+          <c:overlay val="0"/>
+          <c:spPr>
+            <a:noFill/>
+            <a:ln>
+              <a:noFill/>
+            </a:ln>
+            <a:effectLst/>
+          </c:spPr>
+          <c:txPr>
+            <a:bodyPr rot="-5400000" spcFirstLastPara="1" vertOverflow="ellipsis" vert="horz" wrap="square" anchor="ctr" anchorCtr="1"/>
+            <a:lstStyle/>
+            <a:p>
+              <a:pPr>
+                <a:defRPr sz="1000" b="0" i="0" u="none" strike="noStrike" kern="1200" baseline="0">
+                  <a:solidFill>
+                    <a:schemeClr val="tx1">
+                      <a:lumMod val="65000"/>
+                      <a:lumOff val="35000"/>
+                    </a:schemeClr>
+                  </a:solidFill>
+                  <a:latin typeface="+mn-lt"/>
+                  <a:ea typeface="+mn-ea"/>
+                  <a:cs typeface="+mn-cs"/>
+                </a:defRPr>
+              </a:pPr>
+              <a:endParaRPr lang="en-US"/>
+            </a:p>
+          </c:txPr>
+        </c:title>
+        <c:numFmt formatCode="General" sourceLinked="1"/>
+        <c:majorTickMark val="none"/>
+        <c:minorTickMark val="none"/>
+        <c:tickLblPos val="nextTo"/>
+        <c:spPr>
+          <a:noFill/>
+          <a:ln>
+            <a:noFill/>
+          </a:ln>
+          <a:effectLst/>
+        </c:spPr>
+        <c:txPr>
+          <a:bodyPr rot="-60000000" spcFirstLastPara="1" vertOverflow="ellipsis" vert="horz" wrap="square" anchor="ctr" anchorCtr="1"/>
+          <a:lstStyle/>
+          <a:p>
+            <a:pPr>
+              <a:defRPr sz="900" b="0" i="0" u="none" strike="noStrike" kern="1200" baseline="0">
+                <a:solidFill>
+                  <a:schemeClr val="tx1">
+                    <a:lumMod val="65000"/>
+                    <a:lumOff val="35000"/>
+                  </a:schemeClr>
+                </a:solidFill>
+                <a:latin typeface="+mn-lt"/>
+                <a:ea typeface="+mn-ea"/>
+                <a:cs typeface="+mn-cs"/>
+              </a:defRPr>
+            </a:pPr>
+            <a:endParaRPr lang="en-US"/>
+          </a:p>
+        </c:txPr>
+        <c:crossAx val="58066224"/>
+        <c:crosses val="autoZero"/>
+        <c:crossBetween val="between"/>
+      </c:valAx>
+      <c:spPr>
+        <a:noFill/>
+        <a:ln>
+          <a:noFill/>
+        </a:ln>
+        <a:effectLst/>
+      </c:spPr>
+    </c:plotArea>
+    <c:legend>
+      <c:legendPos val="b"/>
+      <c:overlay val="0"/>
+      <c:spPr>
+        <a:noFill/>
+        <a:ln>
+          <a:noFill/>
+        </a:ln>
+        <a:effectLst/>
+      </c:spPr>
+      <c:txPr>
+        <a:bodyPr rot="0" spcFirstLastPara="1" vertOverflow="ellipsis" vert="horz" wrap="square" anchor="ctr" anchorCtr="1"/>
+        <a:lstStyle/>
+        <a:p>
+          <a:pPr>
+            <a:defRPr sz="900" b="0" i="0" u="none" strike="noStrike" kern="1200" baseline="0">
+              <a:solidFill>
+                <a:schemeClr val="tx1">
+                  <a:lumMod val="65000"/>
+                  <a:lumOff val="35000"/>
+                </a:schemeClr>
+              </a:solidFill>
+              <a:latin typeface="+mn-lt"/>
+              <a:ea typeface="+mn-ea"/>
+              <a:cs typeface="+mn-cs"/>
+            </a:defRPr>
+          </a:pPr>
+          <a:endParaRPr lang="en-US"/>
+        </a:p>
+      </c:txPr>
+    </c:legend>
+    <c:plotVisOnly val="1"/>
+    <c:dispBlanksAs val="gap"/>
+    <c:extLst>
+      <c:ext xmlns:c16r3="http://schemas.microsoft.com/office/drawing/2017/03/chart" uri="{56B9EC1D-385E-4148-901F-78D8002777C0}">
+        <c16r3:dataDisplayOptions16>
+          <c16r3:dispNaAsBlank val="1"/>
+        </c16r3:dataDisplayOptions16>
+      </c:ext>
+    </c:extLst>
+    <c:showDLblsOverMax val="0"/>
+  </c:chart>
+  <c:spPr>
+    <a:noFill/>
+    <a:ln>
+      <a:noFill/>
+    </a:ln>
+    <a:effectLst/>
+  </c:spPr>
+  <c:txPr>
+    <a:bodyPr/>
+    <a:lstStyle/>
+    <a:p>
+      <a:pPr>
+        <a:defRPr/>
+      </a:pPr>
+      <a:endParaRPr lang="en-US"/>
+    </a:p>
+  </c:txPr>
+  <c:externalData r:id="rId3">
+    <c:autoUpdate val="0"/>
+  </c:externalData>
+</c:chartSpace>
+</file>
+
+<file path=ppt/charts/colors1.xml><?xml version="1.0" encoding="utf-8"?>
+<cs:colorStyle xmlns:cs="http://schemas.microsoft.com/office/drawing/2012/chartStyle" xmlns:a="http://schemas.openxmlformats.org/drawingml/2006/main" meth="cycle" id="10">
+  <a:schemeClr val="accent1"/>
+  <a:schemeClr val="accent2"/>
+  <a:schemeClr val="accent3"/>
+  <a:schemeClr val="accent4"/>
+  <a:schemeClr val="accent5"/>
+  <a:schemeClr val="accent6"/>
+  <cs:variation/>
+  <cs:variation>
+    <a:lumMod val="60000"/>
+  </cs:variation>
+  <cs:variation>
+    <a:lumMod val="80000"/>
+    <a:lumOff val="20000"/>
+  </cs:variation>
+  <cs:variation>
+    <a:lumMod val="80000"/>
+  </cs:variation>
+  <cs:variation>
+    <a:lumMod val="60000"/>
+    <a:lumOff val="40000"/>
+  </cs:variation>
+  <cs:variation>
+    <a:lumMod val="50000"/>
+  </cs:variation>
+  <cs:variation>
+    <a:lumMod val="70000"/>
+    <a:lumOff val="30000"/>
+  </cs:variation>
+  <cs:variation>
+    <a:lumMod val="70000"/>
+  </cs:variation>
+  <cs:variation>
+    <a:lumMod val="50000"/>
+    <a:lumOff val="50000"/>
+  </cs:variation>
+</cs:colorStyle>
+</file>
+
+<file path=ppt/charts/style1.xml><?xml version="1.0" encoding="utf-8"?>
+<cs:chartStyle xmlns:cs="http://schemas.microsoft.com/office/drawing/2012/chartStyle" xmlns:a="http://schemas.openxmlformats.org/drawingml/2006/main" id="227">
+  <cs:axisTitle>
+    <cs:lnRef idx="0"/>
+    <cs:fillRef idx="0"/>
+    <cs:effectRef idx="0"/>
+    <cs:fontRef idx="minor">
+      <a:schemeClr val="tx1">
+        <a:lumMod val="65000"/>
+        <a:lumOff val="35000"/>
+      </a:schemeClr>
+    </cs:fontRef>
+    <cs:defRPr sz="1000" kern="1200"/>
+  </cs:axisTitle>
+  <cs:categoryAxis>
+    <cs:lnRef idx="0"/>
+    <cs:fillRef idx="0"/>
+    <cs:effectRef idx="0"/>
+    <cs:fontRef idx="minor">
+      <a:schemeClr val="tx1">
+        <a:lumMod val="65000"/>
+        <a:lumOff val="35000"/>
+      </a:schemeClr>
+    </cs:fontRef>
+    <cs:spPr>
+      <a:ln w="9525" cap="flat" cmpd="sng" algn="ctr">
+        <a:solidFill>
+          <a:schemeClr val="tx1">
+            <a:lumMod val="15000"/>
+            <a:lumOff val="85000"/>
+          </a:schemeClr>
+        </a:solidFill>
+        <a:round/>
+      </a:ln>
+    </cs:spPr>
+    <cs:defRPr sz="900" kern="1200"/>
+  </cs:categoryAxis>
+  <cs:chartArea mods="allowNoFillOverride allowNoLineOverride">
+    <cs:lnRef idx="0"/>
+    <cs:fillRef idx="0"/>
+    <cs:effectRef idx="0"/>
+    <cs:fontRef idx="minor">
+      <a:schemeClr val="tx1"/>
+    </cs:fontRef>
+    <cs:spPr>
+      <a:solidFill>
+        <a:schemeClr val="bg1"/>
+      </a:solidFill>
+      <a:ln w="9525" cap="flat" cmpd="sng" algn="ctr">
+        <a:solidFill>
+          <a:schemeClr val="tx1">
+            <a:lumMod val="15000"/>
+            <a:lumOff val="85000"/>
+          </a:schemeClr>
+        </a:solidFill>
+        <a:round/>
+      </a:ln>
+    </cs:spPr>
+    <cs:defRPr sz="1000" kern="1200"/>
+  </cs:chartArea>
+  <cs:dataLabel>
+    <cs:lnRef idx="0"/>
+    <cs:fillRef idx="0"/>
+    <cs:effectRef idx="0"/>
+    <cs:fontRef idx="minor">
+      <a:schemeClr val="tx1">
+        <a:lumMod val="75000"/>
+        <a:lumOff val="25000"/>
+      </a:schemeClr>
+    </cs:fontRef>
+    <cs:defRPr sz="900" kern="1200"/>
+  </cs:dataLabel>
+  <cs:dataLabelCallout>
+    <cs:lnRef idx="0"/>
+    <cs:fillRef idx="0"/>
+    <cs:effectRef idx="0"/>
+    <cs:fontRef idx="minor">
+      <a:schemeClr val="dk1">
+        <a:lumMod val="65000"/>
+        <a:lumOff val="35000"/>
+      </a:schemeClr>
+    </cs:fontRef>
+    <cs:spPr>
+      <a:solidFill>
+        <a:schemeClr val="lt1"/>
+      </a:solidFill>
+      <a:ln>
+        <a:solidFill>
+          <a:schemeClr val="dk1">
+            <a:lumMod val="25000"/>
+            <a:lumOff val="75000"/>
+          </a:schemeClr>
+        </a:solidFill>
+      </a:ln>
+    </cs:spPr>
+    <cs:defRPr sz="900" kern="1200"/>
+    <cs:bodyPr rot="0" spcFirstLastPara="1" vertOverflow="clip" horzOverflow="clip" vert="horz" wrap="square" lIns="36576" tIns="18288" rIns="36576" bIns="18288" anchor="ctr" anchorCtr="1">
+      <a:spAutoFit/>
+    </cs:bodyPr>
+  </cs:dataLabelCallout>
+  <cs:dataPoint>
+    <cs:lnRef idx="0"/>
+    <cs:fillRef idx="1">
+      <cs:styleClr val="auto"/>
+    </cs:fillRef>
+    <cs:effectRef idx="0"/>
+    <cs:fontRef idx="minor">
+      <a:schemeClr val="tx1"/>
+    </cs:fontRef>
+    <cs:spPr>
+      <a:solidFill>
+        <a:schemeClr val="phClr"/>
+      </a:solidFill>
+    </cs:spPr>
+  </cs:dataPoint>
+  <cs:dataPoint3D>
+    <cs:lnRef idx="0"/>
+    <cs:fillRef idx="1">
+      <cs:styleClr val="auto"/>
+    </cs:fillRef>
+    <cs:effectRef idx="0"/>
+    <cs:fontRef idx="minor">
+      <a:schemeClr val="tx1"/>
+    </cs:fontRef>
+    <cs:spPr>
+      <a:solidFill>
+        <a:schemeClr val="phClr"/>
+      </a:solidFill>
+    </cs:spPr>
+  </cs:dataPoint3D>
+  <cs:dataPointLine>
+    <cs:lnRef idx="0">
+      <cs:styleClr val="auto"/>
+    </cs:lnRef>
+    <cs:fillRef idx="1"/>
+    <cs:effectRef idx="0"/>
+    <cs:fontRef idx="minor">
+      <a:schemeClr val="tx1"/>
+    </cs:fontRef>
+    <cs:spPr>
+      <a:ln w="28575" cap="rnd">
+        <a:solidFill>
+          <a:schemeClr val="phClr"/>
+        </a:solidFill>
+        <a:round/>
+      </a:ln>
+    </cs:spPr>
+  </cs:dataPointLine>
+  <cs:dataPointMarker>
+    <cs:lnRef idx="0">
+      <cs:styleClr val="auto"/>
+    </cs:lnRef>
+    <cs:fillRef idx="1">
+      <cs:styleClr val="auto"/>
+    </cs:fillRef>
+    <cs:effectRef idx="0"/>
+    <cs:fontRef idx="minor">
+      <a:schemeClr val="tx1"/>
+    </cs:fontRef>
+    <cs:spPr>
+      <a:solidFill>
+        <a:schemeClr val="phClr"/>
+      </a:solidFill>
+      <a:ln w="9525">
+        <a:solidFill>
+          <a:schemeClr val="phClr"/>
+        </a:solidFill>
+      </a:ln>
+    </cs:spPr>
+  </cs:dataPointMarker>
+  <cs:dataPointMarkerLayout symbol="circle" size="5"/>
+  <cs:dataPointWireframe>
+    <cs:lnRef idx="0">
+      <cs:styleClr val="auto"/>
+    </cs:lnRef>
+    <cs:fillRef idx="1"/>
+    <cs:effectRef idx="0"/>
+    <cs:fontRef idx="minor">
+      <a:schemeClr val="tx1"/>
+    </cs:fontRef>
+    <cs:spPr>
+      <a:ln w="9525" cap="rnd">
+        <a:solidFill>
+          <a:schemeClr val="phClr"/>
+        </a:solidFill>
+        <a:round/>
+      </a:ln>
+    </cs:spPr>
+  </cs:dataPointWireframe>
+  <cs:dataTable>
+    <cs:lnRef idx="0"/>
+    <cs:fillRef idx="0"/>
+    <cs:effectRef idx="0"/>
+    <cs:fontRef idx="minor">
+      <a:schemeClr val="tx1">
+        <a:lumMod val="65000"/>
+        <a:lumOff val="35000"/>
+      </a:schemeClr>
+    </cs:fontRef>
+    <cs:spPr>
+      <a:noFill/>
+      <a:ln w="9525" cap="flat" cmpd="sng" algn="ctr">
+        <a:solidFill>
+          <a:schemeClr val="tx1">
+            <a:lumMod val="15000"/>
+            <a:lumOff val="85000"/>
+          </a:schemeClr>
+        </a:solidFill>
+        <a:round/>
+      </a:ln>
+    </cs:spPr>
+    <cs:defRPr sz="900" kern="1200"/>
+  </cs:dataTable>
+  <cs:downBar>
+    <cs:lnRef idx="0"/>
+    <cs:fillRef idx="0"/>
+    <cs:effectRef idx="0"/>
+    <cs:fontRef idx="minor">
+      <a:schemeClr val="dk1"/>
+    </cs:fontRef>
+    <cs:spPr>
+      <a:solidFill>
+        <a:schemeClr val="dk1">
+          <a:lumMod val="65000"/>
+          <a:lumOff val="35000"/>
+        </a:schemeClr>
+      </a:solidFill>
+      <a:ln w="9525">
+        <a:solidFill>
+          <a:schemeClr val="tx1">
+            <a:lumMod val="65000"/>
+            <a:lumOff val="35000"/>
+          </a:schemeClr>
+        </a:solidFill>
+      </a:ln>
+    </cs:spPr>
+  </cs:downBar>
+  <cs:dropLine>
+    <cs:lnRef idx="0"/>
+    <cs:fillRef idx="0"/>
+    <cs:effectRef idx="0"/>
+    <cs:fontRef idx="minor">
+      <a:schemeClr val="tx1"/>
+    </cs:fontRef>
+    <cs:spPr>
+      <a:ln w="9525" cap="flat" cmpd="sng" algn="ctr">
+        <a:solidFill>
+          <a:schemeClr val="tx1">
+            <a:lumMod val="35000"/>
+            <a:lumOff val="65000"/>
+          </a:schemeClr>
+        </a:solidFill>
+        <a:round/>
+      </a:ln>
+    </cs:spPr>
+  </cs:dropLine>
+  <cs:errorBar>
+    <cs:lnRef idx="0"/>
+    <cs:fillRef idx="0"/>
+    <cs:effectRef idx="0"/>
+    <cs:fontRef idx="minor">
+      <a:schemeClr val="tx1"/>
+    </cs:fontRef>
+    <cs:spPr>
+      <a:ln w="9525" cap="flat" cmpd="sng" algn="ctr">
+        <a:solidFill>
+          <a:schemeClr val="tx1">
+            <a:lumMod val="65000"/>
+            <a:lumOff val="35000"/>
+          </a:schemeClr>
+        </a:solidFill>
+        <a:round/>
+      </a:ln>
+    </cs:spPr>
+  </cs:errorBar>
+  <cs:floor>
+    <cs:lnRef idx="0"/>
+    <cs:fillRef idx="0"/>
+    <cs:effectRef idx="0"/>
+    <cs:fontRef idx="minor">
+      <a:schemeClr val="tx1"/>
+    </cs:fontRef>
+    <cs:spPr>
+      <a:noFill/>
+      <a:ln>
+        <a:noFill/>
+      </a:ln>
+    </cs:spPr>
+  </cs:floor>
+  <cs:gridlineMajor>
+    <cs:lnRef idx="0"/>
+    <cs:fillRef idx="0"/>
+    <cs:effectRef idx="0"/>
+    <cs:fontRef idx="minor">
+      <a:schemeClr val="tx1"/>
+    </cs:fontRef>
+    <cs:spPr>
+      <a:ln w="9525" cap="flat" cmpd="sng" algn="ctr">
+        <a:solidFill>
+          <a:schemeClr val="tx1">
+            <a:lumMod val="15000"/>
+            <a:lumOff val="85000"/>
+          </a:schemeClr>
+        </a:solidFill>
+        <a:round/>
+      </a:ln>
+    </cs:spPr>
+  </cs:gridlineMajor>
+  <cs:gridlineMinor>
+    <cs:lnRef idx="0"/>
+    <cs:fillRef idx="0"/>
+    <cs:effectRef idx="0"/>
+    <cs:fontRef idx="minor">
+      <a:schemeClr val="tx1"/>
+    </cs:fontRef>
+    <cs:spPr>
+      <a:ln w="9525" cap="flat" cmpd="sng" algn="ctr">
+        <a:solidFill>
+          <a:schemeClr val="tx1">
+            <a:lumMod val="5000"/>
+            <a:lumOff val="95000"/>
+          </a:schemeClr>
+        </a:solidFill>
+        <a:round/>
+      </a:ln>
+    </cs:spPr>
+  </cs:gridlineMinor>
+  <cs:hiLoLine>
+    <cs:lnRef idx="0"/>
+    <cs:fillRef idx="0"/>
+    <cs:effectRef idx="0"/>
+    <cs:fontRef idx="minor">
+      <a:schemeClr val="tx1"/>
+    </cs:fontRef>
+    <cs:spPr>
+      <a:ln w="9525" cap="flat" cmpd="sng" algn="ctr">
+        <a:solidFill>
+          <a:schemeClr val="tx1">
+            <a:lumMod val="75000"/>
+            <a:lumOff val="25000"/>
+          </a:schemeClr>
+        </a:solidFill>
+        <a:round/>
+      </a:ln>
+    </cs:spPr>
+  </cs:hiLoLine>
+  <cs:leaderLine>
+    <cs:lnRef idx="0"/>
+    <cs:fillRef idx="0"/>
+    <cs:effectRef idx="0"/>
+    <cs:fontRef idx="minor">
+      <a:schemeClr val="tx1"/>
+    </cs:fontRef>
+    <cs:spPr>
+      <a:ln w="9525" cap="flat" cmpd="sng" algn="ctr">
+        <a:solidFill>
+          <a:schemeClr val="tx1">
+            <a:lumMod val="35000"/>
+            <a:lumOff val="65000"/>
+          </a:schemeClr>
+        </a:solidFill>
+        <a:round/>
+      </a:ln>
+    </cs:spPr>
+  </cs:leaderLine>
+  <cs:legend>
+    <cs:lnRef idx="0"/>
+    <cs:fillRef idx="0"/>
+    <cs:effectRef idx="0"/>
+    <cs:fontRef idx="minor">
+      <a:schemeClr val="tx1">
+        <a:lumMod val="65000"/>
+        <a:lumOff val="35000"/>
+      </a:schemeClr>
+    </cs:fontRef>
+    <cs:defRPr sz="900" kern="1200"/>
+  </cs:legend>
+  <cs:plotArea mods="allowNoFillOverride allowNoLineOverride">
+    <cs:lnRef idx="0"/>
+    <cs:fillRef idx="0"/>
+    <cs:effectRef idx="0"/>
+    <cs:fontRef idx="minor">
+      <a:schemeClr val="tx1"/>
+    </cs:fontRef>
+  </cs:plotArea>
+  <cs:plotArea3D mods="allowNoFillOverride allowNoLineOverride">
+    <cs:lnRef idx="0"/>
+    <cs:fillRef idx="0"/>
+    <cs:effectRef idx="0"/>
+    <cs:fontRef idx="minor">
+      <a:schemeClr val="tx1"/>
+    </cs:fontRef>
+  </cs:plotArea3D>
+  <cs:seriesAxis>
+    <cs:lnRef idx="0"/>
+    <cs:fillRef idx="0"/>
+    <cs:effectRef idx="0"/>
+    <cs:fontRef idx="minor">
+      <a:schemeClr val="tx1">
+        <a:lumMod val="65000"/>
+        <a:lumOff val="35000"/>
+      </a:schemeClr>
+    </cs:fontRef>
+    <cs:defRPr sz="900" kern="1200"/>
+  </cs:seriesAxis>
+  <cs:seriesLine>
+    <cs:lnRef idx="0"/>
+    <cs:fillRef idx="0"/>
+    <cs:effectRef idx="0"/>
+    <cs:fontRef idx="minor">
+      <a:schemeClr val="tx1"/>
+    </cs:fontRef>
+    <cs:spPr>
+      <a:ln w="9525" cap="flat" cmpd="sng" algn="ctr">
+        <a:solidFill>
+          <a:schemeClr val="tx1">
+            <a:lumMod val="35000"/>
+            <a:lumOff val="65000"/>
+          </a:schemeClr>
+        </a:solidFill>
+        <a:round/>
+      </a:ln>
+    </cs:spPr>
+  </cs:seriesLine>
+  <cs:title>
+    <cs:lnRef idx="0"/>
+    <cs:fillRef idx="0"/>
+    <cs:effectRef idx="0"/>
+    <cs:fontRef idx="minor">
+      <a:schemeClr val="tx1">
+        <a:lumMod val="65000"/>
+        <a:lumOff val="35000"/>
+      </a:schemeClr>
+    </cs:fontRef>
+    <cs:defRPr sz="1400" b="0" kern="1200" spc="0" baseline="0"/>
+  </cs:title>
+  <cs:trendline>
+    <cs:lnRef idx="0">
+      <cs:styleClr val="auto"/>
+    </cs:lnRef>
+    <cs:fillRef idx="0"/>
+    <cs:effectRef idx="0"/>
+    <cs:fontRef idx="minor">
+      <a:schemeClr val="tx1"/>
+    </cs:fontRef>
+    <cs:spPr>
+      <a:ln w="19050" cap="rnd">
+        <a:solidFill>
+          <a:schemeClr val="phClr"/>
+        </a:solidFill>
+        <a:prstDash val="sysDot"/>
+      </a:ln>
+    </cs:spPr>
+  </cs:trendline>
+  <cs:trendlineLabel>
+    <cs:lnRef idx="0"/>
+    <cs:fillRef idx="0"/>
+    <cs:effectRef idx="0"/>
+    <cs:fontRef idx="minor">
+      <a:schemeClr val="tx1">
+        <a:lumMod val="65000"/>
+        <a:lumOff val="35000"/>
+      </a:schemeClr>
+    </cs:fontRef>
+    <cs:defRPr sz="900" kern="1200"/>
+  </cs:trendlineLabel>
+  <cs:upBar>
+    <cs:lnRef idx="0"/>
+    <cs:fillRef idx="0"/>
+    <cs:effectRef idx="0"/>
+    <cs:fontRef idx="minor">
+      <a:schemeClr val="dk1"/>
+    </cs:fontRef>
+    <cs:spPr>
+      <a:solidFill>
+        <a:schemeClr val="lt1"/>
+      </a:solidFill>
+      <a:ln w="9525">
+        <a:solidFill>
+          <a:schemeClr val="tx1">
+            <a:lumMod val="15000"/>
+            <a:lumOff val="85000"/>
+          </a:schemeClr>
+        </a:solidFill>
+      </a:ln>
+    </cs:spPr>
+  </cs:upBar>
+  <cs:valueAxis>
+    <cs:lnRef idx="0"/>
+    <cs:fillRef idx="0"/>
+    <cs:effectRef idx="0"/>
+    <cs:fontRef idx="minor">
+      <a:schemeClr val="tx1">
+        <a:lumMod val="65000"/>
+        <a:lumOff val="35000"/>
+      </a:schemeClr>
+    </cs:fontRef>
+    <cs:defRPr sz="900" kern="1200"/>
+  </cs:valueAxis>
+  <cs:wall>
+    <cs:lnRef idx="0"/>
+    <cs:fillRef idx="0"/>
+    <cs:effectRef idx="0"/>
+    <cs:fontRef idx="minor">
+      <a:schemeClr val="tx1"/>
+    </cs:fontRef>
+    <cs:spPr>
+      <a:noFill/>
+      <a:ln>
+        <a:noFill/>
+      </a:ln>
+    </cs:spPr>
+  </cs:wall>
+</cs:chartStyle>
+</file>
+
 <file path=ppt/slideLayouts/slideLayout1.xml><?xml version="1.0" encoding="utf-8"?>
 <p:sldLayout xmlns:a="http://schemas.openxmlformats.org/drawingml/2006/main" xmlns:r="http://schemas.openxmlformats.org/officeDocument/2006/relationships" xmlns:p="http://schemas.openxmlformats.org/presentationml/2006/main" type="title" preserve="1">
   <p:cSld name="Title Slide">
@@ -265,7 +1938,7 @@
           <a:p>
             <a:fld id="{A1271B54-4FE3-4F00-A9A1-C0715B607BDA}" type="datetimeFigureOut">
               <a:rPr lang="en-US" smtClean="0"/>
-              <a:t>11/26/2020</a:t>
+              <a:t>11/29/2020</a:t>
             </a:fld>
             <a:endParaRPr lang="en-US"/>
           </a:p>
@@ -463,7 +2136,7 @@
           <a:p>
             <a:fld id="{A1271B54-4FE3-4F00-A9A1-C0715B607BDA}" type="datetimeFigureOut">
               <a:rPr lang="en-US" smtClean="0"/>
-              <a:t>11/26/2020</a:t>
+              <a:t>11/29/2020</a:t>
             </a:fld>
             <a:endParaRPr lang="en-US"/>
           </a:p>
@@ -671,7 +2344,7 @@
           <a:p>
             <a:fld id="{A1271B54-4FE3-4F00-A9A1-C0715B607BDA}" type="datetimeFigureOut">
               <a:rPr lang="en-US" smtClean="0"/>
-              <a:t>11/26/2020</a:t>
+              <a:t>11/29/2020</a:t>
             </a:fld>
             <a:endParaRPr lang="en-US"/>
           </a:p>
@@ -869,7 +2542,7 @@
           <a:p>
             <a:fld id="{A1271B54-4FE3-4F00-A9A1-C0715B607BDA}" type="datetimeFigureOut">
               <a:rPr lang="en-US" smtClean="0"/>
-              <a:t>11/26/2020</a:t>
+              <a:t>11/29/2020</a:t>
             </a:fld>
             <a:endParaRPr lang="en-US"/>
           </a:p>
@@ -1144,7 +2817,7 @@
           <a:p>
             <a:fld id="{A1271B54-4FE3-4F00-A9A1-C0715B607BDA}" type="datetimeFigureOut">
               <a:rPr lang="en-US" smtClean="0"/>
-              <a:t>11/26/2020</a:t>
+              <a:t>11/29/2020</a:t>
             </a:fld>
             <a:endParaRPr lang="en-US"/>
           </a:p>
@@ -1409,7 +3082,7 @@
           <a:p>
             <a:fld id="{A1271B54-4FE3-4F00-A9A1-C0715B607BDA}" type="datetimeFigureOut">
               <a:rPr lang="en-US" smtClean="0"/>
-              <a:t>11/26/2020</a:t>
+              <a:t>11/29/2020</a:t>
             </a:fld>
             <a:endParaRPr lang="en-US"/>
           </a:p>
@@ -1821,7 +3494,7 @@
           <a:p>
             <a:fld id="{A1271B54-4FE3-4F00-A9A1-C0715B607BDA}" type="datetimeFigureOut">
               <a:rPr lang="en-US" smtClean="0"/>
-              <a:t>11/26/2020</a:t>
+              <a:t>11/29/2020</a:t>
             </a:fld>
             <a:endParaRPr lang="en-US"/>
           </a:p>
@@ -1962,7 +3635,7 @@
           <a:p>
             <a:fld id="{A1271B54-4FE3-4F00-A9A1-C0715B607BDA}" type="datetimeFigureOut">
               <a:rPr lang="en-US" smtClean="0"/>
-              <a:t>11/26/2020</a:t>
+              <a:t>11/29/2020</a:t>
             </a:fld>
             <a:endParaRPr lang="en-US"/>
           </a:p>
@@ -2075,7 +3748,7 @@
           <a:p>
             <a:fld id="{A1271B54-4FE3-4F00-A9A1-C0715B607BDA}" type="datetimeFigureOut">
               <a:rPr lang="en-US" smtClean="0"/>
-              <a:t>11/26/2020</a:t>
+              <a:t>11/29/2020</a:t>
             </a:fld>
             <a:endParaRPr lang="en-US"/>
           </a:p>
@@ -2386,7 +4059,7 @@
           <a:p>
             <a:fld id="{A1271B54-4FE3-4F00-A9A1-C0715B607BDA}" type="datetimeFigureOut">
               <a:rPr lang="en-US" smtClean="0"/>
-              <a:t>11/26/2020</a:t>
+              <a:t>11/29/2020</a:t>
             </a:fld>
             <a:endParaRPr lang="en-US"/>
           </a:p>
@@ -2674,7 +4347,7 @@
           <a:p>
             <a:fld id="{A1271B54-4FE3-4F00-A9A1-C0715B607BDA}" type="datetimeFigureOut">
               <a:rPr lang="en-US" smtClean="0"/>
-              <a:t>11/26/2020</a:t>
+              <a:t>11/29/2020</a:t>
             </a:fld>
             <a:endParaRPr lang="en-US"/>
           </a:p>
@@ -2915,7 +4588,7 @@
           <a:p>
             <a:fld id="{A1271B54-4FE3-4F00-A9A1-C0715B607BDA}" type="datetimeFigureOut">
               <a:rPr lang="en-US" smtClean="0"/>
-              <a:t>11/26/2020</a:t>
+              <a:t>11/29/2020</a:t>
             </a:fld>
             <a:endParaRPr lang="en-US"/>
           </a:p>
@@ -5103,6 +6776,96 @@
 </file>
 
 <file path=ppt/slides/slide7.xml><?xml version="1.0" encoding="utf-8"?>
+<p:sld xmlns:a="http://schemas.openxmlformats.org/drawingml/2006/main" xmlns:r="http://schemas.openxmlformats.org/officeDocument/2006/relationships" xmlns:p="http://schemas.openxmlformats.org/presentationml/2006/main">
+  <p:cSld>
+    <p:spTree>
+      <p:nvGrpSpPr>
+        <p:cNvPr id="1" name=""/>
+        <p:cNvGrpSpPr/>
+        <p:nvPr/>
+      </p:nvGrpSpPr>
+      <p:grpSpPr>
+        <a:xfrm>
+          <a:off x="0" y="0"/>
+          <a:ext cx="0" cy="0"/>
+          <a:chOff x="0" y="0"/>
+          <a:chExt cx="0" cy="0"/>
+        </a:xfrm>
+      </p:grpSpPr>
+      <p:graphicFrame>
+        <p:nvGraphicFramePr>
+          <p:cNvPr id="3" name="Chart 2">
+            <a:extLst>
+              <a:ext uri="{FF2B5EF4-FFF2-40B4-BE49-F238E27FC236}">
+                <a16:creationId xmlns:a16="http://schemas.microsoft.com/office/drawing/2014/main" id="{EADB82B3-D7B3-46DD-99C5-60BF663677C2}"/>
+              </a:ext>
+            </a:extLst>
+          </p:cNvPr>
+          <p:cNvGraphicFramePr>
+            <a:graphicFrameLocks/>
+          </p:cNvGraphicFramePr>
+          <p:nvPr>
+            <p:extLst>
+              <p:ext uri="{D42A27DB-BD31-4B8C-83A1-F6EECF244321}">
+                <p14:modId xmlns:p14="http://schemas.microsoft.com/office/powerpoint/2010/main" val="983766094"/>
+              </p:ext>
+            </p:extLst>
+          </p:nvPr>
+        </p:nvGraphicFramePr>
+        <p:xfrm>
+          <a:off x="5773271" y="2605088"/>
+          <a:ext cx="6418729" cy="3957078"/>
+        </p:xfrm>
+        <a:graphic>
+          <a:graphicData uri="http://schemas.openxmlformats.org/drawingml/2006/chart">
+            <c:chart xmlns:c="http://schemas.openxmlformats.org/drawingml/2006/chart" xmlns:r="http://schemas.openxmlformats.org/officeDocument/2006/relationships" r:id="rId2"/>
+          </a:graphicData>
+        </a:graphic>
+      </p:graphicFrame>
+      <p:pic>
+        <p:nvPicPr>
+          <p:cNvPr id="4" name="Picture 3">
+            <a:extLst>
+              <a:ext uri="{FF2B5EF4-FFF2-40B4-BE49-F238E27FC236}">
+                <a16:creationId xmlns:a16="http://schemas.microsoft.com/office/drawing/2014/main" id="{5F6A9F25-C009-4177-A021-FFD2BAF4A280}"/>
+              </a:ext>
+            </a:extLst>
+          </p:cNvPr>
+          <p:cNvPicPr>
+            <a:picLocks noChangeAspect="1"/>
+          </p:cNvPicPr>
+          <p:nvPr/>
+        </p:nvPicPr>
+        <p:blipFill>
+          <a:blip r:embed="rId3"/>
+          <a:stretch>
+            <a:fillRect/>
+          </a:stretch>
+        </p:blipFill>
+        <p:spPr>
+          <a:xfrm>
+            <a:off x="0" y="0"/>
+            <a:ext cx="5934635" cy="3638153"/>
+          </a:xfrm>
+          <a:prstGeom prst="rect">
+            <a:avLst/>
+          </a:prstGeom>
+        </p:spPr>
+      </p:pic>
+    </p:spTree>
+    <p:extLst>
+      <p:ext uri="{BB962C8B-B14F-4D97-AF65-F5344CB8AC3E}">
+        <p14:creationId xmlns:p14="http://schemas.microsoft.com/office/powerpoint/2010/main" val="865496725"/>
+      </p:ext>
+    </p:extLst>
+  </p:cSld>
+  <p:clrMapOvr>
+    <a:masterClrMapping/>
+  </p:clrMapOvr>
+</p:sld>
+</file>
+
+<file path=ppt/slides/slide8.xml><?xml version="1.0" encoding="utf-8"?>
 <p:sld xmlns:a="http://schemas.openxmlformats.org/drawingml/2006/main" xmlns:r="http://schemas.openxmlformats.org/officeDocument/2006/relationships" xmlns:p="http://schemas.openxmlformats.org/presentationml/2006/main">
   <p:cSld>
     <p:spTree>

--- a/DataCW3M/CW3MdigitalHandbook/McKenzieGages.pptx
+++ b/DataCW3M/CW3MdigitalHandbook/McKenzieGages.pptx
@@ -1235,7 +1235,2303 @@
 </c:chartSpace>
 </file>
 
+<file path=ppt/charts/chart2.xml><?xml version="1.0" encoding="utf-8"?>
+<c:chartSpace xmlns:c="http://schemas.openxmlformats.org/drawingml/2006/chart" xmlns:a="http://schemas.openxmlformats.org/drawingml/2006/main" xmlns:r="http://schemas.openxmlformats.org/officeDocument/2006/relationships" xmlns:c16r2="http://schemas.microsoft.com/office/drawing/2015/06/chart">
+  <c:date1904 val="0"/>
+  <c:lang val="en-US"/>
+  <c:roundedCorners val="0"/>
+  <mc:AlternateContent xmlns:mc="http://schemas.openxmlformats.org/markup-compatibility/2006">
+    <mc:Choice xmlns:c14="http://schemas.microsoft.com/office/drawing/2007/8/2/chart" Requires="c14">
+      <c14:style val="102"/>
+    </mc:Choice>
+    <mc:Fallback>
+      <c:style val="2"/>
+    </mc:Fallback>
+  </mc:AlternateContent>
+  <c:chart>
+    <c:title>
+      <c:tx>
+        <c:rich>
+          <a:bodyPr rot="0" spcFirstLastPara="1" vertOverflow="ellipsis" vert="horz" wrap="square" anchor="ctr" anchorCtr="1"/>
+          <a:lstStyle/>
+          <a:p>
+            <a:pPr>
+              <a:defRPr sz="1400" b="0" i="0" u="none" strike="noStrike" kern="1200" spc="0" baseline="0">
+                <a:solidFill>
+                  <a:schemeClr val="tx1">
+                    <a:lumMod val="65000"/>
+                    <a:lumOff val="35000"/>
+                  </a:schemeClr>
+                </a:solidFill>
+                <a:latin typeface="+mn-lt"/>
+                <a:ea typeface="+mn-ea"/>
+                <a:cs typeface="+mn-cs"/>
+              </a:defRPr>
+            </a:pPr>
+            <a:r>
+              <a:rPr lang="en-US"/>
+              <a:t>Simulated v. gaged temperature, CW3M ver. 141+</a:t>
+            </a:r>
+          </a:p>
+        </c:rich>
+      </c:tx>
+      <c:overlay val="0"/>
+      <c:spPr>
+        <a:noFill/>
+        <a:ln>
+          <a:noFill/>
+        </a:ln>
+        <a:effectLst/>
+      </c:spPr>
+      <c:txPr>
+        <a:bodyPr rot="0" spcFirstLastPara="1" vertOverflow="ellipsis" vert="horz" wrap="square" anchor="ctr" anchorCtr="1"/>
+        <a:lstStyle/>
+        <a:p>
+          <a:pPr>
+            <a:defRPr sz="1400" b="0" i="0" u="none" strike="noStrike" kern="1200" spc="0" baseline="0">
+              <a:solidFill>
+                <a:schemeClr val="tx1">
+                  <a:lumMod val="65000"/>
+                  <a:lumOff val="35000"/>
+                </a:schemeClr>
+              </a:solidFill>
+              <a:latin typeface="+mn-lt"/>
+              <a:ea typeface="+mn-ea"/>
+              <a:cs typeface="+mn-cs"/>
+            </a:defRPr>
+          </a:pPr>
+          <a:endParaRPr lang="en-US"/>
+        </a:p>
+      </c:txPr>
+    </c:title>
+    <c:autoTitleDeleted val="0"/>
+    <c:plotArea>
+      <c:layout/>
+      <c:lineChart>
+        <c:grouping val="standard"/>
+        <c:varyColors val="0"/>
+        <c:ser>
+          <c:idx val="0"/>
+          <c:order val="0"/>
+          <c:tx>
+            <c:strRef>
+              <c:f>'Statistics calculator'!$H$3</c:f>
+              <c:strCache>
+                <c:ptCount val="1"/>
+                <c:pt idx="0">
+                  <c:v> USGS_14162200_temp_BLUE RIVER AT BLUE RIVER_23773405</c:v>
+                </c:pt>
+              </c:strCache>
+            </c:strRef>
+          </c:tx>
+          <c:spPr>
+            <a:ln w="28575" cap="rnd">
+              <a:solidFill>
+                <a:schemeClr val="accent1"/>
+              </a:solidFill>
+              <a:round/>
+            </a:ln>
+            <a:effectLst/>
+          </c:spPr>
+          <c:marker>
+            <c:symbol val="none"/>
+          </c:marker>
+          <c:val>
+            <c:numRef>
+              <c:f>'Statistics calculator'!$H$4:$H$112</c:f>
+              <c:numCache>
+                <c:formatCode>General</c:formatCode>
+                <c:ptCount val="109"/>
+                <c:pt idx="0">
+                  <c:v>5.8672199999999997</c:v>
+                </c:pt>
+                <c:pt idx="1">
+                  <c:v>5.7384250000000003</c:v>
+                </c:pt>
+                <c:pt idx="2">
+                  <c:v>6.4123729999999997</c:v>
+                </c:pt>
+                <c:pt idx="3">
+                  <c:v>6.5012179999999997</c:v>
+                </c:pt>
+                <c:pt idx="4">
+                  <c:v>7.5264199999999999</c:v>
+                </c:pt>
+                <c:pt idx="5">
+                  <c:v>9.3709589999999992</c:v>
+                </c:pt>
+                <c:pt idx="6">
+                  <c:v>12.556028</c:v>
+                </c:pt>
+                <c:pt idx="7">
+                  <c:v>15.188703</c:v>
+                </c:pt>
+                <c:pt idx="8">
+                  <c:v>15.156300999999999</c:v>
+                </c:pt>
+                <c:pt idx="9">
+                  <c:v>14.002096</c:v>
+                </c:pt>
+                <c:pt idx="10">
+                  <c:v>6.2288560000000004</c:v>
+                </c:pt>
+                <c:pt idx="11">
+                  <c:v>3.8112159999999999</c:v>
+                </c:pt>
+                <c:pt idx="12">
+                  <c:v>4.1087809999999996</c:v>
+                </c:pt>
+                <c:pt idx="13">
+                  <c:v>4.5162529999999999</c:v>
+                </c:pt>
+                <c:pt idx="14">
+                  <c:v>4.4694390000000004</c:v>
+                </c:pt>
+                <c:pt idx="15">
+                  <c:v>6.1887270000000001</c:v>
+                </c:pt>
+                <c:pt idx="16">
+                  <c:v>7.3997349999999997</c:v>
+                </c:pt>
+                <c:pt idx="17">
+                  <c:v>9.4273530000000001</c:v>
+                </c:pt>
+                <c:pt idx="18">
+                  <c:v>12.164102</c:v>
+                </c:pt>
+                <c:pt idx="19">
+                  <c:v>14.740093</c:v>
+                </c:pt>
+                <c:pt idx="20">
+                  <c:v>15.472922000000001</c:v>
+                </c:pt>
+                <c:pt idx="21">
+                  <c:v>14.415647999999999</c:v>
+                </c:pt>
+                <c:pt idx="22">
+                  <c:v>8.0990950000000002</c:v>
+                </c:pt>
+                <c:pt idx="23">
+                  <c:v>3.2822840000000002</c:v>
+                </c:pt>
+                <c:pt idx="24">
+                  <c:v>3.927359</c:v>
+                </c:pt>
+                <c:pt idx="25">
+                  <c:v>5.1388389999999999</c:v>
+                </c:pt>
+                <c:pt idx="26">
+                  <c:v>4.2618510000000001</c:v>
+                </c:pt>
+                <c:pt idx="27">
+                  <c:v>6.2101850000000001</c:v>
+                </c:pt>
+                <c:pt idx="28">
+                  <c:v>8.5556420000000006</c:v>
+                </c:pt>
+                <c:pt idx="29">
+                  <c:v>10.325079000000001</c:v>
+                </c:pt>
+                <c:pt idx="30">
+                  <c:v>13.190016</c:v>
+                </c:pt>
+                <c:pt idx="31">
+                  <c:v>15.817727</c:v>
+                </c:pt>
+                <c:pt idx="32">
+                  <c:v>16.177311</c:v>
+                </c:pt>
+                <c:pt idx="33">
+                  <c:v>14.695318</c:v>
+                </c:pt>
+                <c:pt idx="34">
+                  <c:v>7.7057390000000003</c:v>
+                </c:pt>
+                <c:pt idx="35">
+                  <c:v>3.4356059999999999</c:v>
+                </c:pt>
+                <c:pt idx="36">
+                  <c:v>2.9708220000000001</c:v>
+                </c:pt>
+                <c:pt idx="37">
+                  <c:v>4.6796389999999999</c:v>
+                </c:pt>
+                <c:pt idx="38">
+                  <c:v>5.5429349999999999</c:v>
+                </c:pt>
+                <c:pt idx="39">
+                  <c:v>6.8235279999999996</c:v>
+                </c:pt>
+                <c:pt idx="40">
+                  <c:v>9.4638559999999998</c:v>
+                </c:pt>
+                <c:pt idx="41">
+                  <c:v>10.913012</c:v>
+                </c:pt>
+                <c:pt idx="42">
+                  <c:v>13.99469</c:v>
+                </c:pt>
+                <c:pt idx="43">
+                  <c:v>16.091546999999998</c:v>
+                </c:pt>
+                <c:pt idx="44">
+                  <c:v>16.440422000000002</c:v>
+                </c:pt>
+                <c:pt idx="45">
+                  <c:v>13.150365000000001</c:v>
+                </c:pt>
+                <c:pt idx="46">
+                  <c:v>7.3616890000000001</c:v>
+                </c:pt>
+                <c:pt idx="47">
+                  <c:v>3.0485000000000002</c:v>
+                </c:pt>
+                <c:pt idx="48">
+                  <c:v>6.0089220000000001</c:v>
+                </c:pt>
+                <c:pt idx="49">
+                  <c:v>4.7759280000000004</c:v>
+                </c:pt>
+                <c:pt idx="50">
+                  <c:v>6.8088280000000001</c:v>
+                </c:pt>
+                <c:pt idx="51">
+                  <c:v>8.0734779999999997</c:v>
+                </c:pt>
+                <c:pt idx="52">
+                  <c:v>9.5583329999999993</c:v>
+                </c:pt>
+                <c:pt idx="53">
+                  <c:v>11.796310999999999</c:v>
+                </c:pt>
+                <c:pt idx="54">
+                  <c:v>14.523553</c:v>
+                </c:pt>
+                <c:pt idx="55">
+                  <c:v>16.863527000000001</c:v>
+                </c:pt>
+                <c:pt idx="56">
+                  <c:v>17.120304000000001</c:v>
+                </c:pt>
+                <c:pt idx="57">
+                  <c:v>15.784965</c:v>
+                </c:pt>
+                <c:pt idx="58">
+                  <c:v>7.8990039999999997</c:v>
+                </c:pt>
+                <c:pt idx="59">
+                  <c:v>5.8541470000000002</c:v>
+                </c:pt>
+                <c:pt idx="60">
+                  <c:v>6.4891750000000004</c:v>
+                </c:pt>
+                <c:pt idx="61">
+                  <c:v>8.1289420000000003</c:v>
+                </c:pt>
+                <c:pt idx="62">
+                  <c:v>8.5940560000000001</c:v>
+                </c:pt>
+                <c:pt idx="63">
+                  <c:v>9.4432200000000002</c:v>
+                </c:pt>
+                <c:pt idx="64">
+                  <c:v>11.426868000000001</c:v>
+                </c:pt>
+                <c:pt idx="65">
+                  <c:v>14.382719</c:v>
+                </c:pt>
+                <c:pt idx="66">
+                  <c:v>17.043074000000001</c:v>
+                </c:pt>
+                <c:pt idx="67">
+                  <c:v>18.608875000000001</c:v>
+                </c:pt>
+                <c:pt idx="68">
+                  <c:v>17.779147999999999</c:v>
+                </c:pt>
+                <c:pt idx="69">
+                  <c:v>16.758285999999998</c:v>
+                </c:pt>
+                <c:pt idx="70">
+                  <c:v>8.207122</c:v>
+                </c:pt>
+                <c:pt idx="71">
+                  <c:v>4.4238860000000004</c:v>
+                </c:pt>
+                <c:pt idx="72">
+                  <c:v>4.3064270000000002</c:v>
+                </c:pt>
+                <c:pt idx="73">
+                  <c:v>6.6809029999999998</c:v>
+                </c:pt>
+                <c:pt idx="74">
+                  <c:v>6.7397119999999999</c:v>
+                </c:pt>
+                <c:pt idx="75">
+                  <c:v>8.7652110000000008</c:v>
+                </c:pt>
+                <c:pt idx="76">
+                  <c:v>10.81246</c:v>
+                </c:pt>
+                <c:pt idx="77">
+                  <c:v>12.286628</c:v>
+                </c:pt>
+                <c:pt idx="78">
+                  <c:v>14.413005</c:v>
+                </c:pt>
+                <c:pt idx="79">
+                  <c:v>16.593639</c:v>
+                </c:pt>
+                <c:pt idx="80">
+                  <c:v>16.534609</c:v>
+                </c:pt>
+                <c:pt idx="81">
+                  <c:v>12.883421999999999</c:v>
+                </c:pt>
+                <c:pt idx="82">
+                  <c:v>7.5376799999999999</c:v>
+                </c:pt>
+                <c:pt idx="83">
+                  <c:v>2.3836870000000001</c:v>
+                </c:pt>
+                <c:pt idx="84">
+                  <c:v>-2.3392900000000001</c:v>
+                </c:pt>
+                <c:pt idx="85">
+                  <c:v>1.3647229999999999</c:v>
+                </c:pt>
+                <c:pt idx="86">
+                  <c:v>4.5756379999999996</c:v>
+                </c:pt>
+                <c:pt idx="87">
+                  <c:v>7.86172</c:v>
+                </c:pt>
+                <c:pt idx="88">
+                  <c:v>9.5902989999999999</c:v>
+                </c:pt>
+                <c:pt idx="89">
+                  <c:v>11.902104</c:v>
+                </c:pt>
+                <c:pt idx="90">
+                  <c:v>14.932577999999999</c:v>
+                </c:pt>
+                <c:pt idx="91">
+                  <c:v>16.595585</c:v>
+                </c:pt>
+                <c:pt idx="92">
+                  <c:v>16.301480999999999</c:v>
+                </c:pt>
+                <c:pt idx="93">
+                  <c:v>12.758827</c:v>
+                </c:pt>
+                <c:pt idx="94">
+                  <c:v>5.2282070000000003</c:v>
+                </c:pt>
+                <c:pt idx="95">
+                  <c:v>1.344606</c:v>
+                </c:pt>
+                <c:pt idx="96">
+                  <c:v>5.4185150000000002</c:v>
+                </c:pt>
+                <c:pt idx="97">
+                  <c:v>5.7108840000000001</c:v>
+                </c:pt>
+                <c:pt idx="98">
+                  <c:v>5.9636950000000004</c:v>
+                </c:pt>
+                <c:pt idx="99">
+                  <c:v>7.5892429999999997</c:v>
+                </c:pt>
+                <c:pt idx="100">
+                  <c:v>11.136310999999999</c:v>
+                </c:pt>
+                <c:pt idx="101">
+                  <c:v>12.600471000000001</c:v>
+                </c:pt>
+                <c:pt idx="102">
+                  <c:v>15.246349</c:v>
+                </c:pt>
+                <c:pt idx="103">
+                  <c:v>17.401871</c:v>
+                </c:pt>
+                <c:pt idx="104">
+                  <c:v>17.110749999999999</c:v>
+                </c:pt>
+                <c:pt idx="105">
+                  <c:v>15.616877000000001</c:v>
+                </c:pt>
+                <c:pt idx="106">
+                  <c:v>9.3853279999999994</c:v>
+                </c:pt>
+                <c:pt idx="107">
+                  <c:v>4.3472080000000002</c:v>
+                </c:pt>
+              </c:numCache>
+            </c:numRef>
+          </c:val>
+          <c:smooth val="0"/>
+          <c:extLst>
+            <c:ext xmlns:c16="http://schemas.microsoft.com/office/drawing/2014/chart" uri="{C3380CC4-5D6E-409C-BE32-E72D297353CC}">
+              <c16:uniqueId val="{00000000-2C72-483A-B129-4B442757138F}"/>
+            </c:ext>
+          </c:extLst>
+        </c:ser>
+        <c:ser>
+          <c:idx val="1"/>
+          <c:order val="1"/>
+          <c:tx>
+            <c:strRef>
+              <c:f>'Statistics calculator'!$I$3</c:f>
+              <c:strCache>
+                <c:ptCount val="1"/>
+                <c:pt idx="0">
+                  <c:v> Obs:..\Observations\McKenzie\USGS_14162200_temp_BLUE RIVER AT BLUE RIVER_23773405.csv</c:v>
+                </c:pt>
+              </c:strCache>
+            </c:strRef>
+          </c:tx>
+          <c:spPr>
+            <a:ln w="28575" cap="rnd">
+              <a:solidFill>
+                <a:schemeClr val="accent2"/>
+              </a:solidFill>
+              <a:round/>
+            </a:ln>
+            <a:effectLst/>
+          </c:spPr>
+          <c:marker>
+            <c:symbol val="none"/>
+          </c:marker>
+          <c:val>
+            <c:numRef>
+              <c:f>'Statistics calculator'!$I$4:$I$112</c:f>
+              <c:numCache>
+                <c:formatCode>General</c:formatCode>
+                <c:ptCount val="109"/>
+                <c:pt idx="0">
+                  <c:v>6.242737</c:v>
+                </c:pt>
+                <c:pt idx="1">
+                  <c:v>6.0254859999999999</c:v>
+                </c:pt>
+                <c:pt idx="2">
+                  <c:v>5.870177</c:v>
+                </c:pt>
+                <c:pt idx="3">
+                  <c:v>6.3362550000000004</c:v>
+                </c:pt>
+                <c:pt idx="4">
+                  <c:v>6.764894</c:v>
+                </c:pt>
+                <c:pt idx="5">
+                  <c:v>8.3578449999999993</c:v>
+                </c:pt>
+                <c:pt idx="6">
+                  <c:v>9.3243179999999999</c:v>
+                </c:pt>
+                <c:pt idx="7">
+                  <c:v>9.5130529999999993</c:v>
+                </c:pt>
+                <c:pt idx="8">
+                  <c:v>10.323399</c:v>
+                </c:pt>
+                <c:pt idx="9">
+                  <c:v>14.638032000000001</c:v>
+                </c:pt>
+                <c:pt idx="10">
+                  <c:v>8.1989000000000001</c:v>
+                </c:pt>
+                <c:pt idx="11">
+                  <c:v>5.9627169999999996</c:v>
+                </c:pt>
+                <c:pt idx="12">
+                  <c:v>5.1126459999999998</c:v>
+                </c:pt>
+                <c:pt idx="13">
+                  <c:v>4.9648789999999998</c:v>
+                </c:pt>
+                <c:pt idx="14">
+                  <c:v>4.7931419999999996</c:v>
+                </c:pt>
+                <c:pt idx="15">
+                  <c:v>5.803407</c:v>
+                </c:pt>
+                <c:pt idx="16">
+                  <c:v>6.4552820000000004</c:v>
+                </c:pt>
+                <c:pt idx="17">
+                  <c:v>7.5905779999999998</c:v>
+                </c:pt>
+                <c:pt idx="18">
+                  <c:v>8.2860630000000004</c:v>
+                </c:pt>
+                <c:pt idx="19">
+                  <c:v>8.6072799999999994</c:v>
+                </c:pt>
+                <c:pt idx="20">
+                  <c:v>8.9859810000000007</c:v>
+                </c:pt>
+                <c:pt idx="21">
+                  <c:v>14.825505</c:v>
+                </c:pt>
+                <c:pt idx="22">
+                  <c:v>9.8985830000000004</c:v>
+                </c:pt>
+                <c:pt idx="23">
+                  <c:v>3.5622660000000002</c:v>
+                </c:pt>
+                <c:pt idx="24">
+                  <c:v>5.1763899999999996</c:v>
+                </c:pt>
+                <c:pt idx="25">
+                  <c:v>5.2227790000000001</c:v>
+                </c:pt>
+                <c:pt idx="26">
+                  <c:v>4.9264089999999996</c:v>
+                </c:pt>
+                <c:pt idx="27">
+                  <c:v>5.6121129999999999</c:v>
+                </c:pt>
+                <c:pt idx="28">
+                  <c:v>6.711182</c:v>
+                </c:pt>
+                <c:pt idx="29">
+                  <c:v>7.5382410000000002</c:v>
+                </c:pt>
+                <c:pt idx="30">
+                  <c:v>8.3234449999999995</c:v>
+                </c:pt>
+                <c:pt idx="31">
+                  <c:v>8.7166340000000009</c:v>
+                </c:pt>
+                <c:pt idx="32">
+                  <c:v>9.5605119999999992</c:v>
+                </c:pt>
+                <c:pt idx="33">
+                  <c:v>13.666708</c:v>
+                </c:pt>
+                <c:pt idx="34">
+                  <c:v>9.1621269999999999</c:v>
+                </c:pt>
+                <c:pt idx="35">
+                  <c:v>5.9484209999999997</c:v>
+                </c:pt>
+                <c:pt idx="36">
+                  <c:v>3.8598780000000001</c:v>
+                </c:pt>
+                <c:pt idx="37">
+                  <c:v>5.1303470000000004</c:v>
+                </c:pt>
+                <c:pt idx="38">
+                  <c:v>5.3115139999999998</c:v>
+                </c:pt>
+                <c:pt idx="39">
+                  <c:v>5.8076850000000002</c:v>
+                </c:pt>
+                <c:pt idx="40">
+                  <c:v>6.6491049999999996</c:v>
+                </c:pt>
+                <c:pt idx="41">
+                  <c:v>7.2600569999999998</c:v>
+                </c:pt>
+                <c:pt idx="42">
+                  <c:v>7.8716249999999999</c:v>
+                </c:pt>
+                <c:pt idx="43">
+                  <c:v>8.0071239999999992</c:v>
+                </c:pt>
+                <c:pt idx="44">
+                  <c:v>9.1077899999999996</c:v>
+                </c:pt>
+                <c:pt idx="45">
+                  <c:v>13.260329</c:v>
+                </c:pt>
+                <c:pt idx="46">
+                  <c:v>8.1938980000000008</c:v>
+                </c:pt>
+                <c:pt idx="47">
+                  <c:v>3.1801490000000001</c:v>
+                </c:pt>
+                <c:pt idx="48">
+                  <c:v>4.53085</c:v>
+                </c:pt>
+                <c:pt idx="49">
+                  <c:v>5.2564500000000001</c:v>
+                </c:pt>
+                <c:pt idx="50">
+                  <c:v>6.5771389999999998</c:v>
+                </c:pt>
+                <c:pt idx="51">
+                  <c:v>6.8376919999999997</c:v>
+                </c:pt>
+                <c:pt idx="52">
+                  <c:v>7.4699669999999996</c:v>
+                </c:pt>
+                <c:pt idx="53">
+                  <c:v>8.282546</c:v>
+                </c:pt>
+                <c:pt idx="54">
+                  <c:v>8.7067789999999992</c:v>
+                </c:pt>
+                <c:pt idx="55">
+                  <c:v>9.2944099999999992</c:v>
+                </c:pt>
+                <c:pt idx="56">
+                  <c:v>13.249461999999999</c:v>
+                </c:pt>
+                <c:pt idx="57">
+                  <c:v>16.807127000000001</c:v>
+                </c:pt>
+                <c:pt idx="58">
+                  <c:v>8.9506309999999996</c:v>
+                </c:pt>
+                <c:pt idx="59">
+                  <c:v>7.6525990000000004</c:v>
+                </c:pt>
+                <c:pt idx="60">
+                  <c:v>6.1077399999999997</c:v>
+                </c:pt>
+                <c:pt idx="61">
+                  <c:v>7.345167</c:v>
+                </c:pt>
+                <c:pt idx="62">
+                  <c:v>6.8343990000000003</c:v>
+                </c:pt>
+                <c:pt idx="63">
+                  <c:v>7.451581</c:v>
+                </c:pt>
+                <c:pt idx="64">
+                  <c:v>7.916569</c:v>
+                </c:pt>
+                <c:pt idx="65">
+                  <c:v>8.4819440000000004</c:v>
+                </c:pt>
+                <c:pt idx="66">
+                  <c:v>9.8057890000000008</c:v>
+                </c:pt>
+                <c:pt idx="67">
+                  <c:v>15.420059999999999</c:v>
+                </c:pt>
+                <c:pt idx="68">
+                  <c:v>19.607327999999999</c:v>
+                </c:pt>
+                <c:pt idx="69">
+                  <c:v>17.225902999999999</c:v>
+                </c:pt>
+                <c:pt idx="70">
+                  <c:v>9.4089639999999992</c:v>
+                </c:pt>
+                <c:pt idx="71">
+                  <c:v>6.5922989999999997</c:v>
+                </c:pt>
+                <c:pt idx="72">
+                  <c:v>5.077852</c:v>
+                </c:pt>
+                <c:pt idx="73">
+                  <c:v>6.0420199999999999</c:v>
+                </c:pt>
+                <c:pt idx="74">
+                  <c:v>6.7066660000000002</c:v>
+                </c:pt>
+                <c:pt idx="75">
+                  <c:v>7.018815</c:v>
+                </c:pt>
+                <c:pt idx="76">
+                  <c:v>7.2525659999999998</c:v>
+                </c:pt>
+                <c:pt idx="77">
+                  <c:v>8.3415739999999996</c:v>
+                </c:pt>
+                <c:pt idx="78">
+                  <c:v>9.6124399999999994</c:v>
+                </c:pt>
+                <c:pt idx="79">
+                  <c:v>12.807323</c:v>
+                </c:pt>
+                <c:pt idx="80">
+                  <c:v>18.714966</c:v>
+                </c:pt>
+                <c:pt idx="81">
+                  <c:v>13.539747999999999</c:v>
+                </c:pt>
+                <c:pt idx="82">
+                  <c:v>9.3763590000000008</c:v>
+                </c:pt>
+                <c:pt idx="83">
+                  <c:v>5.3433809999999999</c:v>
+                </c:pt>
+                <c:pt idx="84">
+                  <c:v>3.7388919999999999</c:v>
+                </c:pt>
+                <c:pt idx="85">
+                  <c:v>5.5044440000000003</c:v>
+                </c:pt>
+                <c:pt idx="86">
+                  <c:v>5.6991579999999997</c:v>
+                </c:pt>
+                <c:pt idx="87">
+                  <c:v>6.5786189999999998</c:v>
+                </c:pt>
+                <c:pt idx="88">
+                  <c:v>7.2222730000000004</c:v>
+                </c:pt>
+                <c:pt idx="89">
+                  <c:v>7.7701859999999998</c:v>
+                </c:pt>
+                <c:pt idx="90">
+                  <c:v>8.3039649999999998</c:v>
+                </c:pt>
+                <c:pt idx="91">
+                  <c:v>8.6642139999999994</c:v>
+                </c:pt>
+                <c:pt idx="92">
+                  <c:v>12.014706</c:v>
+                </c:pt>
+                <c:pt idx="93">
+                  <c:v>13.340147999999999</c:v>
+                </c:pt>
+                <c:pt idx="94">
+                  <c:v>8.4495989999999992</c:v>
+                </c:pt>
+                <c:pt idx="95">
+                  <c:v>4.8649889999999996</c:v>
+                </c:pt>
+                <c:pt idx="96">
+                  <c:v>6.3716889999999999</c:v>
+                </c:pt>
+                <c:pt idx="97">
+                  <c:v>5.8028979999999999</c:v>
+                </c:pt>
+                <c:pt idx="98">
+                  <c:v>4.780729</c:v>
+                </c:pt>
+                <c:pt idx="99">
+                  <c:v>5.6558440000000001</c:v>
+                </c:pt>
+                <c:pt idx="100">
+                  <c:v>6.6804240000000004</c:v>
+                </c:pt>
+                <c:pt idx="101">
+                  <c:v>7.4761600000000001</c:v>
+                </c:pt>
+                <c:pt idx="102">
+                  <c:v>9.8986210000000003</c:v>
+                </c:pt>
+                <c:pt idx="103">
+                  <c:v>17.599765999999999</c:v>
+                </c:pt>
+                <c:pt idx="104">
+                  <c:v>19.694932999999999</c:v>
+                </c:pt>
+                <c:pt idx="105">
+                  <c:v>14.747918</c:v>
+                </c:pt>
+                <c:pt idx="106">
+                  <c:v>8.8163230000000006</c:v>
+                </c:pt>
+                <c:pt idx="107">
+                  <c:v>6.4395899999999999</c:v>
+                </c:pt>
+              </c:numCache>
+            </c:numRef>
+          </c:val>
+          <c:smooth val="0"/>
+          <c:extLst>
+            <c:ext xmlns:c16="http://schemas.microsoft.com/office/drawing/2014/chart" uri="{C3380CC4-5D6E-409C-BE32-E72D297353CC}">
+              <c16:uniqueId val="{00000001-2C72-483A-B129-4B442757138F}"/>
+            </c:ext>
+          </c:extLst>
+        </c:ser>
+        <c:dLbls>
+          <c:showLegendKey val="0"/>
+          <c:showVal val="0"/>
+          <c:showCatName val="0"/>
+          <c:showSerName val="0"/>
+          <c:showPercent val="0"/>
+          <c:showBubbleSize val="0"/>
+        </c:dLbls>
+        <c:smooth val="0"/>
+        <c:axId val="58066224"/>
+        <c:axId val="156437344"/>
+      </c:lineChart>
+      <c:catAx>
+        <c:axId val="58066224"/>
+        <c:scaling>
+          <c:orientation val="minMax"/>
+        </c:scaling>
+        <c:delete val="0"/>
+        <c:axPos val="b"/>
+        <c:title>
+          <c:tx>
+            <c:rich>
+              <a:bodyPr rot="0" spcFirstLastPara="1" vertOverflow="ellipsis" vert="horz" wrap="square" anchor="ctr" anchorCtr="1"/>
+              <a:lstStyle/>
+              <a:p>
+                <a:pPr>
+                  <a:defRPr sz="1000" b="0" i="0" u="none" strike="noStrike" kern="1200" baseline="0">
+                    <a:solidFill>
+                      <a:schemeClr val="tx1">
+                        <a:lumMod val="65000"/>
+                        <a:lumOff val="35000"/>
+                      </a:schemeClr>
+                    </a:solidFill>
+                    <a:latin typeface="+mn-lt"/>
+                    <a:ea typeface="+mn-ea"/>
+                    <a:cs typeface="+mn-cs"/>
+                  </a:defRPr>
+                </a:pPr>
+                <a:r>
+                  <a:rPr lang="en-US"/>
+                  <a:t>month index in 2010-18</a:t>
+                </a:r>
+              </a:p>
+            </c:rich>
+          </c:tx>
+          <c:overlay val="0"/>
+          <c:spPr>
+            <a:noFill/>
+            <a:ln>
+              <a:noFill/>
+            </a:ln>
+            <a:effectLst/>
+          </c:spPr>
+          <c:txPr>
+            <a:bodyPr rot="0" spcFirstLastPara="1" vertOverflow="ellipsis" vert="horz" wrap="square" anchor="ctr" anchorCtr="1"/>
+            <a:lstStyle/>
+            <a:p>
+              <a:pPr>
+                <a:defRPr sz="1000" b="0" i="0" u="none" strike="noStrike" kern="1200" baseline="0">
+                  <a:solidFill>
+                    <a:schemeClr val="tx1">
+                      <a:lumMod val="65000"/>
+                      <a:lumOff val="35000"/>
+                    </a:schemeClr>
+                  </a:solidFill>
+                  <a:latin typeface="+mn-lt"/>
+                  <a:ea typeface="+mn-ea"/>
+                  <a:cs typeface="+mn-cs"/>
+                </a:defRPr>
+              </a:pPr>
+              <a:endParaRPr lang="en-US"/>
+            </a:p>
+          </c:txPr>
+        </c:title>
+        <c:majorTickMark val="none"/>
+        <c:minorTickMark val="none"/>
+        <c:tickLblPos val="nextTo"/>
+        <c:spPr>
+          <a:noFill/>
+          <a:ln w="9525" cap="flat" cmpd="sng" algn="ctr">
+            <a:solidFill>
+              <a:schemeClr val="tx1">
+                <a:lumMod val="15000"/>
+                <a:lumOff val="85000"/>
+              </a:schemeClr>
+            </a:solidFill>
+            <a:round/>
+          </a:ln>
+          <a:effectLst/>
+        </c:spPr>
+        <c:txPr>
+          <a:bodyPr rot="-60000000" spcFirstLastPara="1" vertOverflow="ellipsis" vert="horz" wrap="square" anchor="ctr" anchorCtr="1"/>
+          <a:lstStyle/>
+          <a:p>
+            <a:pPr>
+              <a:defRPr sz="900" b="0" i="0" u="none" strike="noStrike" kern="1200" baseline="0">
+                <a:solidFill>
+                  <a:schemeClr val="tx1">
+                    <a:lumMod val="65000"/>
+                    <a:lumOff val="35000"/>
+                  </a:schemeClr>
+                </a:solidFill>
+                <a:latin typeface="+mn-lt"/>
+                <a:ea typeface="+mn-ea"/>
+                <a:cs typeface="+mn-cs"/>
+              </a:defRPr>
+            </a:pPr>
+            <a:endParaRPr lang="en-US"/>
+          </a:p>
+        </c:txPr>
+        <c:crossAx val="156437344"/>
+        <c:crosses val="autoZero"/>
+        <c:auto val="1"/>
+        <c:lblAlgn val="ctr"/>
+        <c:lblOffset val="100"/>
+        <c:noMultiLvlLbl val="0"/>
+      </c:catAx>
+      <c:valAx>
+        <c:axId val="156437344"/>
+        <c:scaling>
+          <c:orientation val="minMax"/>
+        </c:scaling>
+        <c:delete val="0"/>
+        <c:axPos val="l"/>
+        <c:majorGridlines>
+          <c:spPr>
+            <a:ln w="9525" cap="flat" cmpd="sng" algn="ctr">
+              <a:solidFill>
+                <a:schemeClr val="tx1">
+                  <a:lumMod val="15000"/>
+                  <a:lumOff val="85000"/>
+                </a:schemeClr>
+              </a:solidFill>
+              <a:round/>
+            </a:ln>
+            <a:effectLst/>
+          </c:spPr>
+        </c:majorGridlines>
+        <c:title>
+          <c:tx>
+            <c:rich>
+              <a:bodyPr rot="-5400000" spcFirstLastPara="1" vertOverflow="ellipsis" vert="horz" wrap="square" anchor="ctr" anchorCtr="1"/>
+              <a:lstStyle/>
+              <a:p>
+                <a:pPr>
+                  <a:defRPr sz="1000" b="0" i="0" u="none" strike="noStrike" kern="1200" baseline="0">
+                    <a:solidFill>
+                      <a:schemeClr val="tx1">
+                        <a:lumMod val="65000"/>
+                        <a:lumOff val="35000"/>
+                      </a:schemeClr>
+                    </a:solidFill>
+                    <a:latin typeface="+mn-lt"/>
+                    <a:ea typeface="+mn-ea"/>
+                    <a:cs typeface="+mn-cs"/>
+                  </a:defRPr>
+                </a:pPr>
+                <a:r>
+                  <a:rPr lang="en-US"/>
+                  <a:t>deg C</a:t>
+                </a:r>
+              </a:p>
+            </c:rich>
+          </c:tx>
+          <c:overlay val="0"/>
+          <c:spPr>
+            <a:noFill/>
+            <a:ln>
+              <a:noFill/>
+            </a:ln>
+            <a:effectLst/>
+          </c:spPr>
+          <c:txPr>
+            <a:bodyPr rot="-5400000" spcFirstLastPara="1" vertOverflow="ellipsis" vert="horz" wrap="square" anchor="ctr" anchorCtr="1"/>
+            <a:lstStyle/>
+            <a:p>
+              <a:pPr>
+                <a:defRPr sz="1000" b="0" i="0" u="none" strike="noStrike" kern="1200" baseline="0">
+                  <a:solidFill>
+                    <a:schemeClr val="tx1">
+                      <a:lumMod val="65000"/>
+                      <a:lumOff val="35000"/>
+                    </a:schemeClr>
+                  </a:solidFill>
+                  <a:latin typeface="+mn-lt"/>
+                  <a:ea typeface="+mn-ea"/>
+                  <a:cs typeface="+mn-cs"/>
+                </a:defRPr>
+              </a:pPr>
+              <a:endParaRPr lang="en-US"/>
+            </a:p>
+          </c:txPr>
+        </c:title>
+        <c:numFmt formatCode="General" sourceLinked="1"/>
+        <c:majorTickMark val="none"/>
+        <c:minorTickMark val="none"/>
+        <c:tickLblPos val="nextTo"/>
+        <c:spPr>
+          <a:noFill/>
+          <a:ln>
+            <a:noFill/>
+          </a:ln>
+          <a:effectLst/>
+        </c:spPr>
+        <c:txPr>
+          <a:bodyPr rot="-60000000" spcFirstLastPara="1" vertOverflow="ellipsis" vert="horz" wrap="square" anchor="ctr" anchorCtr="1"/>
+          <a:lstStyle/>
+          <a:p>
+            <a:pPr>
+              <a:defRPr sz="900" b="0" i="0" u="none" strike="noStrike" kern="1200" baseline="0">
+                <a:solidFill>
+                  <a:schemeClr val="tx1">
+                    <a:lumMod val="65000"/>
+                    <a:lumOff val="35000"/>
+                  </a:schemeClr>
+                </a:solidFill>
+                <a:latin typeface="+mn-lt"/>
+                <a:ea typeface="+mn-ea"/>
+                <a:cs typeface="+mn-cs"/>
+              </a:defRPr>
+            </a:pPr>
+            <a:endParaRPr lang="en-US"/>
+          </a:p>
+        </c:txPr>
+        <c:crossAx val="58066224"/>
+        <c:crosses val="autoZero"/>
+        <c:crossBetween val="between"/>
+      </c:valAx>
+      <c:spPr>
+        <a:noFill/>
+        <a:ln>
+          <a:noFill/>
+        </a:ln>
+        <a:effectLst/>
+      </c:spPr>
+    </c:plotArea>
+    <c:legend>
+      <c:legendPos val="b"/>
+      <c:overlay val="0"/>
+      <c:spPr>
+        <a:noFill/>
+        <a:ln>
+          <a:noFill/>
+        </a:ln>
+        <a:effectLst/>
+      </c:spPr>
+      <c:txPr>
+        <a:bodyPr rot="0" spcFirstLastPara="1" vertOverflow="ellipsis" vert="horz" wrap="square" anchor="ctr" anchorCtr="1"/>
+        <a:lstStyle/>
+        <a:p>
+          <a:pPr>
+            <a:defRPr sz="900" b="0" i="0" u="none" strike="noStrike" kern="1200" baseline="0">
+              <a:solidFill>
+                <a:schemeClr val="tx1">
+                  <a:lumMod val="65000"/>
+                  <a:lumOff val="35000"/>
+                </a:schemeClr>
+              </a:solidFill>
+              <a:latin typeface="+mn-lt"/>
+              <a:ea typeface="+mn-ea"/>
+              <a:cs typeface="+mn-cs"/>
+            </a:defRPr>
+          </a:pPr>
+          <a:endParaRPr lang="en-US"/>
+        </a:p>
+      </c:txPr>
+    </c:legend>
+    <c:plotVisOnly val="1"/>
+    <c:dispBlanksAs val="gap"/>
+    <c:extLst>
+      <c:ext xmlns:c16r3="http://schemas.microsoft.com/office/drawing/2017/03/chart" uri="{56B9EC1D-385E-4148-901F-78D8002777C0}">
+        <c16r3:dataDisplayOptions16>
+          <c16r3:dispNaAsBlank val="1"/>
+        </c16r3:dataDisplayOptions16>
+      </c:ext>
+    </c:extLst>
+    <c:showDLblsOverMax val="0"/>
+  </c:chart>
+  <c:spPr>
+    <a:noFill/>
+    <a:ln>
+      <a:noFill/>
+    </a:ln>
+    <a:effectLst/>
+  </c:spPr>
+  <c:txPr>
+    <a:bodyPr/>
+    <a:lstStyle/>
+    <a:p>
+      <a:pPr>
+        <a:defRPr/>
+      </a:pPr>
+      <a:endParaRPr lang="en-US"/>
+    </a:p>
+  </c:txPr>
+  <c:externalData r:id="rId3">
+    <c:autoUpdate val="0"/>
+  </c:externalData>
+</c:chartSpace>
+</file>
+
+<file path=ppt/charts/chart3.xml><?xml version="1.0" encoding="utf-8"?>
+<c:chartSpace xmlns:c="http://schemas.openxmlformats.org/drawingml/2006/chart" xmlns:a="http://schemas.openxmlformats.org/drawingml/2006/main" xmlns:r="http://schemas.openxmlformats.org/officeDocument/2006/relationships" xmlns:c16r2="http://schemas.microsoft.com/office/drawing/2015/06/chart">
+  <c:date1904 val="0"/>
+  <c:lang val="en-US"/>
+  <c:roundedCorners val="0"/>
+  <mc:AlternateContent xmlns:mc="http://schemas.openxmlformats.org/markup-compatibility/2006">
+    <mc:Choice xmlns:c14="http://schemas.microsoft.com/office/drawing/2007/8/2/chart" Requires="c14">
+      <c14:style val="102"/>
+    </mc:Choice>
+    <mc:Fallback>
+      <c:style val="2"/>
+    </mc:Fallback>
+  </mc:AlternateContent>
+  <c:chart>
+    <c:title>
+      <c:tx>
+        <c:rich>
+          <a:bodyPr rot="0" spcFirstLastPara="1" vertOverflow="ellipsis" vert="horz" wrap="square" anchor="ctr" anchorCtr="1"/>
+          <a:lstStyle/>
+          <a:p>
+            <a:pPr>
+              <a:defRPr sz="1400" b="0" i="0" u="none" strike="noStrike" kern="1200" spc="0" baseline="0">
+                <a:solidFill>
+                  <a:schemeClr val="tx1">
+                    <a:lumMod val="65000"/>
+                    <a:lumOff val="35000"/>
+                  </a:schemeClr>
+                </a:solidFill>
+                <a:latin typeface="+mn-lt"/>
+                <a:ea typeface="+mn-ea"/>
+                <a:cs typeface="+mn-cs"/>
+              </a:defRPr>
+            </a:pPr>
+            <a:r>
+              <a:rPr lang="en-US"/>
+              <a:t>Simulated v. gaged temperature, CW3M ver. 139</a:t>
+            </a:r>
+          </a:p>
+        </c:rich>
+      </c:tx>
+      <c:overlay val="0"/>
+      <c:spPr>
+        <a:noFill/>
+        <a:ln>
+          <a:noFill/>
+        </a:ln>
+        <a:effectLst/>
+      </c:spPr>
+      <c:txPr>
+        <a:bodyPr rot="0" spcFirstLastPara="1" vertOverflow="ellipsis" vert="horz" wrap="square" anchor="ctr" anchorCtr="1"/>
+        <a:lstStyle/>
+        <a:p>
+          <a:pPr>
+            <a:defRPr sz="1400" b="0" i="0" u="none" strike="noStrike" kern="1200" spc="0" baseline="0">
+              <a:solidFill>
+                <a:schemeClr val="tx1">
+                  <a:lumMod val="65000"/>
+                  <a:lumOff val="35000"/>
+                </a:schemeClr>
+              </a:solidFill>
+              <a:latin typeface="+mn-lt"/>
+              <a:ea typeface="+mn-ea"/>
+              <a:cs typeface="+mn-cs"/>
+            </a:defRPr>
+          </a:pPr>
+          <a:endParaRPr lang="en-US"/>
+        </a:p>
+      </c:txPr>
+    </c:title>
+    <c:autoTitleDeleted val="0"/>
+    <c:plotArea>
+      <c:layout/>
+      <c:lineChart>
+        <c:grouping val="standard"/>
+        <c:varyColors val="0"/>
+        <c:ser>
+          <c:idx val="0"/>
+          <c:order val="0"/>
+          <c:tx>
+            <c:strRef>
+              <c:f>'Statistics calculator'!$H$3</c:f>
+              <c:strCache>
+                <c:ptCount val="1"/>
+                <c:pt idx="0">
+                  <c:v> USGS_14162200_temp_BLUE RIVER AT BLUE RIVER_23773405</c:v>
+                </c:pt>
+              </c:strCache>
+            </c:strRef>
+          </c:tx>
+          <c:spPr>
+            <a:ln w="28575" cap="rnd">
+              <a:solidFill>
+                <a:schemeClr val="accent1"/>
+              </a:solidFill>
+              <a:round/>
+            </a:ln>
+            <a:effectLst/>
+          </c:spPr>
+          <c:marker>
+            <c:symbol val="none"/>
+          </c:marker>
+          <c:val>
+            <c:numRef>
+              <c:f>'Statistics calculator'!$H$4:$H$112</c:f>
+              <c:numCache>
+                <c:formatCode>General</c:formatCode>
+                <c:ptCount val="109"/>
+                <c:pt idx="0">
+                  <c:v>5.8672199999999997</c:v>
+                </c:pt>
+                <c:pt idx="1">
+                  <c:v>5.7384250000000003</c:v>
+                </c:pt>
+                <c:pt idx="2">
+                  <c:v>6.4123729999999997</c:v>
+                </c:pt>
+                <c:pt idx="3">
+                  <c:v>6.5012179999999997</c:v>
+                </c:pt>
+                <c:pt idx="4">
+                  <c:v>7.5264199999999999</c:v>
+                </c:pt>
+                <c:pt idx="5">
+                  <c:v>9.3709589999999992</c:v>
+                </c:pt>
+                <c:pt idx="6">
+                  <c:v>12.556028</c:v>
+                </c:pt>
+                <c:pt idx="7">
+                  <c:v>15.188703</c:v>
+                </c:pt>
+                <c:pt idx="8">
+                  <c:v>15.156300999999999</c:v>
+                </c:pt>
+                <c:pt idx="9">
+                  <c:v>14.002096</c:v>
+                </c:pt>
+                <c:pt idx="10">
+                  <c:v>6.2288560000000004</c:v>
+                </c:pt>
+                <c:pt idx="11">
+                  <c:v>3.8112159999999999</c:v>
+                </c:pt>
+                <c:pt idx="12">
+                  <c:v>4.1087809999999996</c:v>
+                </c:pt>
+                <c:pt idx="13">
+                  <c:v>4.5162529999999999</c:v>
+                </c:pt>
+                <c:pt idx="14">
+                  <c:v>4.4694390000000004</c:v>
+                </c:pt>
+                <c:pt idx="15">
+                  <c:v>6.1887270000000001</c:v>
+                </c:pt>
+                <c:pt idx="16">
+                  <c:v>7.3997349999999997</c:v>
+                </c:pt>
+                <c:pt idx="17">
+                  <c:v>9.4273530000000001</c:v>
+                </c:pt>
+                <c:pt idx="18">
+                  <c:v>12.164102</c:v>
+                </c:pt>
+                <c:pt idx="19">
+                  <c:v>14.740093</c:v>
+                </c:pt>
+                <c:pt idx="20">
+                  <c:v>15.472922000000001</c:v>
+                </c:pt>
+                <c:pt idx="21">
+                  <c:v>14.415647999999999</c:v>
+                </c:pt>
+                <c:pt idx="22">
+                  <c:v>8.0990950000000002</c:v>
+                </c:pt>
+                <c:pt idx="23">
+                  <c:v>3.2822840000000002</c:v>
+                </c:pt>
+                <c:pt idx="24">
+                  <c:v>3.927359</c:v>
+                </c:pt>
+                <c:pt idx="25">
+                  <c:v>5.1388389999999999</c:v>
+                </c:pt>
+                <c:pt idx="26">
+                  <c:v>4.2618510000000001</c:v>
+                </c:pt>
+                <c:pt idx="27">
+                  <c:v>6.2101850000000001</c:v>
+                </c:pt>
+                <c:pt idx="28">
+                  <c:v>8.5556420000000006</c:v>
+                </c:pt>
+                <c:pt idx="29">
+                  <c:v>10.325079000000001</c:v>
+                </c:pt>
+                <c:pt idx="30">
+                  <c:v>13.190016</c:v>
+                </c:pt>
+                <c:pt idx="31">
+                  <c:v>15.817727</c:v>
+                </c:pt>
+                <c:pt idx="32">
+                  <c:v>16.177311</c:v>
+                </c:pt>
+                <c:pt idx="33">
+                  <c:v>14.695318</c:v>
+                </c:pt>
+                <c:pt idx="34">
+                  <c:v>7.7057390000000003</c:v>
+                </c:pt>
+                <c:pt idx="35">
+                  <c:v>3.4356059999999999</c:v>
+                </c:pt>
+                <c:pt idx="36">
+                  <c:v>2.9708220000000001</c:v>
+                </c:pt>
+                <c:pt idx="37">
+                  <c:v>4.6796389999999999</c:v>
+                </c:pt>
+                <c:pt idx="38">
+                  <c:v>5.5429349999999999</c:v>
+                </c:pt>
+                <c:pt idx="39">
+                  <c:v>6.8235279999999996</c:v>
+                </c:pt>
+                <c:pt idx="40">
+                  <c:v>9.4638559999999998</c:v>
+                </c:pt>
+                <c:pt idx="41">
+                  <c:v>10.913012</c:v>
+                </c:pt>
+                <c:pt idx="42">
+                  <c:v>13.99469</c:v>
+                </c:pt>
+                <c:pt idx="43">
+                  <c:v>16.091546999999998</c:v>
+                </c:pt>
+                <c:pt idx="44">
+                  <c:v>16.440422000000002</c:v>
+                </c:pt>
+                <c:pt idx="45">
+                  <c:v>13.150365000000001</c:v>
+                </c:pt>
+                <c:pt idx="46">
+                  <c:v>7.3616890000000001</c:v>
+                </c:pt>
+                <c:pt idx="47">
+                  <c:v>3.0485000000000002</c:v>
+                </c:pt>
+                <c:pt idx="48">
+                  <c:v>6.0089220000000001</c:v>
+                </c:pt>
+                <c:pt idx="49">
+                  <c:v>4.7759280000000004</c:v>
+                </c:pt>
+                <c:pt idx="50">
+                  <c:v>6.8088280000000001</c:v>
+                </c:pt>
+                <c:pt idx="51">
+                  <c:v>8.0734779999999997</c:v>
+                </c:pt>
+                <c:pt idx="52">
+                  <c:v>9.5583329999999993</c:v>
+                </c:pt>
+                <c:pt idx="53">
+                  <c:v>11.796310999999999</c:v>
+                </c:pt>
+                <c:pt idx="54">
+                  <c:v>14.523553</c:v>
+                </c:pt>
+                <c:pt idx="55">
+                  <c:v>16.863527000000001</c:v>
+                </c:pt>
+                <c:pt idx="56">
+                  <c:v>17.120304000000001</c:v>
+                </c:pt>
+                <c:pt idx="57">
+                  <c:v>15.784965</c:v>
+                </c:pt>
+                <c:pt idx="58">
+                  <c:v>7.8990039999999997</c:v>
+                </c:pt>
+                <c:pt idx="59">
+                  <c:v>5.8541470000000002</c:v>
+                </c:pt>
+                <c:pt idx="60">
+                  <c:v>6.4891750000000004</c:v>
+                </c:pt>
+                <c:pt idx="61">
+                  <c:v>8.1289420000000003</c:v>
+                </c:pt>
+                <c:pt idx="62">
+                  <c:v>8.5940560000000001</c:v>
+                </c:pt>
+                <c:pt idx="63">
+                  <c:v>9.4432200000000002</c:v>
+                </c:pt>
+                <c:pt idx="64">
+                  <c:v>11.426868000000001</c:v>
+                </c:pt>
+                <c:pt idx="65">
+                  <c:v>14.382719</c:v>
+                </c:pt>
+                <c:pt idx="66">
+                  <c:v>17.043074000000001</c:v>
+                </c:pt>
+                <c:pt idx="67">
+                  <c:v>18.608875000000001</c:v>
+                </c:pt>
+                <c:pt idx="68">
+                  <c:v>17.779147999999999</c:v>
+                </c:pt>
+                <c:pt idx="69">
+                  <c:v>16.758285999999998</c:v>
+                </c:pt>
+                <c:pt idx="70">
+                  <c:v>8.207122</c:v>
+                </c:pt>
+                <c:pt idx="71">
+                  <c:v>4.4238860000000004</c:v>
+                </c:pt>
+                <c:pt idx="72">
+                  <c:v>4.3064270000000002</c:v>
+                </c:pt>
+                <c:pt idx="73">
+                  <c:v>6.6809029999999998</c:v>
+                </c:pt>
+                <c:pt idx="74">
+                  <c:v>6.7397119999999999</c:v>
+                </c:pt>
+                <c:pt idx="75">
+                  <c:v>8.7652110000000008</c:v>
+                </c:pt>
+                <c:pt idx="76">
+                  <c:v>10.81246</c:v>
+                </c:pt>
+                <c:pt idx="77">
+                  <c:v>12.286628</c:v>
+                </c:pt>
+                <c:pt idx="78">
+                  <c:v>14.413005</c:v>
+                </c:pt>
+                <c:pt idx="79">
+                  <c:v>16.593639</c:v>
+                </c:pt>
+                <c:pt idx="80">
+                  <c:v>16.534609</c:v>
+                </c:pt>
+                <c:pt idx="81">
+                  <c:v>12.883421999999999</c:v>
+                </c:pt>
+                <c:pt idx="82">
+                  <c:v>7.5376799999999999</c:v>
+                </c:pt>
+                <c:pt idx="83">
+                  <c:v>2.3836870000000001</c:v>
+                </c:pt>
+                <c:pt idx="84">
+                  <c:v>-2.3392900000000001</c:v>
+                </c:pt>
+                <c:pt idx="85">
+                  <c:v>1.3647229999999999</c:v>
+                </c:pt>
+                <c:pt idx="86">
+                  <c:v>4.5756379999999996</c:v>
+                </c:pt>
+                <c:pt idx="87">
+                  <c:v>7.86172</c:v>
+                </c:pt>
+                <c:pt idx="88">
+                  <c:v>9.5902989999999999</c:v>
+                </c:pt>
+                <c:pt idx="89">
+                  <c:v>11.902104</c:v>
+                </c:pt>
+                <c:pt idx="90">
+                  <c:v>14.932577999999999</c:v>
+                </c:pt>
+                <c:pt idx="91">
+                  <c:v>16.595585</c:v>
+                </c:pt>
+                <c:pt idx="92">
+                  <c:v>16.301480999999999</c:v>
+                </c:pt>
+                <c:pt idx="93">
+                  <c:v>12.758827</c:v>
+                </c:pt>
+                <c:pt idx="94">
+                  <c:v>5.2282070000000003</c:v>
+                </c:pt>
+                <c:pt idx="95">
+                  <c:v>1.344606</c:v>
+                </c:pt>
+                <c:pt idx="96">
+                  <c:v>5.4185150000000002</c:v>
+                </c:pt>
+                <c:pt idx="97">
+                  <c:v>5.7108840000000001</c:v>
+                </c:pt>
+                <c:pt idx="98">
+                  <c:v>5.9636950000000004</c:v>
+                </c:pt>
+                <c:pt idx="99">
+                  <c:v>7.5892429999999997</c:v>
+                </c:pt>
+                <c:pt idx="100">
+                  <c:v>11.136310999999999</c:v>
+                </c:pt>
+                <c:pt idx="101">
+                  <c:v>12.600471000000001</c:v>
+                </c:pt>
+                <c:pt idx="102">
+                  <c:v>15.246349</c:v>
+                </c:pt>
+                <c:pt idx="103">
+                  <c:v>17.401871</c:v>
+                </c:pt>
+                <c:pt idx="104">
+                  <c:v>17.110749999999999</c:v>
+                </c:pt>
+                <c:pt idx="105">
+                  <c:v>15.616877000000001</c:v>
+                </c:pt>
+                <c:pt idx="106">
+                  <c:v>9.3853279999999994</c:v>
+                </c:pt>
+                <c:pt idx="107">
+                  <c:v>4.3472080000000002</c:v>
+                </c:pt>
+              </c:numCache>
+            </c:numRef>
+          </c:val>
+          <c:smooth val="0"/>
+          <c:extLst>
+            <c:ext xmlns:c16="http://schemas.microsoft.com/office/drawing/2014/chart" uri="{C3380CC4-5D6E-409C-BE32-E72D297353CC}">
+              <c16:uniqueId val="{00000000-C10D-4011-A4D6-DF255C8C7C8A}"/>
+            </c:ext>
+          </c:extLst>
+        </c:ser>
+        <c:ser>
+          <c:idx val="1"/>
+          <c:order val="1"/>
+          <c:tx>
+            <c:strRef>
+              <c:f>'Statistics calculator'!$I$3</c:f>
+              <c:strCache>
+                <c:ptCount val="1"/>
+                <c:pt idx="0">
+                  <c:v> Obs:..\Observations\McKenzie\USGS_14162200_temp_BLUE RIVER AT BLUE RIVER_23773405.csv</c:v>
+                </c:pt>
+              </c:strCache>
+            </c:strRef>
+          </c:tx>
+          <c:spPr>
+            <a:ln w="28575" cap="rnd">
+              <a:solidFill>
+                <a:schemeClr val="accent2"/>
+              </a:solidFill>
+              <a:round/>
+            </a:ln>
+            <a:effectLst/>
+          </c:spPr>
+          <c:marker>
+            <c:symbol val="none"/>
+          </c:marker>
+          <c:val>
+            <c:numRef>
+              <c:f>'Statistics calculator'!$I$4:$I$112</c:f>
+              <c:numCache>
+                <c:formatCode>General</c:formatCode>
+                <c:ptCount val="109"/>
+                <c:pt idx="0">
+                  <c:v>6.242737</c:v>
+                </c:pt>
+                <c:pt idx="1">
+                  <c:v>6.0254859999999999</c:v>
+                </c:pt>
+                <c:pt idx="2">
+                  <c:v>5.870177</c:v>
+                </c:pt>
+                <c:pt idx="3">
+                  <c:v>6.3362550000000004</c:v>
+                </c:pt>
+                <c:pt idx="4">
+                  <c:v>6.764894</c:v>
+                </c:pt>
+                <c:pt idx="5">
+                  <c:v>8.3578449999999993</c:v>
+                </c:pt>
+                <c:pt idx="6">
+                  <c:v>9.3243179999999999</c:v>
+                </c:pt>
+                <c:pt idx="7">
+                  <c:v>9.5130529999999993</c:v>
+                </c:pt>
+                <c:pt idx="8">
+                  <c:v>10.323399</c:v>
+                </c:pt>
+                <c:pt idx="9">
+                  <c:v>14.638032000000001</c:v>
+                </c:pt>
+                <c:pt idx="10">
+                  <c:v>8.1989000000000001</c:v>
+                </c:pt>
+                <c:pt idx="11">
+                  <c:v>5.9627169999999996</c:v>
+                </c:pt>
+                <c:pt idx="12">
+                  <c:v>5.1126459999999998</c:v>
+                </c:pt>
+                <c:pt idx="13">
+                  <c:v>4.9648789999999998</c:v>
+                </c:pt>
+                <c:pt idx="14">
+                  <c:v>4.7931419999999996</c:v>
+                </c:pt>
+                <c:pt idx="15">
+                  <c:v>5.803407</c:v>
+                </c:pt>
+                <c:pt idx="16">
+                  <c:v>6.4552820000000004</c:v>
+                </c:pt>
+                <c:pt idx="17">
+                  <c:v>7.5905779999999998</c:v>
+                </c:pt>
+                <c:pt idx="18">
+                  <c:v>8.2860630000000004</c:v>
+                </c:pt>
+                <c:pt idx="19">
+                  <c:v>8.6072799999999994</c:v>
+                </c:pt>
+                <c:pt idx="20">
+                  <c:v>8.9859810000000007</c:v>
+                </c:pt>
+                <c:pt idx="21">
+                  <c:v>14.825505</c:v>
+                </c:pt>
+                <c:pt idx="22">
+                  <c:v>9.8985830000000004</c:v>
+                </c:pt>
+                <c:pt idx="23">
+                  <c:v>3.5622660000000002</c:v>
+                </c:pt>
+                <c:pt idx="24">
+                  <c:v>5.1763899999999996</c:v>
+                </c:pt>
+                <c:pt idx="25">
+                  <c:v>5.2227790000000001</c:v>
+                </c:pt>
+                <c:pt idx="26">
+                  <c:v>4.9264089999999996</c:v>
+                </c:pt>
+                <c:pt idx="27">
+                  <c:v>5.6121129999999999</c:v>
+                </c:pt>
+                <c:pt idx="28">
+                  <c:v>6.711182</c:v>
+                </c:pt>
+                <c:pt idx="29">
+                  <c:v>7.5382410000000002</c:v>
+                </c:pt>
+                <c:pt idx="30">
+                  <c:v>8.3234449999999995</c:v>
+                </c:pt>
+                <c:pt idx="31">
+                  <c:v>8.7166340000000009</c:v>
+                </c:pt>
+                <c:pt idx="32">
+                  <c:v>9.5605119999999992</c:v>
+                </c:pt>
+                <c:pt idx="33">
+                  <c:v>13.666708</c:v>
+                </c:pt>
+                <c:pt idx="34">
+                  <c:v>9.1621269999999999</c:v>
+                </c:pt>
+                <c:pt idx="35">
+                  <c:v>5.9484209999999997</c:v>
+                </c:pt>
+                <c:pt idx="36">
+                  <c:v>3.8598780000000001</c:v>
+                </c:pt>
+                <c:pt idx="37">
+                  <c:v>5.1303470000000004</c:v>
+                </c:pt>
+                <c:pt idx="38">
+                  <c:v>5.3115139999999998</c:v>
+                </c:pt>
+                <c:pt idx="39">
+                  <c:v>5.8076850000000002</c:v>
+                </c:pt>
+                <c:pt idx="40">
+                  <c:v>6.6491049999999996</c:v>
+                </c:pt>
+                <c:pt idx="41">
+                  <c:v>7.2600569999999998</c:v>
+                </c:pt>
+                <c:pt idx="42">
+                  <c:v>7.8716249999999999</c:v>
+                </c:pt>
+                <c:pt idx="43">
+                  <c:v>8.0071239999999992</c:v>
+                </c:pt>
+                <c:pt idx="44">
+                  <c:v>9.1077899999999996</c:v>
+                </c:pt>
+                <c:pt idx="45">
+                  <c:v>13.260329</c:v>
+                </c:pt>
+                <c:pt idx="46">
+                  <c:v>8.1938980000000008</c:v>
+                </c:pt>
+                <c:pt idx="47">
+                  <c:v>3.1801490000000001</c:v>
+                </c:pt>
+                <c:pt idx="48">
+                  <c:v>4.53085</c:v>
+                </c:pt>
+                <c:pt idx="49">
+                  <c:v>5.2564500000000001</c:v>
+                </c:pt>
+                <c:pt idx="50">
+                  <c:v>6.5771389999999998</c:v>
+                </c:pt>
+                <c:pt idx="51">
+                  <c:v>6.8376919999999997</c:v>
+                </c:pt>
+                <c:pt idx="52">
+                  <c:v>7.4699669999999996</c:v>
+                </c:pt>
+                <c:pt idx="53">
+                  <c:v>8.282546</c:v>
+                </c:pt>
+                <c:pt idx="54">
+                  <c:v>8.7067789999999992</c:v>
+                </c:pt>
+                <c:pt idx="55">
+                  <c:v>9.2944099999999992</c:v>
+                </c:pt>
+                <c:pt idx="56">
+                  <c:v>13.249461999999999</c:v>
+                </c:pt>
+                <c:pt idx="57">
+                  <c:v>16.807127000000001</c:v>
+                </c:pt>
+                <c:pt idx="58">
+                  <c:v>8.9506309999999996</c:v>
+                </c:pt>
+                <c:pt idx="59">
+                  <c:v>7.6525990000000004</c:v>
+                </c:pt>
+                <c:pt idx="60">
+                  <c:v>6.1077399999999997</c:v>
+                </c:pt>
+                <c:pt idx="61">
+                  <c:v>7.345167</c:v>
+                </c:pt>
+                <c:pt idx="62">
+                  <c:v>6.8343990000000003</c:v>
+                </c:pt>
+                <c:pt idx="63">
+                  <c:v>7.451581</c:v>
+                </c:pt>
+                <c:pt idx="64">
+                  <c:v>7.916569</c:v>
+                </c:pt>
+                <c:pt idx="65">
+                  <c:v>8.4819440000000004</c:v>
+                </c:pt>
+                <c:pt idx="66">
+                  <c:v>9.8057890000000008</c:v>
+                </c:pt>
+                <c:pt idx="67">
+                  <c:v>15.420059999999999</c:v>
+                </c:pt>
+                <c:pt idx="68">
+                  <c:v>19.607327999999999</c:v>
+                </c:pt>
+                <c:pt idx="69">
+                  <c:v>17.225902999999999</c:v>
+                </c:pt>
+                <c:pt idx="70">
+                  <c:v>9.4089639999999992</c:v>
+                </c:pt>
+                <c:pt idx="71">
+                  <c:v>6.5922989999999997</c:v>
+                </c:pt>
+                <c:pt idx="72">
+                  <c:v>5.077852</c:v>
+                </c:pt>
+                <c:pt idx="73">
+                  <c:v>6.0420199999999999</c:v>
+                </c:pt>
+                <c:pt idx="74">
+                  <c:v>6.7066660000000002</c:v>
+                </c:pt>
+                <c:pt idx="75">
+                  <c:v>7.018815</c:v>
+                </c:pt>
+                <c:pt idx="76">
+                  <c:v>7.2525659999999998</c:v>
+                </c:pt>
+                <c:pt idx="77">
+                  <c:v>8.3415739999999996</c:v>
+                </c:pt>
+                <c:pt idx="78">
+                  <c:v>9.6124399999999994</c:v>
+                </c:pt>
+                <c:pt idx="79">
+                  <c:v>12.807323</c:v>
+                </c:pt>
+                <c:pt idx="80">
+                  <c:v>18.714966</c:v>
+                </c:pt>
+                <c:pt idx="81">
+                  <c:v>13.539747999999999</c:v>
+                </c:pt>
+                <c:pt idx="82">
+                  <c:v>9.3763590000000008</c:v>
+                </c:pt>
+                <c:pt idx="83">
+                  <c:v>5.3433809999999999</c:v>
+                </c:pt>
+                <c:pt idx="84">
+                  <c:v>3.7388919999999999</c:v>
+                </c:pt>
+                <c:pt idx="85">
+                  <c:v>5.5044440000000003</c:v>
+                </c:pt>
+                <c:pt idx="86">
+                  <c:v>5.6991579999999997</c:v>
+                </c:pt>
+                <c:pt idx="87">
+                  <c:v>6.5786189999999998</c:v>
+                </c:pt>
+                <c:pt idx="88">
+                  <c:v>7.2222730000000004</c:v>
+                </c:pt>
+                <c:pt idx="89">
+                  <c:v>7.7701859999999998</c:v>
+                </c:pt>
+                <c:pt idx="90">
+                  <c:v>8.3039649999999998</c:v>
+                </c:pt>
+                <c:pt idx="91">
+                  <c:v>8.6642139999999994</c:v>
+                </c:pt>
+                <c:pt idx="92">
+                  <c:v>12.014706</c:v>
+                </c:pt>
+                <c:pt idx="93">
+                  <c:v>13.340147999999999</c:v>
+                </c:pt>
+                <c:pt idx="94">
+                  <c:v>8.4495989999999992</c:v>
+                </c:pt>
+                <c:pt idx="95">
+                  <c:v>4.8649889999999996</c:v>
+                </c:pt>
+                <c:pt idx="96">
+                  <c:v>6.3716889999999999</c:v>
+                </c:pt>
+                <c:pt idx="97">
+                  <c:v>5.8028979999999999</c:v>
+                </c:pt>
+                <c:pt idx="98">
+                  <c:v>4.780729</c:v>
+                </c:pt>
+                <c:pt idx="99">
+                  <c:v>5.6558440000000001</c:v>
+                </c:pt>
+                <c:pt idx="100">
+                  <c:v>6.6804240000000004</c:v>
+                </c:pt>
+                <c:pt idx="101">
+                  <c:v>7.4761600000000001</c:v>
+                </c:pt>
+                <c:pt idx="102">
+                  <c:v>9.8986210000000003</c:v>
+                </c:pt>
+                <c:pt idx="103">
+                  <c:v>17.599765999999999</c:v>
+                </c:pt>
+                <c:pt idx="104">
+                  <c:v>19.694932999999999</c:v>
+                </c:pt>
+                <c:pt idx="105">
+                  <c:v>14.747918</c:v>
+                </c:pt>
+                <c:pt idx="106">
+                  <c:v>8.8163230000000006</c:v>
+                </c:pt>
+                <c:pt idx="107">
+                  <c:v>6.4395899999999999</c:v>
+                </c:pt>
+              </c:numCache>
+            </c:numRef>
+          </c:val>
+          <c:smooth val="0"/>
+          <c:extLst>
+            <c:ext xmlns:c16="http://schemas.microsoft.com/office/drawing/2014/chart" uri="{C3380CC4-5D6E-409C-BE32-E72D297353CC}">
+              <c16:uniqueId val="{00000001-C10D-4011-A4D6-DF255C8C7C8A}"/>
+            </c:ext>
+          </c:extLst>
+        </c:ser>
+        <c:dLbls>
+          <c:showLegendKey val="0"/>
+          <c:showVal val="0"/>
+          <c:showCatName val="0"/>
+          <c:showSerName val="0"/>
+          <c:showPercent val="0"/>
+          <c:showBubbleSize val="0"/>
+        </c:dLbls>
+        <c:smooth val="0"/>
+        <c:axId val="58066224"/>
+        <c:axId val="156437344"/>
+      </c:lineChart>
+      <c:catAx>
+        <c:axId val="58066224"/>
+        <c:scaling>
+          <c:orientation val="minMax"/>
+        </c:scaling>
+        <c:delete val="0"/>
+        <c:axPos val="b"/>
+        <c:title>
+          <c:tx>
+            <c:rich>
+              <a:bodyPr rot="0" spcFirstLastPara="1" vertOverflow="ellipsis" vert="horz" wrap="square" anchor="ctr" anchorCtr="1"/>
+              <a:lstStyle/>
+              <a:p>
+                <a:pPr>
+                  <a:defRPr sz="1000" b="0" i="0" u="none" strike="noStrike" kern="1200" baseline="0">
+                    <a:solidFill>
+                      <a:schemeClr val="tx1">
+                        <a:lumMod val="65000"/>
+                        <a:lumOff val="35000"/>
+                      </a:schemeClr>
+                    </a:solidFill>
+                    <a:latin typeface="+mn-lt"/>
+                    <a:ea typeface="+mn-ea"/>
+                    <a:cs typeface="+mn-cs"/>
+                  </a:defRPr>
+                </a:pPr>
+                <a:r>
+                  <a:rPr lang="en-US"/>
+                  <a:t>month index in 2010-18</a:t>
+                </a:r>
+              </a:p>
+            </c:rich>
+          </c:tx>
+          <c:overlay val="0"/>
+          <c:spPr>
+            <a:noFill/>
+            <a:ln>
+              <a:noFill/>
+            </a:ln>
+            <a:effectLst/>
+          </c:spPr>
+          <c:txPr>
+            <a:bodyPr rot="0" spcFirstLastPara="1" vertOverflow="ellipsis" vert="horz" wrap="square" anchor="ctr" anchorCtr="1"/>
+            <a:lstStyle/>
+            <a:p>
+              <a:pPr>
+                <a:defRPr sz="1000" b="0" i="0" u="none" strike="noStrike" kern="1200" baseline="0">
+                  <a:solidFill>
+                    <a:schemeClr val="tx1">
+                      <a:lumMod val="65000"/>
+                      <a:lumOff val="35000"/>
+                    </a:schemeClr>
+                  </a:solidFill>
+                  <a:latin typeface="+mn-lt"/>
+                  <a:ea typeface="+mn-ea"/>
+                  <a:cs typeface="+mn-cs"/>
+                </a:defRPr>
+              </a:pPr>
+              <a:endParaRPr lang="en-US"/>
+            </a:p>
+          </c:txPr>
+        </c:title>
+        <c:majorTickMark val="none"/>
+        <c:minorTickMark val="none"/>
+        <c:tickLblPos val="nextTo"/>
+        <c:spPr>
+          <a:noFill/>
+          <a:ln w="9525" cap="flat" cmpd="sng" algn="ctr">
+            <a:solidFill>
+              <a:schemeClr val="tx1">
+                <a:lumMod val="15000"/>
+                <a:lumOff val="85000"/>
+              </a:schemeClr>
+            </a:solidFill>
+            <a:round/>
+          </a:ln>
+          <a:effectLst/>
+        </c:spPr>
+        <c:txPr>
+          <a:bodyPr rot="-60000000" spcFirstLastPara="1" vertOverflow="ellipsis" vert="horz" wrap="square" anchor="ctr" anchorCtr="1"/>
+          <a:lstStyle/>
+          <a:p>
+            <a:pPr>
+              <a:defRPr sz="900" b="0" i="0" u="none" strike="noStrike" kern="1200" baseline="0">
+                <a:solidFill>
+                  <a:schemeClr val="tx1">
+                    <a:lumMod val="65000"/>
+                    <a:lumOff val="35000"/>
+                  </a:schemeClr>
+                </a:solidFill>
+                <a:latin typeface="+mn-lt"/>
+                <a:ea typeface="+mn-ea"/>
+                <a:cs typeface="+mn-cs"/>
+              </a:defRPr>
+            </a:pPr>
+            <a:endParaRPr lang="en-US"/>
+          </a:p>
+        </c:txPr>
+        <c:crossAx val="156437344"/>
+        <c:crosses val="autoZero"/>
+        <c:auto val="1"/>
+        <c:lblAlgn val="ctr"/>
+        <c:lblOffset val="100"/>
+        <c:noMultiLvlLbl val="0"/>
+      </c:catAx>
+      <c:valAx>
+        <c:axId val="156437344"/>
+        <c:scaling>
+          <c:orientation val="minMax"/>
+        </c:scaling>
+        <c:delete val="0"/>
+        <c:axPos val="l"/>
+        <c:majorGridlines>
+          <c:spPr>
+            <a:ln w="9525" cap="flat" cmpd="sng" algn="ctr">
+              <a:solidFill>
+                <a:schemeClr val="tx1">
+                  <a:lumMod val="15000"/>
+                  <a:lumOff val="85000"/>
+                </a:schemeClr>
+              </a:solidFill>
+              <a:round/>
+            </a:ln>
+            <a:effectLst/>
+          </c:spPr>
+        </c:majorGridlines>
+        <c:title>
+          <c:tx>
+            <c:rich>
+              <a:bodyPr rot="-5400000" spcFirstLastPara="1" vertOverflow="ellipsis" vert="horz" wrap="square" anchor="ctr" anchorCtr="1"/>
+              <a:lstStyle/>
+              <a:p>
+                <a:pPr>
+                  <a:defRPr sz="1000" b="0" i="0" u="none" strike="noStrike" kern="1200" baseline="0">
+                    <a:solidFill>
+                      <a:schemeClr val="tx1">
+                        <a:lumMod val="65000"/>
+                        <a:lumOff val="35000"/>
+                      </a:schemeClr>
+                    </a:solidFill>
+                    <a:latin typeface="+mn-lt"/>
+                    <a:ea typeface="+mn-ea"/>
+                    <a:cs typeface="+mn-cs"/>
+                  </a:defRPr>
+                </a:pPr>
+                <a:r>
+                  <a:rPr lang="en-US"/>
+                  <a:t>deg C</a:t>
+                </a:r>
+              </a:p>
+            </c:rich>
+          </c:tx>
+          <c:overlay val="0"/>
+          <c:spPr>
+            <a:noFill/>
+            <a:ln>
+              <a:noFill/>
+            </a:ln>
+            <a:effectLst/>
+          </c:spPr>
+          <c:txPr>
+            <a:bodyPr rot="-5400000" spcFirstLastPara="1" vertOverflow="ellipsis" vert="horz" wrap="square" anchor="ctr" anchorCtr="1"/>
+            <a:lstStyle/>
+            <a:p>
+              <a:pPr>
+                <a:defRPr sz="1000" b="0" i="0" u="none" strike="noStrike" kern="1200" baseline="0">
+                  <a:solidFill>
+                    <a:schemeClr val="tx1">
+                      <a:lumMod val="65000"/>
+                      <a:lumOff val="35000"/>
+                    </a:schemeClr>
+                  </a:solidFill>
+                  <a:latin typeface="+mn-lt"/>
+                  <a:ea typeface="+mn-ea"/>
+                  <a:cs typeface="+mn-cs"/>
+                </a:defRPr>
+              </a:pPr>
+              <a:endParaRPr lang="en-US"/>
+            </a:p>
+          </c:txPr>
+        </c:title>
+        <c:numFmt formatCode="General" sourceLinked="1"/>
+        <c:majorTickMark val="none"/>
+        <c:minorTickMark val="none"/>
+        <c:tickLblPos val="nextTo"/>
+        <c:spPr>
+          <a:noFill/>
+          <a:ln>
+            <a:noFill/>
+          </a:ln>
+          <a:effectLst/>
+        </c:spPr>
+        <c:txPr>
+          <a:bodyPr rot="-60000000" spcFirstLastPara="1" vertOverflow="ellipsis" vert="horz" wrap="square" anchor="ctr" anchorCtr="1"/>
+          <a:lstStyle/>
+          <a:p>
+            <a:pPr>
+              <a:defRPr sz="900" b="0" i="0" u="none" strike="noStrike" kern="1200" baseline="0">
+                <a:solidFill>
+                  <a:schemeClr val="tx1">
+                    <a:lumMod val="65000"/>
+                    <a:lumOff val="35000"/>
+                  </a:schemeClr>
+                </a:solidFill>
+                <a:latin typeface="+mn-lt"/>
+                <a:ea typeface="+mn-ea"/>
+                <a:cs typeface="+mn-cs"/>
+              </a:defRPr>
+            </a:pPr>
+            <a:endParaRPr lang="en-US"/>
+          </a:p>
+        </c:txPr>
+        <c:crossAx val="58066224"/>
+        <c:crosses val="autoZero"/>
+        <c:crossBetween val="between"/>
+      </c:valAx>
+      <c:spPr>
+        <a:noFill/>
+        <a:ln>
+          <a:noFill/>
+        </a:ln>
+        <a:effectLst/>
+      </c:spPr>
+    </c:plotArea>
+    <c:legend>
+      <c:legendPos val="b"/>
+      <c:overlay val="0"/>
+      <c:spPr>
+        <a:noFill/>
+        <a:ln>
+          <a:noFill/>
+        </a:ln>
+        <a:effectLst/>
+      </c:spPr>
+      <c:txPr>
+        <a:bodyPr rot="0" spcFirstLastPara="1" vertOverflow="ellipsis" vert="horz" wrap="square" anchor="ctr" anchorCtr="1"/>
+        <a:lstStyle/>
+        <a:p>
+          <a:pPr>
+            <a:defRPr sz="900" b="0" i="0" u="none" strike="noStrike" kern="1200" baseline="0">
+              <a:solidFill>
+                <a:schemeClr val="tx1">
+                  <a:lumMod val="65000"/>
+                  <a:lumOff val="35000"/>
+                </a:schemeClr>
+              </a:solidFill>
+              <a:latin typeface="+mn-lt"/>
+              <a:ea typeface="+mn-ea"/>
+              <a:cs typeface="+mn-cs"/>
+            </a:defRPr>
+          </a:pPr>
+          <a:endParaRPr lang="en-US"/>
+        </a:p>
+      </c:txPr>
+    </c:legend>
+    <c:plotVisOnly val="1"/>
+    <c:dispBlanksAs val="gap"/>
+    <c:extLst>
+      <c:ext xmlns:c16r3="http://schemas.microsoft.com/office/drawing/2017/03/chart" uri="{56B9EC1D-385E-4148-901F-78D8002777C0}">
+        <c16r3:dataDisplayOptions16>
+          <c16r3:dispNaAsBlank val="1"/>
+        </c16r3:dataDisplayOptions16>
+      </c:ext>
+    </c:extLst>
+    <c:showDLblsOverMax val="0"/>
+  </c:chart>
+  <c:spPr>
+    <a:noFill/>
+    <a:ln>
+      <a:noFill/>
+    </a:ln>
+    <a:effectLst/>
+  </c:spPr>
+  <c:txPr>
+    <a:bodyPr/>
+    <a:lstStyle/>
+    <a:p>
+      <a:pPr>
+        <a:defRPr/>
+      </a:pPr>
+      <a:endParaRPr lang="en-US"/>
+    </a:p>
+  </c:txPr>
+  <c:externalData r:id="rId3">
+    <c:autoUpdate val="0"/>
+  </c:externalData>
+</c:chartSpace>
+</file>
+
 <file path=ppt/charts/colors1.xml><?xml version="1.0" encoding="utf-8"?>
+<cs:colorStyle xmlns:cs="http://schemas.microsoft.com/office/drawing/2012/chartStyle" xmlns:a="http://schemas.openxmlformats.org/drawingml/2006/main" meth="cycle" id="10">
+  <a:schemeClr val="accent1"/>
+  <a:schemeClr val="accent2"/>
+  <a:schemeClr val="accent3"/>
+  <a:schemeClr val="accent4"/>
+  <a:schemeClr val="accent5"/>
+  <a:schemeClr val="accent6"/>
+  <cs:variation/>
+  <cs:variation>
+    <a:lumMod val="60000"/>
+  </cs:variation>
+  <cs:variation>
+    <a:lumMod val="80000"/>
+    <a:lumOff val="20000"/>
+  </cs:variation>
+  <cs:variation>
+    <a:lumMod val="80000"/>
+  </cs:variation>
+  <cs:variation>
+    <a:lumMod val="60000"/>
+    <a:lumOff val="40000"/>
+  </cs:variation>
+  <cs:variation>
+    <a:lumMod val="50000"/>
+  </cs:variation>
+  <cs:variation>
+    <a:lumMod val="70000"/>
+    <a:lumOff val="30000"/>
+  </cs:variation>
+  <cs:variation>
+    <a:lumMod val="70000"/>
+  </cs:variation>
+  <cs:variation>
+    <a:lumMod val="50000"/>
+    <a:lumOff val="50000"/>
+  </cs:variation>
+</cs:colorStyle>
+</file>
+
+<file path=ppt/charts/colors2.xml><?xml version="1.0" encoding="utf-8"?>
+<cs:colorStyle xmlns:cs="http://schemas.microsoft.com/office/drawing/2012/chartStyle" xmlns:a="http://schemas.openxmlformats.org/drawingml/2006/main" meth="cycle" id="10">
+  <a:schemeClr val="accent1"/>
+  <a:schemeClr val="accent2"/>
+  <a:schemeClr val="accent3"/>
+  <a:schemeClr val="accent4"/>
+  <a:schemeClr val="accent5"/>
+  <a:schemeClr val="accent6"/>
+  <cs:variation/>
+  <cs:variation>
+    <a:lumMod val="60000"/>
+  </cs:variation>
+  <cs:variation>
+    <a:lumMod val="80000"/>
+    <a:lumOff val="20000"/>
+  </cs:variation>
+  <cs:variation>
+    <a:lumMod val="80000"/>
+  </cs:variation>
+  <cs:variation>
+    <a:lumMod val="60000"/>
+    <a:lumOff val="40000"/>
+  </cs:variation>
+  <cs:variation>
+    <a:lumMod val="50000"/>
+  </cs:variation>
+  <cs:variation>
+    <a:lumMod val="70000"/>
+    <a:lumOff val="30000"/>
+  </cs:variation>
+  <cs:variation>
+    <a:lumMod val="70000"/>
+  </cs:variation>
+  <cs:variation>
+    <a:lumMod val="50000"/>
+    <a:lumOff val="50000"/>
+  </cs:variation>
+</cs:colorStyle>
+</file>
+
+<file path=ppt/charts/colors3.xml><?xml version="1.0" encoding="utf-8"?>
 <cs:colorStyle xmlns:cs="http://schemas.microsoft.com/office/drawing/2012/chartStyle" xmlns:a="http://schemas.openxmlformats.org/drawingml/2006/main" meth="cycle" id="10">
   <a:schemeClr val="accent1"/>
   <a:schemeClr val="accent2"/>
@@ -1791,6 +4087,1038 @@
 </cs:chartStyle>
 </file>
 
+<file path=ppt/charts/style2.xml><?xml version="1.0" encoding="utf-8"?>
+<cs:chartStyle xmlns:cs="http://schemas.microsoft.com/office/drawing/2012/chartStyle" xmlns:a="http://schemas.openxmlformats.org/drawingml/2006/main" id="227">
+  <cs:axisTitle>
+    <cs:lnRef idx="0"/>
+    <cs:fillRef idx="0"/>
+    <cs:effectRef idx="0"/>
+    <cs:fontRef idx="minor">
+      <a:schemeClr val="tx1">
+        <a:lumMod val="65000"/>
+        <a:lumOff val="35000"/>
+      </a:schemeClr>
+    </cs:fontRef>
+    <cs:defRPr sz="1000" kern="1200"/>
+  </cs:axisTitle>
+  <cs:categoryAxis>
+    <cs:lnRef idx="0"/>
+    <cs:fillRef idx="0"/>
+    <cs:effectRef idx="0"/>
+    <cs:fontRef idx="minor">
+      <a:schemeClr val="tx1">
+        <a:lumMod val="65000"/>
+        <a:lumOff val="35000"/>
+      </a:schemeClr>
+    </cs:fontRef>
+    <cs:spPr>
+      <a:ln w="9525" cap="flat" cmpd="sng" algn="ctr">
+        <a:solidFill>
+          <a:schemeClr val="tx1">
+            <a:lumMod val="15000"/>
+            <a:lumOff val="85000"/>
+          </a:schemeClr>
+        </a:solidFill>
+        <a:round/>
+      </a:ln>
+    </cs:spPr>
+    <cs:defRPr sz="900" kern="1200"/>
+  </cs:categoryAxis>
+  <cs:chartArea mods="allowNoFillOverride allowNoLineOverride">
+    <cs:lnRef idx="0"/>
+    <cs:fillRef idx="0"/>
+    <cs:effectRef idx="0"/>
+    <cs:fontRef idx="minor">
+      <a:schemeClr val="tx1"/>
+    </cs:fontRef>
+    <cs:spPr>
+      <a:solidFill>
+        <a:schemeClr val="bg1"/>
+      </a:solidFill>
+      <a:ln w="9525" cap="flat" cmpd="sng" algn="ctr">
+        <a:solidFill>
+          <a:schemeClr val="tx1">
+            <a:lumMod val="15000"/>
+            <a:lumOff val="85000"/>
+          </a:schemeClr>
+        </a:solidFill>
+        <a:round/>
+      </a:ln>
+    </cs:spPr>
+    <cs:defRPr sz="1000" kern="1200"/>
+  </cs:chartArea>
+  <cs:dataLabel>
+    <cs:lnRef idx="0"/>
+    <cs:fillRef idx="0"/>
+    <cs:effectRef idx="0"/>
+    <cs:fontRef idx="minor">
+      <a:schemeClr val="tx1">
+        <a:lumMod val="75000"/>
+        <a:lumOff val="25000"/>
+      </a:schemeClr>
+    </cs:fontRef>
+    <cs:defRPr sz="900" kern="1200"/>
+  </cs:dataLabel>
+  <cs:dataLabelCallout>
+    <cs:lnRef idx="0"/>
+    <cs:fillRef idx="0"/>
+    <cs:effectRef idx="0"/>
+    <cs:fontRef idx="minor">
+      <a:schemeClr val="dk1">
+        <a:lumMod val="65000"/>
+        <a:lumOff val="35000"/>
+      </a:schemeClr>
+    </cs:fontRef>
+    <cs:spPr>
+      <a:solidFill>
+        <a:schemeClr val="lt1"/>
+      </a:solidFill>
+      <a:ln>
+        <a:solidFill>
+          <a:schemeClr val="dk1">
+            <a:lumMod val="25000"/>
+            <a:lumOff val="75000"/>
+          </a:schemeClr>
+        </a:solidFill>
+      </a:ln>
+    </cs:spPr>
+    <cs:defRPr sz="900" kern="1200"/>
+    <cs:bodyPr rot="0" spcFirstLastPara="1" vertOverflow="clip" horzOverflow="clip" vert="horz" wrap="square" lIns="36576" tIns="18288" rIns="36576" bIns="18288" anchor="ctr" anchorCtr="1">
+      <a:spAutoFit/>
+    </cs:bodyPr>
+  </cs:dataLabelCallout>
+  <cs:dataPoint>
+    <cs:lnRef idx="0"/>
+    <cs:fillRef idx="1">
+      <cs:styleClr val="auto"/>
+    </cs:fillRef>
+    <cs:effectRef idx="0"/>
+    <cs:fontRef idx="minor">
+      <a:schemeClr val="tx1"/>
+    </cs:fontRef>
+    <cs:spPr>
+      <a:solidFill>
+        <a:schemeClr val="phClr"/>
+      </a:solidFill>
+    </cs:spPr>
+  </cs:dataPoint>
+  <cs:dataPoint3D>
+    <cs:lnRef idx="0"/>
+    <cs:fillRef idx="1">
+      <cs:styleClr val="auto"/>
+    </cs:fillRef>
+    <cs:effectRef idx="0"/>
+    <cs:fontRef idx="minor">
+      <a:schemeClr val="tx1"/>
+    </cs:fontRef>
+    <cs:spPr>
+      <a:solidFill>
+        <a:schemeClr val="phClr"/>
+      </a:solidFill>
+    </cs:spPr>
+  </cs:dataPoint3D>
+  <cs:dataPointLine>
+    <cs:lnRef idx="0">
+      <cs:styleClr val="auto"/>
+    </cs:lnRef>
+    <cs:fillRef idx="1"/>
+    <cs:effectRef idx="0"/>
+    <cs:fontRef idx="minor">
+      <a:schemeClr val="tx1"/>
+    </cs:fontRef>
+    <cs:spPr>
+      <a:ln w="28575" cap="rnd">
+        <a:solidFill>
+          <a:schemeClr val="phClr"/>
+        </a:solidFill>
+        <a:round/>
+      </a:ln>
+    </cs:spPr>
+  </cs:dataPointLine>
+  <cs:dataPointMarker>
+    <cs:lnRef idx="0">
+      <cs:styleClr val="auto"/>
+    </cs:lnRef>
+    <cs:fillRef idx="1">
+      <cs:styleClr val="auto"/>
+    </cs:fillRef>
+    <cs:effectRef idx="0"/>
+    <cs:fontRef idx="minor">
+      <a:schemeClr val="tx1"/>
+    </cs:fontRef>
+    <cs:spPr>
+      <a:solidFill>
+        <a:schemeClr val="phClr"/>
+      </a:solidFill>
+      <a:ln w="9525">
+        <a:solidFill>
+          <a:schemeClr val="phClr"/>
+        </a:solidFill>
+      </a:ln>
+    </cs:spPr>
+  </cs:dataPointMarker>
+  <cs:dataPointMarkerLayout symbol="circle" size="5"/>
+  <cs:dataPointWireframe>
+    <cs:lnRef idx="0">
+      <cs:styleClr val="auto"/>
+    </cs:lnRef>
+    <cs:fillRef idx="1"/>
+    <cs:effectRef idx="0"/>
+    <cs:fontRef idx="minor">
+      <a:schemeClr val="tx1"/>
+    </cs:fontRef>
+    <cs:spPr>
+      <a:ln w="9525" cap="rnd">
+        <a:solidFill>
+          <a:schemeClr val="phClr"/>
+        </a:solidFill>
+        <a:round/>
+      </a:ln>
+    </cs:spPr>
+  </cs:dataPointWireframe>
+  <cs:dataTable>
+    <cs:lnRef idx="0"/>
+    <cs:fillRef idx="0"/>
+    <cs:effectRef idx="0"/>
+    <cs:fontRef idx="minor">
+      <a:schemeClr val="tx1">
+        <a:lumMod val="65000"/>
+        <a:lumOff val="35000"/>
+      </a:schemeClr>
+    </cs:fontRef>
+    <cs:spPr>
+      <a:noFill/>
+      <a:ln w="9525" cap="flat" cmpd="sng" algn="ctr">
+        <a:solidFill>
+          <a:schemeClr val="tx1">
+            <a:lumMod val="15000"/>
+            <a:lumOff val="85000"/>
+          </a:schemeClr>
+        </a:solidFill>
+        <a:round/>
+      </a:ln>
+    </cs:spPr>
+    <cs:defRPr sz="900" kern="1200"/>
+  </cs:dataTable>
+  <cs:downBar>
+    <cs:lnRef idx="0"/>
+    <cs:fillRef idx="0"/>
+    <cs:effectRef idx="0"/>
+    <cs:fontRef idx="minor">
+      <a:schemeClr val="dk1"/>
+    </cs:fontRef>
+    <cs:spPr>
+      <a:solidFill>
+        <a:schemeClr val="dk1">
+          <a:lumMod val="65000"/>
+          <a:lumOff val="35000"/>
+        </a:schemeClr>
+      </a:solidFill>
+      <a:ln w="9525">
+        <a:solidFill>
+          <a:schemeClr val="tx1">
+            <a:lumMod val="65000"/>
+            <a:lumOff val="35000"/>
+          </a:schemeClr>
+        </a:solidFill>
+      </a:ln>
+    </cs:spPr>
+  </cs:downBar>
+  <cs:dropLine>
+    <cs:lnRef idx="0"/>
+    <cs:fillRef idx="0"/>
+    <cs:effectRef idx="0"/>
+    <cs:fontRef idx="minor">
+      <a:schemeClr val="tx1"/>
+    </cs:fontRef>
+    <cs:spPr>
+      <a:ln w="9525" cap="flat" cmpd="sng" algn="ctr">
+        <a:solidFill>
+          <a:schemeClr val="tx1">
+            <a:lumMod val="35000"/>
+            <a:lumOff val="65000"/>
+          </a:schemeClr>
+        </a:solidFill>
+        <a:round/>
+      </a:ln>
+    </cs:spPr>
+  </cs:dropLine>
+  <cs:errorBar>
+    <cs:lnRef idx="0"/>
+    <cs:fillRef idx="0"/>
+    <cs:effectRef idx="0"/>
+    <cs:fontRef idx="minor">
+      <a:schemeClr val="tx1"/>
+    </cs:fontRef>
+    <cs:spPr>
+      <a:ln w="9525" cap="flat" cmpd="sng" algn="ctr">
+        <a:solidFill>
+          <a:schemeClr val="tx1">
+            <a:lumMod val="65000"/>
+            <a:lumOff val="35000"/>
+          </a:schemeClr>
+        </a:solidFill>
+        <a:round/>
+      </a:ln>
+    </cs:spPr>
+  </cs:errorBar>
+  <cs:floor>
+    <cs:lnRef idx="0"/>
+    <cs:fillRef idx="0"/>
+    <cs:effectRef idx="0"/>
+    <cs:fontRef idx="minor">
+      <a:schemeClr val="tx1"/>
+    </cs:fontRef>
+    <cs:spPr>
+      <a:noFill/>
+      <a:ln>
+        <a:noFill/>
+      </a:ln>
+    </cs:spPr>
+  </cs:floor>
+  <cs:gridlineMajor>
+    <cs:lnRef idx="0"/>
+    <cs:fillRef idx="0"/>
+    <cs:effectRef idx="0"/>
+    <cs:fontRef idx="minor">
+      <a:schemeClr val="tx1"/>
+    </cs:fontRef>
+    <cs:spPr>
+      <a:ln w="9525" cap="flat" cmpd="sng" algn="ctr">
+        <a:solidFill>
+          <a:schemeClr val="tx1">
+            <a:lumMod val="15000"/>
+            <a:lumOff val="85000"/>
+          </a:schemeClr>
+        </a:solidFill>
+        <a:round/>
+      </a:ln>
+    </cs:spPr>
+  </cs:gridlineMajor>
+  <cs:gridlineMinor>
+    <cs:lnRef idx="0"/>
+    <cs:fillRef idx="0"/>
+    <cs:effectRef idx="0"/>
+    <cs:fontRef idx="minor">
+      <a:schemeClr val="tx1"/>
+    </cs:fontRef>
+    <cs:spPr>
+      <a:ln w="9525" cap="flat" cmpd="sng" algn="ctr">
+        <a:solidFill>
+          <a:schemeClr val="tx1">
+            <a:lumMod val="5000"/>
+            <a:lumOff val="95000"/>
+          </a:schemeClr>
+        </a:solidFill>
+        <a:round/>
+      </a:ln>
+    </cs:spPr>
+  </cs:gridlineMinor>
+  <cs:hiLoLine>
+    <cs:lnRef idx="0"/>
+    <cs:fillRef idx="0"/>
+    <cs:effectRef idx="0"/>
+    <cs:fontRef idx="minor">
+      <a:schemeClr val="tx1"/>
+    </cs:fontRef>
+    <cs:spPr>
+      <a:ln w="9525" cap="flat" cmpd="sng" algn="ctr">
+        <a:solidFill>
+          <a:schemeClr val="tx1">
+            <a:lumMod val="75000"/>
+            <a:lumOff val="25000"/>
+          </a:schemeClr>
+        </a:solidFill>
+        <a:round/>
+      </a:ln>
+    </cs:spPr>
+  </cs:hiLoLine>
+  <cs:leaderLine>
+    <cs:lnRef idx="0"/>
+    <cs:fillRef idx="0"/>
+    <cs:effectRef idx="0"/>
+    <cs:fontRef idx="minor">
+      <a:schemeClr val="tx1"/>
+    </cs:fontRef>
+    <cs:spPr>
+      <a:ln w="9525" cap="flat" cmpd="sng" algn="ctr">
+        <a:solidFill>
+          <a:schemeClr val="tx1">
+            <a:lumMod val="35000"/>
+            <a:lumOff val="65000"/>
+          </a:schemeClr>
+        </a:solidFill>
+        <a:round/>
+      </a:ln>
+    </cs:spPr>
+  </cs:leaderLine>
+  <cs:legend>
+    <cs:lnRef idx="0"/>
+    <cs:fillRef idx="0"/>
+    <cs:effectRef idx="0"/>
+    <cs:fontRef idx="minor">
+      <a:schemeClr val="tx1">
+        <a:lumMod val="65000"/>
+        <a:lumOff val="35000"/>
+      </a:schemeClr>
+    </cs:fontRef>
+    <cs:defRPr sz="900" kern="1200"/>
+  </cs:legend>
+  <cs:plotArea mods="allowNoFillOverride allowNoLineOverride">
+    <cs:lnRef idx="0"/>
+    <cs:fillRef idx="0"/>
+    <cs:effectRef idx="0"/>
+    <cs:fontRef idx="minor">
+      <a:schemeClr val="tx1"/>
+    </cs:fontRef>
+  </cs:plotArea>
+  <cs:plotArea3D mods="allowNoFillOverride allowNoLineOverride">
+    <cs:lnRef idx="0"/>
+    <cs:fillRef idx="0"/>
+    <cs:effectRef idx="0"/>
+    <cs:fontRef idx="minor">
+      <a:schemeClr val="tx1"/>
+    </cs:fontRef>
+  </cs:plotArea3D>
+  <cs:seriesAxis>
+    <cs:lnRef idx="0"/>
+    <cs:fillRef idx="0"/>
+    <cs:effectRef idx="0"/>
+    <cs:fontRef idx="minor">
+      <a:schemeClr val="tx1">
+        <a:lumMod val="65000"/>
+        <a:lumOff val="35000"/>
+      </a:schemeClr>
+    </cs:fontRef>
+    <cs:defRPr sz="900" kern="1200"/>
+  </cs:seriesAxis>
+  <cs:seriesLine>
+    <cs:lnRef idx="0"/>
+    <cs:fillRef idx="0"/>
+    <cs:effectRef idx="0"/>
+    <cs:fontRef idx="minor">
+      <a:schemeClr val="tx1"/>
+    </cs:fontRef>
+    <cs:spPr>
+      <a:ln w="9525" cap="flat" cmpd="sng" algn="ctr">
+        <a:solidFill>
+          <a:schemeClr val="tx1">
+            <a:lumMod val="35000"/>
+            <a:lumOff val="65000"/>
+          </a:schemeClr>
+        </a:solidFill>
+        <a:round/>
+      </a:ln>
+    </cs:spPr>
+  </cs:seriesLine>
+  <cs:title>
+    <cs:lnRef idx="0"/>
+    <cs:fillRef idx="0"/>
+    <cs:effectRef idx="0"/>
+    <cs:fontRef idx="minor">
+      <a:schemeClr val="tx1">
+        <a:lumMod val="65000"/>
+        <a:lumOff val="35000"/>
+      </a:schemeClr>
+    </cs:fontRef>
+    <cs:defRPr sz="1400" b="0" kern="1200" spc="0" baseline="0"/>
+  </cs:title>
+  <cs:trendline>
+    <cs:lnRef idx="0">
+      <cs:styleClr val="auto"/>
+    </cs:lnRef>
+    <cs:fillRef idx="0"/>
+    <cs:effectRef idx="0"/>
+    <cs:fontRef idx="minor">
+      <a:schemeClr val="tx1"/>
+    </cs:fontRef>
+    <cs:spPr>
+      <a:ln w="19050" cap="rnd">
+        <a:solidFill>
+          <a:schemeClr val="phClr"/>
+        </a:solidFill>
+        <a:prstDash val="sysDot"/>
+      </a:ln>
+    </cs:spPr>
+  </cs:trendline>
+  <cs:trendlineLabel>
+    <cs:lnRef idx="0"/>
+    <cs:fillRef idx="0"/>
+    <cs:effectRef idx="0"/>
+    <cs:fontRef idx="minor">
+      <a:schemeClr val="tx1">
+        <a:lumMod val="65000"/>
+        <a:lumOff val="35000"/>
+      </a:schemeClr>
+    </cs:fontRef>
+    <cs:defRPr sz="900" kern="1200"/>
+  </cs:trendlineLabel>
+  <cs:upBar>
+    <cs:lnRef idx="0"/>
+    <cs:fillRef idx="0"/>
+    <cs:effectRef idx="0"/>
+    <cs:fontRef idx="minor">
+      <a:schemeClr val="dk1"/>
+    </cs:fontRef>
+    <cs:spPr>
+      <a:solidFill>
+        <a:schemeClr val="lt1"/>
+      </a:solidFill>
+      <a:ln w="9525">
+        <a:solidFill>
+          <a:schemeClr val="tx1">
+            <a:lumMod val="15000"/>
+            <a:lumOff val="85000"/>
+          </a:schemeClr>
+        </a:solidFill>
+      </a:ln>
+    </cs:spPr>
+  </cs:upBar>
+  <cs:valueAxis>
+    <cs:lnRef idx="0"/>
+    <cs:fillRef idx="0"/>
+    <cs:effectRef idx="0"/>
+    <cs:fontRef idx="minor">
+      <a:schemeClr val="tx1">
+        <a:lumMod val="65000"/>
+        <a:lumOff val="35000"/>
+      </a:schemeClr>
+    </cs:fontRef>
+    <cs:defRPr sz="900" kern="1200"/>
+  </cs:valueAxis>
+  <cs:wall>
+    <cs:lnRef idx="0"/>
+    <cs:fillRef idx="0"/>
+    <cs:effectRef idx="0"/>
+    <cs:fontRef idx="minor">
+      <a:schemeClr val="tx1"/>
+    </cs:fontRef>
+    <cs:spPr>
+      <a:noFill/>
+      <a:ln>
+        <a:noFill/>
+      </a:ln>
+    </cs:spPr>
+  </cs:wall>
+</cs:chartStyle>
+</file>
+
+<file path=ppt/charts/style3.xml><?xml version="1.0" encoding="utf-8"?>
+<cs:chartStyle xmlns:cs="http://schemas.microsoft.com/office/drawing/2012/chartStyle" xmlns:a="http://schemas.openxmlformats.org/drawingml/2006/main" id="227">
+  <cs:axisTitle>
+    <cs:lnRef idx="0"/>
+    <cs:fillRef idx="0"/>
+    <cs:effectRef idx="0"/>
+    <cs:fontRef idx="minor">
+      <a:schemeClr val="tx1">
+        <a:lumMod val="65000"/>
+        <a:lumOff val="35000"/>
+      </a:schemeClr>
+    </cs:fontRef>
+    <cs:defRPr sz="1000" kern="1200"/>
+  </cs:axisTitle>
+  <cs:categoryAxis>
+    <cs:lnRef idx="0"/>
+    <cs:fillRef idx="0"/>
+    <cs:effectRef idx="0"/>
+    <cs:fontRef idx="minor">
+      <a:schemeClr val="tx1">
+        <a:lumMod val="65000"/>
+        <a:lumOff val="35000"/>
+      </a:schemeClr>
+    </cs:fontRef>
+    <cs:spPr>
+      <a:ln w="9525" cap="flat" cmpd="sng" algn="ctr">
+        <a:solidFill>
+          <a:schemeClr val="tx1">
+            <a:lumMod val="15000"/>
+            <a:lumOff val="85000"/>
+          </a:schemeClr>
+        </a:solidFill>
+        <a:round/>
+      </a:ln>
+    </cs:spPr>
+    <cs:defRPr sz="900" kern="1200"/>
+  </cs:categoryAxis>
+  <cs:chartArea mods="allowNoFillOverride allowNoLineOverride">
+    <cs:lnRef idx="0"/>
+    <cs:fillRef idx="0"/>
+    <cs:effectRef idx="0"/>
+    <cs:fontRef idx="minor">
+      <a:schemeClr val="tx1"/>
+    </cs:fontRef>
+    <cs:spPr>
+      <a:solidFill>
+        <a:schemeClr val="bg1"/>
+      </a:solidFill>
+      <a:ln w="9525" cap="flat" cmpd="sng" algn="ctr">
+        <a:solidFill>
+          <a:schemeClr val="tx1">
+            <a:lumMod val="15000"/>
+            <a:lumOff val="85000"/>
+          </a:schemeClr>
+        </a:solidFill>
+        <a:round/>
+      </a:ln>
+    </cs:spPr>
+    <cs:defRPr sz="1000" kern="1200"/>
+  </cs:chartArea>
+  <cs:dataLabel>
+    <cs:lnRef idx="0"/>
+    <cs:fillRef idx="0"/>
+    <cs:effectRef idx="0"/>
+    <cs:fontRef idx="minor">
+      <a:schemeClr val="tx1">
+        <a:lumMod val="75000"/>
+        <a:lumOff val="25000"/>
+      </a:schemeClr>
+    </cs:fontRef>
+    <cs:defRPr sz="900" kern="1200"/>
+  </cs:dataLabel>
+  <cs:dataLabelCallout>
+    <cs:lnRef idx="0"/>
+    <cs:fillRef idx="0"/>
+    <cs:effectRef idx="0"/>
+    <cs:fontRef idx="minor">
+      <a:schemeClr val="dk1">
+        <a:lumMod val="65000"/>
+        <a:lumOff val="35000"/>
+      </a:schemeClr>
+    </cs:fontRef>
+    <cs:spPr>
+      <a:solidFill>
+        <a:schemeClr val="lt1"/>
+      </a:solidFill>
+      <a:ln>
+        <a:solidFill>
+          <a:schemeClr val="dk1">
+            <a:lumMod val="25000"/>
+            <a:lumOff val="75000"/>
+          </a:schemeClr>
+        </a:solidFill>
+      </a:ln>
+    </cs:spPr>
+    <cs:defRPr sz="900" kern="1200"/>
+    <cs:bodyPr rot="0" spcFirstLastPara="1" vertOverflow="clip" horzOverflow="clip" vert="horz" wrap="square" lIns="36576" tIns="18288" rIns="36576" bIns="18288" anchor="ctr" anchorCtr="1">
+      <a:spAutoFit/>
+    </cs:bodyPr>
+  </cs:dataLabelCallout>
+  <cs:dataPoint>
+    <cs:lnRef idx="0"/>
+    <cs:fillRef idx="1">
+      <cs:styleClr val="auto"/>
+    </cs:fillRef>
+    <cs:effectRef idx="0"/>
+    <cs:fontRef idx="minor">
+      <a:schemeClr val="tx1"/>
+    </cs:fontRef>
+    <cs:spPr>
+      <a:solidFill>
+        <a:schemeClr val="phClr"/>
+      </a:solidFill>
+    </cs:spPr>
+  </cs:dataPoint>
+  <cs:dataPoint3D>
+    <cs:lnRef idx="0"/>
+    <cs:fillRef idx="1">
+      <cs:styleClr val="auto"/>
+    </cs:fillRef>
+    <cs:effectRef idx="0"/>
+    <cs:fontRef idx="minor">
+      <a:schemeClr val="tx1"/>
+    </cs:fontRef>
+    <cs:spPr>
+      <a:solidFill>
+        <a:schemeClr val="phClr"/>
+      </a:solidFill>
+    </cs:spPr>
+  </cs:dataPoint3D>
+  <cs:dataPointLine>
+    <cs:lnRef idx="0">
+      <cs:styleClr val="auto"/>
+    </cs:lnRef>
+    <cs:fillRef idx="1"/>
+    <cs:effectRef idx="0"/>
+    <cs:fontRef idx="minor">
+      <a:schemeClr val="tx1"/>
+    </cs:fontRef>
+    <cs:spPr>
+      <a:ln w="28575" cap="rnd">
+        <a:solidFill>
+          <a:schemeClr val="phClr"/>
+        </a:solidFill>
+        <a:round/>
+      </a:ln>
+    </cs:spPr>
+  </cs:dataPointLine>
+  <cs:dataPointMarker>
+    <cs:lnRef idx="0">
+      <cs:styleClr val="auto"/>
+    </cs:lnRef>
+    <cs:fillRef idx="1">
+      <cs:styleClr val="auto"/>
+    </cs:fillRef>
+    <cs:effectRef idx="0"/>
+    <cs:fontRef idx="minor">
+      <a:schemeClr val="tx1"/>
+    </cs:fontRef>
+    <cs:spPr>
+      <a:solidFill>
+        <a:schemeClr val="phClr"/>
+      </a:solidFill>
+      <a:ln w="9525">
+        <a:solidFill>
+          <a:schemeClr val="phClr"/>
+        </a:solidFill>
+      </a:ln>
+    </cs:spPr>
+  </cs:dataPointMarker>
+  <cs:dataPointMarkerLayout symbol="circle" size="5"/>
+  <cs:dataPointWireframe>
+    <cs:lnRef idx="0">
+      <cs:styleClr val="auto"/>
+    </cs:lnRef>
+    <cs:fillRef idx="1"/>
+    <cs:effectRef idx="0"/>
+    <cs:fontRef idx="minor">
+      <a:schemeClr val="tx1"/>
+    </cs:fontRef>
+    <cs:spPr>
+      <a:ln w="9525" cap="rnd">
+        <a:solidFill>
+          <a:schemeClr val="phClr"/>
+        </a:solidFill>
+        <a:round/>
+      </a:ln>
+    </cs:spPr>
+  </cs:dataPointWireframe>
+  <cs:dataTable>
+    <cs:lnRef idx="0"/>
+    <cs:fillRef idx="0"/>
+    <cs:effectRef idx="0"/>
+    <cs:fontRef idx="minor">
+      <a:schemeClr val="tx1">
+        <a:lumMod val="65000"/>
+        <a:lumOff val="35000"/>
+      </a:schemeClr>
+    </cs:fontRef>
+    <cs:spPr>
+      <a:noFill/>
+      <a:ln w="9525" cap="flat" cmpd="sng" algn="ctr">
+        <a:solidFill>
+          <a:schemeClr val="tx1">
+            <a:lumMod val="15000"/>
+            <a:lumOff val="85000"/>
+          </a:schemeClr>
+        </a:solidFill>
+        <a:round/>
+      </a:ln>
+    </cs:spPr>
+    <cs:defRPr sz="900" kern="1200"/>
+  </cs:dataTable>
+  <cs:downBar>
+    <cs:lnRef idx="0"/>
+    <cs:fillRef idx="0"/>
+    <cs:effectRef idx="0"/>
+    <cs:fontRef idx="minor">
+      <a:schemeClr val="dk1"/>
+    </cs:fontRef>
+    <cs:spPr>
+      <a:solidFill>
+        <a:schemeClr val="dk1">
+          <a:lumMod val="65000"/>
+          <a:lumOff val="35000"/>
+        </a:schemeClr>
+      </a:solidFill>
+      <a:ln w="9525">
+        <a:solidFill>
+          <a:schemeClr val="tx1">
+            <a:lumMod val="65000"/>
+            <a:lumOff val="35000"/>
+          </a:schemeClr>
+        </a:solidFill>
+      </a:ln>
+    </cs:spPr>
+  </cs:downBar>
+  <cs:dropLine>
+    <cs:lnRef idx="0"/>
+    <cs:fillRef idx="0"/>
+    <cs:effectRef idx="0"/>
+    <cs:fontRef idx="minor">
+      <a:schemeClr val="tx1"/>
+    </cs:fontRef>
+    <cs:spPr>
+      <a:ln w="9525" cap="flat" cmpd="sng" algn="ctr">
+        <a:solidFill>
+          <a:schemeClr val="tx1">
+            <a:lumMod val="35000"/>
+            <a:lumOff val="65000"/>
+          </a:schemeClr>
+        </a:solidFill>
+        <a:round/>
+      </a:ln>
+    </cs:spPr>
+  </cs:dropLine>
+  <cs:errorBar>
+    <cs:lnRef idx="0"/>
+    <cs:fillRef idx="0"/>
+    <cs:effectRef idx="0"/>
+    <cs:fontRef idx="minor">
+      <a:schemeClr val="tx1"/>
+    </cs:fontRef>
+    <cs:spPr>
+      <a:ln w="9525" cap="flat" cmpd="sng" algn="ctr">
+        <a:solidFill>
+          <a:schemeClr val="tx1">
+            <a:lumMod val="65000"/>
+            <a:lumOff val="35000"/>
+          </a:schemeClr>
+        </a:solidFill>
+        <a:round/>
+      </a:ln>
+    </cs:spPr>
+  </cs:errorBar>
+  <cs:floor>
+    <cs:lnRef idx="0"/>
+    <cs:fillRef idx="0"/>
+    <cs:effectRef idx="0"/>
+    <cs:fontRef idx="minor">
+      <a:schemeClr val="tx1"/>
+    </cs:fontRef>
+    <cs:spPr>
+      <a:noFill/>
+      <a:ln>
+        <a:noFill/>
+      </a:ln>
+    </cs:spPr>
+  </cs:floor>
+  <cs:gridlineMajor>
+    <cs:lnRef idx="0"/>
+    <cs:fillRef idx="0"/>
+    <cs:effectRef idx="0"/>
+    <cs:fontRef idx="minor">
+      <a:schemeClr val="tx1"/>
+    </cs:fontRef>
+    <cs:spPr>
+      <a:ln w="9525" cap="flat" cmpd="sng" algn="ctr">
+        <a:solidFill>
+          <a:schemeClr val="tx1">
+            <a:lumMod val="15000"/>
+            <a:lumOff val="85000"/>
+          </a:schemeClr>
+        </a:solidFill>
+        <a:round/>
+      </a:ln>
+    </cs:spPr>
+  </cs:gridlineMajor>
+  <cs:gridlineMinor>
+    <cs:lnRef idx="0"/>
+    <cs:fillRef idx="0"/>
+    <cs:effectRef idx="0"/>
+    <cs:fontRef idx="minor">
+      <a:schemeClr val="tx1"/>
+    </cs:fontRef>
+    <cs:spPr>
+      <a:ln w="9525" cap="flat" cmpd="sng" algn="ctr">
+        <a:solidFill>
+          <a:schemeClr val="tx1">
+            <a:lumMod val="5000"/>
+            <a:lumOff val="95000"/>
+          </a:schemeClr>
+        </a:solidFill>
+        <a:round/>
+      </a:ln>
+    </cs:spPr>
+  </cs:gridlineMinor>
+  <cs:hiLoLine>
+    <cs:lnRef idx="0"/>
+    <cs:fillRef idx="0"/>
+    <cs:effectRef idx="0"/>
+    <cs:fontRef idx="minor">
+      <a:schemeClr val="tx1"/>
+    </cs:fontRef>
+    <cs:spPr>
+      <a:ln w="9525" cap="flat" cmpd="sng" algn="ctr">
+        <a:solidFill>
+          <a:schemeClr val="tx1">
+            <a:lumMod val="75000"/>
+            <a:lumOff val="25000"/>
+          </a:schemeClr>
+        </a:solidFill>
+        <a:round/>
+      </a:ln>
+    </cs:spPr>
+  </cs:hiLoLine>
+  <cs:leaderLine>
+    <cs:lnRef idx="0"/>
+    <cs:fillRef idx="0"/>
+    <cs:effectRef idx="0"/>
+    <cs:fontRef idx="minor">
+      <a:schemeClr val="tx1"/>
+    </cs:fontRef>
+    <cs:spPr>
+      <a:ln w="9525" cap="flat" cmpd="sng" algn="ctr">
+        <a:solidFill>
+          <a:schemeClr val="tx1">
+            <a:lumMod val="35000"/>
+            <a:lumOff val="65000"/>
+          </a:schemeClr>
+        </a:solidFill>
+        <a:round/>
+      </a:ln>
+    </cs:spPr>
+  </cs:leaderLine>
+  <cs:legend>
+    <cs:lnRef idx="0"/>
+    <cs:fillRef idx="0"/>
+    <cs:effectRef idx="0"/>
+    <cs:fontRef idx="minor">
+      <a:schemeClr val="tx1">
+        <a:lumMod val="65000"/>
+        <a:lumOff val="35000"/>
+      </a:schemeClr>
+    </cs:fontRef>
+    <cs:defRPr sz="900" kern="1200"/>
+  </cs:legend>
+  <cs:plotArea mods="allowNoFillOverride allowNoLineOverride">
+    <cs:lnRef idx="0"/>
+    <cs:fillRef idx="0"/>
+    <cs:effectRef idx="0"/>
+    <cs:fontRef idx="minor">
+      <a:schemeClr val="tx1"/>
+    </cs:fontRef>
+  </cs:plotArea>
+  <cs:plotArea3D mods="allowNoFillOverride allowNoLineOverride">
+    <cs:lnRef idx="0"/>
+    <cs:fillRef idx="0"/>
+    <cs:effectRef idx="0"/>
+    <cs:fontRef idx="minor">
+      <a:schemeClr val="tx1"/>
+    </cs:fontRef>
+  </cs:plotArea3D>
+  <cs:seriesAxis>
+    <cs:lnRef idx="0"/>
+    <cs:fillRef idx="0"/>
+    <cs:effectRef idx="0"/>
+    <cs:fontRef idx="minor">
+      <a:schemeClr val="tx1">
+        <a:lumMod val="65000"/>
+        <a:lumOff val="35000"/>
+      </a:schemeClr>
+    </cs:fontRef>
+    <cs:defRPr sz="900" kern="1200"/>
+  </cs:seriesAxis>
+  <cs:seriesLine>
+    <cs:lnRef idx="0"/>
+    <cs:fillRef idx="0"/>
+    <cs:effectRef idx="0"/>
+    <cs:fontRef idx="minor">
+      <a:schemeClr val="tx1"/>
+    </cs:fontRef>
+    <cs:spPr>
+      <a:ln w="9525" cap="flat" cmpd="sng" algn="ctr">
+        <a:solidFill>
+          <a:schemeClr val="tx1">
+            <a:lumMod val="35000"/>
+            <a:lumOff val="65000"/>
+          </a:schemeClr>
+        </a:solidFill>
+        <a:round/>
+      </a:ln>
+    </cs:spPr>
+  </cs:seriesLine>
+  <cs:title>
+    <cs:lnRef idx="0"/>
+    <cs:fillRef idx="0"/>
+    <cs:effectRef idx="0"/>
+    <cs:fontRef idx="minor">
+      <a:schemeClr val="tx1">
+        <a:lumMod val="65000"/>
+        <a:lumOff val="35000"/>
+      </a:schemeClr>
+    </cs:fontRef>
+    <cs:defRPr sz="1400" b="0" kern="1200" spc="0" baseline="0"/>
+  </cs:title>
+  <cs:trendline>
+    <cs:lnRef idx="0">
+      <cs:styleClr val="auto"/>
+    </cs:lnRef>
+    <cs:fillRef idx="0"/>
+    <cs:effectRef idx="0"/>
+    <cs:fontRef idx="minor">
+      <a:schemeClr val="tx1"/>
+    </cs:fontRef>
+    <cs:spPr>
+      <a:ln w="19050" cap="rnd">
+        <a:solidFill>
+          <a:schemeClr val="phClr"/>
+        </a:solidFill>
+        <a:prstDash val="sysDot"/>
+      </a:ln>
+    </cs:spPr>
+  </cs:trendline>
+  <cs:trendlineLabel>
+    <cs:lnRef idx="0"/>
+    <cs:fillRef idx="0"/>
+    <cs:effectRef idx="0"/>
+    <cs:fontRef idx="minor">
+      <a:schemeClr val="tx1">
+        <a:lumMod val="65000"/>
+        <a:lumOff val="35000"/>
+      </a:schemeClr>
+    </cs:fontRef>
+    <cs:defRPr sz="900" kern="1200"/>
+  </cs:trendlineLabel>
+  <cs:upBar>
+    <cs:lnRef idx="0"/>
+    <cs:fillRef idx="0"/>
+    <cs:effectRef idx="0"/>
+    <cs:fontRef idx="minor">
+      <a:schemeClr val="dk1"/>
+    </cs:fontRef>
+    <cs:spPr>
+      <a:solidFill>
+        <a:schemeClr val="lt1"/>
+      </a:solidFill>
+      <a:ln w="9525">
+        <a:solidFill>
+          <a:schemeClr val="tx1">
+            <a:lumMod val="15000"/>
+            <a:lumOff val="85000"/>
+          </a:schemeClr>
+        </a:solidFill>
+      </a:ln>
+    </cs:spPr>
+  </cs:upBar>
+  <cs:valueAxis>
+    <cs:lnRef idx="0"/>
+    <cs:fillRef idx="0"/>
+    <cs:effectRef idx="0"/>
+    <cs:fontRef idx="minor">
+      <a:schemeClr val="tx1">
+        <a:lumMod val="65000"/>
+        <a:lumOff val="35000"/>
+      </a:schemeClr>
+    </cs:fontRef>
+    <cs:defRPr sz="900" kern="1200"/>
+  </cs:valueAxis>
+  <cs:wall>
+    <cs:lnRef idx="0"/>
+    <cs:fillRef idx="0"/>
+    <cs:effectRef idx="0"/>
+    <cs:fontRef idx="minor">
+      <a:schemeClr val="tx1"/>
+    </cs:fontRef>
+    <cs:spPr>
+      <a:noFill/>
+      <a:ln>
+        <a:noFill/>
+      </a:ln>
+    </cs:spPr>
+  </cs:wall>
+</cs:chartStyle>
+</file>
+
 <file path=ppt/slideLayouts/slideLayout1.xml><?xml version="1.0" encoding="utf-8"?>
 <p:sldLayout xmlns:a="http://schemas.openxmlformats.org/drawingml/2006/main" xmlns:r="http://schemas.openxmlformats.org/officeDocument/2006/relationships" xmlns:p="http://schemas.openxmlformats.org/presentationml/2006/main" type="title" preserve="1">
   <p:cSld name="Title Slide">
@@ -1938,7 +5266,7 @@
           <a:p>
             <a:fld id="{A1271B54-4FE3-4F00-A9A1-C0715B607BDA}" type="datetimeFigureOut">
               <a:rPr lang="en-US" smtClean="0"/>
-              <a:t>11/29/2020</a:t>
+              <a:t>12/3/2020</a:t>
             </a:fld>
             <a:endParaRPr lang="en-US"/>
           </a:p>
@@ -2136,7 +5464,7 @@
           <a:p>
             <a:fld id="{A1271B54-4FE3-4F00-A9A1-C0715B607BDA}" type="datetimeFigureOut">
               <a:rPr lang="en-US" smtClean="0"/>
-              <a:t>11/29/2020</a:t>
+              <a:t>12/3/2020</a:t>
             </a:fld>
             <a:endParaRPr lang="en-US"/>
           </a:p>
@@ -2344,7 +5672,7 @@
           <a:p>
             <a:fld id="{A1271B54-4FE3-4F00-A9A1-C0715B607BDA}" type="datetimeFigureOut">
               <a:rPr lang="en-US" smtClean="0"/>
-              <a:t>11/29/2020</a:t>
+              <a:t>12/3/2020</a:t>
             </a:fld>
             <a:endParaRPr lang="en-US"/>
           </a:p>
@@ -2542,7 +5870,7 @@
           <a:p>
             <a:fld id="{A1271B54-4FE3-4F00-A9A1-C0715B607BDA}" type="datetimeFigureOut">
               <a:rPr lang="en-US" smtClean="0"/>
-              <a:t>11/29/2020</a:t>
+              <a:t>12/3/2020</a:t>
             </a:fld>
             <a:endParaRPr lang="en-US"/>
           </a:p>
@@ -2817,7 +6145,7 @@
           <a:p>
             <a:fld id="{A1271B54-4FE3-4F00-A9A1-C0715B607BDA}" type="datetimeFigureOut">
               <a:rPr lang="en-US" smtClean="0"/>
-              <a:t>11/29/2020</a:t>
+              <a:t>12/3/2020</a:t>
             </a:fld>
             <a:endParaRPr lang="en-US"/>
           </a:p>
@@ -3082,7 +6410,7 @@
           <a:p>
             <a:fld id="{A1271B54-4FE3-4F00-A9A1-C0715B607BDA}" type="datetimeFigureOut">
               <a:rPr lang="en-US" smtClean="0"/>
-              <a:t>11/29/2020</a:t>
+              <a:t>12/3/2020</a:t>
             </a:fld>
             <a:endParaRPr lang="en-US"/>
           </a:p>
@@ -3494,7 +6822,7 @@
           <a:p>
             <a:fld id="{A1271B54-4FE3-4F00-A9A1-C0715B607BDA}" type="datetimeFigureOut">
               <a:rPr lang="en-US" smtClean="0"/>
-              <a:t>11/29/2020</a:t>
+              <a:t>12/3/2020</a:t>
             </a:fld>
             <a:endParaRPr lang="en-US"/>
           </a:p>
@@ -3635,7 +6963,7 @@
           <a:p>
             <a:fld id="{A1271B54-4FE3-4F00-A9A1-C0715B607BDA}" type="datetimeFigureOut">
               <a:rPr lang="en-US" smtClean="0"/>
-              <a:t>11/29/2020</a:t>
+              <a:t>12/3/2020</a:t>
             </a:fld>
             <a:endParaRPr lang="en-US"/>
           </a:p>
@@ -3748,7 +7076,7 @@
           <a:p>
             <a:fld id="{A1271B54-4FE3-4F00-A9A1-C0715B607BDA}" type="datetimeFigureOut">
               <a:rPr lang="en-US" smtClean="0"/>
-              <a:t>11/29/2020</a:t>
+              <a:t>12/3/2020</a:t>
             </a:fld>
             <a:endParaRPr lang="en-US"/>
           </a:p>
@@ -4059,7 +7387,7 @@
           <a:p>
             <a:fld id="{A1271B54-4FE3-4F00-A9A1-C0715B607BDA}" type="datetimeFigureOut">
               <a:rPr lang="en-US" smtClean="0"/>
-              <a:t>11/29/2020</a:t>
+              <a:t>12/3/2020</a:t>
             </a:fld>
             <a:endParaRPr lang="en-US"/>
           </a:p>
@@ -4347,7 +7675,7 @@
           <a:p>
             <a:fld id="{A1271B54-4FE3-4F00-A9A1-C0715B607BDA}" type="datetimeFigureOut">
               <a:rPr lang="en-US" smtClean="0"/>
-              <a:t>11/29/2020</a:t>
+              <a:t>12/3/2020</a:t>
             </a:fld>
             <a:endParaRPr lang="en-US"/>
           </a:p>
@@ -4588,7 +7916,7 @@
           <a:p>
             <a:fld id="{A1271B54-4FE3-4F00-A9A1-C0715B607BDA}" type="datetimeFigureOut">
               <a:rPr lang="en-US" smtClean="0"/>
-              <a:t>11/29/2020</a:t>
+              <a:t>12/3/2020</a:t>
             </a:fld>
             <a:endParaRPr lang="en-US"/>
           </a:p>
@@ -6912,36 +10240,66 @@
           </a:prstGeom>
         </p:spPr>
       </p:pic>
-      <p:pic>
-        <p:nvPicPr>
-          <p:cNvPr id="2" name="Picture 1">
-            <a:extLst>
-              <a:ext uri="{FF2B5EF4-FFF2-40B4-BE49-F238E27FC236}">
-                <a16:creationId xmlns:a16="http://schemas.microsoft.com/office/drawing/2014/main" id="{A7C5D9AD-5B76-430A-9CCB-E85CEDD04B88}"/>
-              </a:ext>
-            </a:extLst>
-          </p:cNvPr>
-          <p:cNvPicPr>
-            <a:picLocks noChangeAspect="1"/>
-          </p:cNvPicPr>
-          <p:nvPr/>
-        </p:nvPicPr>
-        <p:blipFill>
-          <a:blip r:embed="rId3"/>
-          <a:stretch>
-            <a:fillRect/>
-          </a:stretch>
-        </p:blipFill>
-        <p:spPr>
-          <a:xfrm>
-            <a:off x="1" y="114861"/>
-            <a:ext cx="6221505" cy="3713558"/>
-          </a:xfrm>
-          <a:prstGeom prst="rect">
-            <a:avLst/>
-          </a:prstGeom>
-        </p:spPr>
-      </p:pic>
+      <p:graphicFrame>
+        <p:nvGraphicFramePr>
+          <p:cNvPr id="4" name="Chart 3">
+            <a:extLst>
+              <a:ext uri="{FF2B5EF4-FFF2-40B4-BE49-F238E27FC236}">
+                <a16:creationId xmlns:a16="http://schemas.microsoft.com/office/drawing/2014/main" id="{EADB82B3-D7B3-46DD-99C5-60BF663677C2}"/>
+              </a:ext>
+            </a:extLst>
+          </p:cNvPr>
+          <p:cNvGraphicFramePr>
+            <a:graphicFrameLocks/>
+          </p:cNvGraphicFramePr>
+          <p:nvPr>
+            <p:extLst>
+              <p:ext uri="{D42A27DB-BD31-4B8C-83A1-F6EECF244321}">
+                <p14:modId xmlns:p14="http://schemas.microsoft.com/office/powerpoint/2010/main" val="3003859335"/>
+              </p:ext>
+            </p:extLst>
+          </p:nvPr>
+        </p:nvGraphicFramePr>
+        <p:xfrm>
+          <a:off x="6221506" y="0"/>
+          <a:ext cx="5970494" cy="3828419"/>
+        </p:xfrm>
+        <a:graphic>
+          <a:graphicData uri="http://schemas.openxmlformats.org/drawingml/2006/chart">
+            <c:chart xmlns:c="http://schemas.openxmlformats.org/drawingml/2006/chart" xmlns:r="http://schemas.openxmlformats.org/officeDocument/2006/relationships" r:id="rId3"/>
+          </a:graphicData>
+        </a:graphic>
+      </p:graphicFrame>
+      <p:graphicFrame>
+        <p:nvGraphicFramePr>
+          <p:cNvPr id="5" name="Chart 4">
+            <a:extLst>
+              <a:ext uri="{FF2B5EF4-FFF2-40B4-BE49-F238E27FC236}">
+                <a16:creationId xmlns:a16="http://schemas.microsoft.com/office/drawing/2014/main" id="{EADB82B3-D7B3-46DD-99C5-60BF663677C2}"/>
+              </a:ext>
+            </a:extLst>
+          </p:cNvPr>
+          <p:cNvGraphicFramePr>
+            <a:graphicFrameLocks/>
+          </p:cNvGraphicFramePr>
+          <p:nvPr>
+            <p:extLst>
+              <p:ext uri="{D42A27DB-BD31-4B8C-83A1-F6EECF244321}">
+                <p14:modId xmlns:p14="http://schemas.microsoft.com/office/powerpoint/2010/main" val="476953204"/>
+              </p:ext>
+            </p:extLst>
+          </p:nvPr>
+        </p:nvGraphicFramePr>
+        <p:xfrm>
+          <a:off x="1" y="0"/>
+          <a:ext cx="6221506" cy="3577701"/>
+        </p:xfrm>
+        <a:graphic>
+          <a:graphicData uri="http://schemas.openxmlformats.org/drawingml/2006/chart">
+            <c:chart xmlns:c="http://schemas.openxmlformats.org/drawingml/2006/chart" xmlns:r="http://schemas.openxmlformats.org/officeDocument/2006/relationships" r:id="rId4"/>
+          </a:graphicData>
+        </a:graphic>
+      </p:graphicFrame>
     </p:spTree>
     <p:extLst>
       <p:ext uri="{BB962C8B-B14F-4D97-AF65-F5344CB8AC3E}">

--- a/DataCW3M/CW3MdigitalHandbook/McKenzieGages.pptx
+++ b/DataCW3M/CW3MdigitalHandbook/McKenzieGages.pptx
@@ -13,6 +13,7 @@
     <p:sldId id="262" r:id="rId7"/>
     <p:sldId id="263" r:id="rId8"/>
     <p:sldId id="261" r:id="rId9"/>
+    <p:sldId id="264" r:id="rId10"/>
   </p:sldIdLst>
   <p:sldSz cx="12192000" cy="6858000"/>
   <p:notesSz cx="7099300" cy="9385300"/>
@@ -1270,7 +1271,7 @@
             </a:pPr>
             <a:r>
               <a:rPr lang="en-US"/>
-              <a:t>Simulated v. gaged temperature, CW3M ver. 141+</a:t>
+              <a:t>Simulated v. gaged temperature, CW3M ver. 139</a:t>
             </a:r>
           </a:p>
         </c:rich>
@@ -1319,7 +1320,7 @@
               <c:strCache>
                 <c:ptCount val="1"/>
                 <c:pt idx="0">
-                  <c:v> USGS_14162200_temp_BLUE RIVER AT BLUE RIVER_23773405</c:v>
+                  <c:v> USGS_14164900_temp_MCKENZIE RIVER ABV HAYDEN BR  AT SPRINGFIELD  OR_23772751</c:v>
                 </c:pt>
               </c:strCache>
             </c:strRef>
@@ -1343,328 +1344,328 @@
                 <c:formatCode>General</c:formatCode>
                 <c:ptCount val="109"/>
                 <c:pt idx="0">
-                  <c:v>5.8672199999999997</c:v>
+                  <c:v>5.7779569999999998</c:v>
                 </c:pt>
                 <c:pt idx="1">
-                  <c:v>5.7384250000000003</c:v>
+                  <c:v>6.4493549999999997</c:v>
                 </c:pt>
                 <c:pt idx="2">
-                  <c:v>6.4123729999999997</c:v>
+                  <c:v>7.6971970000000001</c:v>
                 </c:pt>
                 <c:pt idx="3">
-                  <c:v>6.5012179999999997</c:v>
+                  <c:v>8.7715329999999998</c:v>
                 </c:pt>
                 <c:pt idx="4">
-                  <c:v>7.5264199999999999</c:v>
+                  <c:v>10.70496</c:v>
                 </c:pt>
                 <c:pt idx="5">
-                  <c:v>9.3709589999999992</c:v>
+                  <c:v>13.016538000000001</c:v>
                 </c:pt>
                 <c:pt idx="6">
-                  <c:v>12.556028</c:v>
+                  <c:v>18.716078</c:v>
                 </c:pt>
                 <c:pt idx="7">
-                  <c:v>15.188703</c:v>
+                  <c:v>18.758417000000001</c:v>
                 </c:pt>
                 <c:pt idx="8">
-                  <c:v>15.156300999999999</c:v>
+                  <c:v>15.262316</c:v>
                 </c:pt>
                 <c:pt idx="9">
-                  <c:v>14.002096</c:v>
+                  <c:v>12.563224999999999</c:v>
                 </c:pt>
                 <c:pt idx="10">
-                  <c:v>6.2288560000000004</c:v>
+                  <c:v>7.1121999999999996</c:v>
                 </c:pt>
                 <c:pt idx="11">
-                  <c:v>3.8112159999999999</c:v>
+                  <c:v>4.5946660000000001</c:v>
                 </c:pt>
                 <c:pt idx="12">
-                  <c:v>4.1087809999999996</c:v>
+                  <c:v>4.6830069999999999</c:v>
                 </c:pt>
                 <c:pt idx="13">
-                  <c:v>4.5162529999999999</c:v>
+                  <c:v>4.9665210000000002</c:v>
                 </c:pt>
                 <c:pt idx="14">
-                  <c:v>4.4694390000000004</c:v>
+                  <c:v>6.4354079999999998</c:v>
                 </c:pt>
                 <c:pt idx="15">
-                  <c:v>6.1887270000000001</c:v>
+                  <c:v>7.9138780000000004</c:v>
                 </c:pt>
                 <c:pt idx="16">
-                  <c:v>7.3997349999999997</c:v>
+                  <c:v>10.033189</c:v>
                 </c:pt>
                 <c:pt idx="17">
-                  <c:v>9.4273530000000001</c:v>
+                  <c:v>12.755774000000001</c:v>
                 </c:pt>
                 <c:pt idx="18">
-                  <c:v>12.164102</c:v>
+                  <c:v>16.049688</c:v>
                 </c:pt>
                 <c:pt idx="19">
-                  <c:v>14.740093</c:v>
+                  <c:v>18.753098999999999</c:v>
                 </c:pt>
                 <c:pt idx="20">
-                  <c:v>15.472922000000001</c:v>
+                  <c:v>16.684082</c:v>
                 </c:pt>
                 <c:pt idx="21">
-                  <c:v>14.415647999999999</c:v>
+                  <c:v>12.347562999999999</c:v>
                 </c:pt>
                 <c:pt idx="22">
-                  <c:v>8.0990950000000002</c:v>
+                  <c:v>7.7867629999999997</c:v>
                 </c:pt>
                 <c:pt idx="23">
-                  <c:v>3.2822840000000002</c:v>
+                  <c:v>4.9223869999999996</c:v>
                 </c:pt>
                 <c:pt idx="24">
-                  <c:v>3.927359</c:v>
+                  <c:v>4.6234310000000001</c:v>
                 </c:pt>
                 <c:pt idx="25">
-                  <c:v>5.1388389999999999</c:v>
+                  <c:v>5.3178369999999999</c:v>
                 </c:pt>
                 <c:pt idx="26">
-                  <c:v>4.2618510000000001</c:v>
+                  <c:v>5.9983529999999998</c:v>
                 </c:pt>
                 <c:pt idx="27">
-                  <c:v>6.2101850000000001</c:v>
+                  <c:v>9.3161179999999995</c:v>
                 </c:pt>
                 <c:pt idx="28">
-                  <c:v>8.5556420000000006</c:v>
+                  <c:v>11.583538000000001</c:v>
                 </c:pt>
                 <c:pt idx="29">
-                  <c:v>10.325079000000001</c:v>
+                  <c:v>12.439662999999999</c:v>
                 </c:pt>
                 <c:pt idx="30">
-                  <c:v>13.190016</c:v>
+                  <c:v>17.957878000000001</c:v>
                 </c:pt>
                 <c:pt idx="31">
-                  <c:v>15.817727</c:v>
+                  <c:v>19.333331999999999</c:v>
                 </c:pt>
                 <c:pt idx="32">
-                  <c:v>16.177311</c:v>
+                  <c:v>16.841829000000001</c:v>
                 </c:pt>
                 <c:pt idx="33">
-                  <c:v>14.695318</c:v>
+                  <c:v>12.638612</c:v>
                 </c:pt>
                 <c:pt idx="34">
-                  <c:v>7.7057390000000003</c:v>
+                  <c:v>7.7034089999999997</c:v>
                 </c:pt>
                 <c:pt idx="35">
-                  <c:v>3.4356059999999999</c:v>
+                  <c:v>4.3620099999999997</c:v>
                 </c:pt>
                 <c:pt idx="36">
-                  <c:v>2.9708220000000001</c:v>
+                  <c:v>4.2237590000000003</c:v>
                 </c:pt>
                 <c:pt idx="37">
-                  <c:v>4.6796389999999999</c:v>
+                  <c:v>5.38246</c:v>
                 </c:pt>
                 <c:pt idx="38">
-                  <c:v>5.5429349999999999</c:v>
+                  <c:v>7.6001960000000004</c:v>
                 </c:pt>
                 <c:pt idx="39">
-                  <c:v>6.8235279999999996</c:v>
+                  <c:v>9.5435580000000009</c:v>
                 </c:pt>
                 <c:pt idx="40">
-                  <c:v>9.4638559999999998</c:v>
+                  <c:v>12.546828</c:v>
                 </c:pt>
                 <c:pt idx="41">
-                  <c:v>10.913012</c:v>
+                  <c:v>15.516308</c:v>
                 </c:pt>
                 <c:pt idx="42">
-                  <c:v>13.99469</c:v>
+                  <c:v>19.543028</c:v>
                 </c:pt>
                 <c:pt idx="43">
-                  <c:v>16.091546999999998</c:v>
+                  <c:v>18.785549</c:v>
                 </c:pt>
                 <c:pt idx="44">
-                  <c:v>16.440422000000002</c:v>
+                  <c:v>15.787944</c:v>
                 </c:pt>
                 <c:pt idx="45">
-                  <c:v>13.150365000000001</c:v>
+                  <c:v>11.691492999999999</c:v>
                 </c:pt>
                 <c:pt idx="46">
-                  <c:v>7.3616890000000001</c:v>
+                  <c:v>7.4614779999999996</c:v>
                 </c:pt>
                 <c:pt idx="47">
-                  <c:v>3.0485000000000002</c:v>
+                  <c:v>4.54359</c:v>
                 </c:pt>
                 <c:pt idx="48">
-                  <c:v>6.0089220000000001</c:v>
+                  <c:v>5.8501269999999996</c:v>
                 </c:pt>
                 <c:pt idx="49">
-                  <c:v>4.7759280000000004</c:v>
+                  <c:v>5.4316700000000004</c:v>
                 </c:pt>
                 <c:pt idx="50">
-                  <c:v>6.8088280000000001</c:v>
+                  <c:v>7.7922929999999999</c:v>
                 </c:pt>
                 <c:pt idx="51">
-                  <c:v>8.0734779999999997</c:v>
+                  <c:v>10.025487</c:v>
                 </c:pt>
                 <c:pt idx="52">
-                  <c:v>9.5583329999999993</c:v>
+                  <c:v>12.646699</c:v>
                 </c:pt>
                 <c:pt idx="53">
-                  <c:v>11.796310999999999</c:v>
+                  <c:v>15.603738</c:v>
                 </c:pt>
                 <c:pt idx="54">
-                  <c:v>14.523553</c:v>
+                  <c:v>19.39912</c:v>
                 </c:pt>
                 <c:pt idx="55">
-                  <c:v>16.863527000000001</c:v>
+                  <c:v>19.441991999999999</c:v>
                 </c:pt>
                 <c:pt idx="56">
-                  <c:v>17.120304000000001</c:v>
+                  <c:v>16.963615000000001</c:v>
                 </c:pt>
                 <c:pt idx="57">
-                  <c:v>15.784965</c:v>
+                  <c:v>13.493995999999999</c:v>
                 </c:pt>
                 <c:pt idx="58">
-                  <c:v>7.8990039999999997</c:v>
+                  <c:v>7.7190390000000004</c:v>
                 </c:pt>
                 <c:pt idx="59">
-                  <c:v>5.8541470000000002</c:v>
+                  <c:v>5.7141400000000004</c:v>
                 </c:pt>
                 <c:pt idx="60">
-                  <c:v>6.4891750000000004</c:v>
+                  <c:v>6.2156979999999997</c:v>
                 </c:pt>
                 <c:pt idx="61">
-                  <c:v>8.1289420000000003</c:v>
+                  <c:v>7.6455780000000004</c:v>
                 </c:pt>
                 <c:pt idx="62">
-                  <c:v>8.5940560000000001</c:v>
+                  <c:v>10.089314</c:v>
                 </c:pt>
                 <c:pt idx="63">
-                  <c:v>9.4432200000000002</c:v>
+                  <c:v>10.736948999999999</c:v>
                 </c:pt>
                 <c:pt idx="64">
-                  <c:v>11.426868000000001</c:v>
+                  <c:v>14.798632</c:v>
                 </c:pt>
                 <c:pt idx="65">
-                  <c:v>14.382719</c:v>
+                  <c:v>19.064385999999999</c:v>
                 </c:pt>
                 <c:pt idx="66">
-                  <c:v>17.043074000000001</c:v>
+                  <c:v>20.026613000000001</c:v>
                 </c:pt>
                 <c:pt idx="67">
-                  <c:v>18.608875000000001</c:v>
+                  <c:v>19.950925999999999</c:v>
                 </c:pt>
                 <c:pt idx="68">
-                  <c:v>17.779147999999999</c:v>
+                  <c:v>16.066918999999999</c:v>
                 </c:pt>
                 <c:pt idx="69">
-                  <c:v>16.758285999999998</c:v>
+                  <c:v>14.104435</c:v>
                 </c:pt>
                 <c:pt idx="70">
-                  <c:v>8.207122</c:v>
+                  <c:v>8.2377029999999998</c:v>
                 </c:pt>
                 <c:pt idx="71">
-                  <c:v>4.4238860000000004</c:v>
+                  <c:v>4.9648250000000003</c:v>
                 </c:pt>
                 <c:pt idx="72">
-                  <c:v>4.3064270000000002</c:v>
+                  <c:v>4.7350060000000003</c:v>
                 </c:pt>
                 <c:pt idx="73">
-                  <c:v>6.6809029999999998</c:v>
+                  <c:v>6.4891920000000001</c:v>
                 </c:pt>
                 <c:pt idx="74">
-                  <c:v>6.7397119999999999</c:v>
+                  <c:v>7.5317080000000001</c:v>
                 </c:pt>
                 <c:pt idx="75">
-                  <c:v>8.7652110000000008</c:v>
+                  <c:v>11.228016999999999</c:v>
                 </c:pt>
                 <c:pt idx="76">
-                  <c:v>10.81246</c:v>
+                  <c:v>13.777556000000001</c:v>
                 </c:pt>
                 <c:pt idx="77">
-                  <c:v>12.286628</c:v>
+                  <c:v>16.85079</c:v>
                 </c:pt>
                 <c:pt idx="78">
-                  <c:v>14.413005</c:v>
+                  <c:v>18.213345</c:v>
                 </c:pt>
                 <c:pt idx="79">
-                  <c:v>16.593639</c:v>
+                  <c:v>19.547101999999999</c:v>
                 </c:pt>
                 <c:pt idx="80">
-                  <c:v>16.534609</c:v>
+                  <c:v>15.880990000000001</c:v>
                 </c:pt>
                 <c:pt idx="81">
-                  <c:v>12.883421999999999</c:v>
+                  <c:v>10.838334</c:v>
                 </c:pt>
                 <c:pt idx="82">
-                  <c:v>7.5376799999999999</c:v>
+                  <c:v>7.9304629999999996</c:v>
                 </c:pt>
                 <c:pt idx="83">
-                  <c:v>2.3836870000000001</c:v>
+                  <c:v>3.8526889999999998</c:v>
                 </c:pt>
                 <c:pt idx="84">
-                  <c:v>-2.3392900000000001</c:v>
+                  <c:v>2.0533199999999998</c:v>
                 </c:pt>
                 <c:pt idx="85">
-                  <c:v>1.3647229999999999</c:v>
+                  <c:v>3.97627</c:v>
                 </c:pt>
                 <c:pt idx="86">
-                  <c:v>4.5756379999999996</c:v>
+                  <c:v>6.3137480000000004</c:v>
                 </c:pt>
                 <c:pt idx="87">
-                  <c:v>7.86172</c:v>
+                  <c:v>9.3332309999999996</c:v>
                 </c:pt>
                 <c:pt idx="88">
-                  <c:v>9.5902989999999999</c:v>
+                  <c:v>13.543288</c:v>
                 </c:pt>
                 <c:pt idx="89">
-                  <c:v>11.902104</c:v>
+                  <c:v>17.064999</c:v>
                 </c:pt>
                 <c:pt idx="90">
-                  <c:v>14.932577999999999</c:v>
+                  <c:v>21.345880999999999</c:v>
                 </c:pt>
                 <c:pt idx="91">
-                  <c:v>16.595585</c:v>
+                  <c:v>18.678608000000001</c:v>
                 </c:pt>
                 <c:pt idx="92">
-                  <c:v>16.301480999999999</c:v>
+                  <c:v>15.111596</c:v>
                 </c:pt>
                 <c:pt idx="93">
-                  <c:v>12.758827</c:v>
+                  <c:v>10.343323</c:v>
                 </c:pt>
                 <c:pt idx="94">
-                  <c:v>5.2282070000000003</c:v>
+                  <c:v>5.2287720000000002</c:v>
                 </c:pt>
                 <c:pt idx="95">
-                  <c:v>1.344606</c:v>
+                  <c:v>3.1996159999999998</c:v>
                 </c:pt>
                 <c:pt idx="96">
-                  <c:v>5.4185150000000002</c:v>
+                  <c:v>5.4946130000000002</c:v>
                 </c:pt>
                 <c:pt idx="97">
-                  <c:v>5.7108840000000001</c:v>
+                  <c:v>5.3286749999999996</c:v>
                 </c:pt>
                 <c:pt idx="98">
-                  <c:v>5.9636950000000004</c:v>
+                  <c:v>7.7904619999999998</c:v>
                 </c:pt>
                 <c:pt idx="99">
-                  <c:v>7.5892429999999997</c:v>
+                  <c:v>9.5695449999999997</c:v>
                 </c:pt>
                 <c:pt idx="100">
-                  <c:v>11.136310999999999</c:v>
+                  <c:v>15.444086</c:v>
                 </c:pt>
                 <c:pt idx="101">
-                  <c:v>12.600471000000001</c:v>
+                  <c:v>16.992577000000001</c:v>
                 </c:pt>
                 <c:pt idx="102">
-                  <c:v>15.246349</c:v>
+                  <c:v>20.164861999999999</c:v>
                 </c:pt>
                 <c:pt idx="103">
-                  <c:v>17.401871</c:v>
+                  <c:v>19.458500000000001</c:v>
                 </c:pt>
                 <c:pt idx="104">
-                  <c:v>17.110749999999999</c:v>
+                  <c:v>15.773861999999999</c:v>
                 </c:pt>
                 <c:pt idx="105">
-                  <c:v>15.616877000000001</c:v>
+                  <c:v>13.038816000000001</c:v>
                 </c:pt>
                 <c:pt idx="106">
-                  <c:v>9.3853279999999994</c:v>
+                  <c:v>9.2114759999999993</c:v>
                 </c:pt>
                 <c:pt idx="107">
-                  <c:v>4.3472080000000002</c:v>
+                  <c:v>5.2287689999999998</c:v>
                 </c:pt>
               </c:numCache>
             </c:numRef>
@@ -1672,7 +1673,7 @@
           <c:smooth val="0"/>
           <c:extLst>
             <c:ext xmlns:c16="http://schemas.microsoft.com/office/drawing/2014/chart" uri="{C3380CC4-5D6E-409C-BE32-E72D297353CC}">
-              <c16:uniqueId val="{00000000-2C72-483A-B129-4B442757138F}"/>
+              <c16:uniqueId val="{00000000-C10D-4011-A4D6-DF255C8C7C8A}"/>
             </c:ext>
           </c:extLst>
         </c:ser>
@@ -1685,7 +1686,7 @@
               <c:strCache>
                 <c:ptCount val="1"/>
                 <c:pt idx="0">
-                  <c:v> Obs:..\Observations\McKenzie\USGS_14162200_temp_BLUE RIVER AT BLUE RIVER_23773405.csv</c:v>
+                  <c:v> Obs:..\Observations\McKenzie\USGS_14164900_temp_MCKENZIE RIVER ABV HAYDEN BR  AT SPRINGFIELD  OR_23772751.csv</c:v>
                 </c:pt>
               </c:strCache>
             </c:strRef>
@@ -1709,1436 +1710,328 @@
                 <c:formatCode>General</c:formatCode>
                 <c:ptCount val="109"/>
                 <c:pt idx="0">
-                  <c:v>6.242737</c:v>
+                  <c:v>6.7575260000000004</c:v>
                 </c:pt>
                 <c:pt idx="1">
-                  <c:v>6.0254859999999999</c:v>
+                  <c:v>7.0468979999999997</c:v>
                 </c:pt>
                 <c:pt idx="2">
-                  <c:v>5.870177</c:v>
+                  <c:v>7.5625140000000002</c:v>
                 </c:pt>
                 <c:pt idx="3">
-                  <c:v>6.3362550000000004</c:v>
+                  <c:v>8.5006950000000003</c:v>
                 </c:pt>
                 <c:pt idx="4">
-                  <c:v>6.764894</c:v>
+                  <c:v>10.083938</c:v>
                 </c:pt>
                 <c:pt idx="5">
-                  <c:v>8.3578449999999993</c:v>
+                  <c:v>11.837152</c:v>
                 </c:pt>
                 <c:pt idx="6">
-                  <c:v>9.3243179999999999</c:v>
+                  <c:v>16.065334</c:v>
                 </c:pt>
                 <c:pt idx="7">
-                  <c:v>9.5130529999999993</c:v>
+                  <c:v>15.599329000000001</c:v>
                 </c:pt>
                 <c:pt idx="8">
-                  <c:v>10.323399</c:v>
+                  <c:v>13.234444999999999</c:v>
                 </c:pt>
                 <c:pt idx="9">
-                  <c:v>14.638032000000001</c:v>
+                  <c:v>11.104032999999999</c:v>
                 </c:pt>
                 <c:pt idx="10">
-                  <c:v>8.1989000000000001</c:v>
+                  <c:v>7.7684309999999996</c:v>
                 </c:pt>
                 <c:pt idx="11">
-                  <c:v>5.9627169999999996</c:v>
+                  <c:v>6.5254580000000004</c:v>
                 </c:pt>
                 <c:pt idx="12">
-                  <c:v>5.1126459999999998</c:v>
+                  <c:v>5.8123259999999997</c:v>
                 </c:pt>
                 <c:pt idx="13">
-                  <c:v>4.9648789999999998</c:v>
+                  <c:v>5.5251479999999997</c:v>
                 </c:pt>
                 <c:pt idx="14">
-                  <c:v>4.7931419999999996</c:v>
+                  <c:v>6.5961270000000001</c:v>
                 </c:pt>
                 <c:pt idx="15">
-                  <c:v>5.803407</c:v>
+                  <c:v>7.4708329999999998</c:v>
                 </c:pt>
                 <c:pt idx="16">
-                  <c:v>6.4552820000000004</c:v>
+                  <c:v>8.912903</c:v>
                 </c:pt>
                 <c:pt idx="17">
-                  <c:v>7.5905779999999998</c:v>
+                  <c:v>10.841665000000001</c:v>
                 </c:pt>
                 <c:pt idx="18">
-                  <c:v>8.2860630000000004</c:v>
+                  <c:v>13.848522000000001</c:v>
                 </c:pt>
                 <c:pt idx="19">
-                  <c:v>8.6072799999999994</c:v>
+                  <c:v>15.150067999999999</c:v>
                 </c:pt>
                 <c:pt idx="20">
-                  <c:v>8.9859810000000007</c:v>
+                  <c:v>12.886526999999999</c:v>
                 </c:pt>
                 <c:pt idx="21">
-                  <c:v>14.825505</c:v>
+                  <c:v>10.686559000000001</c:v>
                 </c:pt>
                 <c:pt idx="22">
-                  <c:v>9.8985830000000004</c:v>
+                  <c:v>7.3908750000000003</c:v>
                 </c:pt>
                 <c:pt idx="23">
-                  <c:v>3.5622660000000002</c:v>
+                  <c:v>4.6762090000000001</c:v>
                 </c:pt>
                 <c:pt idx="24">
-                  <c:v>5.1763899999999996</c:v>
+                  <c:v>5.7243950000000003</c:v>
                 </c:pt>
                 <c:pt idx="25">
-                  <c:v>5.2227790000000001</c:v>
+                  <c:v>6.0212640000000004</c:v>
                 </c:pt>
                 <c:pt idx="26">
-                  <c:v>4.9264089999999996</c:v>
+                  <c:v>6.2946020000000003</c:v>
                 </c:pt>
                 <c:pt idx="27">
-                  <c:v>5.6121129999999999</c:v>
+                  <c:v>8.0125010000000003</c:v>
                 </c:pt>
                 <c:pt idx="28">
-                  <c:v>6.711182</c:v>
+                  <c:v>9.9014100000000003</c:v>
                 </c:pt>
                 <c:pt idx="29">
-                  <c:v>7.5382410000000002</c:v>
+                  <c:v>11.643750000000001</c:v>
                 </c:pt>
                 <c:pt idx="30">
-                  <c:v>8.3234449999999995</c:v>
+                  <c:v>14.857324999999999</c:v>
                 </c:pt>
                 <c:pt idx="31">
-                  <c:v>8.7166340000000009</c:v>
+                  <c:v>15.432864</c:v>
                 </c:pt>
                 <c:pt idx="32">
-                  <c:v>9.5605119999999992</c:v>
+                  <c:v>12.870347000000001</c:v>
                 </c:pt>
                 <c:pt idx="33">
-                  <c:v>13.666708</c:v>
+                  <c:v>10.587904999999999</c:v>
                 </c:pt>
                 <c:pt idx="34">
-                  <c:v>9.1621269999999999</c:v>
+                  <c:v>8.4551409999999994</c:v>
                 </c:pt>
                 <c:pt idx="35">
-                  <c:v>5.9484209999999997</c:v>
+                  <c:v>6.7407919999999999</c:v>
                 </c:pt>
                 <c:pt idx="36">
-                  <c:v>3.8598780000000001</c:v>
+                  <c:v>4.9180770000000003</c:v>
                 </c:pt>
                 <c:pt idx="37">
-                  <c:v>5.1303470000000004</c:v>
+                  <c:v>6.1956850000000001</c:v>
                 </c:pt>
                 <c:pt idx="38">
-                  <c:v>5.3115139999999998</c:v>
+                  <c:v>7.492057</c:v>
                 </c:pt>
                 <c:pt idx="39">
-                  <c:v>5.8076850000000002</c:v>
+                  <c:v>8.5971530000000005</c:v>
                 </c:pt>
                 <c:pt idx="40">
-                  <c:v>6.6491049999999996</c:v>
+                  <c:v>11.077218</c:v>
                 </c:pt>
                 <c:pt idx="41">
-                  <c:v>7.2600569999999998</c:v>
+                  <c:v>13.704166000000001</c:v>
                 </c:pt>
                 <c:pt idx="42">
-                  <c:v>7.8716249999999999</c:v>
+                  <c:v>16.750347000000001</c:v>
                 </c:pt>
                 <c:pt idx="43">
-                  <c:v>8.0071239999999992</c:v>
+                  <c:v>15.772145</c:v>
                 </c:pt>
                 <c:pt idx="44">
-                  <c:v>9.1077899999999996</c:v>
+                  <c:v>13.215868</c:v>
                 </c:pt>
                 <c:pt idx="45">
-                  <c:v>13.260329</c:v>
+                  <c:v>9.9914310000000004</c:v>
                 </c:pt>
                 <c:pt idx="46">
-                  <c:v>8.1938980000000008</c:v>
+                  <c:v>7.4102540000000001</c:v>
                 </c:pt>
                 <c:pt idx="47">
-                  <c:v>3.1801490000000001</c:v>
+                  <c:v>4.2807459999999997</c:v>
                 </c:pt>
                 <c:pt idx="48">
-                  <c:v>4.53085</c:v>
+                  <c:v>5.2900869999999998</c:v>
                 </c:pt>
                 <c:pt idx="49">
-                  <c:v>5.2564500000000001</c:v>
+                  <c:v>5.9716139999999998</c:v>
                 </c:pt>
                 <c:pt idx="50">
-                  <c:v>6.5771389999999998</c:v>
+                  <c:v>7.3243400000000003</c:v>
                 </c:pt>
                 <c:pt idx="51">
-                  <c:v>6.8376919999999997</c:v>
+                  <c:v>8.8320469999999993</c:v>
                 </c:pt>
                 <c:pt idx="52">
-                  <c:v>7.4699669999999996</c:v>
+                  <c:v>11.221339</c:v>
                 </c:pt>
                 <c:pt idx="53">
-                  <c:v>8.282546</c:v>
+                  <c:v>13.324306</c:v>
                 </c:pt>
                 <c:pt idx="54">
-                  <c:v>8.7067789999999992</c:v>
+                  <c:v>16.180609</c:v>
                 </c:pt>
                 <c:pt idx="55">
-                  <c:v>9.2944099999999992</c:v>
+                  <c:v>15.435485</c:v>
                 </c:pt>
                 <c:pt idx="56">
-                  <c:v>13.249461999999999</c:v>
+                  <c:v>13.738193000000001</c:v>
                 </c:pt>
                 <c:pt idx="57">
-                  <c:v>16.807127000000001</c:v>
+                  <c:v>11.838914000000001</c:v>
                 </c:pt>
                 <c:pt idx="58">
-                  <c:v>8.9506309999999996</c:v>
+                  <c:v>8.3758119999999998</c:v>
                 </c:pt>
                 <c:pt idx="59">
-                  <c:v>7.6525990000000004</c:v>
+                  <c:v>7.792554</c:v>
                 </c:pt>
                 <c:pt idx="60">
-                  <c:v>6.1077399999999997</c:v>
+                  <c:v>6.7203629999999999</c:v>
                 </c:pt>
                 <c:pt idx="61">
-                  <c:v>7.345167</c:v>
+                  <c:v>7.6048359999999997</c:v>
                 </c:pt>
                 <c:pt idx="62">
-                  <c:v>6.8343990000000003</c:v>
+                  <c:v>8.8436210000000006</c:v>
                 </c:pt>
                 <c:pt idx="63">
-                  <c:v>7.451581</c:v>
+                  <c:v>10.058611000000001</c:v>
                 </c:pt>
                 <c:pt idx="64">
-                  <c:v>7.916569</c:v>
+                  <c:v>13.074730000000001</c:v>
                 </c:pt>
                 <c:pt idx="65">
-                  <c:v>8.4819440000000004</c:v>
+                  <c:v>16.857534000000001</c:v>
                 </c:pt>
                 <c:pt idx="66">
-                  <c:v>9.8057890000000008</c:v>
+                  <c:v>18.027048000000001</c:v>
                 </c:pt>
                 <c:pt idx="67">
-                  <c:v>15.420059999999999</c:v>
+                  <c:v>17.185048999999999</c:v>
                 </c:pt>
                 <c:pt idx="68">
-                  <c:v>19.607327999999999</c:v>
+                  <c:v>14.390521</c:v>
                 </c:pt>
                 <c:pt idx="69">
-                  <c:v>17.225902999999999</c:v>
+                  <c:v>11.777958</c:v>
                 </c:pt>
                 <c:pt idx="70">
-                  <c:v>9.4089639999999992</c:v>
+                  <c:v>8.0507980000000003</c:v>
                 </c:pt>
                 <c:pt idx="71">
-                  <c:v>6.5922989999999997</c:v>
+                  <c:v>7.1561149999999998</c:v>
                 </c:pt>
                 <c:pt idx="72">
-                  <c:v>5.077852</c:v>
+                  <c:v>6.2070230000000004</c:v>
                 </c:pt>
                 <c:pt idx="73">
-                  <c:v>6.0420199999999999</c:v>
+                  <c:v>7.2024429999999997</c:v>
                 </c:pt>
                 <c:pt idx="74">
-                  <c:v>6.7066660000000002</c:v>
+                  <c:v>7.5207629999999996</c:v>
                 </c:pt>
                 <c:pt idx="75">
-                  <c:v>7.018815</c:v>
+                  <c:v>10.099689</c:v>
                 </c:pt>
                 <c:pt idx="76">
-                  <c:v>7.2525659999999998</c:v>
+                  <c:v>12.167942999999999</c:v>
                 </c:pt>
                 <c:pt idx="77">
-                  <c:v>8.3415739999999996</c:v>
+                  <c:v>14.868748</c:v>
                 </c:pt>
                 <c:pt idx="78">
-                  <c:v>9.6124399999999994</c:v>
+                  <c:v>16.696805999999999</c:v>
                 </c:pt>
                 <c:pt idx="79">
-                  <c:v>12.807323</c:v>
+                  <c:v>16.748556000000001</c:v>
                 </c:pt>
                 <c:pt idx="80">
-                  <c:v>18.714966</c:v>
+                  <c:v>14.161457</c:v>
                 </c:pt>
                 <c:pt idx="81">
-                  <c:v>13.539747999999999</c:v>
+                  <c:v>11.1876</c:v>
                 </c:pt>
                 <c:pt idx="82">
-                  <c:v>9.3763590000000008</c:v>
+                  <c:v>9.3414070000000002</c:v>
                 </c:pt>
                 <c:pt idx="83">
-                  <c:v>5.3433809999999999</c:v>
+                  <c:v>6.1767459999999996</c:v>
                 </c:pt>
                 <c:pt idx="84">
-                  <c:v>3.7388919999999999</c:v>
+                  <c:v>4.7506050000000002</c:v>
                 </c:pt>
                 <c:pt idx="85">
-                  <c:v>5.5044440000000003</c:v>
+                  <c:v>6.3771940000000003</c:v>
                 </c:pt>
                 <c:pt idx="86">
-                  <c:v>5.6991579999999997</c:v>
+                  <c:v>7.0906229999999999</c:v>
                 </c:pt>
                 <c:pt idx="87">
-                  <c:v>6.5786189999999998</c:v>
+                  <c:v>8.3418410000000005</c:v>
                 </c:pt>
                 <c:pt idx="88">
-                  <c:v>7.2222730000000004</c:v>
+                  <c:v>10.444659</c:v>
                 </c:pt>
                 <c:pt idx="89">
-                  <c:v>7.7701859999999998</c:v>
+                  <c:v>13.197846</c:v>
                 </c:pt>
                 <c:pt idx="90">
-                  <c:v>8.3039649999999998</c:v>
+                  <c:v>16.418118</c:v>
                 </c:pt>
                 <c:pt idx="91">
-                  <c:v>8.6642139999999994</c:v>
+                  <c:v>14.948691</c:v>
                 </c:pt>
                 <c:pt idx="92">
-                  <c:v>12.014706</c:v>
+                  <c:v>12.859022</c:v>
                 </c:pt>
                 <c:pt idx="93">
-                  <c:v>13.340147999999999</c:v>
+                  <c:v>10.140311000000001</c:v>
                 </c:pt>
                 <c:pt idx="94">
-                  <c:v>8.4495989999999992</c:v>
+                  <c:v>7.9655129999999996</c:v>
                 </c:pt>
                 <c:pt idx="95">
-                  <c:v>4.8649889999999996</c:v>
+                  <c:v>5.5748559999999996</c:v>
                 </c:pt>
                 <c:pt idx="96">
-                  <c:v>6.3716889999999999</c:v>
+                  <c:v>6.7227480000000002</c:v>
                 </c:pt>
                 <c:pt idx="97">
-                  <c:v>5.8028979999999999</c:v>
+                  <c:v>6.0133390000000002</c:v>
                 </c:pt>
                 <c:pt idx="98">
-                  <c:v>4.780729</c:v>
+                  <c:v>7.0182650000000004</c:v>
                 </c:pt>
                 <c:pt idx="99">
-                  <c:v>5.6558440000000001</c:v>
+                  <c:v>8.6028570000000002</c:v>
                 </c:pt>
                 <c:pt idx="100">
-                  <c:v>6.6804240000000004</c:v>
+                  <c:v>11.752383999999999</c:v>
                 </c:pt>
                 <c:pt idx="101">
-                  <c:v>7.4761600000000001</c:v>
+                  <c:v>13.440951999999999</c:v>
                 </c:pt>
                 <c:pt idx="102">
-                  <c:v>9.8986210000000003</c:v>
+                  <c:v>16.549931999999998</c:v>
                 </c:pt>
                 <c:pt idx="103">
-                  <c:v>17.599765999999999</c:v>
+                  <c:v>16.771944000000001</c:v>
                 </c:pt>
                 <c:pt idx="104">
-                  <c:v>19.694932999999999</c:v>
+                  <c:v>13.094060000000001</c:v>
                 </c:pt>
                 <c:pt idx="105">
-                  <c:v>14.747918</c:v>
+                  <c:v>10.210146</c:v>
                 </c:pt>
                 <c:pt idx="106">
-                  <c:v>8.8163230000000006</c:v>
+                  <c:v>7.540826</c:v>
                 </c:pt>
                 <c:pt idx="107">
-                  <c:v>6.4395899999999999</c:v>
-                </c:pt>
-              </c:numCache>
-            </c:numRef>
-          </c:val>
-          <c:smooth val="0"/>
-          <c:extLst>
-            <c:ext xmlns:c16="http://schemas.microsoft.com/office/drawing/2014/chart" uri="{C3380CC4-5D6E-409C-BE32-E72D297353CC}">
-              <c16:uniqueId val="{00000001-2C72-483A-B129-4B442757138F}"/>
-            </c:ext>
-          </c:extLst>
-        </c:ser>
-        <c:dLbls>
-          <c:showLegendKey val="0"/>
-          <c:showVal val="0"/>
-          <c:showCatName val="0"/>
-          <c:showSerName val="0"/>
-          <c:showPercent val="0"/>
-          <c:showBubbleSize val="0"/>
-        </c:dLbls>
-        <c:smooth val="0"/>
-        <c:axId val="58066224"/>
-        <c:axId val="156437344"/>
-      </c:lineChart>
-      <c:catAx>
-        <c:axId val="58066224"/>
-        <c:scaling>
-          <c:orientation val="minMax"/>
-        </c:scaling>
-        <c:delete val="0"/>
-        <c:axPos val="b"/>
-        <c:title>
-          <c:tx>
-            <c:rich>
-              <a:bodyPr rot="0" spcFirstLastPara="1" vertOverflow="ellipsis" vert="horz" wrap="square" anchor="ctr" anchorCtr="1"/>
-              <a:lstStyle/>
-              <a:p>
-                <a:pPr>
-                  <a:defRPr sz="1000" b="0" i="0" u="none" strike="noStrike" kern="1200" baseline="0">
-                    <a:solidFill>
-                      <a:schemeClr val="tx1">
-                        <a:lumMod val="65000"/>
-                        <a:lumOff val="35000"/>
-                      </a:schemeClr>
-                    </a:solidFill>
-                    <a:latin typeface="+mn-lt"/>
-                    <a:ea typeface="+mn-ea"/>
-                    <a:cs typeface="+mn-cs"/>
-                  </a:defRPr>
-                </a:pPr>
-                <a:r>
-                  <a:rPr lang="en-US"/>
-                  <a:t>month index in 2010-18</a:t>
-                </a:r>
-              </a:p>
-            </c:rich>
-          </c:tx>
-          <c:overlay val="0"/>
-          <c:spPr>
-            <a:noFill/>
-            <a:ln>
-              <a:noFill/>
-            </a:ln>
-            <a:effectLst/>
-          </c:spPr>
-          <c:txPr>
-            <a:bodyPr rot="0" spcFirstLastPara="1" vertOverflow="ellipsis" vert="horz" wrap="square" anchor="ctr" anchorCtr="1"/>
-            <a:lstStyle/>
-            <a:p>
-              <a:pPr>
-                <a:defRPr sz="1000" b="0" i="0" u="none" strike="noStrike" kern="1200" baseline="0">
-                  <a:solidFill>
-                    <a:schemeClr val="tx1">
-                      <a:lumMod val="65000"/>
-                      <a:lumOff val="35000"/>
-                    </a:schemeClr>
-                  </a:solidFill>
-                  <a:latin typeface="+mn-lt"/>
-                  <a:ea typeface="+mn-ea"/>
-                  <a:cs typeface="+mn-cs"/>
-                </a:defRPr>
-              </a:pPr>
-              <a:endParaRPr lang="en-US"/>
-            </a:p>
-          </c:txPr>
-        </c:title>
-        <c:majorTickMark val="none"/>
-        <c:minorTickMark val="none"/>
-        <c:tickLblPos val="nextTo"/>
-        <c:spPr>
-          <a:noFill/>
-          <a:ln w="9525" cap="flat" cmpd="sng" algn="ctr">
-            <a:solidFill>
-              <a:schemeClr val="tx1">
-                <a:lumMod val="15000"/>
-                <a:lumOff val="85000"/>
-              </a:schemeClr>
-            </a:solidFill>
-            <a:round/>
-          </a:ln>
-          <a:effectLst/>
-        </c:spPr>
-        <c:txPr>
-          <a:bodyPr rot="-60000000" spcFirstLastPara="1" vertOverflow="ellipsis" vert="horz" wrap="square" anchor="ctr" anchorCtr="1"/>
-          <a:lstStyle/>
-          <a:p>
-            <a:pPr>
-              <a:defRPr sz="900" b="0" i="0" u="none" strike="noStrike" kern="1200" baseline="0">
-                <a:solidFill>
-                  <a:schemeClr val="tx1">
-                    <a:lumMod val="65000"/>
-                    <a:lumOff val="35000"/>
-                  </a:schemeClr>
-                </a:solidFill>
-                <a:latin typeface="+mn-lt"/>
-                <a:ea typeface="+mn-ea"/>
-                <a:cs typeface="+mn-cs"/>
-              </a:defRPr>
-            </a:pPr>
-            <a:endParaRPr lang="en-US"/>
-          </a:p>
-        </c:txPr>
-        <c:crossAx val="156437344"/>
-        <c:crosses val="autoZero"/>
-        <c:auto val="1"/>
-        <c:lblAlgn val="ctr"/>
-        <c:lblOffset val="100"/>
-        <c:noMultiLvlLbl val="0"/>
-      </c:catAx>
-      <c:valAx>
-        <c:axId val="156437344"/>
-        <c:scaling>
-          <c:orientation val="minMax"/>
-        </c:scaling>
-        <c:delete val="0"/>
-        <c:axPos val="l"/>
-        <c:majorGridlines>
-          <c:spPr>
-            <a:ln w="9525" cap="flat" cmpd="sng" algn="ctr">
-              <a:solidFill>
-                <a:schemeClr val="tx1">
-                  <a:lumMod val="15000"/>
-                  <a:lumOff val="85000"/>
-                </a:schemeClr>
-              </a:solidFill>
-              <a:round/>
-            </a:ln>
-            <a:effectLst/>
-          </c:spPr>
-        </c:majorGridlines>
-        <c:title>
-          <c:tx>
-            <c:rich>
-              <a:bodyPr rot="-5400000" spcFirstLastPara="1" vertOverflow="ellipsis" vert="horz" wrap="square" anchor="ctr" anchorCtr="1"/>
-              <a:lstStyle/>
-              <a:p>
-                <a:pPr>
-                  <a:defRPr sz="1000" b="0" i="0" u="none" strike="noStrike" kern="1200" baseline="0">
-                    <a:solidFill>
-                      <a:schemeClr val="tx1">
-                        <a:lumMod val="65000"/>
-                        <a:lumOff val="35000"/>
-                      </a:schemeClr>
-                    </a:solidFill>
-                    <a:latin typeface="+mn-lt"/>
-                    <a:ea typeface="+mn-ea"/>
-                    <a:cs typeface="+mn-cs"/>
-                  </a:defRPr>
-                </a:pPr>
-                <a:r>
-                  <a:rPr lang="en-US"/>
-                  <a:t>deg C</a:t>
-                </a:r>
-              </a:p>
-            </c:rich>
-          </c:tx>
-          <c:overlay val="0"/>
-          <c:spPr>
-            <a:noFill/>
-            <a:ln>
-              <a:noFill/>
-            </a:ln>
-            <a:effectLst/>
-          </c:spPr>
-          <c:txPr>
-            <a:bodyPr rot="-5400000" spcFirstLastPara="1" vertOverflow="ellipsis" vert="horz" wrap="square" anchor="ctr" anchorCtr="1"/>
-            <a:lstStyle/>
-            <a:p>
-              <a:pPr>
-                <a:defRPr sz="1000" b="0" i="0" u="none" strike="noStrike" kern="1200" baseline="0">
-                  <a:solidFill>
-                    <a:schemeClr val="tx1">
-                      <a:lumMod val="65000"/>
-                      <a:lumOff val="35000"/>
-                    </a:schemeClr>
-                  </a:solidFill>
-                  <a:latin typeface="+mn-lt"/>
-                  <a:ea typeface="+mn-ea"/>
-                  <a:cs typeface="+mn-cs"/>
-                </a:defRPr>
-              </a:pPr>
-              <a:endParaRPr lang="en-US"/>
-            </a:p>
-          </c:txPr>
-        </c:title>
-        <c:numFmt formatCode="General" sourceLinked="1"/>
-        <c:majorTickMark val="none"/>
-        <c:minorTickMark val="none"/>
-        <c:tickLblPos val="nextTo"/>
-        <c:spPr>
-          <a:noFill/>
-          <a:ln>
-            <a:noFill/>
-          </a:ln>
-          <a:effectLst/>
-        </c:spPr>
-        <c:txPr>
-          <a:bodyPr rot="-60000000" spcFirstLastPara="1" vertOverflow="ellipsis" vert="horz" wrap="square" anchor="ctr" anchorCtr="1"/>
-          <a:lstStyle/>
-          <a:p>
-            <a:pPr>
-              <a:defRPr sz="900" b="0" i="0" u="none" strike="noStrike" kern="1200" baseline="0">
-                <a:solidFill>
-                  <a:schemeClr val="tx1">
-                    <a:lumMod val="65000"/>
-                    <a:lumOff val="35000"/>
-                  </a:schemeClr>
-                </a:solidFill>
-                <a:latin typeface="+mn-lt"/>
-                <a:ea typeface="+mn-ea"/>
-                <a:cs typeface="+mn-cs"/>
-              </a:defRPr>
-            </a:pPr>
-            <a:endParaRPr lang="en-US"/>
-          </a:p>
-        </c:txPr>
-        <c:crossAx val="58066224"/>
-        <c:crosses val="autoZero"/>
-        <c:crossBetween val="between"/>
-      </c:valAx>
-      <c:spPr>
-        <a:noFill/>
-        <a:ln>
-          <a:noFill/>
-        </a:ln>
-        <a:effectLst/>
-      </c:spPr>
-    </c:plotArea>
-    <c:legend>
-      <c:legendPos val="b"/>
-      <c:overlay val="0"/>
-      <c:spPr>
-        <a:noFill/>
-        <a:ln>
-          <a:noFill/>
-        </a:ln>
-        <a:effectLst/>
-      </c:spPr>
-      <c:txPr>
-        <a:bodyPr rot="0" spcFirstLastPara="1" vertOverflow="ellipsis" vert="horz" wrap="square" anchor="ctr" anchorCtr="1"/>
-        <a:lstStyle/>
-        <a:p>
-          <a:pPr>
-            <a:defRPr sz="900" b="0" i="0" u="none" strike="noStrike" kern="1200" baseline="0">
-              <a:solidFill>
-                <a:schemeClr val="tx1">
-                  <a:lumMod val="65000"/>
-                  <a:lumOff val="35000"/>
-                </a:schemeClr>
-              </a:solidFill>
-              <a:latin typeface="+mn-lt"/>
-              <a:ea typeface="+mn-ea"/>
-              <a:cs typeface="+mn-cs"/>
-            </a:defRPr>
-          </a:pPr>
-          <a:endParaRPr lang="en-US"/>
-        </a:p>
-      </c:txPr>
-    </c:legend>
-    <c:plotVisOnly val="1"/>
-    <c:dispBlanksAs val="gap"/>
-    <c:extLst>
-      <c:ext xmlns:c16r3="http://schemas.microsoft.com/office/drawing/2017/03/chart" uri="{56B9EC1D-385E-4148-901F-78D8002777C0}">
-        <c16r3:dataDisplayOptions16>
-          <c16r3:dispNaAsBlank val="1"/>
-        </c16r3:dataDisplayOptions16>
-      </c:ext>
-    </c:extLst>
-    <c:showDLblsOverMax val="0"/>
-  </c:chart>
-  <c:spPr>
-    <a:noFill/>
-    <a:ln>
-      <a:noFill/>
-    </a:ln>
-    <a:effectLst/>
-  </c:spPr>
-  <c:txPr>
-    <a:bodyPr/>
-    <a:lstStyle/>
-    <a:p>
-      <a:pPr>
-        <a:defRPr/>
-      </a:pPr>
-      <a:endParaRPr lang="en-US"/>
-    </a:p>
-  </c:txPr>
-  <c:externalData r:id="rId3">
-    <c:autoUpdate val="0"/>
-  </c:externalData>
-</c:chartSpace>
-</file>
-
-<file path=ppt/charts/chart3.xml><?xml version="1.0" encoding="utf-8"?>
-<c:chartSpace xmlns:c="http://schemas.openxmlformats.org/drawingml/2006/chart" xmlns:a="http://schemas.openxmlformats.org/drawingml/2006/main" xmlns:r="http://schemas.openxmlformats.org/officeDocument/2006/relationships" xmlns:c16r2="http://schemas.microsoft.com/office/drawing/2015/06/chart">
-  <c:date1904 val="0"/>
-  <c:lang val="en-US"/>
-  <c:roundedCorners val="0"/>
-  <mc:AlternateContent xmlns:mc="http://schemas.openxmlformats.org/markup-compatibility/2006">
-    <mc:Choice xmlns:c14="http://schemas.microsoft.com/office/drawing/2007/8/2/chart" Requires="c14">
-      <c14:style val="102"/>
-    </mc:Choice>
-    <mc:Fallback>
-      <c:style val="2"/>
-    </mc:Fallback>
-  </mc:AlternateContent>
-  <c:chart>
-    <c:title>
-      <c:tx>
-        <c:rich>
-          <a:bodyPr rot="0" spcFirstLastPara="1" vertOverflow="ellipsis" vert="horz" wrap="square" anchor="ctr" anchorCtr="1"/>
-          <a:lstStyle/>
-          <a:p>
-            <a:pPr>
-              <a:defRPr sz="1400" b="0" i="0" u="none" strike="noStrike" kern="1200" spc="0" baseline="0">
-                <a:solidFill>
-                  <a:schemeClr val="tx1">
-                    <a:lumMod val="65000"/>
-                    <a:lumOff val="35000"/>
-                  </a:schemeClr>
-                </a:solidFill>
-                <a:latin typeface="+mn-lt"/>
-                <a:ea typeface="+mn-ea"/>
-                <a:cs typeface="+mn-cs"/>
-              </a:defRPr>
-            </a:pPr>
-            <a:r>
-              <a:rPr lang="en-US"/>
-              <a:t>Simulated v. gaged temperature, CW3M ver. 139</a:t>
-            </a:r>
-          </a:p>
-        </c:rich>
-      </c:tx>
-      <c:overlay val="0"/>
-      <c:spPr>
-        <a:noFill/>
-        <a:ln>
-          <a:noFill/>
-        </a:ln>
-        <a:effectLst/>
-      </c:spPr>
-      <c:txPr>
-        <a:bodyPr rot="0" spcFirstLastPara="1" vertOverflow="ellipsis" vert="horz" wrap="square" anchor="ctr" anchorCtr="1"/>
-        <a:lstStyle/>
-        <a:p>
-          <a:pPr>
-            <a:defRPr sz="1400" b="0" i="0" u="none" strike="noStrike" kern="1200" spc="0" baseline="0">
-              <a:solidFill>
-                <a:schemeClr val="tx1">
-                  <a:lumMod val="65000"/>
-                  <a:lumOff val="35000"/>
-                </a:schemeClr>
-              </a:solidFill>
-              <a:latin typeface="+mn-lt"/>
-              <a:ea typeface="+mn-ea"/>
-              <a:cs typeface="+mn-cs"/>
-            </a:defRPr>
-          </a:pPr>
-          <a:endParaRPr lang="en-US"/>
-        </a:p>
-      </c:txPr>
-    </c:title>
-    <c:autoTitleDeleted val="0"/>
-    <c:plotArea>
-      <c:layout/>
-      <c:lineChart>
-        <c:grouping val="standard"/>
-        <c:varyColors val="0"/>
-        <c:ser>
-          <c:idx val="0"/>
-          <c:order val="0"/>
-          <c:tx>
-            <c:strRef>
-              <c:f>'Statistics calculator'!$H$3</c:f>
-              <c:strCache>
-                <c:ptCount val="1"/>
-                <c:pt idx="0">
-                  <c:v> USGS_14162200_temp_BLUE RIVER AT BLUE RIVER_23773405</c:v>
-                </c:pt>
-              </c:strCache>
-            </c:strRef>
-          </c:tx>
-          <c:spPr>
-            <a:ln w="28575" cap="rnd">
-              <a:solidFill>
-                <a:schemeClr val="accent1"/>
-              </a:solidFill>
-              <a:round/>
-            </a:ln>
-            <a:effectLst/>
-          </c:spPr>
-          <c:marker>
-            <c:symbol val="none"/>
-          </c:marker>
-          <c:val>
-            <c:numRef>
-              <c:f>'Statistics calculator'!$H$4:$H$112</c:f>
-              <c:numCache>
-                <c:formatCode>General</c:formatCode>
-                <c:ptCount val="109"/>
-                <c:pt idx="0">
-                  <c:v>5.8672199999999997</c:v>
-                </c:pt>
-                <c:pt idx="1">
-                  <c:v>5.7384250000000003</c:v>
-                </c:pt>
-                <c:pt idx="2">
-                  <c:v>6.4123729999999997</c:v>
-                </c:pt>
-                <c:pt idx="3">
-                  <c:v>6.5012179999999997</c:v>
-                </c:pt>
-                <c:pt idx="4">
-                  <c:v>7.5264199999999999</c:v>
-                </c:pt>
-                <c:pt idx="5">
-                  <c:v>9.3709589999999992</c:v>
-                </c:pt>
-                <c:pt idx="6">
-                  <c:v>12.556028</c:v>
-                </c:pt>
-                <c:pt idx="7">
-                  <c:v>15.188703</c:v>
-                </c:pt>
-                <c:pt idx="8">
-                  <c:v>15.156300999999999</c:v>
-                </c:pt>
-                <c:pt idx="9">
-                  <c:v>14.002096</c:v>
-                </c:pt>
-                <c:pt idx="10">
-                  <c:v>6.2288560000000004</c:v>
-                </c:pt>
-                <c:pt idx="11">
-                  <c:v>3.8112159999999999</c:v>
-                </c:pt>
-                <c:pt idx="12">
-                  <c:v>4.1087809999999996</c:v>
-                </c:pt>
-                <c:pt idx="13">
-                  <c:v>4.5162529999999999</c:v>
-                </c:pt>
-                <c:pt idx="14">
-                  <c:v>4.4694390000000004</c:v>
-                </c:pt>
-                <c:pt idx="15">
-                  <c:v>6.1887270000000001</c:v>
-                </c:pt>
-                <c:pt idx="16">
-                  <c:v>7.3997349999999997</c:v>
-                </c:pt>
-                <c:pt idx="17">
-                  <c:v>9.4273530000000001</c:v>
-                </c:pt>
-                <c:pt idx="18">
-                  <c:v>12.164102</c:v>
-                </c:pt>
-                <c:pt idx="19">
-                  <c:v>14.740093</c:v>
-                </c:pt>
-                <c:pt idx="20">
-                  <c:v>15.472922000000001</c:v>
-                </c:pt>
-                <c:pt idx="21">
-                  <c:v>14.415647999999999</c:v>
-                </c:pt>
-                <c:pt idx="22">
-                  <c:v>8.0990950000000002</c:v>
-                </c:pt>
-                <c:pt idx="23">
-                  <c:v>3.2822840000000002</c:v>
-                </c:pt>
-                <c:pt idx="24">
-                  <c:v>3.927359</c:v>
-                </c:pt>
-                <c:pt idx="25">
-                  <c:v>5.1388389999999999</c:v>
-                </c:pt>
-                <c:pt idx="26">
-                  <c:v>4.2618510000000001</c:v>
-                </c:pt>
-                <c:pt idx="27">
-                  <c:v>6.2101850000000001</c:v>
-                </c:pt>
-                <c:pt idx="28">
-                  <c:v>8.5556420000000006</c:v>
-                </c:pt>
-                <c:pt idx="29">
-                  <c:v>10.325079000000001</c:v>
-                </c:pt>
-                <c:pt idx="30">
-                  <c:v>13.190016</c:v>
-                </c:pt>
-                <c:pt idx="31">
-                  <c:v>15.817727</c:v>
-                </c:pt>
-                <c:pt idx="32">
-                  <c:v>16.177311</c:v>
-                </c:pt>
-                <c:pt idx="33">
-                  <c:v>14.695318</c:v>
-                </c:pt>
-                <c:pt idx="34">
-                  <c:v>7.7057390000000003</c:v>
-                </c:pt>
-                <c:pt idx="35">
-                  <c:v>3.4356059999999999</c:v>
-                </c:pt>
-                <c:pt idx="36">
-                  <c:v>2.9708220000000001</c:v>
-                </c:pt>
-                <c:pt idx="37">
-                  <c:v>4.6796389999999999</c:v>
-                </c:pt>
-                <c:pt idx="38">
-                  <c:v>5.5429349999999999</c:v>
-                </c:pt>
-                <c:pt idx="39">
-                  <c:v>6.8235279999999996</c:v>
-                </c:pt>
-                <c:pt idx="40">
-                  <c:v>9.4638559999999998</c:v>
-                </c:pt>
-                <c:pt idx="41">
-                  <c:v>10.913012</c:v>
-                </c:pt>
-                <c:pt idx="42">
-                  <c:v>13.99469</c:v>
-                </c:pt>
-                <c:pt idx="43">
-                  <c:v>16.091546999999998</c:v>
-                </c:pt>
-                <c:pt idx="44">
-                  <c:v>16.440422000000002</c:v>
-                </c:pt>
-                <c:pt idx="45">
-                  <c:v>13.150365000000001</c:v>
-                </c:pt>
-                <c:pt idx="46">
-                  <c:v>7.3616890000000001</c:v>
-                </c:pt>
-                <c:pt idx="47">
-                  <c:v>3.0485000000000002</c:v>
-                </c:pt>
-                <c:pt idx="48">
-                  <c:v>6.0089220000000001</c:v>
-                </c:pt>
-                <c:pt idx="49">
-                  <c:v>4.7759280000000004</c:v>
-                </c:pt>
-                <c:pt idx="50">
-                  <c:v>6.8088280000000001</c:v>
-                </c:pt>
-                <c:pt idx="51">
-                  <c:v>8.0734779999999997</c:v>
-                </c:pt>
-                <c:pt idx="52">
-                  <c:v>9.5583329999999993</c:v>
-                </c:pt>
-                <c:pt idx="53">
-                  <c:v>11.796310999999999</c:v>
-                </c:pt>
-                <c:pt idx="54">
-                  <c:v>14.523553</c:v>
-                </c:pt>
-                <c:pt idx="55">
-                  <c:v>16.863527000000001</c:v>
-                </c:pt>
-                <c:pt idx="56">
-                  <c:v>17.120304000000001</c:v>
-                </c:pt>
-                <c:pt idx="57">
-                  <c:v>15.784965</c:v>
-                </c:pt>
-                <c:pt idx="58">
-                  <c:v>7.8990039999999997</c:v>
-                </c:pt>
-                <c:pt idx="59">
-                  <c:v>5.8541470000000002</c:v>
-                </c:pt>
-                <c:pt idx="60">
-                  <c:v>6.4891750000000004</c:v>
-                </c:pt>
-                <c:pt idx="61">
-                  <c:v>8.1289420000000003</c:v>
-                </c:pt>
-                <c:pt idx="62">
-                  <c:v>8.5940560000000001</c:v>
-                </c:pt>
-                <c:pt idx="63">
-                  <c:v>9.4432200000000002</c:v>
-                </c:pt>
-                <c:pt idx="64">
-                  <c:v>11.426868000000001</c:v>
-                </c:pt>
-                <c:pt idx="65">
-                  <c:v>14.382719</c:v>
-                </c:pt>
-                <c:pt idx="66">
-                  <c:v>17.043074000000001</c:v>
-                </c:pt>
-                <c:pt idx="67">
-                  <c:v>18.608875000000001</c:v>
-                </c:pt>
-                <c:pt idx="68">
-                  <c:v>17.779147999999999</c:v>
-                </c:pt>
-                <c:pt idx="69">
-                  <c:v>16.758285999999998</c:v>
-                </c:pt>
-                <c:pt idx="70">
-                  <c:v>8.207122</c:v>
-                </c:pt>
-                <c:pt idx="71">
-                  <c:v>4.4238860000000004</c:v>
-                </c:pt>
-                <c:pt idx="72">
-                  <c:v>4.3064270000000002</c:v>
-                </c:pt>
-                <c:pt idx="73">
-                  <c:v>6.6809029999999998</c:v>
-                </c:pt>
-                <c:pt idx="74">
-                  <c:v>6.7397119999999999</c:v>
-                </c:pt>
-                <c:pt idx="75">
-                  <c:v>8.7652110000000008</c:v>
-                </c:pt>
-                <c:pt idx="76">
-                  <c:v>10.81246</c:v>
-                </c:pt>
-                <c:pt idx="77">
-                  <c:v>12.286628</c:v>
-                </c:pt>
-                <c:pt idx="78">
-                  <c:v>14.413005</c:v>
-                </c:pt>
-                <c:pt idx="79">
-                  <c:v>16.593639</c:v>
-                </c:pt>
-                <c:pt idx="80">
-                  <c:v>16.534609</c:v>
-                </c:pt>
-                <c:pt idx="81">
-                  <c:v>12.883421999999999</c:v>
-                </c:pt>
-                <c:pt idx="82">
-                  <c:v>7.5376799999999999</c:v>
-                </c:pt>
-                <c:pt idx="83">
-                  <c:v>2.3836870000000001</c:v>
-                </c:pt>
-                <c:pt idx="84">
-                  <c:v>-2.3392900000000001</c:v>
-                </c:pt>
-                <c:pt idx="85">
-                  <c:v>1.3647229999999999</c:v>
-                </c:pt>
-                <c:pt idx="86">
-                  <c:v>4.5756379999999996</c:v>
-                </c:pt>
-                <c:pt idx="87">
-                  <c:v>7.86172</c:v>
-                </c:pt>
-                <c:pt idx="88">
-                  <c:v>9.5902989999999999</c:v>
-                </c:pt>
-                <c:pt idx="89">
-                  <c:v>11.902104</c:v>
-                </c:pt>
-                <c:pt idx="90">
-                  <c:v>14.932577999999999</c:v>
-                </c:pt>
-                <c:pt idx="91">
-                  <c:v>16.595585</c:v>
-                </c:pt>
-                <c:pt idx="92">
-                  <c:v>16.301480999999999</c:v>
-                </c:pt>
-                <c:pt idx="93">
-                  <c:v>12.758827</c:v>
-                </c:pt>
-                <c:pt idx="94">
-                  <c:v>5.2282070000000003</c:v>
-                </c:pt>
-                <c:pt idx="95">
-                  <c:v>1.344606</c:v>
-                </c:pt>
-                <c:pt idx="96">
-                  <c:v>5.4185150000000002</c:v>
-                </c:pt>
-                <c:pt idx="97">
-                  <c:v>5.7108840000000001</c:v>
-                </c:pt>
-                <c:pt idx="98">
-                  <c:v>5.9636950000000004</c:v>
-                </c:pt>
-                <c:pt idx="99">
-                  <c:v>7.5892429999999997</c:v>
-                </c:pt>
-                <c:pt idx="100">
-                  <c:v>11.136310999999999</c:v>
-                </c:pt>
-                <c:pt idx="101">
-                  <c:v>12.600471000000001</c:v>
-                </c:pt>
-                <c:pt idx="102">
-                  <c:v>15.246349</c:v>
-                </c:pt>
-                <c:pt idx="103">
-                  <c:v>17.401871</c:v>
-                </c:pt>
-                <c:pt idx="104">
-                  <c:v>17.110749999999999</c:v>
-                </c:pt>
-                <c:pt idx="105">
-                  <c:v>15.616877000000001</c:v>
-                </c:pt>
-                <c:pt idx="106">
-                  <c:v>9.3853279999999994</c:v>
-                </c:pt>
-                <c:pt idx="107">
-                  <c:v>4.3472080000000002</c:v>
-                </c:pt>
-              </c:numCache>
-            </c:numRef>
-          </c:val>
-          <c:smooth val="0"/>
-          <c:extLst>
-            <c:ext xmlns:c16="http://schemas.microsoft.com/office/drawing/2014/chart" uri="{C3380CC4-5D6E-409C-BE32-E72D297353CC}">
-              <c16:uniqueId val="{00000000-C10D-4011-A4D6-DF255C8C7C8A}"/>
-            </c:ext>
-          </c:extLst>
-        </c:ser>
-        <c:ser>
-          <c:idx val="1"/>
-          <c:order val="1"/>
-          <c:tx>
-            <c:strRef>
-              <c:f>'Statistics calculator'!$I$3</c:f>
-              <c:strCache>
-                <c:ptCount val="1"/>
-                <c:pt idx="0">
-                  <c:v> Obs:..\Observations\McKenzie\USGS_14162200_temp_BLUE RIVER AT BLUE RIVER_23773405.csv</c:v>
-                </c:pt>
-              </c:strCache>
-            </c:strRef>
-          </c:tx>
-          <c:spPr>
-            <a:ln w="28575" cap="rnd">
-              <a:solidFill>
-                <a:schemeClr val="accent2"/>
-              </a:solidFill>
-              <a:round/>
-            </a:ln>
-            <a:effectLst/>
-          </c:spPr>
-          <c:marker>
-            <c:symbol val="none"/>
-          </c:marker>
-          <c:val>
-            <c:numRef>
-              <c:f>'Statistics calculator'!$I$4:$I$112</c:f>
-              <c:numCache>
-                <c:formatCode>General</c:formatCode>
-                <c:ptCount val="109"/>
-                <c:pt idx="0">
-                  <c:v>6.242737</c:v>
-                </c:pt>
-                <c:pt idx="1">
-                  <c:v>6.0254859999999999</c:v>
-                </c:pt>
-                <c:pt idx="2">
-                  <c:v>5.870177</c:v>
-                </c:pt>
-                <c:pt idx="3">
-                  <c:v>6.3362550000000004</c:v>
-                </c:pt>
-                <c:pt idx="4">
-                  <c:v>6.764894</c:v>
-                </c:pt>
-                <c:pt idx="5">
-                  <c:v>8.3578449999999993</c:v>
-                </c:pt>
-                <c:pt idx="6">
-                  <c:v>9.3243179999999999</c:v>
-                </c:pt>
-                <c:pt idx="7">
-                  <c:v>9.5130529999999993</c:v>
-                </c:pt>
-                <c:pt idx="8">
-                  <c:v>10.323399</c:v>
-                </c:pt>
-                <c:pt idx="9">
-                  <c:v>14.638032000000001</c:v>
-                </c:pt>
-                <c:pt idx="10">
-                  <c:v>8.1989000000000001</c:v>
-                </c:pt>
-                <c:pt idx="11">
-                  <c:v>5.9627169999999996</c:v>
-                </c:pt>
-                <c:pt idx="12">
-                  <c:v>5.1126459999999998</c:v>
-                </c:pt>
-                <c:pt idx="13">
-                  <c:v>4.9648789999999998</c:v>
-                </c:pt>
-                <c:pt idx="14">
-                  <c:v>4.7931419999999996</c:v>
-                </c:pt>
-                <c:pt idx="15">
-                  <c:v>5.803407</c:v>
-                </c:pt>
-                <c:pt idx="16">
-                  <c:v>6.4552820000000004</c:v>
-                </c:pt>
-                <c:pt idx="17">
-                  <c:v>7.5905779999999998</c:v>
-                </c:pt>
-                <c:pt idx="18">
-                  <c:v>8.2860630000000004</c:v>
-                </c:pt>
-                <c:pt idx="19">
-                  <c:v>8.6072799999999994</c:v>
-                </c:pt>
-                <c:pt idx="20">
-                  <c:v>8.9859810000000007</c:v>
-                </c:pt>
-                <c:pt idx="21">
-                  <c:v>14.825505</c:v>
-                </c:pt>
-                <c:pt idx="22">
-                  <c:v>9.8985830000000004</c:v>
-                </c:pt>
-                <c:pt idx="23">
-                  <c:v>3.5622660000000002</c:v>
-                </c:pt>
-                <c:pt idx="24">
-                  <c:v>5.1763899999999996</c:v>
-                </c:pt>
-                <c:pt idx="25">
-                  <c:v>5.2227790000000001</c:v>
-                </c:pt>
-                <c:pt idx="26">
-                  <c:v>4.9264089999999996</c:v>
-                </c:pt>
-                <c:pt idx="27">
-                  <c:v>5.6121129999999999</c:v>
-                </c:pt>
-                <c:pt idx="28">
-                  <c:v>6.711182</c:v>
-                </c:pt>
-                <c:pt idx="29">
-                  <c:v>7.5382410000000002</c:v>
-                </c:pt>
-                <c:pt idx="30">
-                  <c:v>8.3234449999999995</c:v>
-                </c:pt>
-                <c:pt idx="31">
-                  <c:v>8.7166340000000009</c:v>
-                </c:pt>
-                <c:pt idx="32">
-                  <c:v>9.5605119999999992</c:v>
-                </c:pt>
-                <c:pt idx="33">
-                  <c:v>13.666708</c:v>
-                </c:pt>
-                <c:pt idx="34">
-                  <c:v>9.1621269999999999</c:v>
-                </c:pt>
-                <c:pt idx="35">
-                  <c:v>5.9484209999999997</c:v>
-                </c:pt>
-                <c:pt idx="36">
-                  <c:v>3.8598780000000001</c:v>
-                </c:pt>
-                <c:pt idx="37">
-                  <c:v>5.1303470000000004</c:v>
-                </c:pt>
-                <c:pt idx="38">
-                  <c:v>5.3115139999999998</c:v>
-                </c:pt>
-                <c:pt idx="39">
-                  <c:v>5.8076850000000002</c:v>
-                </c:pt>
-                <c:pt idx="40">
-                  <c:v>6.6491049999999996</c:v>
-                </c:pt>
-                <c:pt idx="41">
-                  <c:v>7.2600569999999998</c:v>
-                </c:pt>
-                <c:pt idx="42">
-                  <c:v>7.8716249999999999</c:v>
-                </c:pt>
-                <c:pt idx="43">
-                  <c:v>8.0071239999999992</c:v>
-                </c:pt>
-                <c:pt idx="44">
-                  <c:v>9.1077899999999996</c:v>
-                </c:pt>
-                <c:pt idx="45">
-                  <c:v>13.260329</c:v>
-                </c:pt>
-                <c:pt idx="46">
-                  <c:v>8.1938980000000008</c:v>
-                </c:pt>
-                <c:pt idx="47">
-                  <c:v>3.1801490000000001</c:v>
-                </c:pt>
-                <c:pt idx="48">
-                  <c:v>4.53085</c:v>
-                </c:pt>
-                <c:pt idx="49">
-                  <c:v>5.2564500000000001</c:v>
-                </c:pt>
-                <c:pt idx="50">
-                  <c:v>6.5771389999999998</c:v>
-                </c:pt>
-                <c:pt idx="51">
-                  <c:v>6.8376919999999997</c:v>
-                </c:pt>
-                <c:pt idx="52">
-                  <c:v>7.4699669999999996</c:v>
-                </c:pt>
-                <c:pt idx="53">
-                  <c:v>8.282546</c:v>
-                </c:pt>
-                <c:pt idx="54">
-                  <c:v>8.7067789999999992</c:v>
-                </c:pt>
-                <c:pt idx="55">
-                  <c:v>9.2944099999999992</c:v>
-                </c:pt>
-                <c:pt idx="56">
-                  <c:v>13.249461999999999</c:v>
-                </c:pt>
-                <c:pt idx="57">
-                  <c:v>16.807127000000001</c:v>
-                </c:pt>
-                <c:pt idx="58">
-                  <c:v>8.9506309999999996</c:v>
-                </c:pt>
-                <c:pt idx="59">
-                  <c:v>7.6525990000000004</c:v>
-                </c:pt>
-                <c:pt idx="60">
-                  <c:v>6.1077399999999997</c:v>
-                </c:pt>
-                <c:pt idx="61">
-                  <c:v>7.345167</c:v>
-                </c:pt>
-                <c:pt idx="62">
-                  <c:v>6.8343990000000003</c:v>
-                </c:pt>
-                <c:pt idx="63">
-                  <c:v>7.451581</c:v>
-                </c:pt>
-                <c:pt idx="64">
-                  <c:v>7.916569</c:v>
-                </c:pt>
-                <c:pt idx="65">
-                  <c:v>8.4819440000000004</c:v>
-                </c:pt>
-                <c:pt idx="66">
-                  <c:v>9.8057890000000008</c:v>
-                </c:pt>
-                <c:pt idx="67">
-                  <c:v>15.420059999999999</c:v>
-                </c:pt>
-                <c:pt idx="68">
-                  <c:v>19.607327999999999</c:v>
-                </c:pt>
-                <c:pt idx="69">
-                  <c:v>17.225902999999999</c:v>
-                </c:pt>
-                <c:pt idx="70">
-                  <c:v>9.4089639999999992</c:v>
-                </c:pt>
-                <c:pt idx="71">
-                  <c:v>6.5922989999999997</c:v>
-                </c:pt>
-                <c:pt idx="72">
-                  <c:v>5.077852</c:v>
-                </c:pt>
-                <c:pt idx="73">
-                  <c:v>6.0420199999999999</c:v>
-                </c:pt>
-                <c:pt idx="74">
-                  <c:v>6.7066660000000002</c:v>
-                </c:pt>
-                <c:pt idx="75">
-                  <c:v>7.018815</c:v>
-                </c:pt>
-                <c:pt idx="76">
-                  <c:v>7.2525659999999998</c:v>
-                </c:pt>
-                <c:pt idx="77">
-                  <c:v>8.3415739999999996</c:v>
-                </c:pt>
-                <c:pt idx="78">
-                  <c:v>9.6124399999999994</c:v>
-                </c:pt>
-                <c:pt idx="79">
-                  <c:v>12.807323</c:v>
-                </c:pt>
-                <c:pt idx="80">
-                  <c:v>18.714966</c:v>
-                </c:pt>
-                <c:pt idx="81">
-                  <c:v>13.539747999999999</c:v>
-                </c:pt>
-                <c:pt idx="82">
-                  <c:v>9.3763590000000008</c:v>
-                </c:pt>
-                <c:pt idx="83">
-                  <c:v>5.3433809999999999</c:v>
-                </c:pt>
-                <c:pt idx="84">
-                  <c:v>3.7388919999999999</c:v>
-                </c:pt>
-                <c:pt idx="85">
-                  <c:v>5.5044440000000003</c:v>
-                </c:pt>
-                <c:pt idx="86">
-                  <c:v>5.6991579999999997</c:v>
-                </c:pt>
-                <c:pt idx="87">
-                  <c:v>6.5786189999999998</c:v>
-                </c:pt>
-                <c:pt idx="88">
-                  <c:v>7.2222730000000004</c:v>
-                </c:pt>
-                <c:pt idx="89">
-                  <c:v>7.7701859999999998</c:v>
-                </c:pt>
-                <c:pt idx="90">
-                  <c:v>8.3039649999999998</c:v>
-                </c:pt>
-                <c:pt idx="91">
-                  <c:v>8.6642139999999994</c:v>
-                </c:pt>
-                <c:pt idx="92">
-                  <c:v>12.014706</c:v>
-                </c:pt>
-                <c:pt idx="93">
-                  <c:v>13.340147999999999</c:v>
-                </c:pt>
-                <c:pt idx="94">
-                  <c:v>8.4495989999999992</c:v>
-                </c:pt>
-                <c:pt idx="95">
-                  <c:v>4.8649889999999996</c:v>
-                </c:pt>
-                <c:pt idx="96">
-                  <c:v>6.3716889999999999</c:v>
-                </c:pt>
-                <c:pt idx="97">
-                  <c:v>5.8028979999999999</c:v>
-                </c:pt>
-                <c:pt idx="98">
-                  <c:v>4.780729</c:v>
-                </c:pt>
-                <c:pt idx="99">
-                  <c:v>5.6558440000000001</c:v>
-                </c:pt>
-                <c:pt idx="100">
-                  <c:v>6.6804240000000004</c:v>
-                </c:pt>
-                <c:pt idx="101">
-                  <c:v>7.4761600000000001</c:v>
-                </c:pt>
-                <c:pt idx="102">
-                  <c:v>9.8986210000000003</c:v>
-                </c:pt>
-                <c:pt idx="103">
-                  <c:v>17.599765999999999</c:v>
-                </c:pt>
-                <c:pt idx="104">
-                  <c:v>19.694932999999999</c:v>
-                </c:pt>
-                <c:pt idx="105">
-                  <c:v>14.747918</c:v>
-                </c:pt>
-                <c:pt idx="106">
-                  <c:v>8.8163230000000006</c:v>
-                </c:pt>
-                <c:pt idx="107">
-                  <c:v>6.4395899999999999</c:v>
+                  <c:v>6.1656829999999996</c:v>
                 </c:pt>
               </c:numCache>
             </c:numRef>
@@ -3375,6 +2268,2230 @@
           </a:p>
         </c:txPr>
         <c:crossAx val="58066224"/>
+        <c:crosses val="autoZero"/>
+        <c:crossBetween val="between"/>
+      </c:valAx>
+      <c:spPr>
+        <a:noFill/>
+        <a:ln>
+          <a:noFill/>
+        </a:ln>
+        <a:effectLst/>
+      </c:spPr>
+    </c:plotArea>
+    <c:legend>
+      <c:legendPos val="b"/>
+      <c:overlay val="0"/>
+      <c:spPr>
+        <a:noFill/>
+        <a:ln>
+          <a:noFill/>
+        </a:ln>
+        <a:effectLst/>
+      </c:spPr>
+      <c:txPr>
+        <a:bodyPr rot="0" spcFirstLastPara="1" vertOverflow="ellipsis" vert="horz" wrap="square" anchor="ctr" anchorCtr="1"/>
+        <a:lstStyle/>
+        <a:p>
+          <a:pPr>
+            <a:defRPr sz="900" b="0" i="0" u="none" strike="noStrike" kern="1200" baseline="0">
+              <a:solidFill>
+                <a:schemeClr val="tx1">
+                  <a:lumMod val="65000"/>
+                  <a:lumOff val="35000"/>
+                </a:schemeClr>
+              </a:solidFill>
+              <a:latin typeface="+mn-lt"/>
+              <a:ea typeface="+mn-ea"/>
+              <a:cs typeface="+mn-cs"/>
+            </a:defRPr>
+          </a:pPr>
+          <a:endParaRPr lang="en-US"/>
+        </a:p>
+      </c:txPr>
+    </c:legend>
+    <c:plotVisOnly val="1"/>
+    <c:dispBlanksAs val="gap"/>
+    <c:extLst>
+      <c:ext xmlns:c16r3="http://schemas.microsoft.com/office/drawing/2017/03/chart" uri="{56B9EC1D-385E-4148-901F-78D8002777C0}">
+        <c16r3:dataDisplayOptions16>
+          <c16r3:dispNaAsBlank val="1"/>
+        </c16r3:dataDisplayOptions16>
+      </c:ext>
+    </c:extLst>
+    <c:showDLblsOverMax val="0"/>
+  </c:chart>
+  <c:spPr>
+    <a:noFill/>
+    <a:ln>
+      <a:noFill/>
+    </a:ln>
+    <a:effectLst/>
+  </c:spPr>
+  <c:txPr>
+    <a:bodyPr/>
+    <a:lstStyle/>
+    <a:p>
+      <a:pPr>
+        <a:defRPr/>
+      </a:pPr>
+      <a:endParaRPr lang="en-US"/>
+    </a:p>
+  </c:txPr>
+  <c:externalData r:id="rId3">
+    <c:autoUpdate val="0"/>
+  </c:externalData>
+</c:chartSpace>
+</file>
+
+<file path=ppt/charts/chart3.xml><?xml version="1.0" encoding="utf-8"?>
+<c:chartSpace xmlns:c="http://schemas.openxmlformats.org/drawingml/2006/chart" xmlns:a="http://schemas.openxmlformats.org/drawingml/2006/main" xmlns:r="http://schemas.openxmlformats.org/officeDocument/2006/relationships" xmlns:c16r2="http://schemas.microsoft.com/office/drawing/2015/06/chart">
+  <c:date1904 val="0"/>
+  <c:lang val="en-US"/>
+  <c:roundedCorners val="0"/>
+  <mc:AlternateContent xmlns:mc="http://schemas.openxmlformats.org/markup-compatibility/2006">
+    <mc:Choice xmlns:c14="http://schemas.microsoft.com/office/drawing/2007/8/2/chart" Requires="c14">
+      <c14:style val="102"/>
+    </mc:Choice>
+    <mc:Fallback>
+      <c:style val="2"/>
+    </mc:Fallback>
+  </mc:AlternateContent>
+  <c:chart>
+    <c:title>
+      <c:tx>
+        <c:rich>
+          <a:bodyPr rot="0" spcFirstLastPara="1" vertOverflow="ellipsis" vert="horz" wrap="square" anchor="ctr" anchorCtr="1"/>
+          <a:lstStyle/>
+          <a:p>
+            <a:pPr>
+              <a:defRPr sz="1400" b="0" i="0" u="none" strike="noStrike" kern="1200" spc="0" baseline="0">
+                <a:solidFill>
+                  <a:schemeClr val="tx1">
+                    <a:lumMod val="65000"/>
+                    <a:lumOff val="35000"/>
+                  </a:schemeClr>
+                </a:solidFill>
+                <a:latin typeface="+mn-lt"/>
+                <a:ea typeface="+mn-ea"/>
+                <a:cs typeface="+mn-cs"/>
+              </a:defRPr>
+            </a:pPr>
+            <a:r>
+              <a:rPr lang="en-US"/>
+              <a:t>Simulated v. gaged temperature, CW3M ver. 149</a:t>
+            </a:r>
+          </a:p>
+        </c:rich>
+      </c:tx>
+      <c:overlay val="0"/>
+      <c:spPr>
+        <a:noFill/>
+        <a:ln>
+          <a:noFill/>
+        </a:ln>
+        <a:effectLst/>
+      </c:spPr>
+      <c:txPr>
+        <a:bodyPr rot="0" spcFirstLastPara="1" vertOverflow="ellipsis" vert="horz" wrap="square" anchor="ctr" anchorCtr="1"/>
+        <a:lstStyle/>
+        <a:p>
+          <a:pPr>
+            <a:defRPr sz="1400" b="0" i="0" u="none" strike="noStrike" kern="1200" spc="0" baseline="0">
+              <a:solidFill>
+                <a:schemeClr val="tx1">
+                  <a:lumMod val="65000"/>
+                  <a:lumOff val="35000"/>
+                </a:schemeClr>
+              </a:solidFill>
+              <a:latin typeface="+mn-lt"/>
+              <a:ea typeface="+mn-ea"/>
+              <a:cs typeface="+mn-cs"/>
+            </a:defRPr>
+          </a:pPr>
+          <a:endParaRPr lang="en-US"/>
+        </a:p>
+      </c:txPr>
+    </c:title>
+    <c:autoTitleDeleted val="0"/>
+    <c:plotArea>
+      <c:layout/>
+      <c:lineChart>
+        <c:grouping val="standard"/>
+        <c:varyColors val="0"/>
+        <c:ser>
+          <c:idx val="0"/>
+          <c:order val="0"/>
+          <c:tx>
+            <c:strRef>
+              <c:f>'Statistics calculator'!$H$3</c:f>
+              <c:strCache>
+                <c:ptCount val="1"/>
+                <c:pt idx="0">
+                  <c:v> USGS_14164900_temp_MCKENZIE RIVER ABV HAYDEN BR  AT SPRINGFIELD  OR_23772751</c:v>
+                </c:pt>
+              </c:strCache>
+            </c:strRef>
+          </c:tx>
+          <c:spPr>
+            <a:ln w="28575" cap="rnd">
+              <a:solidFill>
+                <a:schemeClr val="accent1"/>
+              </a:solidFill>
+              <a:round/>
+            </a:ln>
+            <a:effectLst/>
+          </c:spPr>
+          <c:marker>
+            <c:symbol val="none"/>
+          </c:marker>
+          <c:val>
+            <c:numRef>
+              <c:f>'Statistics calculator'!$H$4:$H$112</c:f>
+              <c:numCache>
+                <c:formatCode>General</c:formatCode>
+                <c:ptCount val="109"/>
+                <c:pt idx="0">
+                  <c:v>5.7779569999999998</c:v>
+                </c:pt>
+                <c:pt idx="1">
+                  <c:v>6.4493549999999997</c:v>
+                </c:pt>
+                <c:pt idx="2">
+                  <c:v>7.6971970000000001</c:v>
+                </c:pt>
+                <c:pt idx="3">
+                  <c:v>8.7715329999999998</c:v>
+                </c:pt>
+                <c:pt idx="4">
+                  <c:v>10.70496</c:v>
+                </c:pt>
+                <c:pt idx="5">
+                  <c:v>13.016538000000001</c:v>
+                </c:pt>
+                <c:pt idx="6">
+                  <c:v>18.716078</c:v>
+                </c:pt>
+                <c:pt idx="7">
+                  <c:v>18.758417000000001</c:v>
+                </c:pt>
+                <c:pt idx="8">
+                  <c:v>15.262316</c:v>
+                </c:pt>
+                <c:pt idx="9">
+                  <c:v>12.563224999999999</c:v>
+                </c:pt>
+                <c:pt idx="10">
+                  <c:v>7.1121999999999996</c:v>
+                </c:pt>
+                <c:pt idx="11">
+                  <c:v>4.5946660000000001</c:v>
+                </c:pt>
+                <c:pt idx="12">
+                  <c:v>4.6830069999999999</c:v>
+                </c:pt>
+                <c:pt idx="13">
+                  <c:v>4.9665210000000002</c:v>
+                </c:pt>
+                <c:pt idx="14">
+                  <c:v>6.4354079999999998</c:v>
+                </c:pt>
+                <c:pt idx="15">
+                  <c:v>7.9138780000000004</c:v>
+                </c:pt>
+                <c:pt idx="16">
+                  <c:v>10.033189</c:v>
+                </c:pt>
+                <c:pt idx="17">
+                  <c:v>12.755774000000001</c:v>
+                </c:pt>
+                <c:pt idx="18">
+                  <c:v>16.049688</c:v>
+                </c:pt>
+                <c:pt idx="19">
+                  <c:v>18.753098999999999</c:v>
+                </c:pt>
+                <c:pt idx="20">
+                  <c:v>16.684082</c:v>
+                </c:pt>
+                <c:pt idx="21">
+                  <c:v>12.347562999999999</c:v>
+                </c:pt>
+                <c:pt idx="22">
+                  <c:v>7.7867629999999997</c:v>
+                </c:pt>
+                <c:pt idx="23">
+                  <c:v>4.9223869999999996</c:v>
+                </c:pt>
+                <c:pt idx="24">
+                  <c:v>4.6234310000000001</c:v>
+                </c:pt>
+                <c:pt idx="25">
+                  <c:v>5.3178369999999999</c:v>
+                </c:pt>
+                <c:pt idx="26">
+                  <c:v>5.9983529999999998</c:v>
+                </c:pt>
+                <c:pt idx="27">
+                  <c:v>9.3161179999999995</c:v>
+                </c:pt>
+                <c:pt idx="28">
+                  <c:v>11.583538000000001</c:v>
+                </c:pt>
+                <c:pt idx="29">
+                  <c:v>12.439662999999999</c:v>
+                </c:pt>
+                <c:pt idx="30">
+                  <c:v>17.957878000000001</c:v>
+                </c:pt>
+                <c:pt idx="31">
+                  <c:v>19.333331999999999</c:v>
+                </c:pt>
+                <c:pt idx="32">
+                  <c:v>16.841829000000001</c:v>
+                </c:pt>
+                <c:pt idx="33">
+                  <c:v>12.638612</c:v>
+                </c:pt>
+                <c:pt idx="34">
+                  <c:v>7.7034089999999997</c:v>
+                </c:pt>
+                <c:pt idx="35">
+                  <c:v>4.3620099999999997</c:v>
+                </c:pt>
+                <c:pt idx="36">
+                  <c:v>4.2237590000000003</c:v>
+                </c:pt>
+                <c:pt idx="37">
+                  <c:v>5.38246</c:v>
+                </c:pt>
+                <c:pt idx="38">
+                  <c:v>7.6001960000000004</c:v>
+                </c:pt>
+                <c:pt idx="39">
+                  <c:v>9.5435580000000009</c:v>
+                </c:pt>
+                <c:pt idx="40">
+                  <c:v>12.546828</c:v>
+                </c:pt>
+                <c:pt idx="41">
+                  <c:v>15.516308</c:v>
+                </c:pt>
+                <c:pt idx="42">
+                  <c:v>19.543028</c:v>
+                </c:pt>
+                <c:pt idx="43">
+                  <c:v>18.785549</c:v>
+                </c:pt>
+                <c:pt idx="44">
+                  <c:v>15.787944</c:v>
+                </c:pt>
+                <c:pt idx="45">
+                  <c:v>11.691492999999999</c:v>
+                </c:pt>
+                <c:pt idx="46">
+                  <c:v>7.4614779999999996</c:v>
+                </c:pt>
+                <c:pt idx="47">
+                  <c:v>4.54359</c:v>
+                </c:pt>
+                <c:pt idx="48">
+                  <c:v>5.8501269999999996</c:v>
+                </c:pt>
+                <c:pt idx="49">
+                  <c:v>5.4316700000000004</c:v>
+                </c:pt>
+                <c:pt idx="50">
+                  <c:v>7.7922929999999999</c:v>
+                </c:pt>
+                <c:pt idx="51">
+                  <c:v>10.025487</c:v>
+                </c:pt>
+                <c:pt idx="52">
+                  <c:v>12.646699</c:v>
+                </c:pt>
+                <c:pt idx="53">
+                  <c:v>15.603738</c:v>
+                </c:pt>
+                <c:pt idx="54">
+                  <c:v>19.39912</c:v>
+                </c:pt>
+                <c:pt idx="55">
+                  <c:v>19.441991999999999</c:v>
+                </c:pt>
+                <c:pt idx="56">
+                  <c:v>16.963615000000001</c:v>
+                </c:pt>
+                <c:pt idx="57">
+                  <c:v>13.493995999999999</c:v>
+                </c:pt>
+                <c:pt idx="58">
+                  <c:v>7.7190390000000004</c:v>
+                </c:pt>
+                <c:pt idx="59">
+                  <c:v>5.7141400000000004</c:v>
+                </c:pt>
+                <c:pt idx="60">
+                  <c:v>6.2156979999999997</c:v>
+                </c:pt>
+                <c:pt idx="61">
+                  <c:v>7.6455780000000004</c:v>
+                </c:pt>
+                <c:pt idx="62">
+                  <c:v>10.089314</c:v>
+                </c:pt>
+                <c:pt idx="63">
+                  <c:v>10.736948999999999</c:v>
+                </c:pt>
+                <c:pt idx="64">
+                  <c:v>14.798632</c:v>
+                </c:pt>
+                <c:pt idx="65">
+                  <c:v>19.064385999999999</c:v>
+                </c:pt>
+                <c:pt idx="66">
+                  <c:v>20.026613000000001</c:v>
+                </c:pt>
+                <c:pt idx="67">
+                  <c:v>19.950925999999999</c:v>
+                </c:pt>
+                <c:pt idx="68">
+                  <c:v>16.066918999999999</c:v>
+                </c:pt>
+                <c:pt idx="69">
+                  <c:v>14.104435</c:v>
+                </c:pt>
+                <c:pt idx="70">
+                  <c:v>8.2377029999999998</c:v>
+                </c:pt>
+                <c:pt idx="71">
+                  <c:v>4.9648250000000003</c:v>
+                </c:pt>
+                <c:pt idx="72">
+                  <c:v>4.7350060000000003</c:v>
+                </c:pt>
+                <c:pt idx="73">
+                  <c:v>6.4891920000000001</c:v>
+                </c:pt>
+                <c:pt idx="74">
+                  <c:v>7.5317080000000001</c:v>
+                </c:pt>
+                <c:pt idx="75">
+                  <c:v>11.228016999999999</c:v>
+                </c:pt>
+                <c:pt idx="76">
+                  <c:v>13.777556000000001</c:v>
+                </c:pt>
+                <c:pt idx="77">
+                  <c:v>16.85079</c:v>
+                </c:pt>
+                <c:pt idx="78">
+                  <c:v>18.213345</c:v>
+                </c:pt>
+                <c:pt idx="79">
+                  <c:v>19.547101999999999</c:v>
+                </c:pt>
+                <c:pt idx="80">
+                  <c:v>15.880990000000001</c:v>
+                </c:pt>
+                <c:pt idx="81">
+                  <c:v>10.838334</c:v>
+                </c:pt>
+                <c:pt idx="82">
+                  <c:v>7.9304629999999996</c:v>
+                </c:pt>
+                <c:pt idx="83">
+                  <c:v>3.8526889999999998</c:v>
+                </c:pt>
+                <c:pt idx="84">
+                  <c:v>2.0533199999999998</c:v>
+                </c:pt>
+                <c:pt idx="85">
+                  <c:v>3.97627</c:v>
+                </c:pt>
+                <c:pt idx="86">
+                  <c:v>6.3137480000000004</c:v>
+                </c:pt>
+                <c:pt idx="87">
+                  <c:v>9.3332309999999996</c:v>
+                </c:pt>
+                <c:pt idx="88">
+                  <c:v>13.543288</c:v>
+                </c:pt>
+                <c:pt idx="89">
+                  <c:v>17.064999</c:v>
+                </c:pt>
+                <c:pt idx="90">
+                  <c:v>21.345880999999999</c:v>
+                </c:pt>
+                <c:pt idx="91">
+                  <c:v>18.678608000000001</c:v>
+                </c:pt>
+                <c:pt idx="92">
+                  <c:v>15.111596</c:v>
+                </c:pt>
+                <c:pt idx="93">
+                  <c:v>10.343323</c:v>
+                </c:pt>
+                <c:pt idx="94">
+                  <c:v>5.2287720000000002</c:v>
+                </c:pt>
+                <c:pt idx="95">
+                  <c:v>3.1996159999999998</c:v>
+                </c:pt>
+                <c:pt idx="96">
+                  <c:v>5.4946130000000002</c:v>
+                </c:pt>
+                <c:pt idx="97">
+                  <c:v>5.3286749999999996</c:v>
+                </c:pt>
+                <c:pt idx="98">
+                  <c:v>7.7904619999999998</c:v>
+                </c:pt>
+                <c:pt idx="99">
+                  <c:v>9.5695449999999997</c:v>
+                </c:pt>
+                <c:pt idx="100">
+                  <c:v>15.444086</c:v>
+                </c:pt>
+                <c:pt idx="101">
+                  <c:v>16.992577000000001</c:v>
+                </c:pt>
+                <c:pt idx="102">
+                  <c:v>20.164861999999999</c:v>
+                </c:pt>
+                <c:pt idx="103">
+                  <c:v>19.458500000000001</c:v>
+                </c:pt>
+                <c:pt idx="104">
+                  <c:v>15.773861999999999</c:v>
+                </c:pt>
+                <c:pt idx="105">
+                  <c:v>13.038816000000001</c:v>
+                </c:pt>
+                <c:pt idx="106">
+                  <c:v>9.2114759999999993</c:v>
+                </c:pt>
+                <c:pt idx="107">
+                  <c:v>5.2287689999999998</c:v>
+                </c:pt>
+              </c:numCache>
+            </c:numRef>
+          </c:val>
+          <c:smooth val="0"/>
+          <c:extLst>
+            <c:ext xmlns:c16="http://schemas.microsoft.com/office/drawing/2014/chart" uri="{C3380CC4-5D6E-409C-BE32-E72D297353CC}">
+              <c16:uniqueId val="{00000000-8C2B-4D03-8261-8253C7FA6C80}"/>
+            </c:ext>
+          </c:extLst>
+        </c:ser>
+        <c:ser>
+          <c:idx val="1"/>
+          <c:order val="1"/>
+          <c:tx>
+            <c:strRef>
+              <c:f>'Statistics calculator'!$I$3</c:f>
+              <c:strCache>
+                <c:ptCount val="1"/>
+                <c:pt idx="0">
+                  <c:v> Obs:..\Observations\McKenzie\USGS_14164900_temp_MCKENZIE RIVER ABV HAYDEN BR  AT SPRINGFIELD  OR_23772751.csv</c:v>
+                </c:pt>
+              </c:strCache>
+            </c:strRef>
+          </c:tx>
+          <c:spPr>
+            <a:ln w="28575" cap="rnd">
+              <a:solidFill>
+                <a:schemeClr val="accent2"/>
+              </a:solidFill>
+              <a:round/>
+            </a:ln>
+            <a:effectLst/>
+          </c:spPr>
+          <c:marker>
+            <c:symbol val="none"/>
+          </c:marker>
+          <c:val>
+            <c:numRef>
+              <c:f>'Statistics calculator'!$I$4:$I$112</c:f>
+              <c:numCache>
+                <c:formatCode>General</c:formatCode>
+                <c:ptCount val="109"/>
+                <c:pt idx="0">
+                  <c:v>6.7575260000000004</c:v>
+                </c:pt>
+                <c:pt idx="1">
+                  <c:v>7.0468979999999997</c:v>
+                </c:pt>
+                <c:pt idx="2">
+                  <c:v>7.5625140000000002</c:v>
+                </c:pt>
+                <c:pt idx="3">
+                  <c:v>8.5006950000000003</c:v>
+                </c:pt>
+                <c:pt idx="4">
+                  <c:v>10.083938</c:v>
+                </c:pt>
+                <c:pt idx="5">
+                  <c:v>11.837152</c:v>
+                </c:pt>
+                <c:pt idx="6">
+                  <c:v>16.065334</c:v>
+                </c:pt>
+                <c:pt idx="7">
+                  <c:v>15.599329000000001</c:v>
+                </c:pt>
+                <c:pt idx="8">
+                  <c:v>13.234444999999999</c:v>
+                </c:pt>
+                <c:pt idx="9">
+                  <c:v>11.104032999999999</c:v>
+                </c:pt>
+                <c:pt idx="10">
+                  <c:v>7.7684309999999996</c:v>
+                </c:pt>
+                <c:pt idx="11">
+                  <c:v>6.5254580000000004</c:v>
+                </c:pt>
+                <c:pt idx="12">
+                  <c:v>5.8123259999999997</c:v>
+                </c:pt>
+                <c:pt idx="13">
+                  <c:v>5.5251479999999997</c:v>
+                </c:pt>
+                <c:pt idx="14">
+                  <c:v>6.5961270000000001</c:v>
+                </c:pt>
+                <c:pt idx="15">
+                  <c:v>7.4708329999999998</c:v>
+                </c:pt>
+                <c:pt idx="16">
+                  <c:v>8.912903</c:v>
+                </c:pt>
+                <c:pt idx="17">
+                  <c:v>10.841665000000001</c:v>
+                </c:pt>
+                <c:pt idx="18">
+                  <c:v>13.848522000000001</c:v>
+                </c:pt>
+                <c:pt idx="19">
+                  <c:v>15.150067999999999</c:v>
+                </c:pt>
+                <c:pt idx="20">
+                  <c:v>12.886526999999999</c:v>
+                </c:pt>
+                <c:pt idx="21">
+                  <c:v>10.686559000000001</c:v>
+                </c:pt>
+                <c:pt idx="22">
+                  <c:v>7.3908750000000003</c:v>
+                </c:pt>
+                <c:pt idx="23">
+                  <c:v>4.6762090000000001</c:v>
+                </c:pt>
+                <c:pt idx="24">
+                  <c:v>5.7243950000000003</c:v>
+                </c:pt>
+                <c:pt idx="25">
+                  <c:v>6.0212640000000004</c:v>
+                </c:pt>
+                <c:pt idx="26">
+                  <c:v>6.2946020000000003</c:v>
+                </c:pt>
+                <c:pt idx="27">
+                  <c:v>8.0125010000000003</c:v>
+                </c:pt>
+                <c:pt idx="28">
+                  <c:v>9.9014100000000003</c:v>
+                </c:pt>
+                <c:pt idx="29">
+                  <c:v>11.643750000000001</c:v>
+                </c:pt>
+                <c:pt idx="30">
+                  <c:v>14.857324999999999</c:v>
+                </c:pt>
+                <c:pt idx="31">
+                  <c:v>15.432864</c:v>
+                </c:pt>
+                <c:pt idx="32">
+                  <c:v>12.870347000000001</c:v>
+                </c:pt>
+                <c:pt idx="33">
+                  <c:v>10.587904999999999</c:v>
+                </c:pt>
+                <c:pt idx="34">
+                  <c:v>8.4551409999999994</c:v>
+                </c:pt>
+                <c:pt idx="35">
+                  <c:v>6.7407919999999999</c:v>
+                </c:pt>
+                <c:pt idx="36">
+                  <c:v>4.9180770000000003</c:v>
+                </c:pt>
+                <c:pt idx="37">
+                  <c:v>6.1956850000000001</c:v>
+                </c:pt>
+                <c:pt idx="38">
+                  <c:v>7.492057</c:v>
+                </c:pt>
+                <c:pt idx="39">
+                  <c:v>8.5971530000000005</c:v>
+                </c:pt>
+                <c:pt idx="40">
+                  <c:v>11.077218</c:v>
+                </c:pt>
+                <c:pt idx="41">
+                  <c:v>13.704166000000001</c:v>
+                </c:pt>
+                <c:pt idx="42">
+                  <c:v>16.750347000000001</c:v>
+                </c:pt>
+                <c:pt idx="43">
+                  <c:v>15.772145</c:v>
+                </c:pt>
+                <c:pt idx="44">
+                  <c:v>13.215868</c:v>
+                </c:pt>
+                <c:pt idx="45">
+                  <c:v>9.9914310000000004</c:v>
+                </c:pt>
+                <c:pt idx="46">
+                  <c:v>7.4102540000000001</c:v>
+                </c:pt>
+                <c:pt idx="47">
+                  <c:v>4.2807459999999997</c:v>
+                </c:pt>
+                <c:pt idx="48">
+                  <c:v>5.2900869999999998</c:v>
+                </c:pt>
+                <c:pt idx="49">
+                  <c:v>5.9716139999999998</c:v>
+                </c:pt>
+                <c:pt idx="50">
+                  <c:v>7.3243400000000003</c:v>
+                </c:pt>
+                <c:pt idx="51">
+                  <c:v>8.8320469999999993</c:v>
+                </c:pt>
+                <c:pt idx="52">
+                  <c:v>11.221339</c:v>
+                </c:pt>
+                <c:pt idx="53">
+                  <c:v>13.324306</c:v>
+                </c:pt>
+                <c:pt idx="54">
+                  <c:v>16.180609</c:v>
+                </c:pt>
+                <c:pt idx="55">
+                  <c:v>15.435485</c:v>
+                </c:pt>
+                <c:pt idx="56">
+                  <c:v>13.738193000000001</c:v>
+                </c:pt>
+                <c:pt idx="57">
+                  <c:v>11.838914000000001</c:v>
+                </c:pt>
+                <c:pt idx="58">
+                  <c:v>8.3758119999999998</c:v>
+                </c:pt>
+                <c:pt idx="59">
+                  <c:v>7.792554</c:v>
+                </c:pt>
+                <c:pt idx="60">
+                  <c:v>6.7203629999999999</c:v>
+                </c:pt>
+                <c:pt idx="61">
+                  <c:v>7.6048359999999997</c:v>
+                </c:pt>
+                <c:pt idx="62">
+                  <c:v>8.8436210000000006</c:v>
+                </c:pt>
+                <c:pt idx="63">
+                  <c:v>10.058611000000001</c:v>
+                </c:pt>
+                <c:pt idx="64">
+                  <c:v>13.074730000000001</c:v>
+                </c:pt>
+                <c:pt idx="65">
+                  <c:v>16.857534000000001</c:v>
+                </c:pt>
+                <c:pt idx="66">
+                  <c:v>18.027048000000001</c:v>
+                </c:pt>
+                <c:pt idx="67">
+                  <c:v>17.185048999999999</c:v>
+                </c:pt>
+                <c:pt idx="68">
+                  <c:v>14.390521</c:v>
+                </c:pt>
+                <c:pt idx="69">
+                  <c:v>11.777958</c:v>
+                </c:pt>
+                <c:pt idx="70">
+                  <c:v>8.0507980000000003</c:v>
+                </c:pt>
+                <c:pt idx="71">
+                  <c:v>7.1561149999999998</c:v>
+                </c:pt>
+                <c:pt idx="72">
+                  <c:v>6.2070230000000004</c:v>
+                </c:pt>
+                <c:pt idx="73">
+                  <c:v>7.2024429999999997</c:v>
+                </c:pt>
+                <c:pt idx="74">
+                  <c:v>7.5207629999999996</c:v>
+                </c:pt>
+                <c:pt idx="75">
+                  <c:v>10.099689</c:v>
+                </c:pt>
+                <c:pt idx="76">
+                  <c:v>12.167942999999999</c:v>
+                </c:pt>
+                <c:pt idx="77">
+                  <c:v>14.868748</c:v>
+                </c:pt>
+                <c:pt idx="78">
+                  <c:v>16.696805999999999</c:v>
+                </c:pt>
+                <c:pt idx="79">
+                  <c:v>16.748556000000001</c:v>
+                </c:pt>
+                <c:pt idx="80">
+                  <c:v>14.161457</c:v>
+                </c:pt>
+                <c:pt idx="81">
+                  <c:v>11.1876</c:v>
+                </c:pt>
+                <c:pt idx="82">
+                  <c:v>9.3414070000000002</c:v>
+                </c:pt>
+                <c:pt idx="83">
+                  <c:v>6.1767459999999996</c:v>
+                </c:pt>
+                <c:pt idx="84">
+                  <c:v>4.7506050000000002</c:v>
+                </c:pt>
+                <c:pt idx="85">
+                  <c:v>6.3771940000000003</c:v>
+                </c:pt>
+                <c:pt idx="86">
+                  <c:v>7.0906229999999999</c:v>
+                </c:pt>
+                <c:pt idx="87">
+                  <c:v>8.3418410000000005</c:v>
+                </c:pt>
+                <c:pt idx="88">
+                  <c:v>10.444659</c:v>
+                </c:pt>
+                <c:pt idx="89">
+                  <c:v>13.197846</c:v>
+                </c:pt>
+                <c:pt idx="90">
+                  <c:v>16.418118</c:v>
+                </c:pt>
+                <c:pt idx="91">
+                  <c:v>14.948691</c:v>
+                </c:pt>
+                <c:pt idx="92">
+                  <c:v>12.859022</c:v>
+                </c:pt>
+                <c:pt idx="93">
+                  <c:v>10.140311000000001</c:v>
+                </c:pt>
+                <c:pt idx="94">
+                  <c:v>7.9655129999999996</c:v>
+                </c:pt>
+                <c:pt idx="95">
+                  <c:v>5.5748559999999996</c:v>
+                </c:pt>
+                <c:pt idx="96">
+                  <c:v>6.7227480000000002</c:v>
+                </c:pt>
+                <c:pt idx="97">
+                  <c:v>6.0133390000000002</c:v>
+                </c:pt>
+                <c:pt idx="98">
+                  <c:v>7.0182650000000004</c:v>
+                </c:pt>
+                <c:pt idx="99">
+                  <c:v>8.6028570000000002</c:v>
+                </c:pt>
+                <c:pt idx="100">
+                  <c:v>11.752383999999999</c:v>
+                </c:pt>
+                <c:pt idx="101">
+                  <c:v>13.440951999999999</c:v>
+                </c:pt>
+                <c:pt idx="102">
+                  <c:v>16.549931999999998</c:v>
+                </c:pt>
+                <c:pt idx="103">
+                  <c:v>16.771944000000001</c:v>
+                </c:pt>
+                <c:pt idx="104">
+                  <c:v>13.094060000000001</c:v>
+                </c:pt>
+                <c:pt idx="105">
+                  <c:v>10.210146</c:v>
+                </c:pt>
+                <c:pt idx="106">
+                  <c:v>7.540826</c:v>
+                </c:pt>
+                <c:pt idx="107">
+                  <c:v>6.1656829999999996</c:v>
+                </c:pt>
+              </c:numCache>
+            </c:numRef>
+          </c:val>
+          <c:smooth val="0"/>
+          <c:extLst>
+            <c:ext xmlns:c16="http://schemas.microsoft.com/office/drawing/2014/chart" uri="{C3380CC4-5D6E-409C-BE32-E72D297353CC}">
+              <c16:uniqueId val="{00000001-8C2B-4D03-8261-8253C7FA6C80}"/>
+            </c:ext>
+          </c:extLst>
+        </c:ser>
+        <c:dLbls>
+          <c:showLegendKey val="0"/>
+          <c:showVal val="0"/>
+          <c:showCatName val="0"/>
+          <c:showSerName val="0"/>
+          <c:showPercent val="0"/>
+          <c:showBubbleSize val="0"/>
+        </c:dLbls>
+        <c:smooth val="0"/>
+        <c:axId val="58066224"/>
+        <c:axId val="156437344"/>
+      </c:lineChart>
+      <c:catAx>
+        <c:axId val="58066224"/>
+        <c:scaling>
+          <c:orientation val="minMax"/>
+        </c:scaling>
+        <c:delete val="0"/>
+        <c:axPos val="b"/>
+        <c:title>
+          <c:tx>
+            <c:rich>
+              <a:bodyPr rot="0" spcFirstLastPara="1" vertOverflow="ellipsis" vert="horz" wrap="square" anchor="ctr" anchorCtr="1"/>
+              <a:lstStyle/>
+              <a:p>
+                <a:pPr>
+                  <a:defRPr sz="1000" b="0" i="0" u="none" strike="noStrike" kern="1200" baseline="0">
+                    <a:solidFill>
+                      <a:schemeClr val="tx1">
+                        <a:lumMod val="65000"/>
+                        <a:lumOff val="35000"/>
+                      </a:schemeClr>
+                    </a:solidFill>
+                    <a:latin typeface="+mn-lt"/>
+                    <a:ea typeface="+mn-ea"/>
+                    <a:cs typeface="+mn-cs"/>
+                  </a:defRPr>
+                </a:pPr>
+                <a:r>
+                  <a:rPr lang="en-US"/>
+                  <a:t>month index in 2010-18</a:t>
+                </a:r>
+              </a:p>
+            </c:rich>
+          </c:tx>
+          <c:overlay val="0"/>
+          <c:spPr>
+            <a:noFill/>
+            <a:ln>
+              <a:noFill/>
+            </a:ln>
+            <a:effectLst/>
+          </c:spPr>
+          <c:txPr>
+            <a:bodyPr rot="0" spcFirstLastPara="1" vertOverflow="ellipsis" vert="horz" wrap="square" anchor="ctr" anchorCtr="1"/>
+            <a:lstStyle/>
+            <a:p>
+              <a:pPr>
+                <a:defRPr sz="1000" b="0" i="0" u="none" strike="noStrike" kern="1200" baseline="0">
+                  <a:solidFill>
+                    <a:schemeClr val="tx1">
+                      <a:lumMod val="65000"/>
+                      <a:lumOff val="35000"/>
+                    </a:schemeClr>
+                  </a:solidFill>
+                  <a:latin typeface="+mn-lt"/>
+                  <a:ea typeface="+mn-ea"/>
+                  <a:cs typeface="+mn-cs"/>
+                </a:defRPr>
+              </a:pPr>
+              <a:endParaRPr lang="en-US"/>
+            </a:p>
+          </c:txPr>
+        </c:title>
+        <c:majorTickMark val="none"/>
+        <c:minorTickMark val="none"/>
+        <c:tickLblPos val="nextTo"/>
+        <c:spPr>
+          <a:noFill/>
+          <a:ln w="9525" cap="flat" cmpd="sng" algn="ctr">
+            <a:solidFill>
+              <a:schemeClr val="tx1">
+                <a:lumMod val="15000"/>
+                <a:lumOff val="85000"/>
+              </a:schemeClr>
+            </a:solidFill>
+            <a:round/>
+          </a:ln>
+          <a:effectLst/>
+        </c:spPr>
+        <c:txPr>
+          <a:bodyPr rot="-60000000" spcFirstLastPara="1" vertOverflow="ellipsis" vert="horz" wrap="square" anchor="ctr" anchorCtr="1"/>
+          <a:lstStyle/>
+          <a:p>
+            <a:pPr>
+              <a:defRPr sz="900" b="0" i="0" u="none" strike="noStrike" kern="1200" baseline="0">
+                <a:solidFill>
+                  <a:schemeClr val="tx1">
+                    <a:lumMod val="65000"/>
+                    <a:lumOff val="35000"/>
+                  </a:schemeClr>
+                </a:solidFill>
+                <a:latin typeface="+mn-lt"/>
+                <a:ea typeface="+mn-ea"/>
+                <a:cs typeface="+mn-cs"/>
+              </a:defRPr>
+            </a:pPr>
+            <a:endParaRPr lang="en-US"/>
+          </a:p>
+        </c:txPr>
+        <c:crossAx val="156437344"/>
+        <c:crosses val="autoZero"/>
+        <c:auto val="1"/>
+        <c:lblAlgn val="ctr"/>
+        <c:lblOffset val="100"/>
+        <c:noMultiLvlLbl val="0"/>
+      </c:catAx>
+      <c:valAx>
+        <c:axId val="156437344"/>
+        <c:scaling>
+          <c:orientation val="minMax"/>
+        </c:scaling>
+        <c:delete val="0"/>
+        <c:axPos val="l"/>
+        <c:majorGridlines>
+          <c:spPr>
+            <a:ln w="9525" cap="flat" cmpd="sng" algn="ctr">
+              <a:solidFill>
+                <a:schemeClr val="tx1">
+                  <a:lumMod val="15000"/>
+                  <a:lumOff val="85000"/>
+                </a:schemeClr>
+              </a:solidFill>
+              <a:round/>
+            </a:ln>
+            <a:effectLst/>
+          </c:spPr>
+        </c:majorGridlines>
+        <c:title>
+          <c:tx>
+            <c:rich>
+              <a:bodyPr rot="-5400000" spcFirstLastPara="1" vertOverflow="ellipsis" vert="horz" wrap="square" anchor="ctr" anchorCtr="1"/>
+              <a:lstStyle/>
+              <a:p>
+                <a:pPr>
+                  <a:defRPr sz="1000" b="0" i="0" u="none" strike="noStrike" kern="1200" baseline="0">
+                    <a:solidFill>
+                      <a:schemeClr val="tx1">
+                        <a:lumMod val="65000"/>
+                        <a:lumOff val="35000"/>
+                      </a:schemeClr>
+                    </a:solidFill>
+                    <a:latin typeface="+mn-lt"/>
+                    <a:ea typeface="+mn-ea"/>
+                    <a:cs typeface="+mn-cs"/>
+                  </a:defRPr>
+                </a:pPr>
+                <a:r>
+                  <a:rPr lang="en-US"/>
+                  <a:t>deg C</a:t>
+                </a:r>
+              </a:p>
+            </c:rich>
+          </c:tx>
+          <c:overlay val="0"/>
+          <c:spPr>
+            <a:noFill/>
+            <a:ln>
+              <a:noFill/>
+            </a:ln>
+            <a:effectLst/>
+          </c:spPr>
+          <c:txPr>
+            <a:bodyPr rot="-5400000" spcFirstLastPara="1" vertOverflow="ellipsis" vert="horz" wrap="square" anchor="ctr" anchorCtr="1"/>
+            <a:lstStyle/>
+            <a:p>
+              <a:pPr>
+                <a:defRPr sz="1000" b="0" i="0" u="none" strike="noStrike" kern="1200" baseline="0">
+                  <a:solidFill>
+                    <a:schemeClr val="tx1">
+                      <a:lumMod val="65000"/>
+                      <a:lumOff val="35000"/>
+                    </a:schemeClr>
+                  </a:solidFill>
+                  <a:latin typeface="+mn-lt"/>
+                  <a:ea typeface="+mn-ea"/>
+                  <a:cs typeface="+mn-cs"/>
+                </a:defRPr>
+              </a:pPr>
+              <a:endParaRPr lang="en-US"/>
+            </a:p>
+          </c:txPr>
+        </c:title>
+        <c:numFmt formatCode="General" sourceLinked="1"/>
+        <c:majorTickMark val="none"/>
+        <c:minorTickMark val="none"/>
+        <c:tickLblPos val="nextTo"/>
+        <c:spPr>
+          <a:noFill/>
+          <a:ln>
+            <a:noFill/>
+          </a:ln>
+          <a:effectLst/>
+        </c:spPr>
+        <c:txPr>
+          <a:bodyPr rot="-60000000" spcFirstLastPara="1" vertOverflow="ellipsis" vert="horz" wrap="square" anchor="ctr" anchorCtr="1"/>
+          <a:lstStyle/>
+          <a:p>
+            <a:pPr>
+              <a:defRPr sz="900" b="0" i="0" u="none" strike="noStrike" kern="1200" baseline="0">
+                <a:solidFill>
+                  <a:schemeClr val="tx1">
+                    <a:lumMod val="65000"/>
+                    <a:lumOff val="35000"/>
+                  </a:schemeClr>
+                </a:solidFill>
+                <a:latin typeface="+mn-lt"/>
+                <a:ea typeface="+mn-ea"/>
+                <a:cs typeface="+mn-cs"/>
+              </a:defRPr>
+            </a:pPr>
+            <a:endParaRPr lang="en-US"/>
+          </a:p>
+        </c:txPr>
+        <c:crossAx val="58066224"/>
+        <c:crosses val="autoZero"/>
+        <c:crossBetween val="between"/>
+      </c:valAx>
+      <c:spPr>
+        <a:noFill/>
+        <a:ln>
+          <a:noFill/>
+        </a:ln>
+        <a:effectLst/>
+      </c:spPr>
+    </c:plotArea>
+    <c:legend>
+      <c:legendPos val="b"/>
+      <c:overlay val="0"/>
+      <c:spPr>
+        <a:noFill/>
+        <a:ln>
+          <a:noFill/>
+        </a:ln>
+        <a:effectLst/>
+      </c:spPr>
+      <c:txPr>
+        <a:bodyPr rot="0" spcFirstLastPara="1" vertOverflow="ellipsis" vert="horz" wrap="square" anchor="ctr" anchorCtr="1"/>
+        <a:lstStyle/>
+        <a:p>
+          <a:pPr>
+            <a:defRPr sz="900" b="0" i="0" u="none" strike="noStrike" kern="1200" baseline="0">
+              <a:solidFill>
+                <a:schemeClr val="tx1">
+                  <a:lumMod val="65000"/>
+                  <a:lumOff val="35000"/>
+                </a:schemeClr>
+              </a:solidFill>
+              <a:latin typeface="+mn-lt"/>
+              <a:ea typeface="+mn-ea"/>
+              <a:cs typeface="+mn-cs"/>
+            </a:defRPr>
+          </a:pPr>
+          <a:endParaRPr lang="en-US"/>
+        </a:p>
+      </c:txPr>
+    </c:legend>
+    <c:plotVisOnly val="1"/>
+    <c:dispBlanksAs val="gap"/>
+    <c:extLst>
+      <c:ext xmlns:c16r3="http://schemas.microsoft.com/office/drawing/2017/03/chart" uri="{56B9EC1D-385E-4148-901F-78D8002777C0}">
+        <c16r3:dataDisplayOptions16>
+          <c16r3:dispNaAsBlank val="1"/>
+        </c16r3:dataDisplayOptions16>
+      </c:ext>
+    </c:extLst>
+    <c:showDLblsOverMax val="0"/>
+  </c:chart>
+  <c:spPr>
+    <a:noFill/>
+    <a:ln>
+      <a:noFill/>
+    </a:ln>
+    <a:effectLst/>
+  </c:spPr>
+  <c:txPr>
+    <a:bodyPr/>
+    <a:lstStyle/>
+    <a:p>
+      <a:pPr>
+        <a:defRPr/>
+      </a:pPr>
+      <a:endParaRPr lang="en-US"/>
+    </a:p>
+  </c:txPr>
+  <c:externalData r:id="rId3">
+    <c:autoUpdate val="0"/>
+  </c:externalData>
+</c:chartSpace>
+</file>
+
+<file path=ppt/charts/chart4.xml><?xml version="1.0" encoding="utf-8"?>
+<c:chartSpace xmlns:c="http://schemas.openxmlformats.org/drawingml/2006/chart" xmlns:a="http://schemas.openxmlformats.org/drawingml/2006/main" xmlns:r="http://schemas.openxmlformats.org/officeDocument/2006/relationships" xmlns:c16r2="http://schemas.microsoft.com/office/drawing/2015/06/chart">
+  <c:date1904 val="0"/>
+  <c:lang val="en-US"/>
+  <c:roundedCorners val="0"/>
+  <mc:AlternateContent xmlns:mc="http://schemas.openxmlformats.org/markup-compatibility/2006">
+    <mc:Choice xmlns:c14="http://schemas.microsoft.com/office/drawing/2007/8/2/chart" Requires="c14">
+      <c14:style val="102"/>
+    </mc:Choice>
+    <mc:Fallback>
+      <c:style val="2"/>
+    </mc:Fallback>
+  </mc:AlternateContent>
+  <c:chart>
+    <c:title>
+      <c:tx>
+        <c:rich>
+          <a:bodyPr rot="0" spcFirstLastPara="1" vertOverflow="ellipsis" vert="horz" wrap="square" anchor="ctr" anchorCtr="1"/>
+          <a:lstStyle/>
+          <a:p>
+            <a:pPr>
+              <a:defRPr sz="1400" b="0" i="0" u="none" strike="noStrike" kern="1200" spc="0" baseline="0">
+                <a:solidFill>
+                  <a:schemeClr val="tx1">
+                    <a:lumMod val="65000"/>
+                    <a:lumOff val="35000"/>
+                  </a:schemeClr>
+                </a:solidFill>
+                <a:latin typeface="+mn-lt"/>
+                <a:ea typeface="+mn-ea"/>
+                <a:cs typeface="+mn-cs"/>
+              </a:defRPr>
+            </a:pPr>
+            <a:r>
+              <a:rPr lang="en-US"/>
+              <a:t>Estimated v observed monthly water temps</a:t>
+            </a:r>
+          </a:p>
+        </c:rich>
+      </c:tx>
+      <c:layout>
+        <c:manualLayout>
+          <c:xMode val="edge"/>
+          <c:yMode val="edge"/>
+          <c:x val="0.2600691393585905"/>
+          <c:y val="1.5077273997202987E-2"/>
+        </c:manualLayout>
+      </c:layout>
+      <c:overlay val="0"/>
+      <c:spPr>
+        <a:noFill/>
+        <a:ln>
+          <a:noFill/>
+        </a:ln>
+        <a:effectLst/>
+      </c:spPr>
+      <c:txPr>
+        <a:bodyPr rot="0" spcFirstLastPara="1" vertOverflow="ellipsis" vert="horz" wrap="square" anchor="ctr" anchorCtr="1"/>
+        <a:lstStyle/>
+        <a:p>
+          <a:pPr>
+            <a:defRPr sz="1400" b="0" i="0" u="none" strike="noStrike" kern="1200" spc="0" baseline="0">
+              <a:solidFill>
+                <a:schemeClr val="tx1">
+                  <a:lumMod val="65000"/>
+                  <a:lumOff val="35000"/>
+                </a:schemeClr>
+              </a:solidFill>
+              <a:latin typeface="+mn-lt"/>
+              <a:ea typeface="+mn-ea"/>
+              <a:cs typeface="+mn-cs"/>
+            </a:defRPr>
+          </a:pPr>
+          <a:endParaRPr lang="en-US"/>
+        </a:p>
+      </c:txPr>
+    </c:title>
+    <c:autoTitleDeleted val="0"/>
+    <c:plotArea>
+      <c:layout/>
+      <c:lineChart>
+        <c:grouping val="standard"/>
+        <c:varyColors val="0"/>
+        <c:ser>
+          <c:idx val="0"/>
+          <c:order val="0"/>
+          <c:tx>
+            <c:strRef>
+              <c:f>FLOW_Tidbit_Cr_Stream_Temp_Anal!$O$1</c:f>
+              <c:strCache>
+                <c:ptCount val="1"/>
+                <c:pt idx="0">
+                  <c:v> Obs:..\Observations\McKenzie\USGS_14164900_temp_MCKENZIE RIVER ABV HAYDEN BR  AT SPRINGFIELD  OR_23772751.csv</c:v>
+                </c:pt>
+              </c:strCache>
+            </c:strRef>
+          </c:tx>
+          <c:spPr>
+            <a:ln w="28575" cap="rnd">
+              <a:solidFill>
+                <a:schemeClr val="accent1"/>
+              </a:solidFill>
+              <a:round/>
+            </a:ln>
+            <a:effectLst/>
+          </c:spPr>
+          <c:marker>
+            <c:symbol val="none"/>
+          </c:marker>
+          <c:val>
+            <c:numRef>
+              <c:f>FLOW_Tidbit_Cr_Stream_Temp_Anal!$O$2:$O$109</c:f>
+              <c:numCache>
+                <c:formatCode>General</c:formatCode>
+                <c:ptCount val="108"/>
+                <c:pt idx="0">
+                  <c:v>6.7575260000000004</c:v>
+                </c:pt>
+                <c:pt idx="1">
+                  <c:v>7.0468979999999997</c:v>
+                </c:pt>
+                <c:pt idx="2">
+                  <c:v>7.5625140000000002</c:v>
+                </c:pt>
+                <c:pt idx="3">
+                  <c:v>8.5006950000000003</c:v>
+                </c:pt>
+                <c:pt idx="4">
+                  <c:v>10.083938</c:v>
+                </c:pt>
+                <c:pt idx="5">
+                  <c:v>11.837152</c:v>
+                </c:pt>
+                <c:pt idx="6">
+                  <c:v>16.065334</c:v>
+                </c:pt>
+                <c:pt idx="7">
+                  <c:v>15.599329000000001</c:v>
+                </c:pt>
+                <c:pt idx="8">
+                  <c:v>13.234444999999999</c:v>
+                </c:pt>
+                <c:pt idx="9">
+                  <c:v>11.104032999999999</c:v>
+                </c:pt>
+                <c:pt idx="10">
+                  <c:v>7.7684309999999996</c:v>
+                </c:pt>
+                <c:pt idx="11">
+                  <c:v>6.5254580000000004</c:v>
+                </c:pt>
+                <c:pt idx="12">
+                  <c:v>5.8123259999999997</c:v>
+                </c:pt>
+                <c:pt idx="13">
+                  <c:v>5.5251479999999997</c:v>
+                </c:pt>
+                <c:pt idx="14">
+                  <c:v>6.5961270000000001</c:v>
+                </c:pt>
+                <c:pt idx="15">
+                  <c:v>7.4708329999999998</c:v>
+                </c:pt>
+                <c:pt idx="16">
+                  <c:v>8.912903</c:v>
+                </c:pt>
+                <c:pt idx="17">
+                  <c:v>10.841665000000001</c:v>
+                </c:pt>
+                <c:pt idx="18">
+                  <c:v>13.848522000000001</c:v>
+                </c:pt>
+                <c:pt idx="19">
+                  <c:v>15.150067999999999</c:v>
+                </c:pt>
+                <c:pt idx="20">
+                  <c:v>12.886526999999999</c:v>
+                </c:pt>
+                <c:pt idx="21">
+                  <c:v>10.686559000000001</c:v>
+                </c:pt>
+                <c:pt idx="22">
+                  <c:v>7.3908750000000003</c:v>
+                </c:pt>
+                <c:pt idx="23">
+                  <c:v>4.6762090000000001</c:v>
+                </c:pt>
+                <c:pt idx="24">
+                  <c:v>5.7243950000000003</c:v>
+                </c:pt>
+                <c:pt idx="25">
+                  <c:v>6.0212640000000004</c:v>
+                </c:pt>
+                <c:pt idx="26">
+                  <c:v>6.2946020000000003</c:v>
+                </c:pt>
+                <c:pt idx="27">
+                  <c:v>8.0125010000000003</c:v>
+                </c:pt>
+                <c:pt idx="28">
+                  <c:v>9.9014100000000003</c:v>
+                </c:pt>
+                <c:pt idx="29">
+                  <c:v>11.643750000000001</c:v>
+                </c:pt>
+                <c:pt idx="30">
+                  <c:v>14.857324999999999</c:v>
+                </c:pt>
+                <c:pt idx="31">
+                  <c:v>15.432864</c:v>
+                </c:pt>
+                <c:pt idx="32">
+                  <c:v>12.870347000000001</c:v>
+                </c:pt>
+                <c:pt idx="33">
+                  <c:v>10.587904999999999</c:v>
+                </c:pt>
+                <c:pt idx="34">
+                  <c:v>8.4551409999999994</c:v>
+                </c:pt>
+                <c:pt idx="35">
+                  <c:v>6.7407919999999999</c:v>
+                </c:pt>
+                <c:pt idx="36">
+                  <c:v>4.9180770000000003</c:v>
+                </c:pt>
+                <c:pt idx="37">
+                  <c:v>6.1956850000000001</c:v>
+                </c:pt>
+                <c:pt idx="38">
+                  <c:v>7.492057</c:v>
+                </c:pt>
+                <c:pt idx="39">
+                  <c:v>8.5971530000000005</c:v>
+                </c:pt>
+                <c:pt idx="40">
+                  <c:v>11.077218</c:v>
+                </c:pt>
+                <c:pt idx="41">
+                  <c:v>13.704166000000001</c:v>
+                </c:pt>
+                <c:pt idx="42">
+                  <c:v>16.750347000000001</c:v>
+                </c:pt>
+                <c:pt idx="43">
+                  <c:v>15.772145</c:v>
+                </c:pt>
+                <c:pt idx="44">
+                  <c:v>13.215868</c:v>
+                </c:pt>
+                <c:pt idx="45">
+                  <c:v>9.9914310000000004</c:v>
+                </c:pt>
+                <c:pt idx="46">
+                  <c:v>7.4102540000000001</c:v>
+                </c:pt>
+                <c:pt idx="47">
+                  <c:v>4.2807459999999997</c:v>
+                </c:pt>
+                <c:pt idx="48">
+                  <c:v>5.2900869999999998</c:v>
+                </c:pt>
+                <c:pt idx="49">
+                  <c:v>5.9716139999999998</c:v>
+                </c:pt>
+                <c:pt idx="50">
+                  <c:v>7.3243400000000003</c:v>
+                </c:pt>
+                <c:pt idx="51">
+                  <c:v>8.8320469999999993</c:v>
+                </c:pt>
+                <c:pt idx="52">
+                  <c:v>11.221339</c:v>
+                </c:pt>
+                <c:pt idx="53">
+                  <c:v>13.324306</c:v>
+                </c:pt>
+                <c:pt idx="54">
+                  <c:v>16.180609</c:v>
+                </c:pt>
+                <c:pt idx="55">
+                  <c:v>15.435485</c:v>
+                </c:pt>
+                <c:pt idx="56">
+                  <c:v>13.738193000000001</c:v>
+                </c:pt>
+                <c:pt idx="57">
+                  <c:v>11.838914000000001</c:v>
+                </c:pt>
+                <c:pt idx="58">
+                  <c:v>8.3758119999999998</c:v>
+                </c:pt>
+                <c:pt idx="59">
+                  <c:v>7.792554</c:v>
+                </c:pt>
+                <c:pt idx="60">
+                  <c:v>6.7203629999999999</c:v>
+                </c:pt>
+                <c:pt idx="61">
+                  <c:v>7.6048359999999997</c:v>
+                </c:pt>
+                <c:pt idx="62">
+                  <c:v>8.8436210000000006</c:v>
+                </c:pt>
+                <c:pt idx="63">
+                  <c:v>10.058611000000001</c:v>
+                </c:pt>
+                <c:pt idx="64">
+                  <c:v>13.074730000000001</c:v>
+                </c:pt>
+                <c:pt idx="65">
+                  <c:v>16.857534000000001</c:v>
+                </c:pt>
+                <c:pt idx="66">
+                  <c:v>18.027048000000001</c:v>
+                </c:pt>
+                <c:pt idx="67">
+                  <c:v>17.185048999999999</c:v>
+                </c:pt>
+                <c:pt idx="68">
+                  <c:v>14.390521</c:v>
+                </c:pt>
+                <c:pt idx="69">
+                  <c:v>11.777958</c:v>
+                </c:pt>
+                <c:pt idx="70">
+                  <c:v>8.0507980000000003</c:v>
+                </c:pt>
+                <c:pt idx="71">
+                  <c:v>7.1561149999999998</c:v>
+                </c:pt>
+                <c:pt idx="72">
+                  <c:v>6.2070230000000004</c:v>
+                </c:pt>
+                <c:pt idx="73">
+                  <c:v>7.2024429999999997</c:v>
+                </c:pt>
+                <c:pt idx="74">
+                  <c:v>7.5207629999999996</c:v>
+                </c:pt>
+                <c:pt idx="75">
+                  <c:v>10.099689</c:v>
+                </c:pt>
+                <c:pt idx="76">
+                  <c:v>12.167942999999999</c:v>
+                </c:pt>
+                <c:pt idx="77">
+                  <c:v>14.868748</c:v>
+                </c:pt>
+                <c:pt idx="78">
+                  <c:v>16.696805999999999</c:v>
+                </c:pt>
+                <c:pt idx="79">
+                  <c:v>16.748556000000001</c:v>
+                </c:pt>
+                <c:pt idx="80">
+                  <c:v>14.161457</c:v>
+                </c:pt>
+                <c:pt idx="81">
+                  <c:v>11.1876</c:v>
+                </c:pt>
+                <c:pt idx="82">
+                  <c:v>9.3414070000000002</c:v>
+                </c:pt>
+                <c:pt idx="83">
+                  <c:v>6.1767459999999996</c:v>
+                </c:pt>
+                <c:pt idx="84">
+                  <c:v>4.7506050000000002</c:v>
+                </c:pt>
+                <c:pt idx="85">
+                  <c:v>6.3771940000000003</c:v>
+                </c:pt>
+                <c:pt idx="86">
+                  <c:v>7.0906229999999999</c:v>
+                </c:pt>
+                <c:pt idx="87">
+                  <c:v>8.3418410000000005</c:v>
+                </c:pt>
+                <c:pt idx="88">
+                  <c:v>10.444659</c:v>
+                </c:pt>
+                <c:pt idx="89">
+                  <c:v>13.197846</c:v>
+                </c:pt>
+                <c:pt idx="90">
+                  <c:v>16.418118</c:v>
+                </c:pt>
+                <c:pt idx="91">
+                  <c:v>14.948691</c:v>
+                </c:pt>
+                <c:pt idx="92">
+                  <c:v>12.859022</c:v>
+                </c:pt>
+                <c:pt idx="93">
+                  <c:v>10.140311000000001</c:v>
+                </c:pt>
+                <c:pt idx="94">
+                  <c:v>7.9655129999999996</c:v>
+                </c:pt>
+                <c:pt idx="95">
+                  <c:v>5.5748559999999996</c:v>
+                </c:pt>
+                <c:pt idx="96">
+                  <c:v>6.7227480000000002</c:v>
+                </c:pt>
+                <c:pt idx="97">
+                  <c:v>6.0133390000000002</c:v>
+                </c:pt>
+                <c:pt idx="98">
+                  <c:v>7.0182650000000004</c:v>
+                </c:pt>
+                <c:pt idx="99">
+                  <c:v>8.6028570000000002</c:v>
+                </c:pt>
+                <c:pt idx="100">
+                  <c:v>11.752383999999999</c:v>
+                </c:pt>
+                <c:pt idx="101">
+                  <c:v>13.440951999999999</c:v>
+                </c:pt>
+                <c:pt idx="102">
+                  <c:v>16.549931999999998</c:v>
+                </c:pt>
+                <c:pt idx="103">
+                  <c:v>16.771944000000001</c:v>
+                </c:pt>
+                <c:pt idx="104">
+                  <c:v>13.094060000000001</c:v>
+                </c:pt>
+                <c:pt idx="105">
+                  <c:v>10.210146</c:v>
+                </c:pt>
+                <c:pt idx="106">
+                  <c:v>7.540826</c:v>
+                </c:pt>
+                <c:pt idx="107">
+                  <c:v>6.1656829999999996</c:v>
+                </c:pt>
+              </c:numCache>
+            </c:numRef>
+          </c:val>
+          <c:smooth val="0"/>
+          <c:extLst>
+            <c:ext xmlns:c16="http://schemas.microsoft.com/office/drawing/2014/chart" uri="{C3380CC4-5D6E-409C-BE32-E72D297353CC}">
+              <c16:uniqueId val="{00000000-9362-4E6D-83F6-4D2FEDD3C0A6}"/>
+            </c:ext>
+          </c:extLst>
+        </c:ser>
+        <c:ser>
+          <c:idx val="1"/>
+          <c:order val="1"/>
+          <c:tx>
+            <c:strRef>
+              <c:f>FLOW_Tidbit_Cr_Stream_Temp_Anal!$S$1</c:f>
+              <c:strCache>
+                <c:ptCount val="1"/>
+                <c:pt idx="0">
+                  <c:v>Tw_est fitted water temp</c:v>
+                </c:pt>
+              </c:strCache>
+            </c:strRef>
+          </c:tx>
+          <c:spPr>
+            <a:ln w="28575" cap="rnd">
+              <a:solidFill>
+                <a:schemeClr val="accent2"/>
+              </a:solidFill>
+              <a:round/>
+            </a:ln>
+            <a:effectLst/>
+          </c:spPr>
+          <c:marker>
+            <c:symbol val="none"/>
+          </c:marker>
+          <c:val>
+            <c:numRef>
+              <c:f>FLOW_Tidbit_Cr_Stream_Temp_Anal!$S$2:$S$109</c:f>
+              <c:numCache>
+                <c:formatCode>General</c:formatCode>
+                <c:ptCount val="108"/>
+                <c:pt idx="0">
+                  <c:v>8.0245023753119469</c:v>
+                </c:pt>
+                <c:pt idx="1">
+                  <c:v>8.2424802839240421</c:v>
+                </c:pt>
+                <c:pt idx="2">
+                  <c:v>7.9395884240617827</c:v>
+                </c:pt>
+                <c:pt idx="3">
+                  <c:v>8.795589996664047</c:v>
+                </c:pt>
+                <c:pt idx="4">
+                  <c:v>10.102039880152091</c:v>
+                </c:pt>
+                <c:pt idx="5">
+                  <c:v>12.227747154412018</c:v>
+                </c:pt>
+                <c:pt idx="6">
+                  <c:v>14.916583539691157</c:v>
+                </c:pt>
+                <c:pt idx="7">
+                  <c:v>14.812413538657889</c:v>
+                </c:pt>
+                <c:pt idx="8">
+                  <c:v>13.431102639933709</c:v>
+                </c:pt>
+                <c:pt idx="9">
+                  <c:v>10.697757488323898</c:v>
+                </c:pt>
+                <c:pt idx="10">
+                  <c:v>7.5393029822654327</c:v>
+                </c:pt>
+                <c:pt idx="11">
+                  <c:v>6.7159509934041957</c:v>
+                </c:pt>
+                <c:pt idx="12">
+                  <c:v>6.3031589709584352</c:v>
+                </c:pt>
+                <c:pt idx="13">
+                  <c:v>5.856081202422649</c:v>
+                </c:pt>
+                <c:pt idx="14">
+                  <c:v>7.5934562429110102</c:v>
+                </c:pt>
+                <c:pt idx="15">
+                  <c:v>7.7194263704691597</c:v>
+                </c:pt>
+                <c:pt idx="16">
+                  <c:v>9.56178110873158</c:v>
+                </c:pt>
+                <c:pt idx="17">
+                  <c:v>12.453017124796233</c:v>
+                </c:pt>
+                <c:pt idx="18">
+                  <c:v>13.858896210944671</c:v>
+                </c:pt>
+                <c:pt idx="19">
+                  <c:v>14.385935724850722</c:v>
+                </c:pt>
+                <c:pt idx="20">
+                  <c:v>14.211164599792315</c:v>
+                </c:pt>
+                <c:pt idx="21">
+                  <c:v>10.31473200220039</c:v>
+                </c:pt>
+                <c:pt idx="22">
+                  <c:v>7.1684121672676433</c:v>
+                </c:pt>
+                <c:pt idx="23">
+                  <c:v>5.7631499358847531</c:v>
+                </c:pt>
+                <c:pt idx="24">
+                  <c:v>6.0941284508873661</c:v>
+                </c:pt>
+                <c:pt idx="25">
+                  <c:v>6.9120305578394134</c:v>
+                </c:pt>
+                <c:pt idx="26">
+                  <c:v>6.7865616996392841</c:v>
+                </c:pt>
+                <c:pt idx="27">
+                  <c:v>9.5600419376256163</c:v>
+                </c:pt>
+                <c:pt idx="28">
+                  <c:v>10.738302214175789</c:v>
+                </c:pt>
+                <c:pt idx="29">
+                  <c:v>12.021151114556428</c:v>
+                </c:pt>
+                <c:pt idx="30">
+                  <c:v>14.271745726650128</c:v>
+                </c:pt>
+                <c:pt idx="31">
+                  <c:v>14.948510265469064</c:v>
+                </c:pt>
+                <c:pt idx="32">
+                  <c:v>13.513808490678471</c:v>
+                </c:pt>
+                <c:pt idx="33">
+                  <c:v>10.516164428669054</c:v>
+                </c:pt>
+                <c:pt idx="34">
+                  <c:v>8.3648720549539028</c:v>
+                </c:pt>
+                <c:pt idx="35">
+                  <c:v>5.5423494675541969</c:v>
+                </c:pt>
+                <c:pt idx="36">
+                  <c:v>5.6721357102250245</c:v>
+                </c:pt>
+                <c:pt idx="37">
+                  <c:v>6.5876116644358511</c:v>
+                </c:pt>
+                <c:pt idx="38">
+                  <c:v>8.1674270256007802</c:v>
+                </c:pt>
+                <c:pt idx="39">
+                  <c:v>9.3374064760895905</c:v>
+                </c:pt>
+                <c:pt idx="40">
+                  <c:v>11.505276671906753</c:v>
+                </c:pt>
+                <c:pt idx="41">
+                  <c:v>13.404512606209956</c:v>
+                </c:pt>
+                <c:pt idx="42">
+                  <c:v>15.277223186706571</c:v>
+                </c:pt>
+                <c:pt idx="43">
+                  <c:v>15.440445952110586</c:v>
+                </c:pt>
+                <c:pt idx="44">
+                  <c:v>13.220478478570293</c:v>
+                </c:pt>
+                <c:pt idx="45">
+                  <c:v>10.114820152673204</c:v>
+                </c:pt>
+                <c:pt idx="46">
+                  <c:v>7.7256224669782245</c:v>
+                </c:pt>
+                <c:pt idx="47">
+                  <c:v>4.976098352755578</c:v>
+                </c:pt>
+                <c:pt idx="48">
+                  <c:v>6.9664329559436959</c:v>
+                </c:pt>
+                <c:pt idx="49">
+                  <c:v>6.8597721792114932</c:v>
+                </c:pt>
+                <c:pt idx="50">
+                  <c:v>8.720649329307701</c:v>
+                </c:pt>
+                <c:pt idx="51">
+                  <c:v>9.9524783516964863</c:v>
+                </c:pt>
+                <c:pt idx="52">
+                  <c:v>11.924876854522147</c:v>
+                </c:pt>
+                <c:pt idx="53">
+                  <c:v>12.970346865582098</c:v>
+                </c:pt>
+                <c:pt idx="54">
+                  <c:v>15.89421449874412</c:v>
+                </c:pt>
+                <c:pt idx="55">
+                  <c:v>15.817350202740265</c:v>
+                </c:pt>
+                <c:pt idx="56">
+                  <c:v>14.358320993550414</c:v>
+                </c:pt>
+                <c:pt idx="57">
+                  <c:v>12.068369250750528</c:v>
+                </c:pt>
+                <c:pt idx="58">
+                  <c:v>8.0477775632810449</c:v>
+                </c:pt>
+                <c:pt idx="59">
+                  <c:v>7.4918890096554742</c:v>
+                </c:pt>
+                <c:pt idx="60">
+                  <c:v>8.2128221463518507</c:v>
+                </c:pt>
+                <c:pt idx="61">
+                  <c:v>9.0472853065384964</c:v>
+                </c:pt>
+                <c:pt idx="62">
+                  <c:v>9.9224285412925788</c:v>
+                </c:pt>
+                <c:pt idx="63">
+                  <c:v>9.3421023578533244</c:v>
+                </c:pt>
+                <c:pt idx="64">
+                  <c:v>11.827889318734698</c:v>
+                </c:pt>
+                <c:pt idx="65">
+                  <c:v>15.106228650144796</c:v>
+                </c:pt>
+                <c:pt idx="66">
+                  <c:v>15.82581668411941</c:v>
+                </c:pt>
+                <c:pt idx="67">
+                  <c:v>15.533577846169315</c:v>
+                </c:pt>
+                <c:pt idx="68">
+                  <c:v>13.164426143690207</c:v>
+                </c:pt>
+                <c:pt idx="69">
+                  <c:v>12.286328593830842</c:v>
+                </c:pt>
+                <c:pt idx="70">
+                  <c:v>7.2527913114249625</c:v>
+                </c:pt>
+                <c:pt idx="71">
+                  <c:v>6.6436610048753284</c:v>
+                </c:pt>
+                <c:pt idx="72">
+                  <c:v>6.8522878743522453</c:v>
+                </c:pt>
+                <c:pt idx="73">
+                  <c:v>8.6235042859441933</c:v>
+                </c:pt>
+                <c:pt idx="74">
+                  <c:v>8.5190671808085661</c:v>
+                </c:pt>
+                <c:pt idx="75">
+                  <c:v>11.051326662172288</c:v>
+                </c:pt>
+                <c:pt idx="76">
+                  <c:v>12.012273795925665</c:v>
+                </c:pt>
+                <c:pt idx="77">
+                  <c:v>13.637835226281091</c:v>
+                </c:pt>
+                <c:pt idx="78">
+                  <c:v>14.51245682948101</c:v>
+                </c:pt>
+                <c:pt idx="79">
+                  <c:v>15.861083408953093</c:v>
+                </c:pt>
+                <c:pt idx="80">
+                  <c:v>12.992591965981546</c:v>
+                </c:pt>
+                <c:pt idx="81">
+                  <c:v>10.507239797876663</c:v>
+                </c:pt>
+                <c:pt idx="82">
+                  <c:v>9.4132838044685734</c:v>
+                </c:pt>
+                <c:pt idx="83">
+                  <c:v>4.8754719727395308</c:v>
+                </c:pt>
+                <c:pt idx="84">
+                  <c:v>3.3718603339800142</c:v>
+                </c:pt>
+                <c:pt idx="85">
+                  <c:v>3.3718603339800142</c:v>
+                </c:pt>
+                <c:pt idx="86">
+                  <c:v>4.7285527386777</c:v>
+                </c:pt>
+                <c:pt idx="87">
+                  <c:v>7.7253865050582</c:v>
+                </c:pt>
+                <c:pt idx="88">
+                  <c:v>11.426204275397492</c:v>
+                </c:pt>
+                <c:pt idx="89">
+                  <c:v>14.563073655766832</c:v>
+                </c:pt>
+                <c:pt idx="90">
+                  <c:v>18.449983333332597</c:v>
+                </c:pt>
+                <c:pt idx="91">
+                  <c:v>15.742882058112087</c:v>
+                </c:pt>
+                <c:pt idx="92">
+                  <c:v>12.469565601380271</c:v>
+                </c:pt>
+                <c:pt idx="93">
+                  <c:v>8.0048935804250547</c:v>
+                </c:pt>
+                <c:pt idx="94">
+                  <c:v>3.3718603339800142</c:v>
+                </c:pt>
+                <c:pt idx="95">
+                  <c:v>3.3718603339800142</c:v>
+                </c:pt>
+                <c:pt idx="96">
+                  <c:v>7.5552387963007801</c:v>
+                </c:pt>
+                <c:pt idx="97">
+                  <c:v>6.3111948517779437</c:v>
+                </c:pt>
+                <c:pt idx="98">
+                  <c:v>7.7188580256414872</c:v>
+                </c:pt>
+                <c:pt idx="99">
+                  <c:v>9.7527647341376458</c:v>
+                </c:pt>
+                <c:pt idx="100">
+                  <c:v>12.142833203161853</c:v>
+                </c:pt>
+                <c:pt idx="101">
+                  <c:v>13.276611663346834</c:v>
+                </c:pt>
+                <c:pt idx="102">
+                  <c:v>16.027221561734468</c:v>
+                </c:pt>
+                <c:pt idx="103">
+                  <c:v>15.325305518460556</c:v>
+                </c:pt>
+                <c:pt idx="104">
+                  <c:v>13.001700455427358</c:v>
+                </c:pt>
+                <c:pt idx="105">
+                  <c:v>11.115578973217282</c:v>
+                </c:pt>
+                <c:pt idx="106">
+                  <c:v>8.1810271759607573</c:v>
+                </c:pt>
+                <c:pt idx="107">
+                  <c:v>6.8394650807744783</c:v>
+                </c:pt>
+              </c:numCache>
+            </c:numRef>
+          </c:val>
+          <c:smooth val="0"/>
+          <c:extLst>
+            <c:ext xmlns:c16="http://schemas.microsoft.com/office/drawing/2014/chart" uri="{C3380CC4-5D6E-409C-BE32-E72D297353CC}">
+              <c16:uniqueId val="{00000001-9362-4E6D-83F6-4D2FEDD3C0A6}"/>
+            </c:ext>
+          </c:extLst>
+        </c:ser>
+        <c:dLbls>
+          <c:showLegendKey val="0"/>
+          <c:showVal val="0"/>
+          <c:showCatName val="0"/>
+          <c:showSerName val="0"/>
+          <c:showPercent val="0"/>
+          <c:showBubbleSize val="0"/>
+        </c:dLbls>
+        <c:smooth val="0"/>
+        <c:axId val="1538355407"/>
+        <c:axId val="1507708287"/>
+      </c:lineChart>
+      <c:catAx>
+        <c:axId val="1538355407"/>
+        <c:scaling>
+          <c:orientation val="minMax"/>
+        </c:scaling>
+        <c:delete val="0"/>
+        <c:axPos val="b"/>
+        <c:title>
+          <c:tx>
+            <c:rich>
+              <a:bodyPr rot="0" spcFirstLastPara="1" vertOverflow="ellipsis" vert="horz" wrap="square" anchor="ctr" anchorCtr="1"/>
+              <a:lstStyle/>
+              <a:p>
+                <a:pPr>
+                  <a:defRPr sz="1000" b="0" i="0" u="none" strike="noStrike" kern="1200" baseline="0">
+                    <a:solidFill>
+                      <a:schemeClr val="tx1">
+                        <a:lumMod val="65000"/>
+                        <a:lumOff val="35000"/>
+                      </a:schemeClr>
+                    </a:solidFill>
+                    <a:latin typeface="+mn-lt"/>
+                    <a:ea typeface="+mn-ea"/>
+                    <a:cs typeface="+mn-cs"/>
+                  </a:defRPr>
+                </a:pPr>
+                <a:r>
+                  <a:rPr lang="en-US"/>
+                  <a:t>month</a:t>
+                </a:r>
+              </a:p>
+            </c:rich>
+          </c:tx>
+          <c:overlay val="0"/>
+          <c:spPr>
+            <a:noFill/>
+            <a:ln>
+              <a:noFill/>
+            </a:ln>
+            <a:effectLst/>
+          </c:spPr>
+          <c:txPr>
+            <a:bodyPr rot="0" spcFirstLastPara="1" vertOverflow="ellipsis" vert="horz" wrap="square" anchor="ctr" anchorCtr="1"/>
+            <a:lstStyle/>
+            <a:p>
+              <a:pPr>
+                <a:defRPr sz="1000" b="0" i="0" u="none" strike="noStrike" kern="1200" baseline="0">
+                  <a:solidFill>
+                    <a:schemeClr val="tx1">
+                      <a:lumMod val="65000"/>
+                      <a:lumOff val="35000"/>
+                    </a:schemeClr>
+                  </a:solidFill>
+                  <a:latin typeface="+mn-lt"/>
+                  <a:ea typeface="+mn-ea"/>
+                  <a:cs typeface="+mn-cs"/>
+                </a:defRPr>
+              </a:pPr>
+              <a:endParaRPr lang="en-US"/>
+            </a:p>
+          </c:txPr>
+        </c:title>
+        <c:majorTickMark val="none"/>
+        <c:minorTickMark val="none"/>
+        <c:tickLblPos val="nextTo"/>
+        <c:spPr>
+          <a:noFill/>
+          <a:ln w="9525" cap="flat" cmpd="sng" algn="ctr">
+            <a:solidFill>
+              <a:schemeClr val="tx1">
+                <a:lumMod val="15000"/>
+                <a:lumOff val="85000"/>
+              </a:schemeClr>
+            </a:solidFill>
+            <a:round/>
+          </a:ln>
+          <a:effectLst/>
+        </c:spPr>
+        <c:txPr>
+          <a:bodyPr rot="-60000000" spcFirstLastPara="1" vertOverflow="ellipsis" vert="horz" wrap="square" anchor="ctr" anchorCtr="1"/>
+          <a:lstStyle/>
+          <a:p>
+            <a:pPr>
+              <a:defRPr sz="900" b="0" i="0" u="none" strike="noStrike" kern="1200" baseline="0">
+                <a:solidFill>
+                  <a:schemeClr val="tx1">
+                    <a:lumMod val="65000"/>
+                    <a:lumOff val="35000"/>
+                  </a:schemeClr>
+                </a:solidFill>
+                <a:latin typeface="+mn-lt"/>
+                <a:ea typeface="+mn-ea"/>
+                <a:cs typeface="+mn-cs"/>
+              </a:defRPr>
+            </a:pPr>
+            <a:endParaRPr lang="en-US"/>
+          </a:p>
+        </c:txPr>
+        <c:crossAx val="1507708287"/>
+        <c:crosses val="autoZero"/>
+        <c:auto val="1"/>
+        <c:lblAlgn val="ctr"/>
+        <c:lblOffset val="100"/>
+        <c:noMultiLvlLbl val="0"/>
+      </c:catAx>
+      <c:valAx>
+        <c:axId val="1507708287"/>
+        <c:scaling>
+          <c:orientation val="minMax"/>
+        </c:scaling>
+        <c:delete val="0"/>
+        <c:axPos val="l"/>
+        <c:majorGridlines>
+          <c:spPr>
+            <a:ln w="9525" cap="flat" cmpd="sng" algn="ctr">
+              <a:solidFill>
+                <a:schemeClr val="tx1">
+                  <a:lumMod val="15000"/>
+                  <a:lumOff val="85000"/>
+                </a:schemeClr>
+              </a:solidFill>
+              <a:round/>
+            </a:ln>
+            <a:effectLst/>
+          </c:spPr>
+        </c:majorGridlines>
+        <c:title>
+          <c:tx>
+            <c:rich>
+              <a:bodyPr rot="-5400000" spcFirstLastPara="1" vertOverflow="ellipsis" vert="horz" wrap="square" anchor="ctr" anchorCtr="1"/>
+              <a:lstStyle/>
+              <a:p>
+                <a:pPr>
+                  <a:defRPr sz="1000" b="0" i="0" u="none" strike="noStrike" kern="1200" baseline="0">
+                    <a:solidFill>
+                      <a:schemeClr val="tx1">
+                        <a:lumMod val="65000"/>
+                        <a:lumOff val="35000"/>
+                      </a:schemeClr>
+                    </a:solidFill>
+                    <a:latin typeface="+mn-lt"/>
+                    <a:ea typeface="+mn-ea"/>
+                    <a:cs typeface="+mn-cs"/>
+                  </a:defRPr>
+                </a:pPr>
+                <a:r>
+                  <a:rPr lang="en-US"/>
+                  <a:t>water temp deg C</a:t>
+                </a:r>
+              </a:p>
+            </c:rich>
+          </c:tx>
+          <c:overlay val="0"/>
+          <c:spPr>
+            <a:noFill/>
+            <a:ln>
+              <a:noFill/>
+            </a:ln>
+            <a:effectLst/>
+          </c:spPr>
+          <c:txPr>
+            <a:bodyPr rot="-5400000" spcFirstLastPara="1" vertOverflow="ellipsis" vert="horz" wrap="square" anchor="ctr" anchorCtr="1"/>
+            <a:lstStyle/>
+            <a:p>
+              <a:pPr>
+                <a:defRPr sz="1000" b="0" i="0" u="none" strike="noStrike" kern="1200" baseline="0">
+                  <a:solidFill>
+                    <a:schemeClr val="tx1">
+                      <a:lumMod val="65000"/>
+                      <a:lumOff val="35000"/>
+                    </a:schemeClr>
+                  </a:solidFill>
+                  <a:latin typeface="+mn-lt"/>
+                  <a:ea typeface="+mn-ea"/>
+                  <a:cs typeface="+mn-cs"/>
+                </a:defRPr>
+              </a:pPr>
+              <a:endParaRPr lang="en-US"/>
+            </a:p>
+          </c:txPr>
+        </c:title>
+        <c:numFmt formatCode="General" sourceLinked="1"/>
+        <c:majorTickMark val="none"/>
+        <c:minorTickMark val="none"/>
+        <c:tickLblPos val="nextTo"/>
+        <c:spPr>
+          <a:noFill/>
+          <a:ln>
+            <a:noFill/>
+          </a:ln>
+          <a:effectLst/>
+        </c:spPr>
+        <c:txPr>
+          <a:bodyPr rot="-60000000" spcFirstLastPara="1" vertOverflow="ellipsis" vert="horz" wrap="square" anchor="ctr" anchorCtr="1"/>
+          <a:lstStyle/>
+          <a:p>
+            <a:pPr>
+              <a:defRPr sz="900" b="0" i="0" u="none" strike="noStrike" kern="1200" baseline="0">
+                <a:solidFill>
+                  <a:schemeClr val="tx1">
+                    <a:lumMod val="65000"/>
+                    <a:lumOff val="35000"/>
+                  </a:schemeClr>
+                </a:solidFill>
+                <a:latin typeface="+mn-lt"/>
+                <a:ea typeface="+mn-ea"/>
+                <a:cs typeface="+mn-cs"/>
+              </a:defRPr>
+            </a:pPr>
+            <a:endParaRPr lang="en-US"/>
+          </a:p>
+        </c:txPr>
+        <c:crossAx val="1538355407"/>
         <c:crosses val="autoZero"/>
         <c:crossBetween val="between"/>
       </c:valAx>
@@ -3532,6 +4649,46 @@
 </file>
 
 <file path=ppt/charts/colors3.xml><?xml version="1.0" encoding="utf-8"?>
+<cs:colorStyle xmlns:cs="http://schemas.microsoft.com/office/drawing/2012/chartStyle" xmlns:a="http://schemas.openxmlformats.org/drawingml/2006/main" meth="cycle" id="10">
+  <a:schemeClr val="accent1"/>
+  <a:schemeClr val="accent2"/>
+  <a:schemeClr val="accent3"/>
+  <a:schemeClr val="accent4"/>
+  <a:schemeClr val="accent5"/>
+  <a:schemeClr val="accent6"/>
+  <cs:variation/>
+  <cs:variation>
+    <a:lumMod val="60000"/>
+  </cs:variation>
+  <cs:variation>
+    <a:lumMod val="80000"/>
+    <a:lumOff val="20000"/>
+  </cs:variation>
+  <cs:variation>
+    <a:lumMod val="80000"/>
+  </cs:variation>
+  <cs:variation>
+    <a:lumMod val="60000"/>
+    <a:lumOff val="40000"/>
+  </cs:variation>
+  <cs:variation>
+    <a:lumMod val="50000"/>
+  </cs:variation>
+  <cs:variation>
+    <a:lumMod val="70000"/>
+    <a:lumOff val="30000"/>
+  </cs:variation>
+  <cs:variation>
+    <a:lumMod val="70000"/>
+  </cs:variation>
+  <cs:variation>
+    <a:lumMod val="50000"/>
+    <a:lumOff val="50000"/>
+  </cs:variation>
+</cs:colorStyle>
+</file>
+
+<file path=ppt/charts/colors4.xml><?xml version="1.0" encoding="utf-8"?>
 <cs:colorStyle xmlns:cs="http://schemas.microsoft.com/office/drawing/2012/chartStyle" xmlns:a="http://schemas.openxmlformats.org/drawingml/2006/main" meth="cycle" id="10">
   <a:schemeClr val="accent1"/>
   <a:schemeClr val="accent2"/>
@@ -5119,6 +6276,522 @@
 </cs:chartStyle>
 </file>
 
+<file path=ppt/charts/style4.xml><?xml version="1.0" encoding="utf-8"?>
+<cs:chartStyle xmlns:cs="http://schemas.microsoft.com/office/drawing/2012/chartStyle" xmlns:a="http://schemas.openxmlformats.org/drawingml/2006/main" id="227">
+  <cs:axisTitle>
+    <cs:lnRef idx="0"/>
+    <cs:fillRef idx="0"/>
+    <cs:effectRef idx="0"/>
+    <cs:fontRef idx="minor">
+      <a:schemeClr val="tx1">
+        <a:lumMod val="65000"/>
+        <a:lumOff val="35000"/>
+      </a:schemeClr>
+    </cs:fontRef>
+    <cs:defRPr sz="1000" kern="1200"/>
+  </cs:axisTitle>
+  <cs:categoryAxis>
+    <cs:lnRef idx="0"/>
+    <cs:fillRef idx="0"/>
+    <cs:effectRef idx="0"/>
+    <cs:fontRef idx="minor">
+      <a:schemeClr val="tx1">
+        <a:lumMod val="65000"/>
+        <a:lumOff val="35000"/>
+      </a:schemeClr>
+    </cs:fontRef>
+    <cs:spPr>
+      <a:ln w="9525" cap="flat" cmpd="sng" algn="ctr">
+        <a:solidFill>
+          <a:schemeClr val="tx1">
+            <a:lumMod val="15000"/>
+            <a:lumOff val="85000"/>
+          </a:schemeClr>
+        </a:solidFill>
+        <a:round/>
+      </a:ln>
+    </cs:spPr>
+    <cs:defRPr sz="900" kern="1200"/>
+  </cs:categoryAxis>
+  <cs:chartArea mods="allowNoFillOverride allowNoLineOverride">
+    <cs:lnRef idx="0"/>
+    <cs:fillRef idx="0"/>
+    <cs:effectRef idx="0"/>
+    <cs:fontRef idx="minor">
+      <a:schemeClr val="tx1"/>
+    </cs:fontRef>
+    <cs:spPr>
+      <a:solidFill>
+        <a:schemeClr val="bg1"/>
+      </a:solidFill>
+      <a:ln w="9525" cap="flat" cmpd="sng" algn="ctr">
+        <a:solidFill>
+          <a:schemeClr val="tx1">
+            <a:lumMod val="15000"/>
+            <a:lumOff val="85000"/>
+          </a:schemeClr>
+        </a:solidFill>
+        <a:round/>
+      </a:ln>
+    </cs:spPr>
+    <cs:defRPr sz="1000" kern="1200"/>
+  </cs:chartArea>
+  <cs:dataLabel>
+    <cs:lnRef idx="0"/>
+    <cs:fillRef idx="0"/>
+    <cs:effectRef idx="0"/>
+    <cs:fontRef idx="minor">
+      <a:schemeClr val="tx1">
+        <a:lumMod val="75000"/>
+        <a:lumOff val="25000"/>
+      </a:schemeClr>
+    </cs:fontRef>
+    <cs:defRPr sz="900" kern="1200"/>
+  </cs:dataLabel>
+  <cs:dataLabelCallout>
+    <cs:lnRef idx="0"/>
+    <cs:fillRef idx="0"/>
+    <cs:effectRef idx="0"/>
+    <cs:fontRef idx="minor">
+      <a:schemeClr val="dk1">
+        <a:lumMod val="65000"/>
+        <a:lumOff val="35000"/>
+      </a:schemeClr>
+    </cs:fontRef>
+    <cs:spPr>
+      <a:solidFill>
+        <a:schemeClr val="lt1"/>
+      </a:solidFill>
+      <a:ln>
+        <a:solidFill>
+          <a:schemeClr val="dk1">
+            <a:lumMod val="25000"/>
+            <a:lumOff val="75000"/>
+          </a:schemeClr>
+        </a:solidFill>
+      </a:ln>
+    </cs:spPr>
+    <cs:defRPr sz="900" kern="1200"/>
+    <cs:bodyPr rot="0" spcFirstLastPara="1" vertOverflow="clip" horzOverflow="clip" vert="horz" wrap="square" lIns="36576" tIns="18288" rIns="36576" bIns="18288" anchor="ctr" anchorCtr="1">
+      <a:spAutoFit/>
+    </cs:bodyPr>
+  </cs:dataLabelCallout>
+  <cs:dataPoint>
+    <cs:lnRef idx="0"/>
+    <cs:fillRef idx="1">
+      <cs:styleClr val="auto"/>
+    </cs:fillRef>
+    <cs:effectRef idx="0"/>
+    <cs:fontRef idx="minor">
+      <a:schemeClr val="tx1"/>
+    </cs:fontRef>
+    <cs:spPr>
+      <a:solidFill>
+        <a:schemeClr val="phClr"/>
+      </a:solidFill>
+    </cs:spPr>
+  </cs:dataPoint>
+  <cs:dataPoint3D>
+    <cs:lnRef idx="0"/>
+    <cs:fillRef idx="1">
+      <cs:styleClr val="auto"/>
+    </cs:fillRef>
+    <cs:effectRef idx="0"/>
+    <cs:fontRef idx="minor">
+      <a:schemeClr val="tx1"/>
+    </cs:fontRef>
+    <cs:spPr>
+      <a:solidFill>
+        <a:schemeClr val="phClr"/>
+      </a:solidFill>
+    </cs:spPr>
+  </cs:dataPoint3D>
+  <cs:dataPointLine>
+    <cs:lnRef idx="0">
+      <cs:styleClr val="auto"/>
+    </cs:lnRef>
+    <cs:fillRef idx="1"/>
+    <cs:effectRef idx="0"/>
+    <cs:fontRef idx="minor">
+      <a:schemeClr val="tx1"/>
+    </cs:fontRef>
+    <cs:spPr>
+      <a:ln w="28575" cap="rnd">
+        <a:solidFill>
+          <a:schemeClr val="phClr"/>
+        </a:solidFill>
+        <a:round/>
+      </a:ln>
+    </cs:spPr>
+  </cs:dataPointLine>
+  <cs:dataPointMarker>
+    <cs:lnRef idx="0">
+      <cs:styleClr val="auto"/>
+    </cs:lnRef>
+    <cs:fillRef idx="1">
+      <cs:styleClr val="auto"/>
+    </cs:fillRef>
+    <cs:effectRef idx="0"/>
+    <cs:fontRef idx="minor">
+      <a:schemeClr val="tx1"/>
+    </cs:fontRef>
+    <cs:spPr>
+      <a:solidFill>
+        <a:schemeClr val="phClr"/>
+      </a:solidFill>
+      <a:ln w="9525">
+        <a:solidFill>
+          <a:schemeClr val="phClr"/>
+        </a:solidFill>
+      </a:ln>
+    </cs:spPr>
+  </cs:dataPointMarker>
+  <cs:dataPointMarkerLayout symbol="circle" size="5"/>
+  <cs:dataPointWireframe>
+    <cs:lnRef idx="0">
+      <cs:styleClr val="auto"/>
+    </cs:lnRef>
+    <cs:fillRef idx="1"/>
+    <cs:effectRef idx="0"/>
+    <cs:fontRef idx="minor">
+      <a:schemeClr val="tx1"/>
+    </cs:fontRef>
+    <cs:spPr>
+      <a:ln w="9525" cap="rnd">
+        <a:solidFill>
+          <a:schemeClr val="phClr"/>
+        </a:solidFill>
+        <a:round/>
+      </a:ln>
+    </cs:spPr>
+  </cs:dataPointWireframe>
+  <cs:dataTable>
+    <cs:lnRef idx="0"/>
+    <cs:fillRef idx="0"/>
+    <cs:effectRef idx="0"/>
+    <cs:fontRef idx="minor">
+      <a:schemeClr val="tx1">
+        <a:lumMod val="65000"/>
+        <a:lumOff val="35000"/>
+      </a:schemeClr>
+    </cs:fontRef>
+    <cs:spPr>
+      <a:noFill/>
+      <a:ln w="9525" cap="flat" cmpd="sng" algn="ctr">
+        <a:solidFill>
+          <a:schemeClr val="tx1">
+            <a:lumMod val="15000"/>
+            <a:lumOff val="85000"/>
+          </a:schemeClr>
+        </a:solidFill>
+        <a:round/>
+      </a:ln>
+    </cs:spPr>
+    <cs:defRPr sz="900" kern="1200"/>
+  </cs:dataTable>
+  <cs:downBar>
+    <cs:lnRef idx="0"/>
+    <cs:fillRef idx="0"/>
+    <cs:effectRef idx="0"/>
+    <cs:fontRef idx="minor">
+      <a:schemeClr val="dk1"/>
+    </cs:fontRef>
+    <cs:spPr>
+      <a:solidFill>
+        <a:schemeClr val="dk1">
+          <a:lumMod val="65000"/>
+          <a:lumOff val="35000"/>
+        </a:schemeClr>
+      </a:solidFill>
+      <a:ln w="9525">
+        <a:solidFill>
+          <a:schemeClr val="tx1">
+            <a:lumMod val="65000"/>
+            <a:lumOff val="35000"/>
+          </a:schemeClr>
+        </a:solidFill>
+      </a:ln>
+    </cs:spPr>
+  </cs:downBar>
+  <cs:dropLine>
+    <cs:lnRef idx="0"/>
+    <cs:fillRef idx="0"/>
+    <cs:effectRef idx="0"/>
+    <cs:fontRef idx="minor">
+      <a:schemeClr val="tx1"/>
+    </cs:fontRef>
+    <cs:spPr>
+      <a:ln w="9525" cap="flat" cmpd="sng" algn="ctr">
+        <a:solidFill>
+          <a:schemeClr val="tx1">
+            <a:lumMod val="35000"/>
+            <a:lumOff val="65000"/>
+          </a:schemeClr>
+        </a:solidFill>
+        <a:round/>
+      </a:ln>
+    </cs:spPr>
+  </cs:dropLine>
+  <cs:errorBar>
+    <cs:lnRef idx="0"/>
+    <cs:fillRef idx="0"/>
+    <cs:effectRef idx="0"/>
+    <cs:fontRef idx="minor">
+      <a:schemeClr val="tx1"/>
+    </cs:fontRef>
+    <cs:spPr>
+      <a:ln w="9525" cap="flat" cmpd="sng" algn="ctr">
+        <a:solidFill>
+          <a:schemeClr val="tx1">
+            <a:lumMod val="65000"/>
+            <a:lumOff val="35000"/>
+          </a:schemeClr>
+        </a:solidFill>
+        <a:round/>
+      </a:ln>
+    </cs:spPr>
+  </cs:errorBar>
+  <cs:floor>
+    <cs:lnRef idx="0"/>
+    <cs:fillRef idx="0"/>
+    <cs:effectRef idx="0"/>
+    <cs:fontRef idx="minor">
+      <a:schemeClr val="tx1"/>
+    </cs:fontRef>
+    <cs:spPr>
+      <a:noFill/>
+      <a:ln>
+        <a:noFill/>
+      </a:ln>
+    </cs:spPr>
+  </cs:floor>
+  <cs:gridlineMajor>
+    <cs:lnRef idx="0"/>
+    <cs:fillRef idx="0"/>
+    <cs:effectRef idx="0"/>
+    <cs:fontRef idx="minor">
+      <a:schemeClr val="tx1"/>
+    </cs:fontRef>
+    <cs:spPr>
+      <a:ln w="9525" cap="flat" cmpd="sng" algn="ctr">
+        <a:solidFill>
+          <a:schemeClr val="tx1">
+            <a:lumMod val="15000"/>
+            <a:lumOff val="85000"/>
+          </a:schemeClr>
+        </a:solidFill>
+        <a:round/>
+      </a:ln>
+    </cs:spPr>
+  </cs:gridlineMajor>
+  <cs:gridlineMinor>
+    <cs:lnRef idx="0"/>
+    <cs:fillRef idx="0"/>
+    <cs:effectRef idx="0"/>
+    <cs:fontRef idx="minor">
+      <a:schemeClr val="tx1"/>
+    </cs:fontRef>
+    <cs:spPr>
+      <a:ln w="9525" cap="flat" cmpd="sng" algn="ctr">
+        <a:solidFill>
+          <a:schemeClr val="tx1">
+            <a:lumMod val="5000"/>
+            <a:lumOff val="95000"/>
+          </a:schemeClr>
+        </a:solidFill>
+        <a:round/>
+      </a:ln>
+    </cs:spPr>
+  </cs:gridlineMinor>
+  <cs:hiLoLine>
+    <cs:lnRef idx="0"/>
+    <cs:fillRef idx="0"/>
+    <cs:effectRef idx="0"/>
+    <cs:fontRef idx="minor">
+      <a:schemeClr val="tx1"/>
+    </cs:fontRef>
+    <cs:spPr>
+      <a:ln w="9525" cap="flat" cmpd="sng" algn="ctr">
+        <a:solidFill>
+          <a:schemeClr val="tx1">
+            <a:lumMod val="75000"/>
+            <a:lumOff val="25000"/>
+          </a:schemeClr>
+        </a:solidFill>
+        <a:round/>
+      </a:ln>
+    </cs:spPr>
+  </cs:hiLoLine>
+  <cs:leaderLine>
+    <cs:lnRef idx="0"/>
+    <cs:fillRef idx="0"/>
+    <cs:effectRef idx="0"/>
+    <cs:fontRef idx="minor">
+      <a:schemeClr val="tx1"/>
+    </cs:fontRef>
+    <cs:spPr>
+      <a:ln w="9525" cap="flat" cmpd="sng" algn="ctr">
+        <a:solidFill>
+          <a:schemeClr val="tx1">
+            <a:lumMod val="35000"/>
+            <a:lumOff val="65000"/>
+          </a:schemeClr>
+        </a:solidFill>
+        <a:round/>
+      </a:ln>
+    </cs:spPr>
+  </cs:leaderLine>
+  <cs:legend>
+    <cs:lnRef idx="0"/>
+    <cs:fillRef idx="0"/>
+    <cs:effectRef idx="0"/>
+    <cs:fontRef idx="minor">
+      <a:schemeClr val="tx1">
+        <a:lumMod val="65000"/>
+        <a:lumOff val="35000"/>
+      </a:schemeClr>
+    </cs:fontRef>
+    <cs:defRPr sz="900" kern="1200"/>
+  </cs:legend>
+  <cs:plotArea mods="allowNoFillOverride allowNoLineOverride">
+    <cs:lnRef idx="0"/>
+    <cs:fillRef idx="0"/>
+    <cs:effectRef idx="0"/>
+    <cs:fontRef idx="minor">
+      <a:schemeClr val="tx1"/>
+    </cs:fontRef>
+  </cs:plotArea>
+  <cs:plotArea3D mods="allowNoFillOverride allowNoLineOverride">
+    <cs:lnRef idx="0"/>
+    <cs:fillRef idx="0"/>
+    <cs:effectRef idx="0"/>
+    <cs:fontRef idx="minor">
+      <a:schemeClr val="tx1"/>
+    </cs:fontRef>
+  </cs:plotArea3D>
+  <cs:seriesAxis>
+    <cs:lnRef idx="0"/>
+    <cs:fillRef idx="0"/>
+    <cs:effectRef idx="0"/>
+    <cs:fontRef idx="minor">
+      <a:schemeClr val="tx1">
+        <a:lumMod val="65000"/>
+        <a:lumOff val="35000"/>
+      </a:schemeClr>
+    </cs:fontRef>
+    <cs:defRPr sz="900" kern="1200"/>
+  </cs:seriesAxis>
+  <cs:seriesLine>
+    <cs:lnRef idx="0"/>
+    <cs:fillRef idx="0"/>
+    <cs:effectRef idx="0"/>
+    <cs:fontRef idx="minor">
+      <a:schemeClr val="tx1"/>
+    </cs:fontRef>
+    <cs:spPr>
+      <a:ln w="9525" cap="flat" cmpd="sng" algn="ctr">
+        <a:solidFill>
+          <a:schemeClr val="tx1">
+            <a:lumMod val="35000"/>
+            <a:lumOff val="65000"/>
+          </a:schemeClr>
+        </a:solidFill>
+        <a:round/>
+      </a:ln>
+    </cs:spPr>
+  </cs:seriesLine>
+  <cs:title>
+    <cs:lnRef idx="0"/>
+    <cs:fillRef idx="0"/>
+    <cs:effectRef idx="0"/>
+    <cs:fontRef idx="minor">
+      <a:schemeClr val="tx1">
+        <a:lumMod val="65000"/>
+        <a:lumOff val="35000"/>
+      </a:schemeClr>
+    </cs:fontRef>
+    <cs:defRPr sz="1400" b="0" kern="1200" spc="0" baseline="0"/>
+  </cs:title>
+  <cs:trendline>
+    <cs:lnRef idx="0">
+      <cs:styleClr val="auto"/>
+    </cs:lnRef>
+    <cs:fillRef idx="0"/>
+    <cs:effectRef idx="0"/>
+    <cs:fontRef idx="minor">
+      <a:schemeClr val="tx1"/>
+    </cs:fontRef>
+    <cs:spPr>
+      <a:ln w="19050" cap="rnd">
+        <a:solidFill>
+          <a:schemeClr val="phClr"/>
+        </a:solidFill>
+        <a:prstDash val="sysDot"/>
+      </a:ln>
+    </cs:spPr>
+  </cs:trendline>
+  <cs:trendlineLabel>
+    <cs:lnRef idx="0"/>
+    <cs:fillRef idx="0"/>
+    <cs:effectRef idx="0"/>
+    <cs:fontRef idx="minor">
+      <a:schemeClr val="tx1">
+        <a:lumMod val="65000"/>
+        <a:lumOff val="35000"/>
+      </a:schemeClr>
+    </cs:fontRef>
+    <cs:defRPr sz="900" kern="1200"/>
+  </cs:trendlineLabel>
+  <cs:upBar>
+    <cs:lnRef idx="0"/>
+    <cs:fillRef idx="0"/>
+    <cs:effectRef idx="0"/>
+    <cs:fontRef idx="minor">
+      <a:schemeClr val="dk1"/>
+    </cs:fontRef>
+    <cs:spPr>
+      <a:solidFill>
+        <a:schemeClr val="lt1"/>
+      </a:solidFill>
+      <a:ln w="9525">
+        <a:solidFill>
+          <a:schemeClr val="tx1">
+            <a:lumMod val="15000"/>
+            <a:lumOff val="85000"/>
+          </a:schemeClr>
+        </a:solidFill>
+      </a:ln>
+    </cs:spPr>
+  </cs:upBar>
+  <cs:valueAxis>
+    <cs:lnRef idx="0"/>
+    <cs:fillRef idx="0"/>
+    <cs:effectRef idx="0"/>
+    <cs:fontRef idx="minor">
+      <a:schemeClr val="tx1">
+        <a:lumMod val="65000"/>
+        <a:lumOff val="35000"/>
+      </a:schemeClr>
+    </cs:fontRef>
+    <cs:defRPr sz="900" kern="1200"/>
+  </cs:valueAxis>
+  <cs:wall>
+    <cs:lnRef idx="0"/>
+    <cs:fillRef idx="0"/>
+    <cs:effectRef idx="0"/>
+    <cs:fontRef idx="minor">
+      <a:schemeClr val="tx1"/>
+    </cs:fontRef>
+    <cs:spPr>
+      <a:noFill/>
+      <a:ln>
+        <a:noFill/>
+      </a:ln>
+    </cs:spPr>
+  </cs:wall>
+</cs:chartStyle>
+</file>
+
 <file path=ppt/slideLayouts/slideLayout1.xml><?xml version="1.0" encoding="utf-8"?>
 <p:sldLayout xmlns:a="http://schemas.openxmlformats.org/drawingml/2006/main" xmlns:r="http://schemas.openxmlformats.org/officeDocument/2006/relationships" xmlns:p="http://schemas.openxmlformats.org/presentationml/2006/main" type="title" preserve="1">
   <p:cSld name="Title Slide">
@@ -5266,7 +6939,7 @@
           <a:p>
             <a:fld id="{A1271B54-4FE3-4F00-A9A1-C0715B607BDA}" type="datetimeFigureOut">
               <a:rPr lang="en-US" smtClean="0"/>
-              <a:t>12/3/2020</a:t>
+              <a:t>1/2/2021</a:t>
             </a:fld>
             <a:endParaRPr lang="en-US"/>
           </a:p>
@@ -5464,7 +7137,7 @@
           <a:p>
             <a:fld id="{A1271B54-4FE3-4F00-A9A1-C0715B607BDA}" type="datetimeFigureOut">
               <a:rPr lang="en-US" smtClean="0"/>
-              <a:t>12/3/2020</a:t>
+              <a:t>1/2/2021</a:t>
             </a:fld>
             <a:endParaRPr lang="en-US"/>
           </a:p>
@@ -5672,7 +7345,7 @@
           <a:p>
             <a:fld id="{A1271B54-4FE3-4F00-A9A1-C0715B607BDA}" type="datetimeFigureOut">
               <a:rPr lang="en-US" smtClean="0"/>
-              <a:t>12/3/2020</a:t>
+              <a:t>1/2/2021</a:t>
             </a:fld>
             <a:endParaRPr lang="en-US"/>
           </a:p>
@@ -5870,7 +7543,7 @@
           <a:p>
             <a:fld id="{A1271B54-4FE3-4F00-A9A1-C0715B607BDA}" type="datetimeFigureOut">
               <a:rPr lang="en-US" smtClean="0"/>
-              <a:t>12/3/2020</a:t>
+              <a:t>1/2/2021</a:t>
             </a:fld>
             <a:endParaRPr lang="en-US"/>
           </a:p>
@@ -6145,7 +7818,7 @@
           <a:p>
             <a:fld id="{A1271B54-4FE3-4F00-A9A1-C0715B607BDA}" type="datetimeFigureOut">
               <a:rPr lang="en-US" smtClean="0"/>
-              <a:t>12/3/2020</a:t>
+              <a:t>1/2/2021</a:t>
             </a:fld>
             <a:endParaRPr lang="en-US"/>
           </a:p>
@@ -6410,7 +8083,7 @@
           <a:p>
             <a:fld id="{A1271B54-4FE3-4F00-A9A1-C0715B607BDA}" type="datetimeFigureOut">
               <a:rPr lang="en-US" smtClean="0"/>
-              <a:t>12/3/2020</a:t>
+              <a:t>1/2/2021</a:t>
             </a:fld>
             <a:endParaRPr lang="en-US"/>
           </a:p>
@@ -6822,7 +8495,7 @@
           <a:p>
             <a:fld id="{A1271B54-4FE3-4F00-A9A1-C0715B607BDA}" type="datetimeFigureOut">
               <a:rPr lang="en-US" smtClean="0"/>
-              <a:t>12/3/2020</a:t>
+              <a:t>1/2/2021</a:t>
             </a:fld>
             <a:endParaRPr lang="en-US"/>
           </a:p>
@@ -6963,7 +8636,7 @@
           <a:p>
             <a:fld id="{A1271B54-4FE3-4F00-A9A1-C0715B607BDA}" type="datetimeFigureOut">
               <a:rPr lang="en-US" smtClean="0"/>
-              <a:t>12/3/2020</a:t>
+              <a:t>1/2/2021</a:t>
             </a:fld>
             <a:endParaRPr lang="en-US"/>
           </a:p>
@@ -7076,7 +8749,7 @@
           <a:p>
             <a:fld id="{A1271B54-4FE3-4F00-A9A1-C0715B607BDA}" type="datetimeFigureOut">
               <a:rPr lang="en-US" smtClean="0"/>
-              <a:t>12/3/2020</a:t>
+              <a:t>1/2/2021</a:t>
             </a:fld>
             <a:endParaRPr lang="en-US"/>
           </a:p>
@@ -7387,7 +9060,7 @@
           <a:p>
             <a:fld id="{A1271B54-4FE3-4F00-A9A1-C0715B607BDA}" type="datetimeFigureOut">
               <a:rPr lang="en-US" smtClean="0"/>
-              <a:t>12/3/2020</a:t>
+              <a:t>1/2/2021</a:t>
             </a:fld>
             <a:endParaRPr lang="en-US"/>
           </a:p>
@@ -7675,7 +9348,7 @@
           <a:p>
             <a:fld id="{A1271B54-4FE3-4F00-A9A1-C0715B607BDA}" type="datetimeFigureOut">
               <a:rPr lang="en-US" smtClean="0"/>
-              <a:t>12/3/2020</a:t>
+              <a:t>1/2/2021</a:t>
             </a:fld>
             <a:endParaRPr lang="en-US"/>
           </a:p>
@@ -7916,7 +9589,7 @@
           <a:p>
             <a:fld id="{A1271B54-4FE3-4F00-A9A1-C0715B607BDA}" type="datetimeFigureOut">
               <a:rPr lang="en-US" smtClean="0"/>
-              <a:t>12/3/2020</a:t>
+              <a:t>1/2/2021</a:t>
             </a:fld>
             <a:endParaRPr lang="en-US"/>
           </a:p>
@@ -10242,36 +11915,6 @@
       </p:pic>
       <p:graphicFrame>
         <p:nvGraphicFramePr>
-          <p:cNvPr id="4" name="Chart 3">
-            <a:extLst>
-              <a:ext uri="{FF2B5EF4-FFF2-40B4-BE49-F238E27FC236}">
-                <a16:creationId xmlns:a16="http://schemas.microsoft.com/office/drawing/2014/main" id="{EADB82B3-D7B3-46DD-99C5-60BF663677C2}"/>
-              </a:ext>
-            </a:extLst>
-          </p:cNvPr>
-          <p:cNvGraphicFramePr>
-            <a:graphicFrameLocks/>
-          </p:cNvGraphicFramePr>
-          <p:nvPr>
-            <p:extLst>
-              <p:ext uri="{D42A27DB-BD31-4B8C-83A1-F6EECF244321}">
-                <p14:modId xmlns:p14="http://schemas.microsoft.com/office/powerpoint/2010/main" val="3003859335"/>
-              </p:ext>
-            </p:extLst>
-          </p:nvPr>
-        </p:nvGraphicFramePr>
-        <p:xfrm>
-          <a:off x="6221506" y="0"/>
-          <a:ext cx="5970494" cy="3828419"/>
-        </p:xfrm>
-        <a:graphic>
-          <a:graphicData uri="http://schemas.openxmlformats.org/drawingml/2006/chart">
-            <c:chart xmlns:c="http://schemas.openxmlformats.org/drawingml/2006/chart" xmlns:r="http://schemas.openxmlformats.org/officeDocument/2006/relationships" r:id="rId3"/>
-          </a:graphicData>
-        </a:graphic>
-      </p:graphicFrame>
-      <p:graphicFrame>
-        <p:nvGraphicFramePr>
           <p:cNvPr id="5" name="Chart 4">
             <a:extLst>
               <a:ext uri="{FF2B5EF4-FFF2-40B4-BE49-F238E27FC236}">
@@ -10285,7 +11928,7 @@
           <p:nvPr>
             <p:extLst>
               <p:ext uri="{D42A27DB-BD31-4B8C-83A1-F6EECF244321}">
-                <p14:modId xmlns:p14="http://schemas.microsoft.com/office/powerpoint/2010/main" val="476953204"/>
+                <p14:modId xmlns:p14="http://schemas.microsoft.com/office/powerpoint/2010/main" val="897734998"/>
               </p:ext>
             </p:extLst>
           </p:nvPr>
@@ -10296,7 +11939,67 @@
         </p:xfrm>
         <a:graphic>
           <a:graphicData uri="http://schemas.openxmlformats.org/drawingml/2006/chart">
+            <c:chart xmlns:c="http://schemas.openxmlformats.org/drawingml/2006/chart" xmlns:r="http://schemas.openxmlformats.org/officeDocument/2006/relationships" r:id="rId3"/>
+          </a:graphicData>
+        </a:graphic>
+      </p:graphicFrame>
+      <p:graphicFrame>
+        <p:nvGraphicFramePr>
+          <p:cNvPr id="7" name="Chart 6">
+            <a:extLst>
+              <a:ext uri="{FF2B5EF4-FFF2-40B4-BE49-F238E27FC236}">
+                <a16:creationId xmlns:a16="http://schemas.microsoft.com/office/drawing/2014/main" id="{EADB82B3-D7B3-46DD-99C5-60BF663677C2}"/>
+              </a:ext>
+            </a:extLst>
+          </p:cNvPr>
+          <p:cNvGraphicFramePr>
+            <a:graphicFrameLocks/>
+          </p:cNvGraphicFramePr>
+          <p:nvPr>
+            <p:extLst>
+              <p:ext uri="{D42A27DB-BD31-4B8C-83A1-F6EECF244321}">
+                <p14:modId xmlns:p14="http://schemas.microsoft.com/office/powerpoint/2010/main" val="3050283748"/>
+              </p:ext>
+            </p:extLst>
+          </p:nvPr>
+        </p:nvGraphicFramePr>
+        <p:xfrm>
+          <a:off x="6221505" y="0"/>
+          <a:ext cx="5970493" cy="3577701"/>
+        </p:xfrm>
+        <a:graphic>
+          <a:graphicData uri="http://schemas.openxmlformats.org/drawingml/2006/chart">
             <c:chart xmlns:c="http://schemas.openxmlformats.org/drawingml/2006/chart" xmlns:r="http://schemas.openxmlformats.org/officeDocument/2006/relationships" r:id="rId4"/>
+          </a:graphicData>
+        </a:graphic>
+      </p:graphicFrame>
+      <p:graphicFrame>
+        <p:nvGraphicFramePr>
+          <p:cNvPr id="8" name="Chart 7">
+            <a:extLst>
+              <a:ext uri="{FF2B5EF4-FFF2-40B4-BE49-F238E27FC236}">
+                <a16:creationId xmlns:a16="http://schemas.microsoft.com/office/drawing/2014/main" id="{93324D80-1113-4CD3-B172-CDF67A353549}"/>
+              </a:ext>
+            </a:extLst>
+          </p:cNvPr>
+          <p:cNvGraphicFramePr>
+            <a:graphicFrameLocks/>
+          </p:cNvGraphicFramePr>
+          <p:nvPr>
+            <p:extLst>
+              <p:ext uri="{D42A27DB-BD31-4B8C-83A1-F6EECF244321}">
+                <p14:modId xmlns:p14="http://schemas.microsoft.com/office/powerpoint/2010/main" val="2794388077"/>
+              </p:ext>
+            </p:extLst>
+          </p:nvPr>
+        </p:nvGraphicFramePr>
+        <p:xfrm>
+          <a:off x="6551720" y="3577700"/>
+          <a:ext cx="5640278" cy="3280299"/>
+        </p:xfrm>
+        <a:graphic>
+          <a:graphicData uri="http://schemas.openxmlformats.org/drawingml/2006/chart">
+            <c:chart xmlns:c="http://schemas.openxmlformats.org/drawingml/2006/chart" xmlns:r="http://schemas.openxmlformats.org/officeDocument/2006/relationships" r:id="rId5"/>
           </a:graphicData>
         </a:graphic>
       </p:graphicFrame>
@@ -10304,6 +12007,101 @@
     <p:extLst>
       <p:ext uri="{BB962C8B-B14F-4D97-AF65-F5344CB8AC3E}">
         <p14:creationId xmlns:p14="http://schemas.microsoft.com/office/powerpoint/2010/main" val="3077694670"/>
+      </p:ext>
+    </p:extLst>
+  </p:cSld>
+  <p:clrMapOvr>
+    <a:masterClrMapping/>
+  </p:clrMapOvr>
+</p:sld>
+</file>
+
+<file path=ppt/slides/slide9.xml><?xml version="1.0" encoding="utf-8"?>
+<p:sld xmlns:a="http://schemas.openxmlformats.org/drawingml/2006/main" xmlns:r="http://schemas.openxmlformats.org/officeDocument/2006/relationships" xmlns:p="http://schemas.openxmlformats.org/presentationml/2006/main">
+  <p:cSld>
+    <p:spTree>
+      <p:nvGrpSpPr>
+        <p:cNvPr id="1" name=""/>
+        <p:cNvGrpSpPr/>
+        <p:nvPr/>
+      </p:nvGrpSpPr>
+      <p:grpSpPr>
+        <a:xfrm>
+          <a:off x="0" y="0"/>
+          <a:ext cx="0" cy="0"/>
+          <a:chOff x="0" y="0"/>
+          <a:chExt cx="0" cy="0"/>
+        </a:xfrm>
+      </p:grpSpPr>
+      <p:pic>
+        <p:nvPicPr>
+          <p:cNvPr id="3" name="Picture 2">
+            <a:extLst>
+              <a:ext uri="{FF2B5EF4-FFF2-40B4-BE49-F238E27FC236}">
+                <a16:creationId xmlns:a16="http://schemas.microsoft.com/office/drawing/2014/main" id="{06A2A998-FE11-4F2D-B5DC-F3EAAC7B456A}"/>
+              </a:ext>
+            </a:extLst>
+          </p:cNvPr>
+          <p:cNvPicPr>
+            <a:picLocks noChangeAspect="1"/>
+          </p:cNvPicPr>
+          <p:nvPr/>
+        </p:nvPicPr>
+        <p:blipFill>
+          <a:blip r:embed="rId2"/>
+          <a:stretch>
+            <a:fillRect/>
+          </a:stretch>
+        </p:blipFill>
+        <p:spPr>
+          <a:xfrm>
+            <a:off x="1728787" y="890587"/>
+            <a:ext cx="8734425" cy="5076825"/>
+          </a:xfrm>
+          <a:prstGeom prst="rect">
+            <a:avLst/>
+          </a:prstGeom>
+        </p:spPr>
+      </p:pic>
+      <p:sp>
+        <p:nvSpPr>
+          <p:cNvPr id="4" name="TextBox 3">
+            <a:extLst>
+              <a:ext uri="{FF2B5EF4-FFF2-40B4-BE49-F238E27FC236}">
+                <a16:creationId xmlns:a16="http://schemas.microsoft.com/office/drawing/2014/main" id="{7DEC363B-C841-42F7-9A30-FADDD8E853ED}"/>
+              </a:ext>
+            </a:extLst>
+          </p:cNvPr>
+          <p:cNvSpPr txBox="1"/>
+          <p:nvPr/>
+        </p:nvSpPr>
+        <p:spPr>
+          <a:xfrm>
+            <a:off x="887896" y="768626"/>
+            <a:ext cx="2059025" cy="369332"/>
+          </a:xfrm>
+          <a:prstGeom prst="rect">
+            <a:avLst/>
+          </a:prstGeom>
+          <a:noFill/>
+        </p:spPr>
+        <p:txBody>
+          <a:bodyPr wrap="none" rtlCol="0">
+            <a:spAutoFit/>
+          </a:bodyPr>
+          <a:lstStyle/>
+          <a:p>
+            <a:r>
+              <a:rPr lang="en-US" dirty="0"/>
+              <a:t>C214 Lookout Creek</a:t>
+            </a:r>
+          </a:p>
+        </p:txBody>
+      </p:sp>
+    </p:spTree>
+    <p:extLst>
+      <p:ext uri="{BB962C8B-B14F-4D97-AF65-F5344CB8AC3E}">
+        <p14:creationId xmlns:p14="http://schemas.microsoft.com/office/powerpoint/2010/main" val="3018376829"/>
       </p:ext>
     </p:extLst>
   </p:cSld>
